--- a/Slides/drawings.pptx
+++ b/Slides/drawings.pptx
@@ -290,7 +290,7 @@
             <a:fld id="{1D8BD707-D9CF-40AE-B4C6-C98DA3205C09}" type="datetimeFigureOut">
               <a:rPr lang="en-US" smtClean="0"/>
               <a:pPr/>
-              <a:t>7/14/2016</a:t>
+              <a:t>7/20/2016</a:t>
             </a:fld>
             <a:endParaRPr lang="en-US"/>
           </a:p>
@@ -457,7 +457,7 @@
             <a:fld id="{1D8BD707-D9CF-40AE-B4C6-C98DA3205C09}" type="datetimeFigureOut">
               <a:rPr lang="en-US" smtClean="0"/>
               <a:pPr/>
-              <a:t>7/14/2016</a:t>
+              <a:t>7/20/2016</a:t>
             </a:fld>
             <a:endParaRPr lang="en-US"/>
           </a:p>
@@ -634,7 +634,7 @@
             <a:fld id="{1D8BD707-D9CF-40AE-B4C6-C98DA3205C09}" type="datetimeFigureOut">
               <a:rPr lang="en-US" smtClean="0"/>
               <a:pPr/>
-              <a:t>7/14/2016</a:t>
+              <a:t>7/20/2016</a:t>
             </a:fld>
             <a:endParaRPr lang="en-US"/>
           </a:p>
@@ -801,7 +801,7 @@
             <a:fld id="{1D8BD707-D9CF-40AE-B4C6-C98DA3205C09}" type="datetimeFigureOut">
               <a:rPr lang="en-US" smtClean="0"/>
               <a:pPr/>
-              <a:t>7/14/2016</a:t>
+              <a:t>7/20/2016</a:t>
             </a:fld>
             <a:endParaRPr lang="en-US"/>
           </a:p>
@@ -1044,7 +1044,7 @@
             <a:fld id="{1D8BD707-D9CF-40AE-B4C6-C98DA3205C09}" type="datetimeFigureOut">
               <a:rPr lang="en-US" smtClean="0"/>
               <a:pPr/>
-              <a:t>7/14/2016</a:t>
+              <a:t>7/20/2016</a:t>
             </a:fld>
             <a:endParaRPr lang="en-US"/>
           </a:p>
@@ -1329,7 +1329,7 @@
             <a:fld id="{1D8BD707-D9CF-40AE-B4C6-C98DA3205C09}" type="datetimeFigureOut">
               <a:rPr lang="en-US" smtClean="0"/>
               <a:pPr/>
-              <a:t>7/14/2016</a:t>
+              <a:t>7/20/2016</a:t>
             </a:fld>
             <a:endParaRPr lang="en-US"/>
           </a:p>
@@ -1748,7 +1748,7 @@
             <a:fld id="{1D8BD707-D9CF-40AE-B4C6-C98DA3205C09}" type="datetimeFigureOut">
               <a:rPr lang="en-US" smtClean="0"/>
               <a:pPr/>
-              <a:t>7/14/2016</a:t>
+              <a:t>7/20/2016</a:t>
             </a:fld>
             <a:endParaRPr lang="en-US"/>
           </a:p>
@@ -1863,7 +1863,7 @@
             <a:fld id="{1D8BD707-D9CF-40AE-B4C6-C98DA3205C09}" type="datetimeFigureOut">
               <a:rPr lang="en-US" smtClean="0"/>
               <a:pPr/>
-              <a:t>7/14/2016</a:t>
+              <a:t>7/20/2016</a:t>
             </a:fld>
             <a:endParaRPr lang="en-US"/>
           </a:p>
@@ -1955,7 +1955,7 @@
             <a:fld id="{1D8BD707-D9CF-40AE-B4C6-C98DA3205C09}" type="datetimeFigureOut">
               <a:rPr lang="en-US" smtClean="0"/>
               <a:pPr/>
-              <a:t>7/14/2016</a:t>
+              <a:t>7/20/2016</a:t>
             </a:fld>
             <a:endParaRPr lang="en-US"/>
           </a:p>
@@ -2229,7 +2229,7 @@
             <a:fld id="{1D8BD707-D9CF-40AE-B4C6-C98DA3205C09}" type="datetimeFigureOut">
               <a:rPr lang="en-US" smtClean="0"/>
               <a:pPr/>
-              <a:t>7/14/2016</a:t>
+              <a:t>7/20/2016</a:t>
             </a:fld>
             <a:endParaRPr lang="en-US"/>
           </a:p>
@@ -2479,7 +2479,7 @@
             <a:fld id="{1D8BD707-D9CF-40AE-B4C6-C98DA3205C09}" type="datetimeFigureOut">
               <a:rPr lang="en-US" smtClean="0"/>
               <a:pPr/>
-              <a:t>7/14/2016</a:t>
+              <a:t>7/20/2016</a:t>
             </a:fld>
             <a:endParaRPr lang="en-US"/>
           </a:p>
@@ -2689,7 +2689,7 @@
             <a:fld id="{1D8BD707-D9CF-40AE-B4C6-C98DA3205C09}" type="datetimeFigureOut">
               <a:rPr lang="en-US" smtClean="0"/>
               <a:pPr/>
-              <a:t>7/14/2016</a:t>
+              <a:t>7/20/2016</a:t>
             </a:fld>
             <a:endParaRPr lang="en-US"/>
           </a:p>
@@ -6697,8 +6697,8 @@
         </p:nvSpPr>
         <p:spPr>
           <a:xfrm>
-            <a:off x="2667000" y="4038600"/>
-            <a:ext cx="3877744" cy="521564"/>
+            <a:off x="2667000" y="3036163"/>
+            <a:ext cx="3877744" cy="661385"/>
           </a:xfrm>
           <a:prstGeom prst="roundRect">
             <a:avLst/>
@@ -6728,7 +6728,15 @@
                   <a:schemeClr val="dk1"/>
                 </a:solidFill>
               </a:rPr>
-              <a:t>Time Series: News Discovery</a:t>
+              <a:t>Time Series: </a:t>
+            </a:r>
+            <a:r>
+              <a:rPr lang="en-US" sz="2000" dirty="0" smtClean="0">
+                <a:solidFill>
+                  <a:schemeClr val="dk1"/>
+                </a:solidFill>
+              </a:rPr>
+              <a:t>Rank-aware Event Window Discovery</a:t>
             </a:r>
             <a:endParaRPr lang="en-US" sz="2000" dirty="0">
               <a:solidFill>
@@ -6746,8 +6754,8 @@
         </p:nvSpPr>
         <p:spPr>
           <a:xfrm>
-            <a:off x="2667000" y="3092479"/>
-            <a:ext cx="3877744" cy="565121"/>
+            <a:off x="2667000" y="4051847"/>
+            <a:ext cx="3877744" cy="495070"/>
           </a:xfrm>
           <a:prstGeom prst="roundRect">
             <a:avLst/>
@@ -6777,7 +6785,23 @@
                   <a:schemeClr val="dk1"/>
                 </a:solidFill>
               </a:rPr>
-              <a:t>Trajectory: Co-movement Mining</a:t>
+              <a:t>Trajectory: </a:t>
+            </a:r>
+            <a:r>
+              <a:rPr lang="en-US" sz="2000" dirty="0" smtClean="0"/>
+              <a:t> </a:t>
+            </a:r>
+            <a:r>
+              <a:rPr lang="en-US" sz="2000" dirty="0" smtClean="0"/>
+              <a:t>Movement </a:t>
+            </a:r>
+            <a:r>
+              <a:rPr lang="en-US" sz="2000" dirty="0" smtClean="0">
+                <a:solidFill>
+                  <a:schemeClr val="dk1"/>
+                </a:solidFill>
+              </a:rPr>
+              <a:t>Mining</a:t>
             </a:r>
             <a:endParaRPr lang="en-US" sz="2000" dirty="0">
               <a:solidFill>
@@ -6984,8 +7008,8 @@
         </p:nvCxnSpPr>
         <p:spPr>
           <a:xfrm flipV="1">
-            <a:off x="2049261" y="3375040"/>
-            <a:ext cx="617739" cy="940433"/>
+            <a:off x="2049261" y="4299382"/>
+            <a:ext cx="617739" cy="16091"/>
           </a:xfrm>
           <a:prstGeom prst="straightConnector1">
             <a:avLst/>
@@ -7025,7 +7049,7 @@
         <p:spPr>
           <a:xfrm flipH="1">
             <a:off x="6544744" y="3366856"/>
-            <a:ext cx="537510" cy="8184"/>
+            <a:ext cx="537510" cy="932526"/>
           </a:xfrm>
           <a:prstGeom prst="straightConnector1">
             <a:avLst/>
@@ -7065,7 +7089,7 @@
         <p:spPr>
           <a:xfrm>
             <a:off x="1932372" y="2467436"/>
-            <a:ext cx="734628" cy="1831946"/>
+            <a:ext cx="734628" cy="899420"/>
           </a:xfrm>
           <a:prstGeom prst="straightConnector1">
             <a:avLst/>
@@ -7107,8 +7131,8 @@
         </p:nvCxnSpPr>
         <p:spPr>
           <a:xfrm flipV="1">
-            <a:off x="2049261" y="4299382"/>
-            <a:ext cx="617739" cy="16091"/>
+            <a:off x="2049261" y="3366856"/>
+            <a:ext cx="617739" cy="948617"/>
           </a:xfrm>
           <a:prstGeom prst="straightConnector1">
             <a:avLst/>
@@ -7151,7 +7175,7 @@
         <p:spPr>
           <a:xfrm flipH="1">
             <a:off x="6544744" y="2467436"/>
-            <a:ext cx="551287" cy="1831946"/>
+            <a:ext cx="551287" cy="899420"/>
           </a:xfrm>
           <a:prstGeom prst="straightConnector1">
             <a:avLst/>
@@ -7182,8 +7206,8 @@
           </a:fontRef>
         </p:style>
       </p:cxnSp>
-      <mc:AlternateContent xmlns:mc="http://schemas.openxmlformats.org/markup-compatibility/2006">
-        <mc:Choice xmlns:a14="http://schemas.microsoft.com/office/drawing/2010/main" Requires="a14">
+      <mc:AlternateContent xmlns:mc="http://schemas.openxmlformats.org/markup-compatibility/2006" xmlns:a14="http://schemas.microsoft.com/office/drawing/2010/main">
+        <mc:Choice Requires="a14">
           <p:sp>
             <p:nvSpPr>
               <p:cNvPr id="90" name="Rounded Rectangle 89"/>
@@ -7249,7 +7273,7 @@
             </p:txBody>
           </p:sp>
         </mc:Choice>
-        <mc:Fallback>
+        <mc:Fallback xmlns="">
           <p:sp>
             <p:nvSpPr>
               <p:cNvPr id="90" name="Rounded Rectangle 89"/>
@@ -7492,9 +7516,9 @@
           <p:nvPr/>
         </p:nvCxnSpPr>
         <p:spPr>
-          <a:xfrm flipH="1">
-            <a:off x="6544744" y="4299382"/>
-            <a:ext cx="537510" cy="0"/>
+          <a:xfrm flipH="1" flipV="1">
+            <a:off x="6544744" y="3366856"/>
+            <a:ext cx="537510" cy="932526"/>
           </a:xfrm>
           <a:prstGeom prst="straightConnector1">
             <a:avLst/>
@@ -7566,6 +7590,46 @@
           </a:p>
         </p:txBody>
       </p:sp>
+      <p:cxnSp>
+        <p:nvCxnSpPr>
+          <p:cNvPr id="22" name="Straight Arrow Connector 21"/>
+          <p:cNvCxnSpPr>
+            <a:stCxn id="5" idx="3"/>
+            <a:endCxn id="11" idx="1"/>
+          </p:cNvCxnSpPr>
+          <p:nvPr/>
+        </p:nvCxnSpPr>
+        <p:spPr>
+          <a:xfrm>
+            <a:off x="1932372" y="2467436"/>
+            <a:ext cx="734628" cy="1831946"/>
+          </a:xfrm>
+          <a:prstGeom prst="straightConnector1">
+            <a:avLst/>
+          </a:prstGeom>
+          <a:ln w="28575">
+            <a:solidFill>
+              <a:srgbClr val="00B0F0"/>
+            </a:solidFill>
+            <a:headEnd type="none" w="med" len="med"/>
+            <a:tailEnd type="arrow" w="med" len="med"/>
+          </a:ln>
+        </p:spPr>
+        <p:style>
+          <a:lnRef idx="1">
+            <a:schemeClr val="accent6"/>
+          </a:lnRef>
+          <a:fillRef idx="0">
+            <a:schemeClr val="accent6"/>
+          </a:fillRef>
+          <a:effectRef idx="0">
+            <a:schemeClr val="accent6"/>
+          </a:effectRef>
+          <a:fontRef idx="minor">
+            <a:schemeClr val="tx1"/>
+          </a:fontRef>
+        </p:style>
+      </p:cxnSp>
     </p:spTree>
     <p:extLst>
       <p:ext uri="{BB962C8B-B14F-4D97-AF65-F5344CB8AC3E}">

--- a/Slides/drawings.pptx
+++ b/Slides/drawings.pptx
@@ -290,7 +290,7 @@
             <a:fld id="{1D8BD707-D9CF-40AE-B4C6-C98DA3205C09}" type="datetimeFigureOut">
               <a:rPr lang="en-US" smtClean="0"/>
               <a:pPr/>
-              <a:t>7/20/2016</a:t>
+              <a:t>7/25/2016</a:t>
             </a:fld>
             <a:endParaRPr lang="en-US"/>
           </a:p>
@@ -457,7 +457,7 @@
             <a:fld id="{1D8BD707-D9CF-40AE-B4C6-C98DA3205C09}" type="datetimeFigureOut">
               <a:rPr lang="en-US" smtClean="0"/>
               <a:pPr/>
-              <a:t>7/20/2016</a:t>
+              <a:t>7/25/2016</a:t>
             </a:fld>
             <a:endParaRPr lang="en-US"/>
           </a:p>
@@ -634,7 +634,7 @@
             <a:fld id="{1D8BD707-D9CF-40AE-B4C6-C98DA3205C09}" type="datetimeFigureOut">
               <a:rPr lang="en-US" smtClean="0"/>
               <a:pPr/>
-              <a:t>7/20/2016</a:t>
+              <a:t>7/25/2016</a:t>
             </a:fld>
             <a:endParaRPr lang="en-US"/>
           </a:p>
@@ -801,7 +801,7 @@
             <a:fld id="{1D8BD707-D9CF-40AE-B4C6-C98DA3205C09}" type="datetimeFigureOut">
               <a:rPr lang="en-US" smtClean="0"/>
               <a:pPr/>
-              <a:t>7/20/2016</a:t>
+              <a:t>7/25/2016</a:t>
             </a:fld>
             <a:endParaRPr lang="en-US"/>
           </a:p>
@@ -1044,7 +1044,7 @@
             <a:fld id="{1D8BD707-D9CF-40AE-B4C6-C98DA3205C09}" type="datetimeFigureOut">
               <a:rPr lang="en-US" smtClean="0"/>
               <a:pPr/>
-              <a:t>7/20/2016</a:t>
+              <a:t>7/25/2016</a:t>
             </a:fld>
             <a:endParaRPr lang="en-US"/>
           </a:p>
@@ -1329,7 +1329,7 @@
             <a:fld id="{1D8BD707-D9CF-40AE-B4C6-C98DA3205C09}" type="datetimeFigureOut">
               <a:rPr lang="en-US" smtClean="0"/>
               <a:pPr/>
-              <a:t>7/20/2016</a:t>
+              <a:t>7/25/2016</a:t>
             </a:fld>
             <a:endParaRPr lang="en-US"/>
           </a:p>
@@ -1748,7 +1748,7 @@
             <a:fld id="{1D8BD707-D9CF-40AE-B4C6-C98DA3205C09}" type="datetimeFigureOut">
               <a:rPr lang="en-US" smtClean="0"/>
               <a:pPr/>
-              <a:t>7/20/2016</a:t>
+              <a:t>7/25/2016</a:t>
             </a:fld>
             <a:endParaRPr lang="en-US"/>
           </a:p>
@@ -1863,7 +1863,7 @@
             <a:fld id="{1D8BD707-D9CF-40AE-B4C6-C98DA3205C09}" type="datetimeFigureOut">
               <a:rPr lang="en-US" smtClean="0"/>
               <a:pPr/>
-              <a:t>7/20/2016</a:t>
+              <a:t>7/25/2016</a:t>
             </a:fld>
             <a:endParaRPr lang="en-US"/>
           </a:p>
@@ -1955,7 +1955,7 @@
             <a:fld id="{1D8BD707-D9CF-40AE-B4C6-C98DA3205C09}" type="datetimeFigureOut">
               <a:rPr lang="en-US" smtClean="0"/>
               <a:pPr/>
-              <a:t>7/20/2016</a:t>
+              <a:t>7/25/2016</a:t>
             </a:fld>
             <a:endParaRPr lang="en-US"/>
           </a:p>
@@ -2229,7 +2229,7 @@
             <a:fld id="{1D8BD707-D9CF-40AE-B4C6-C98DA3205C09}" type="datetimeFigureOut">
               <a:rPr lang="en-US" smtClean="0"/>
               <a:pPr/>
-              <a:t>7/20/2016</a:t>
+              <a:t>7/25/2016</a:t>
             </a:fld>
             <a:endParaRPr lang="en-US"/>
           </a:p>
@@ -2479,7 +2479,7 @@
             <a:fld id="{1D8BD707-D9CF-40AE-B4C6-C98DA3205C09}" type="datetimeFigureOut">
               <a:rPr lang="en-US" smtClean="0"/>
               <a:pPr/>
-              <a:t>7/20/2016</a:t>
+              <a:t>7/25/2016</a:t>
             </a:fld>
             <a:endParaRPr lang="en-US"/>
           </a:p>
@@ -2689,7 +2689,7 @@
             <a:fld id="{1D8BD707-D9CF-40AE-B4C6-C98DA3205C09}" type="datetimeFigureOut">
               <a:rPr lang="en-US" smtClean="0"/>
               <a:pPr/>
-              <a:t>7/20/2016</a:t>
+              <a:t>7/25/2016</a:t>
             </a:fld>
             <a:endParaRPr lang="en-US"/>
           </a:p>
@@ -6648,8 +6648,8 @@
         </p:nvSpPr>
         <p:spPr>
           <a:xfrm>
-            <a:off x="2667000" y="2157828"/>
-            <a:ext cx="3877744" cy="619217"/>
+            <a:off x="2627790" y="2186218"/>
+            <a:ext cx="3877744" cy="562436"/>
           </a:xfrm>
           <a:prstGeom prst="roundRect">
             <a:avLst/>
@@ -6697,8 +6697,8 @@
         </p:nvSpPr>
         <p:spPr>
           <a:xfrm>
-            <a:off x="2667000" y="3036163"/>
-            <a:ext cx="3877744" cy="661385"/>
+            <a:off x="2667000" y="2971800"/>
+            <a:ext cx="3877744" cy="661386"/>
           </a:xfrm>
           <a:prstGeom prst="roundRect">
             <a:avLst/>
@@ -6728,7 +6728,7 @@
                   <a:schemeClr val="dk1"/>
                 </a:solidFill>
               </a:rPr>
-              <a:t>Time Series: </a:t>
+              <a:t>Time Series: Rank-aware </a:t>
             </a:r>
             <a:r>
               <a:rPr lang="en-US" sz="2000" dirty="0" smtClean="0">
@@ -6736,7 +6736,7 @@
                   <a:schemeClr val="dk1"/>
                 </a:solidFill>
               </a:rPr>
-              <a:t>Rank-aware Event Window Discovery</a:t>
+              <a:t>Streak Discovery</a:t>
             </a:r>
             <a:endParaRPr lang="en-US" sz="2000" dirty="0">
               <a:solidFill>
@@ -6754,8 +6754,8 @@
         </p:nvSpPr>
         <p:spPr>
           <a:xfrm>
-            <a:off x="2667000" y="4051847"/>
-            <a:ext cx="3877744" cy="495070"/>
+            <a:off x="2627790" y="3962400"/>
+            <a:ext cx="3877744" cy="672553"/>
           </a:xfrm>
           <a:prstGeom prst="roundRect">
             <a:avLst/>
@@ -6793,7 +6793,7 @@
             </a:r>
             <a:r>
               <a:rPr lang="en-US" sz="2000" dirty="0" smtClean="0"/>
-              <a:t>Movement </a:t>
+              <a:t>Movement Pattern </a:t>
             </a:r>
             <a:r>
               <a:rPr lang="en-US" sz="2000" dirty="0" smtClean="0">
@@ -6971,8 +6971,8 @@
         </p:nvCxnSpPr>
         <p:spPr>
           <a:xfrm flipH="1">
-            <a:off x="6544744" y="2467436"/>
-            <a:ext cx="551287" cy="1"/>
+            <a:off x="6505534" y="2467436"/>
+            <a:ext cx="590497" cy="0"/>
           </a:xfrm>
           <a:prstGeom prst="straightConnector1">
             <a:avLst/>
@@ -7008,8 +7008,8 @@
         </p:nvCxnSpPr>
         <p:spPr>
           <a:xfrm flipV="1">
-            <a:off x="2049261" y="4299382"/>
-            <a:ext cx="617739" cy="16091"/>
+            <a:off x="2049261" y="4298677"/>
+            <a:ext cx="578529" cy="16796"/>
           </a:xfrm>
           <a:prstGeom prst="straightConnector1">
             <a:avLst/>
@@ -7048,8 +7048,8 @@
         </p:nvCxnSpPr>
         <p:spPr>
           <a:xfrm flipH="1">
-            <a:off x="6544744" y="3366856"/>
-            <a:ext cx="537510" cy="932526"/>
+            <a:off x="6505534" y="3366856"/>
+            <a:ext cx="576720" cy="931821"/>
           </a:xfrm>
           <a:prstGeom prst="straightConnector1">
             <a:avLst/>
@@ -7089,7 +7089,7 @@
         <p:spPr>
           <a:xfrm>
             <a:off x="1932372" y="2467436"/>
-            <a:ext cx="734628" cy="899420"/>
+            <a:ext cx="734628" cy="835057"/>
           </a:xfrm>
           <a:prstGeom prst="straightConnector1">
             <a:avLst/>
@@ -7131,8 +7131,8 @@
         </p:nvCxnSpPr>
         <p:spPr>
           <a:xfrm flipV="1">
-            <a:off x="2049261" y="3366856"/>
-            <a:ext cx="617739" cy="948617"/>
+            <a:off x="2049261" y="3302493"/>
+            <a:ext cx="617739" cy="1012980"/>
           </a:xfrm>
           <a:prstGeom prst="straightConnector1">
             <a:avLst/>
@@ -7175,7 +7175,7 @@
         <p:spPr>
           <a:xfrm flipH="1">
             <a:off x="6544744" y="2467436"/>
-            <a:ext cx="551287" cy="899420"/>
+            <a:ext cx="551287" cy="835057"/>
           </a:xfrm>
           <a:prstGeom prst="straightConnector1">
             <a:avLst/>
@@ -7444,7 +7444,7 @@
         <p:spPr>
           <a:xfrm>
             <a:off x="1932372" y="2467436"/>
-            <a:ext cx="734628" cy="1"/>
+            <a:ext cx="695418" cy="0"/>
           </a:xfrm>
           <a:prstGeom prst="straightConnector1">
             <a:avLst/>
@@ -7480,8 +7480,8 @@
         </p:nvCxnSpPr>
         <p:spPr>
           <a:xfrm flipV="1">
-            <a:off x="2049261" y="2467437"/>
-            <a:ext cx="617739" cy="1848036"/>
+            <a:off x="2049261" y="2467436"/>
+            <a:ext cx="578529" cy="1848037"/>
           </a:xfrm>
           <a:prstGeom prst="straightConnector1">
             <a:avLst/>
@@ -7517,8 +7517,8 @@
         </p:nvCxnSpPr>
         <p:spPr>
           <a:xfrm flipH="1" flipV="1">
-            <a:off x="6544744" y="3366856"/>
-            <a:ext cx="537510" cy="932526"/>
+            <a:off x="6544744" y="3302493"/>
+            <a:ext cx="537510" cy="996889"/>
           </a:xfrm>
           <a:prstGeom prst="straightConnector1">
             <a:avLst/>
@@ -7602,7 +7602,7 @@
         <p:spPr>
           <a:xfrm>
             <a:off x="1932372" y="2467436"/>
-            <a:ext cx="734628" cy="1831946"/>
+            <a:ext cx="695418" cy="1831241"/>
           </a:xfrm>
           <a:prstGeom prst="straightConnector1">
             <a:avLst/>

--- a/Slides/drawings.pptx
+++ b/Slides/drawings.pptx
@@ -290,7 +290,7 @@
             <a:fld id="{1D8BD707-D9CF-40AE-B4C6-C98DA3205C09}" type="datetimeFigureOut">
               <a:rPr lang="en-US" smtClean="0"/>
               <a:pPr/>
-              <a:t>7/25/2016</a:t>
+              <a:t>8/3/2016</a:t>
             </a:fld>
             <a:endParaRPr lang="en-US"/>
           </a:p>
@@ -457,7 +457,7 @@
             <a:fld id="{1D8BD707-D9CF-40AE-B4C6-C98DA3205C09}" type="datetimeFigureOut">
               <a:rPr lang="en-US" smtClean="0"/>
               <a:pPr/>
-              <a:t>7/25/2016</a:t>
+              <a:t>8/3/2016</a:t>
             </a:fld>
             <a:endParaRPr lang="en-US"/>
           </a:p>
@@ -634,7 +634,7 @@
             <a:fld id="{1D8BD707-D9CF-40AE-B4C6-C98DA3205C09}" type="datetimeFigureOut">
               <a:rPr lang="en-US" smtClean="0"/>
               <a:pPr/>
-              <a:t>7/25/2016</a:t>
+              <a:t>8/3/2016</a:t>
             </a:fld>
             <a:endParaRPr lang="en-US"/>
           </a:p>
@@ -801,7 +801,7 @@
             <a:fld id="{1D8BD707-D9CF-40AE-B4C6-C98DA3205C09}" type="datetimeFigureOut">
               <a:rPr lang="en-US" smtClean="0"/>
               <a:pPr/>
-              <a:t>7/25/2016</a:t>
+              <a:t>8/3/2016</a:t>
             </a:fld>
             <a:endParaRPr lang="en-US"/>
           </a:p>
@@ -1044,7 +1044,7 @@
             <a:fld id="{1D8BD707-D9CF-40AE-B4C6-C98DA3205C09}" type="datetimeFigureOut">
               <a:rPr lang="en-US" smtClean="0"/>
               <a:pPr/>
-              <a:t>7/25/2016</a:t>
+              <a:t>8/3/2016</a:t>
             </a:fld>
             <a:endParaRPr lang="en-US"/>
           </a:p>
@@ -1329,7 +1329,7 @@
             <a:fld id="{1D8BD707-D9CF-40AE-B4C6-C98DA3205C09}" type="datetimeFigureOut">
               <a:rPr lang="en-US" smtClean="0"/>
               <a:pPr/>
-              <a:t>7/25/2016</a:t>
+              <a:t>8/3/2016</a:t>
             </a:fld>
             <a:endParaRPr lang="en-US"/>
           </a:p>
@@ -1748,7 +1748,7 @@
             <a:fld id="{1D8BD707-D9CF-40AE-B4C6-C98DA3205C09}" type="datetimeFigureOut">
               <a:rPr lang="en-US" smtClean="0"/>
               <a:pPr/>
-              <a:t>7/25/2016</a:t>
+              <a:t>8/3/2016</a:t>
             </a:fld>
             <a:endParaRPr lang="en-US"/>
           </a:p>
@@ -1863,7 +1863,7 @@
             <a:fld id="{1D8BD707-D9CF-40AE-B4C6-C98DA3205C09}" type="datetimeFigureOut">
               <a:rPr lang="en-US" smtClean="0"/>
               <a:pPr/>
-              <a:t>7/25/2016</a:t>
+              <a:t>8/3/2016</a:t>
             </a:fld>
             <a:endParaRPr lang="en-US"/>
           </a:p>
@@ -1955,7 +1955,7 @@
             <a:fld id="{1D8BD707-D9CF-40AE-B4C6-C98DA3205C09}" type="datetimeFigureOut">
               <a:rPr lang="en-US" smtClean="0"/>
               <a:pPr/>
-              <a:t>7/25/2016</a:t>
+              <a:t>8/3/2016</a:t>
             </a:fld>
             <a:endParaRPr lang="en-US"/>
           </a:p>
@@ -2229,7 +2229,7 @@
             <a:fld id="{1D8BD707-D9CF-40AE-B4C6-C98DA3205C09}" type="datetimeFigureOut">
               <a:rPr lang="en-US" smtClean="0"/>
               <a:pPr/>
-              <a:t>7/25/2016</a:t>
+              <a:t>8/3/2016</a:t>
             </a:fld>
             <a:endParaRPr lang="en-US"/>
           </a:p>
@@ -2479,7 +2479,7 @@
             <a:fld id="{1D8BD707-D9CF-40AE-B4C6-C98DA3205C09}" type="datetimeFigureOut">
               <a:rPr lang="en-US" smtClean="0"/>
               <a:pPr/>
-              <a:t>7/25/2016</a:t>
+              <a:t>8/3/2016</a:t>
             </a:fld>
             <a:endParaRPr lang="en-US"/>
           </a:p>
@@ -2689,7 +2689,7 @@
             <a:fld id="{1D8BD707-D9CF-40AE-B4C6-C98DA3205C09}" type="datetimeFigureOut">
               <a:rPr lang="en-US" smtClean="0"/>
               <a:pPr/>
-              <a:t>7/25/2016</a:t>
+              <a:t>8/3/2016</a:t>
             </a:fld>
             <a:endParaRPr lang="en-US"/>
           </a:p>
@@ -6679,7 +6679,15 @@
                   <a:schemeClr val="dk1"/>
                 </a:solidFill>
               </a:rPr>
-              <a:t>Graph: Graph Window Analytics</a:t>
+              <a:t>Graph: Graph Window </a:t>
+            </a:r>
+            <a:r>
+              <a:rPr lang="en-US" sz="2000" dirty="0" smtClean="0">
+                <a:solidFill>
+                  <a:schemeClr val="dk1"/>
+                </a:solidFill>
+              </a:rPr>
+              <a:t>Queries</a:t>
             </a:r>
             <a:endParaRPr lang="en-US" sz="2000" dirty="0">
               <a:solidFill>
@@ -6728,15 +6736,7 @@
                   <a:schemeClr val="dk1"/>
                 </a:solidFill>
               </a:rPr>
-              <a:t>Time Series: Rank-aware </a:t>
-            </a:r>
-            <a:r>
-              <a:rPr lang="en-US" sz="2000" dirty="0" smtClean="0">
-                <a:solidFill>
-                  <a:schemeClr val="dk1"/>
-                </a:solidFill>
-              </a:rPr>
-              <a:t>Streak Discovery</a:t>
+              <a:t>Sequence data: k-Sketch Query</a:t>
             </a:r>
             <a:endParaRPr lang="en-US" sz="2000" dirty="0">
               <a:solidFill>
@@ -6793,7 +6793,11 @@
             </a:r>
             <a:r>
               <a:rPr lang="en-US" sz="2000" dirty="0" smtClean="0"/>
-              <a:t>Movement Pattern </a:t>
+              <a:t>Co-Movement </a:t>
+            </a:r>
+            <a:r>
+              <a:rPr lang="en-US" sz="2000" dirty="0" smtClean="0"/>
+              <a:t>Pattern </a:t>
             </a:r>
             <a:r>
               <a:rPr lang="en-US" sz="2000" dirty="0" smtClean="0">
@@ -6801,7 +6805,7 @@
                   <a:schemeClr val="dk1"/>
                 </a:solidFill>
               </a:rPr>
-              <a:t>Mining</a:t>
+              <a:t>Query</a:t>
             </a:r>
             <a:endParaRPr lang="en-US" sz="2000" dirty="0">
               <a:solidFill>

--- a/Slides/drawings.pptx
+++ b/Slides/drawings.pptx
@@ -7,6 +7,7 @@
   <p:sldIdLst>
     <p:sldId id="257" r:id="rId2"/>
     <p:sldId id="258" r:id="rId3"/>
+    <p:sldId id="259" r:id="rId4"/>
   </p:sldIdLst>
   <p:sldSz cx="9144000" cy="6858000" type="screen4x3"/>
   <p:notesSz cx="6858000" cy="9144000"/>
@@ -290,7 +291,7 @@
             <a:fld id="{1D8BD707-D9CF-40AE-B4C6-C98DA3205C09}" type="datetimeFigureOut">
               <a:rPr lang="en-US" smtClean="0"/>
               <a:pPr/>
-              <a:t>8/3/2016</a:t>
+              <a:t>9/2/2016</a:t>
             </a:fld>
             <a:endParaRPr lang="en-US"/>
           </a:p>
@@ -457,7 +458,7 @@
             <a:fld id="{1D8BD707-D9CF-40AE-B4C6-C98DA3205C09}" type="datetimeFigureOut">
               <a:rPr lang="en-US" smtClean="0"/>
               <a:pPr/>
-              <a:t>8/3/2016</a:t>
+              <a:t>9/2/2016</a:t>
             </a:fld>
             <a:endParaRPr lang="en-US"/>
           </a:p>
@@ -634,7 +635,7 @@
             <a:fld id="{1D8BD707-D9CF-40AE-B4C6-C98DA3205C09}" type="datetimeFigureOut">
               <a:rPr lang="en-US" smtClean="0"/>
               <a:pPr/>
-              <a:t>8/3/2016</a:t>
+              <a:t>9/2/2016</a:t>
             </a:fld>
             <a:endParaRPr lang="en-US"/>
           </a:p>
@@ -801,7 +802,7 @@
             <a:fld id="{1D8BD707-D9CF-40AE-B4C6-C98DA3205C09}" type="datetimeFigureOut">
               <a:rPr lang="en-US" smtClean="0"/>
               <a:pPr/>
-              <a:t>8/3/2016</a:t>
+              <a:t>9/2/2016</a:t>
             </a:fld>
             <a:endParaRPr lang="en-US"/>
           </a:p>
@@ -1044,7 +1045,7 @@
             <a:fld id="{1D8BD707-D9CF-40AE-B4C6-C98DA3205C09}" type="datetimeFigureOut">
               <a:rPr lang="en-US" smtClean="0"/>
               <a:pPr/>
-              <a:t>8/3/2016</a:t>
+              <a:t>9/2/2016</a:t>
             </a:fld>
             <a:endParaRPr lang="en-US"/>
           </a:p>
@@ -1329,7 +1330,7 @@
             <a:fld id="{1D8BD707-D9CF-40AE-B4C6-C98DA3205C09}" type="datetimeFigureOut">
               <a:rPr lang="en-US" smtClean="0"/>
               <a:pPr/>
-              <a:t>8/3/2016</a:t>
+              <a:t>9/2/2016</a:t>
             </a:fld>
             <a:endParaRPr lang="en-US"/>
           </a:p>
@@ -1748,7 +1749,7 @@
             <a:fld id="{1D8BD707-D9CF-40AE-B4C6-C98DA3205C09}" type="datetimeFigureOut">
               <a:rPr lang="en-US" smtClean="0"/>
               <a:pPr/>
-              <a:t>8/3/2016</a:t>
+              <a:t>9/2/2016</a:t>
             </a:fld>
             <a:endParaRPr lang="en-US"/>
           </a:p>
@@ -1863,7 +1864,7 @@
             <a:fld id="{1D8BD707-D9CF-40AE-B4C6-C98DA3205C09}" type="datetimeFigureOut">
               <a:rPr lang="en-US" smtClean="0"/>
               <a:pPr/>
-              <a:t>8/3/2016</a:t>
+              <a:t>9/2/2016</a:t>
             </a:fld>
             <a:endParaRPr lang="en-US"/>
           </a:p>
@@ -1955,7 +1956,7 @@
             <a:fld id="{1D8BD707-D9CF-40AE-B4C6-C98DA3205C09}" type="datetimeFigureOut">
               <a:rPr lang="en-US" smtClean="0"/>
               <a:pPr/>
-              <a:t>8/3/2016</a:t>
+              <a:t>9/2/2016</a:t>
             </a:fld>
             <a:endParaRPr lang="en-US"/>
           </a:p>
@@ -2229,7 +2230,7 @@
             <a:fld id="{1D8BD707-D9CF-40AE-B4C6-C98DA3205C09}" type="datetimeFigureOut">
               <a:rPr lang="en-US" smtClean="0"/>
               <a:pPr/>
-              <a:t>8/3/2016</a:t>
+              <a:t>9/2/2016</a:t>
             </a:fld>
             <a:endParaRPr lang="en-US"/>
           </a:p>
@@ -2479,7 +2480,7 @@
             <a:fld id="{1D8BD707-D9CF-40AE-B4C6-C98DA3205C09}" type="datetimeFigureOut">
               <a:rPr lang="en-US" smtClean="0"/>
               <a:pPr/>
-              <a:t>8/3/2016</a:t>
+              <a:t>9/2/2016</a:t>
             </a:fld>
             <a:endParaRPr lang="en-US"/>
           </a:p>
@@ -2689,7 +2690,7 @@
             <a:fld id="{1D8BD707-D9CF-40AE-B4C6-C98DA3205C09}" type="datetimeFigureOut">
               <a:rPr lang="en-US" smtClean="0"/>
               <a:pPr/>
-              <a:t>8/3/2016</a:t>
+              <a:t>9/2/2016</a:t>
             </a:fld>
             <a:endParaRPr lang="en-US"/>
           </a:p>
@@ -6679,15 +6680,7 @@
                   <a:schemeClr val="dk1"/>
                 </a:solidFill>
               </a:rPr>
-              <a:t>Graph: Graph Window </a:t>
-            </a:r>
-            <a:r>
-              <a:rPr lang="en-US" sz="2000" dirty="0" smtClean="0">
-                <a:solidFill>
-                  <a:schemeClr val="dk1"/>
-                </a:solidFill>
-              </a:rPr>
-              <a:t>Queries</a:t>
+              <a:t>Graph: Graph Window Queries</a:t>
             </a:r>
             <a:endParaRPr lang="en-US" sz="2000" dirty="0">
               <a:solidFill>
@@ -6789,15 +6782,7 @@
             </a:r>
             <a:r>
               <a:rPr lang="en-US" sz="2000" dirty="0" smtClean="0"/>
-              <a:t> </a:t>
-            </a:r>
-            <a:r>
-              <a:rPr lang="en-US" sz="2000" dirty="0" smtClean="0"/>
-              <a:t>Co-Movement </a:t>
-            </a:r>
-            <a:r>
-              <a:rPr lang="en-US" sz="2000" dirty="0" smtClean="0"/>
-              <a:t>Pattern </a:t>
+              <a:t> Co-Movement Pattern </a:t>
             </a:r>
             <a:r>
               <a:rPr lang="en-US" sz="2000" dirty="0" smtClean="0">
@@ -7654,6 +7639,2737 @@
 </p:sld>
 </file>
 
+<file path=ppt/slides/slide3.xml><?xml version="1.0" encoding="utf-8"?>
+<p:sld xmlns:a="http://schemas.openxmlformats.org/drawingml/2006/main" xmlns:r="http://schemas.openxmlformats.org/officeDocument/2006/relationships" xmlns:p="http://schemas.openxmlformats.org/presentationml/2006/main">
+  <p:cSld>
+    <p:spTree>
+      <p:nvGrpSpPr>
+        <p:cNvPr id="1" name=""/>
+        <p:cNvGrpSpPr/>
+        <p:nvPr/>
+      </p:nvGrpSpPr>
+      <p:grpSpPr>
+        <a:xfrm>
+          <a:off x="0" y="0"/>
+          <a:ext cx="0" cy="0"/>
+          <a:chOff x="0" y="0"/>
+          <a:chExt cx="0" cy="0"/>
+        </a:xfrm>
+      </p:grpSpPr>
+      <p:pic>
+        <p:nvPicPr>
+          <p:cNvPr id="4" name="Picture 2"/>
+          <p:cNvPicPr>
+            <a:picLocks noChangeAspect="1" noChangeArrowheads="1"/>
+          </p:cNvPicPr>
+          <p:nvPr/>
+        </p:nvPicPr>
+        <p:blipFill>
+          <a:blip r:embed="rId2">
+            <a:extLst>
+              <a:ext uri="{28A0092B-C50C-407E-A947-70E740481C1C}">
+                <a14:useLocalDpi xmlns:a14="http://schemas.microsoft.com/office/drawing/2010/main" val="0"/>
+              </a:ext>
+            </a:extLst>
+          </a:blip>
+          <a:srcRect/>
+          <a:stretch>
+            <a:fillRect/>
+          </a:stretch>
+        </p:blipFill>
+        <p:spPr bwMode="auto">
+          <a:xfrm>
+            <a:off x="533400" y="629208"/>
+            <a:ext cx="1887245" cy="2184875"/>
+          </a:xfrm>
+          <a:prstGeom prst="rect">
+            <a:avLst/>
+          </a:prstGeom>
+          <a:noFill/>
+          <a:ln>
+            <a:noFill/>
+          </a:ln>
+          <a:extLst>
+            <a:ext uri="{909E8E84-426E-40DD-AFC4-6F175D3DCCD1}">
+              <a14:hiddenFill xmlns:a14="http://schemas.microsoft.com/office/drawing/2010/main">
+                <a:solidFill>
+                  <a:schemeClr val="accent1"/>
+                </a:solidFill>
+              </a14:hiddenFill>
+            </a:ext>
+            <a:ext uri="{91240B29-F687-4F45-9708-019B960494DF}">
+              <a14:hiddenLine xmlns:a14="http://schemas.microsoft.com/office/drawing/2010/main" w="9525">
+                <a:solidFill>
+                  <a:schemeClr val="tx1"/>
+                </a:solidFill>
+                <a:miter lim="800000"/>
+                <a:headEnd/>
+                <a:tailEnd/>
+              </a14:hiddenLine>
+            </a:ext>
+          </a:extLst>
+        </p:spPr>
+      </p:pic>
+      <p:graphicFrame>
+        <p:nvGraphicFramePr>
+          <p:cNvPr id="5" name="Table 4"/>
+          <p:cNvGraphicFramePr>
+            <a:graphicFrameLocks noGrp="1"/>
+          </p:cNvGraphicFramePr>
+          <p:nvPr>
+            <p:extLst>
+              <p:ext uri="{D42A27DB-BD31-4B8C-83A1-F6EECF244321}">
+                <p14:modId xmlns:p14="http://schemas.microsoft.com/office/powerpoint/2010/main" val="1916770517"/>
+              </p:ext>
+            </p:extLst>
+          </p:nvPr>
+        </p:nvGraphicFramePr>
+        <p:xfrm>
+          <a:off x="457200" y="2907239"/>
+          <a:ext cx="2140615" cy="2013144"/>
+        </p:xfrm>
+        <a:graphic>
+          <a:graphicData uri="http://schemas.openxmlformats.org/drawingml/2006/table">
+            <a:tbl>
+              <a:tblPr>
+                <a:tableStyleId>{2D5ABB26-0587-4C30-8999-92F81FD0307C}</a:tableStyleId>
+              </a:tblPr>
+              <a:tblGrid>
+                <a:gridCol w="675023"/>
+                <a:gridCol w="567856"/>
+                <a:gridCol w="897736"/>
+              </a:tblGrid>
+              <a:tr h="287592">
+                <a:tc>
+                  <a:txBody>
+                    <a:bodyPr/>
+                    <a:lstStyle/>
+                    <a:p>
+                      <a:pPr algn="ctr" fontAlgn="b"/>
+                      <a:r>
+                        <a:rPr lang="en-US" sz="1800" u="none" strike="noStrike" dirty="0">
+                          <a:effectLst/>
+                        </a:rPr>
+                        <a:t>User</a:t>
+                      </a:r>
+                      <a:endParaRPr lang="en-US" sz="1800" b="0" i="0" u="none" strike="noStrike" dirty="0">
+                        <a:solidFill>
+                          <a:srgbClr val="000000"/>
+                        </a:solidFill>
+                        <a:effectLst/>
+                        <a:latin typeface="Calibri"/>
+                      </a:endParaRPr>
+                    </a:p>
+                  </a:txBody>
+                  <a:tcPr marL="9525" marR="9525" marT="9525" marB="0" anchor="ctr">
+                    <a:lnL w="12700" cap="flat" cmpd="sng" algn="ctr">
+                      <a:solidFill>
+                        <a:schemeClr val="tx1"/>
+                      </a:solidFill>
+                      <a:prstDash val="solid"/>
+                      <a:round/>
+                      <a:headEnd type="none" w="med" len="med"/>
+                      <a:tailEnd type="none" w="med" len="med"/>
+                    </a:lnL>
+                    <a:lnR w="12700" cap="flat" cmpd="sng" algn="ctr">
+                      <a:solidFill>
+                        <a:schemeClr val="tx1"/>
+                      </a:solidFill>
+                      <a:prstDash val="solid"/>
+                      <a:round/>
+                      <a:headEnd type="none" w="med" len="med"/>
+                      <a:tailEnd type="none" w="med" len="med"/>
+                    </a:lnR>
+                    <a:lnT w="12700" cap="flat" cmpd="sng" algn="ctr">
+                      <a:solidFill>
+                        <a:schemeClr val="tx1"/>
+                      </a:solidFill>
+                      <a:prstDash val="solid"/>
+                      <a:round/>
+                      <a:headEnd type="none" w="med" len="med"/>
+                      <a:tailEnd type="none" w="med" len="med"/>
+                    </a:lnT>
+                    <a:lnB w="12700" cap="flat" cmpd="sng" algn="ctr">
+                      <a:solidFill>
+                        <a:schemeClr val="tx1"/>
+                      </a:solidFill>
+                      <a:prstDash val="solid"/>
+                      <a:round/>
+                      <a:headEnd type="none" w="med" len="med"/>
+                      <a:tailEnd type="none" w="med" len="med"/>
+                    </a:lnB>
+                  </a:tcPr>
+                </a:tc>
+                <a:tc>
+                  <a:txBody>
+                    <a:bodyPr/>
+                    <a:lstStyle/>
+                    <a:p>
+                      <a:pPr algn="ctr" fontAlgn="b"/>
+                      <a:r>
+                        <a:rPr lang="en-US" sz="1800" u="none" strike="noStrike">
+                          <a:effectLst/>
+                        </a:rPr>
+                        <a:t>Age</a:t>
+                      </a:r>
+                      <a:endParaRPr lang="en-US" sz="1800" b="0" i="0" u="none" strike="noStrike">
+                        <a:solidFill>
+                          <a:srgbClr val="000000"/>
+                        </a:solidFill>
+                        <a:effectLst/>
+                        <a:latin typeface="Calibri"/>
+                      </a:endParaRPr>
+                    </a:p>
+                  </a:txBody>
+                  <a:tcPr marL="9525" marR="9525" marT="9525" marB="0" anchor="ctr">
+                    <a:lnL w="12700" cap="flat" cmpd="sng" algn="ctr">
+                      <a:solidFill>
+                        <a:schemeClr val="tx1"/>
+                      </a:solidFill>
+                      <a:prstDash val="solid"/>
+                      <a:round/>
+                      <a:headEnd type="none" w="med" len="med"/>
+                      <a:tailEnd type="none" w="med" len="med"/>
+                    </a:lnL>
+                    <a:lnR w="12700" cap="flat" cmpd="sng" algn="ctr">
+                      <a:solidFill>
+                        <a:schemeClr val="tx1"/>
+                      </a:solidFill>
+                      <a:prstDash val="solid"/>
+                      <a:round/>
+                      <a:headEnd type="none" w="med" len="med"/>
+                      <a:tailEnd type="none" w="med" len="med"/>
+                    </a:lnR>
+                    <a:lnT w="12700" cap="flat" cmpd="sng" algn="ctr">
+                      <a:solidFill>
+                        <a:schemeClr val="tx1"/>
+                      </a:solidFill>
+                      <a:prstDash val="solid"/>
+                      <a:round/>
+                      <a:headEnd type="none" w="med" len="med"/>
+                      <a:tailEnd type="none" w="med" len="med"/>
+                    </a:lnT>
+                    <a:lnB w="12700" cap="flat" cmpd="sng" algn="ctr">
+                      <a:solidFill>
+                        <a:schemeClr val="tx1"/>
+                      </a:solidFill>
+                      <a:prstDash val="solid"/>
+                      <a:round/>
+                      <a:headEnd type="none" w="med" len="med"/>
+                      <a:tailEnd type="none" w="med" len="med"/>
+                    </a:lnB>
+                  </a:tcPr>
+                </a:tc>
+                <a:tc>
+                  <a:txBody>
+                    <a:bodyPr/>
+                    <a:lstStyle/>
+                    <a:p>
+                      <a:pPr algn="ctr" fontAlgn="b"/>
+                      <a:r>
+                        <a:rPr lang="en-US" sz="1800" u="none" strike="noStrike" dirty="0">
+                          <a:effectLst/>
+                        </a:rPr>
+                        <a:t>Gender </a:t>
+                      </a:r>
+                      <a:endParaRPr lang="en-US" sz="1800" b="0" i="0" u="none" strike="noStrike" dirty="0">
+                        <a:solidFill>
+                          <a:srgbClr val="000000"/>
+                        </a:solidFill>
+                        <a:effectLst/>
+                        <a:latin typeface="Calibri"/>
+                      </a:endParaRPr>
+                    </a:p>
+                  </a:txBody>
+                  <a:tcPr marL="9525" marR="9525" marT="9525" marB="0" anchor="ctr">
+                    <a:lnL w="12700" cap="flat" cmpd="sng" algn="ctr">
+                      <a:solidFill>
+                        <a:schemeClr val="tx1"/>
+                      </a:solidFill>
+                      <a:prstDash val="solid"/>
+                      <a:round/>
+                      <a:headEnd type="none" w="med" len="med"/>
+                      <a:tailEnd type="none" w="med" len="med"/>
+                    </a:lnL>
+                    <a:lnR w="12700" cap="flat" cmpd="sng" algn="ctr">
+                      <a:solidFill>
+                        <a:schemeClr val="tx1"/>
+                      </a:solidFill>
+                      <a:prstDash val="solid"/>
+                      <a:round/>
+                      <a:headEnd type="none" w="med" len="med"/>
+                      <a:tailEnd type="none" w="med" len="med"/>
+                    </a:lnR>
+                    <a:lnT w="12700" cap="flat" cmpd="sng" algn="ctr">
+                      <a:solidFill>
+                        <a:schemeClr val="tx1"/>
+                      </a:solidFill>
+                      <a:prstDash val="solid"/>
+                      <a:round/>
+                      <a:headEnd type="none" w="med" len="med"/>
+                      <a:tailEnd type="none" w="med" len="med"/>
+                    </a:lnT>
+                    <a:lnB w="12700" cap="flat" cmpd="sng" algn="ctr">
+                      <a:solidFill>
+                        <a:schemeClr val="tx1"/>
+                      </a:solidFill>
+                      <a:prstDash val="solid"/>
+                      <a:round/>
+                      <a:headEnd type="none" w="med" len="med"/>
+                      <a:tailEnd type="none" w="med" len="med"/>
+                    </a:lnB>
+                  </a:tcPr>
+                </a:tc>
+              </a:tr>
+              <a:tr h="287592">
+                <a:tc>
+                  <a:txBody>
+                    <a:bodyPr/>
+                    <a:lstStyle/>
+                    <a:p>
+                      <a:pPr algn="ctr" fontAlgn="b"/>
+                      <a:r>
+                        <a:rPr lang="en-US" sz="1800" u="none" strike="noStrike">
+                          <a:effectLst/>
+                        </a:rPr>
+                        <a:t>A</a:t>
+                      </a:r>
+                      <a:endParaRPr lang="en-US" sz="1800" b="0" i="0" u="none" strike="noStrike">
+                        <a:solidFill>
+                          <a:srgbClr val="000000"/>
+                        </a:solidFill>
+                        <a:effectLst/>
+                        <a:latin typeface="Calibri"/>
+                      </a:endParaRPr>
+                    </a:p>
+                  </a:txBody>
+                  <a:tcPr marL="9525" marR="9525" marT="9525" marB="0" anchor="ctr">
+                    <a:lnL w="12700" cap="flat" cmpd="sng" algn="ctr">
+                      <a:solidFill>
+                        <a:schemeClr val="tx1"/>
+                      </a:solidFill>
+                      <a:prstDash val="solid"/>
+                      <a:round/>
+                      <a:headEnd type="none" w="med" len="med"/>
+                      <a:tailEnd type="none" w="med" len="med"/>
+                    </a:lnL>
+                    <a:lnR w="12700" cap="flat" cmpd="sng" algn="ctr">
+                      <a:solidFill>
+                        <a:schemeClr val="tx1"/>
+                      </a:solidFill>
+                      <a:prstDash val="solid"/>
+                      <a:round/>
+                      <a:headEnd type="none" w="med" len="med"/>
+                      <a:tailEnd type="none" w="med" len="med"/>
+                    </a:lnR>
+                    <a:lnT w="12700" cap="flat" cmpd="sng" algn="ctr">
+                      <a:solidFill>
+                        <a:schemeClr val="tx1"/>
+                      </a:solidFill>
+                      <a:prstDash val="solid"/>
+                      <a:round/>
+                      <a:headEnd type="none" w="med" len="med"/>
+                      <a:tailEnd type="none" w="med" len="med"/>
+                    </a:lnT>
+                    <a:lnB w="12700" cap="flat" cmpd="sng" algn="ctr">
+                      <a:solidFill>
+                        <a:schemeClr val="tx1"/>
+                      </a:solidFill>
+                      <a:prstDash val="solid"/>
+                      <a:round/>
+                      <a:headEnd type="none" w="med" len="med"/>
+                      <a:tailEnd type="none" w="med" len="med"/>
+                    </a:lnB>
+                  </a:tcPr>
+                </a:tc>
+                <a:tc>
+                  <a:txBody>
+                    <a:bodyPr/>
+                    <a:lstStyle/>
+                    <a:p>
+                      <a:pPr algn="ctr" fontAlgn="b"/>
+                      <a:r>
+                        <a:rPr lang="en-US" sz="1800" u="none" strike="noStrike">
+                          <a:effectLst/>
+                        </a:rPr>
+                        <a:t>21</a:t>
+                      </a:r>
+                      <a:endParaRPr lang="en-US" sz="1800" b="0" i="0" u="none" strike="noStrike">
+                        <a:solidFill>
+                          <a:srgbClr val="000000"/>
+                        </a:solidFill>
+                        <a:effectLst/>
+                        <a:latin typeface="Calibri"/>
+                      </a:endParaRPr>
+                    </a:p>
+                  </a:txBody>
+                  <a:tcPr marL="9525" marR="9525" marT="9525" marB="0" anchor="ctr">
+                    <a:lnL w="12700" cap="flat" cmpd="sng" algn="ctr">
+                      <a:solidFill>
+                        <a:schemeClr val="tx1"/>
+                      </a:solidFill>
+                      <a:prstDash val="solid"/>
+                      <a:round/>
+                      <a:headEnd type="none" w="med" len="med"/>
+                      <a:tailEnd type="none" w="med" len="med"/>
+                    </a:lnL>
+                    <a:lnR w="12700" cap="flat" cmpd="sng" algn="ctr">
+                      <a:solidFill>
+                        <a:schemeClr val="tx1"/>
+                      </a:solidFill>
+                      <a:prstDash val="solid"/>
+                      <a:round/>
+                      <a:headEnd type="none" w="med" len="med"/>
+                      <a:tailEnd type="none" w="med" len="med"/>
+                    </a:lnR>
+                    <a:lnT w="12700" cap="flat" cmpd="sng" algn="ctr">
+                      <a:solidFill>
+                        <a:schemeClr val="tx1"/>
+                      </a:solidFill>
+                      <a:prstDash val="solid"/>
+                      <a:round/>
+                      <a:headEnd type="none" w="med" len="med"/>
+                      <a:tailEnd type="none" w="med" len="med"/>
+                    </a:lnT>
+                    <a:lnB w="12700" cap="flat" cmpd="sng" algn="ctr">
+                      <a:solidFill>
+                        <a:schemeClr val="tx1"/>
+                      </a:solidFill>
+                      <a:prstDash val="solid"/>
+                      <a:round/>
+                      <a:headEnd type="none" w="med" len="med"/>
+                      <a:tailEnd type="none" w="med" len="med"/>
+                    </a:lnB>
+                  </a:tcPr>
+                </a:tc>
+                <a:tc>
+                  <a:txBody>
+                    <a:bodyPr/>
+                    <a:lstStyle/>
+                    <a:p>
+                      <a:pPr algn="ctr" fontAlgn="b"/>
+                      <a:r>
+                        <a:rPr lang="en-US" sz="1800" u="none" strike="noStrike" dirty="0">
+                          <a:effectLst/>
+                        </a:rPr>
+                        <a:t>M</a:t>
+                      </a:r>
+                      <a:endParaRPr lang="en-US" sz="1800" b="0" i="0" u="none" strike="noStrike" dirty="0">
+                        <a:solidFill>
+                          <a:srgbClr val="000000"/>
+                        </a:solidFill>
+                        <a:effectLst/>
+                        <a:latin typeface="Calibri"/>
+                      </a:endParaRPr>
+                    </a:p>
+                  </a:txBody>
+                  <a:tcPr marL="9525" marR="9525" marT="9525" marB="0" anchor="ctr">
+                    <a:lnL w="12700" cap="flat" cmpd="sng" algn="ctr">
+                      <a:solidFill>
+                        <a:schemeClr val="tx1"/>
+                      </a:solidFill>
+                      <a:prstDash val="solid"/>
+                      <a:round/>
+                      <a:headEnd type="none" w="med" len="med"/>
+                      <a:tailEnd type="none" w="med" len="med"/>
+                    </a:lnL>
+                    <a:lnR w="12700" cap="flat" cmpd="sng" algn="ctr">
+                      <a:solidFill>
+                        <a:schemeClr val="tx1"/>
+                      </a:solidFill>
+                      <a:prstDash val="solid"/>
+                      <a:round/>
+                      <a:headEnd type="none" w="med" len="med"/>
+                      <a:tailEnd type="none" w="med" len="med"/>
+                    </a:lnR>
+                    <a:lnT w="12700" cap="flat" cmpd="sng" algn="ctr">
+                      <a:solidFill>
+                        <a:schemeClr val="tx1"/>
+                      </a:solidFill>
+                      <a:prstDash val="solid"/>
+                      <a:round/>
+                      <a:headEnd type="none" w="med" len="med"/>
+                      <a:tailEnd type="none" w="med" len="med"/>
+                    </a:lnT>
+                    <a:lnB w="12700" cap="flat" cmpd="sng" algn="ctr">
+                      <a:solidFill>
+                        <a:schemeClr val="tx1"/>
+                      </a:solidFill>
+                      <a:prstDash val="solid"/>
+                      <a:round/>
+                      <a:headEnd type="none" w="med" len="med"/>
+                      <a:tailEnd type="none" w="med" len="med"/>
+                    </a:lnB>
+                  </a:tcPr>
+                </a:tc>
+              </a:tr>
+              <a:tr h="287592">
+                <a:tc>
+                  <a:txBody>
+                    <a:bodyPr/>
+                    <a:lstStyle/>
+                    <a:p>
+                      <a:pPr algn="ctr" fontAlgn="b"/>
+                      <a:r>
+                        <a:rPr lang="en-US" sz="1800" u="none" strike="noStrike">
+                          <a:effectLst/>
+                        </a:rPr>
+                        <a:t>B</a:t>
+                      </a:r>
+                      <a:endParaRPr lang="en-US" sz="1800" b="0" i="0" u="none" strike="noStrike">
+                        <a:solidFill>
+                          <a:srgbClr val="000000"/>
+                        </a:solidFill>
+                        <a:effectLst/>
+                        <a:latin typeface="Calibri"/>
+                      </a:endParaRPr>
+                    </a:p>
+                  </a:txBody>
+                  <a:tcPr marL="9525" marR="9525" marT="9525" marB="0" anchor="ctr">
+                    <a:lnL w="12700" cap="flat" cmpd="sng" algn="ctr">
+                      <a:solidFill>
+                        <a:schemeClr val="tx1"/>
+                      </a:solidFill>
+                      <a:prstDash val="solid"/>
+                      <a:round/>
+                      <a:headEnd type="none" w="med" len="med"/>
+                      <a:tailEnd type="none" w="med" len="med"/>
+                    </a:lnL>
+                    <a:lnR w="12700" cap="flat" cmpd="sng" algn="ctr">
+                      <a:solidFill>
+                        <a:schemeClr val="tx1"/>
+                      </a:solidFill>
+                      <a:prstDash val="solid"/>
+                      <a:round/>
+                      <a:headEnd type="none" w="med" len="med"/>
+                      <a:tailEnd type="none" w="med" len="med"/>
+                    </a:lnR>
+                    <a:lnT w="12700" cap="flat" cmpd="sng" algn="ctr">
+                      <a:solidFill>
+                        <a:schemeClr val="tx1"/>
+                      </a:solidFill>
+                      <a:prstDash val="solid"/>
+                      <a:round/>
+                      <a:headEnd type="none" w="med" len="med"/>
+                      <a:tailEnd type="none" w="med" len="med"/>
+                    </a:lnT>
+                    <a:lnB w="12700" cap="flat" cmpd="sng" algn="ctr">
+                      <a:solidFill>
+                        <a:schemeClr val="tx1"/>
+                      </a:solidFill>
+                      <a:prstDash val="solid"/>
+                      <a:round/>
+                      <a:headEnd type="none" w="med" len="med"/>
+                      <a:tailEnd type="none" w="med" len="med"/>
+                    </a:lnB>
+                  </a:tcPr>
+                </a:tc>
+                <a:tc>
+                  <a:txBody>
+                    <a:bodyPr/>
+                    <a:lstStyle/>
+                    <a:p>
+                      <a:pPr algn="ctr" fontAlgn="b"/>
+                      <a:r>
+                        <a:rPr lang="en-US" sz="1800" u="none" strike="noStrike">
+                          <a:effectLst/>
+                        </a:rPr>
+                        <a:t>26</a:t>
+                      </a:r>
+                      <a:endParaRPr lang="en-US" sz="1800" b="0" i="0" u="none" strike="noStrike">
+                        <a:solidFill>
+                          <a:srgbClr val="000000"/>
+                        </a:solidFill>
+                        <a:effectLst/>
+                        <a:latin typeface="Calibri"/>
+                      </a:endParaRPr>
+                    </a:p>
+                  </a:txBody>
+                  <a:tcPr marL="9525" marR="9525" marT="9525" marB="0" anchor="ctr">
+                    <a:lnL w="12700" cap="flat" cmpd="sng" algn="ctr">
+                      <a:solidFill>
+                        <a:schemeClr val="tx1"/>
+                      </a:solidFill>
+                      <a:prstDash val="solid"/>
+                      <a:round/>
+                      <a:headEnd type="none" w="med" len="med"/>
+                      <a:tailEnd type="none" w="med" len="med"/>
+                    </a:lnL>
+                    <a:lnR w="12700" cap="flat" cmpd="sng" algn="ctr">
+                      <a:solidFill>
+                        <a:schemeClr val="tx1"/>
+                      </a:solidFill>
+                      <a:prstDash val="solid"/>
+                      <a:round/>
+                      <a:headEnd type="none" w="med" len="med"/>
+                      <a:tailEnd type="none" w="med" len="med"/>
+                    </a:lnR>
+                    <a:lnT w="12700" cap="flat" cmpd="sng" algn="ctr">
+                      <a:solidFill>
+                        <a:schemeClr val="tx1"/>
+                      </a:solidFill>
+                      <a:prstDash val="solid"/>
+                      <a:round/>
+                      <a:headEnd type="none" w="med" len="med"/>
+                      <a:tailEnd type="none" w="med" len="med"/>
+                    </a:lnT>
+                    <a:lnB w="12700" cap="flat" cmpd="sng" algn="ctr">
+                      <a:solidFill>
+                        <a:schemeClr val="tx1"/>
+                      </a:solidFill>
+                      <a:prstDash val="solid"/>
+                      <a:round/>
+                      <a:headEnd type="none" w="med" len="med"/>
+                      <a:tailEnd type="none" w="med" len="med"/>
+                    </a:lnB>
+                  </a:tcPr>
+                </a:tc>
+                <a:tc>
+                  <a:txBody>
+                    <a:bodyPr/>
+                    <a:lstStyle/>
+                    <a:p>
+                      <a:pPr algn="ctr" fontAlgn="b"/>
+                      <a:r>
+                        <a:rPr lang="en-US" sz="1800" u="none" strike="noStrike">
+                          <a:effectLst/>
+                        </a:rPr>
+                        <a:t>F</a:t>
+                      </a:r>
+                      <a:endParaRPr lang="en-US" sz="1800" b="0" i="0" u="none" strike="noStrike">
+                        <a:solidFill>
+                          <a:srgbClr val="000000"/>
+                        </a:solidFill>
+                        <a:effectLst/>
+                        <a:latin typeface="Calibri"/>
+                      </a:endParaRPr>
+                    </a:p>
+                  </a:txBody>
+                  <a:tcPr marL="9525" marR="9525" marT="9525" marB="0" anchor="ctr">
+                    <a:lnL w="12700" cap="flat" cmpd="sng" algn="ctr">
+                      <a:solidFill>
+                        <a:schemeClr val="tx1"/>
+                      </a:solidFill>
+                      <a:prstDash val="solid"/>
+                      <a:round/>
+                      <a:headEnd type="none" w="med" len="med"/>
+                      <a:tailEnd type="none" w="med" len="med"/>
+                    </a:lnL>
+                    <a:lnR w="12700" cap="flat" cmpd="sng" algn="ctr">
+                      <a:solidFill>
+                        <a:schemeClr val="tx1"/>
+                      </a:solidFill>
+                      <a:prstDash val="solid"/>
+                      <a:round/>
+                      <a:headEnd type="none" w="med" len="med"/>
+                      <a:tailEnd type="none" w="med" len="med"/>
+                    </a:lnR>
+                    <a:lnT w="12700" cap="flat" cmpd="sng" algn="ctr">
+                      <a:solidFill>
+                        <a:schemeClr val="tx1"/>
+                      </a:solidFill>
+                      <a:prstDash val="solid"/>
+                      <a:round/>
+                      <a:headEnd type="none" w="med" len="med"/>
+                      <a:tailEnd type="none" w="med" len="med"/>
+                    </a:lnT>
+                    <a:lnB w="12700" cap="flat" cmpd="sng" algn="ctr">
+                      <a:solidFill>
+                        <a:schemeClr val="tx1"/>
+                      </a:solidFill>
+                      <a:prstDash val="solid"/>
+                      <a:round/>
+                      <a:headEnd type="none" w="med" len="med"/>
+                      <a:tailEnd type="none" w="med" len="med"/>
+                    </a:lnB>
+                  </a:tcPr>
+                </a:tc>
+              </a:tr>
+              <a:tr h="287592">
+                <a:tc>
+                  <a:txBody>
+                    <a:bodyPr/>
+                    <a:lstStyle/>
+                    <a:p>
+                      <a:pPr algn="ctr" fontAlgn="b"/>
+                      <a:r>
+                        <a:rPr lang="en-US" sz="1800" u="none" strike="noStrike">
+                          <a:effectLst/>
+                        </a:rPr>
+                        <a:t>C</a:t>
+                      </a:r>
+                      <a:endParaRPr lang="en-US" sz="1800" b="0" i="0" u="none" strike="noStrike">
+                        <a:solidFill>
+                          <a:srgbClr val="000000"/>
+                        </a:solidFill>
+                        <a:effectLst/>
+                        <a:latin typeface="Calibri"/>
+                      </a:endParaRPr>
+                    </a:p>
+                  </a:txBody>
+                  <a:tcPr marL="9525" marR="9525" marT="9525" marB="0" anchor="ctr">
+                    <a:lnL w="12700" cap="flat" cmpd="sng" algn="ctr">
+                      <a:solidFill>
+                        <a:schemeClr val="tx1"/>
+                      </a:solidFill>
+                      <a:prstDash val="solid"/>
+                      <a:round/>
+                      <a:headEnd type="none" w="med" len="med"/>
+                      <a:tailEnd type="none" w="med" len="med"/>
+                    </a:lnL>
+                    <a:lnR w="12700" cap="flat" cmpd="sng" algn="ctr">
+                      <a:solidFill>
+                        <a:schemeClr val="tx1"/>
+                      </a:solidFill>
+                      <a:prstDash val="solid"/>
+                      <a:round/>
+                      <a:headEnd type="none" w="med" len="med"/>
+                      <a:tailEnd type="none" w="med" len="med"/>
+                    </a:lnR>
+                    <a:lnT w="12700" cap="flat" cmpd="sng" algn="ctr">
+                      <a:solidFill>
+                        <a:schemeClr val="tx1"/>
+                      </a:solidFill>
+                      <a:prstDash val="solid"/>
+                      <a:round/>
+                      <a:headEnd type="none" w="med" len="med"/>
+                      <a:tailEnd type="none" w="med" len="med"/>
+                    </a:lnT>
+                    <a:lnB w="12700" cap="flat" cmpd="sng" algn="ctr">
+                      <a:solidFill>
+                        <a:schemeClr val="tx1"/>
+                      </a:solidFill>
+                      <a:prstDash val="solid"/>
+                      <a:round/>
+                      <a:headEnd type="none" w="med" len="med"/>
+                      <a:tailEnd type="none" w="med" len="med"/>
+                    </a:lnB>
+                  </a:tcPr>
+                </a:tc>
+                <a:tc>
+                  <a:txBody>
+                    <a:bodyPr/>
+                    <a:lstStyle/>
+                    <a:p>
+                      <a:pPr algn="ctr" fontAlgn="b"/>
+                      <a:r>
+                        <a:rPr lang="en-US" sz="1800" u="none" strike="noStrike">
+                          <a:effectLst/>
+                        </a:rPr>
+                        <a:t>30</a:t>
+                      </a:r>
+                      <a:endParaRPr lang="en-US" sz="1800" b="0" i="0" u="none" strike="noStrike">
+                        <a:solidFill>
+                          <a:srgbClr val="000000"/>
+                        </a:solidFill>
+                        <a:effectLst/>
+                        <a:latin typeface="Calibri"/>
+                      </a:endParaRPr>
+                    </a:p>
+                  </a:txBody>
+                  <a:tcPr marL="9525" marR="9525" marT="9525" marB="0" anchor="ctr">
+                    <a:lnL w="12700" cap="flat" cmpd="sng" algn="ctr">
+                      <a:solidFill>
+                        <a:schemeClr val="tx1"/>
+                      </a:solidFill>
+                      <a:prstDash val="solid"/>
+                      <a:round/>
+                      <a:headEnd type="none" w="med" len="med"/>
+                      <a:tailEnd type="none" w="med" len="med"/>
+                    </a:lnL>
+                    <a:lnR w="12700" cap="flat" cmpd="sng" algn="ctr">
+                      <a:solidFill>
+                        <a:schemeClr val="tx1"/>
+                      </a:solidFill>
+                      <a:prstDash val="solid"/>
+                      <a:round/>
+                      <a:headEnd type="none" w="med" len="med"/>
+                      <a:tailEnd type="none" w="med" len="med"/>
+                    </a:lnR>
+                    <a:lnT w="12700" cap="flat" cmpd="sng" algn="ctr">
+                      <a:solidFill>
+                        <a:schemeClr val="tx1"/>
+                      </a:solidFill>
+                      <a:prstDash val="solid"/>
+                      <a:round/>
+                      <a:headEnd type="none" w="med" len="med"/>
+                      <a:tailEnd type="none" w="med" len="med"/>
+                    </a:lnT>
+                    <a:lnB w="12700" cap="flat" cmpd="sng" algn="ctr">
+                      <a:solidFill>
+                        <a:schemeClr val="tx1"/>
+                      </a:solidFill>
+                      <a:prstDash val="solid"/>
+                      <a:round/>
+                      <a:headEnd type="none" w="med" len="med"/>
+                      <a:tailEnd type="none" w="med" len="med"/>
+                    </a:lnB>
+                  </a:tcPr>
+                </a:tc>
+                <a:tc>
+                  <a:txBody>
+                    <a:bodyPr/>
+                    <a:lstStyle/>
+                    <a:p>
+                      <a:pPr algn="ctr" fontAlgn="b"/>
+                      <a:r>
+                        <a:rPr lang="en-US" sz="1800" u="none" strike="noStrike">
+                          <a:effectLst/>
+                        </a:rPr>
+                        <a:t>F</a:t>
+                      </a:r>
+                      <a:endParaRPr lang="en-US" sz="1800" b="0" i="0" u="none" strike="noStrike">
+                        <a:solidFill>
+                          <a:srgbClr val="000000"/>
+                        </a:solidFill>
+                        <a:effectLst/>
+                        <a:latin typeface="Calibri"/>
+                      </a:endParaRPr>
+                    </a:p>
+                  </a:txBody>
+                  <a:tcPr marL="9525" marR="9525" marT="9525" marB="0" anchor="ctr">
+                    <a:lnL w="12700" cap="flat" cmpd="sng" algn="ctr">
+                      <a:solidFill>
+                        <a:schemeClr val="tx1"/>
+                      </a:solidFill>
+                      <a:prstDash val="solid"/>
+                      <a:round/>
+                      <a:headEnd type="none" w="med" len="med"/>
+                      <a:tailEnd type="none" w="med" len="med"/>
+                    </a:lnL>
+                    <a:lnR w="12700" cap="flat" cmpd="sng" algn="ctr">
+                      <a:solidFill>
+                        <a:schemeClr val="tx1"/>
+                      </a:solidFill>
+                      <a:prstDash val="solid"/>
+                      <a:round/>
+                      <a:headEnd type="none" w="med" len="med"/>
+                      <a:tailEnd type="none" w="med" len="med"/>
+                    </a:lnR>
+                    <a:lnT w="12700" cap="flat" cmpd="sng" algn="ctr">
+                      <a:solidFill>
+                        <a:schemeClr val="tx1"/>
+                      </a:solidFill>
+                      <a:prstDash val="solid"/>
+                      <a:round/>
+                      <a:headEnd type="none" w="med" len="med"/>
+                      <a:tailEnd type="none" w="med" len="med"/>
+                    </a:lnT>
+                    <a:lnB w="12700" cap="flat" cmpd="sng" algn="ctr">
+                      <a:solidFill>
+                        <a:schemeClr val="tx1"/>
+                      </a:solidFill>
+                      <a:prstDash val="solid"/>
+                      <a:round/>
+                      <a:headEnd type="none" w="med" len="med"/>
+                      <a:tailEnd type="none" w="med" len="med"/>
+                    </a:lnB>
+                  </a:tcPr>
+                </a:tc>
+              </a:tr>
+              <a:tr h="287592">
+                <a:tc>
+                  <a:txBody>
+                    <a:bodyPr/>
+                    <a:lstStyle/>
+                    <a:p>
+                      <a:pPr algn="ctr" fontAlgn="b"/>
+                      <a:r>
+                        <a:rPr lang="en-US" sz="1800" u="none" strike="noStrike">
+                          <a:effectLst/>
+                        </a:rPr>
+                        <a:t>D</a:t>
+                      </a:r>
+                      <a:endParaRPr lang="en-US" sz="1800" b="0" i="0" u="none" strike="noStrike">
+                        <a:solidFill>
+                          <a:srgbClr val="000000"/>
+                        </a:solidFill>
+                        <a:effectLst/>
+                        <a:latin typeface="Calibri"/>
+                      </a:endParaRPr>
+                    </a:p>
+                  </a:txBody>
+                  <a:tcPr marL="9525" marR="9525" marT="9525" marB="0" anchor="ctr">
+                    <a:lnL w="12700" cap="flat" cmpd="sng" algn="ctr">
+                      <a:solidFill>
+                        <a:schemeClr val="tx1"/>
+                      </a:solidFill>
+                      <a:prstDash val="solid"/>
+                      <a:round/>
+                      <a:headEnd type="none" w="med" len="med"/>
+                      <a:tailEnd type="none" w="med" len="med"/>
+                    </a:lnL>
+                    <a:lnR w="12700" cap="flat" cmpd="sng" algn="ctr">
+                      <a:solidFill>
+                        <a:schemeClr val="tx1"/>
+                      </a:solidFill>
+                      <a:prstDash val="solid"/>
+                      <a:round/>
+                      <a:headEnd type="none" w="med" len="med"/>
+                      <a:tailEnd type="none" w="med" len="med"/>
+                    </a:lnR>
+                    <a:lnT w="12700" cap="flat" cmpd="sng" algn="ctr">
+                      <a:solidFill>
+                        <a:schemeClr val="tx1"/>
+                      </a:solidFill>
+                      <a:prstDash val="solid"/>
+                      <a:round/>
+                      <a:headEnd type="none" w="med" len="med"/>
+                      <a:tailEnd type="none" w="med" len="med"/>
+                    </a:lnT>
+                    <a:lnB w="12700" cap="flat" cmpd="sng" algn="ctr">
+                      <a:solidFill>
+                        <a:schemeClr val="tx1"/>
+                      </a:solidFill>
+                      <a:prstDash val="solid"/>
+                      <a:round/>
+                      <a:headEnd type="none" w="med" len="med"/>
+                      <a:tailEnd type="none" w="med" len="med"/>
+                    </a:lnB>
+                  </a:tcPr>
+                </a:tc>
+                <a:tc>
+                  <a:txBody>
+                    <a:bodyPr/>
+                    <a:lstStyle/>
+                    <a:p>
+                      <a:pPr algn="ctr" fontAlgn="b"/>
+                      <a:r>
+                        <a:rPr lang="en-US" sz="1800" u="none" strike="noStrike">
+                          <a:effectLst/>
+                        </a:rPr>
+                        <a:t>22</a:t>
+                      </a:r>
+                      <a:endParaRPr lang="en-US" sz="1800" b="0" i="0" u="none" strike="noStrike">
+                        <a:solidFill>
+                          <a:srgbClr val="000000"/>
+                        </a:solidFill>
+                        <a:effectLst/>
+                        <a:latin typeface="Calibri"/>
+                      </a:endParaRPr>
+                    </a:p>
+                  </a:txBody>
+                  <a:tcPr marL="9525" marR="9525" marT="9525" marB="0" anchor="ctr">
+                    <a:lnL w="12700" cap="flat" cmpd="sng" algn="ctr">
+                      <a:solidFill>
+                        <a:schemeClr val="tx1"/>
+                      </a:solidFill>
+                      <a:prstDash val="solid"/>
+                      <a:round/>
+                      <a:headEnd type="none" w="med" len="med"/>
+                      <a:tailEnd type="none" w="med" len="med"/>
+                    </a:lnL>
+                    <a:lnR w="12700" cap="flat" cmpd="sng" algn="ctr">
+                      <a:solidFill>
+                        <a:schemeClr val="tx1"/>
+                      </a:solidFill>
+                      <a:prstDash val="solid"/>
+                      <a:round/>
+                      <a:headEnd type="none" w="med" len="med"/>
+                      <a:tailEnd type="none" w="med" len="med"/>
+                    </a:lnR>
+                    <a:lnT w="12700" cap="flat" cmpd="sng" algn="ctr">
+                      <a:solidFill>
+                        <a:schemeClr val="tx1"/>
+                      </a:solidFill>
+                      <a:prstDash val="solid"/>
+                      <a:round/>
+                      <a:headEnd type="none" w="med" len="med"/>
+                      <a:tailEnd type="none" w="med" len="med"/>
+                    </a:lnT>
+                    <a:lnB w="12700" cap="flat" cmpd="sng" algn="ctr">
+                      <a:solidFill>
+                        <a:schemeClr val="tx1"/>
+                      </a:solidFill>
+                      <a:prstDash val="solid"/>
+                      <a:round/>
+                      <a:headEnd type="none" w="med" len="med"/>
+                      <a:tailEnd type="none" w="med" len="med"/>
+                    </a:lnB>
+                  </a:tcPr>
+                </a:tc>
+                <a:tc>
+                  <a:txBody>
+                    <a:bodyPr/>
+                    <a:lstStyle/>
+                    <a:p>
+                      <a:pPr algn="ctr" fontAlgn="b"/>
+                      <a:r>
+                        <a:rPr lang="en-US" sz="1800" u="none" strike="noStrike">
+                          <a:effectLst/>
+                        </a:rPr>
+                        <a:t>M</a:t>
+                      </a:r>
+                      <a:endParaRPr lang="en-US" sz="1800" b="0" i="0" u="none" strike="noStrike">
+                        <a:solidFill>
+                          <a:srgbClr val="000000"/>
+                        </a:solidFill>
+                        <a:effectLst/>
+                        <a:latin typeface="Calibri"/>
+                      </a:endParaRPr>
+                    </a:p>
+                  </a:txBody>
+                  <a:tcPr marL="9525" marR="9525" marT="9525" marB="0" anchor="ctr">
+                    <a:lnL w="12700" cap="flat" cmpd="sng" algn="ctr">
+                      <a:solidFill>
+                        <a:schemeClr val="tx1"/>
+                      </a:solidFill>
+                      <a:prstDash val="solid"/>
+                      <a:round/>
+                      <a:headEnd type="none" w="med" len="med"/>
+                      <a:tailEnd type="none" w="med" len="med"/>
+                    </a:lnL>
+                    <a:lnR w="12700" cap="flat" cmpd="sng" algn="ctr">
+                      <a:solidFill>
+                        <a:schemeClr val="tx1"/>
+                      </a:solidFill>
+                      <a:prstDash val="solid"/>
+                      <a:round/>
+                      <a:headEnd type="none" w="med" len="med"/>
+                      <a:tailEnd type="none" w="med" len="med"/>
+                    </a:lnR>
+                    <a:lnT w="12700" cap="flat" cmpd="sng" algn="ctr">
+                      <a:solidFill>
+                        <a:schemeClr val="tx1"/>
+                      </a:solidFill>
+                      <a:prstDash val="solid"/>
+                      <a:round/>
+                      <a:headEnd type="none" w="med" len="med"/>
+                      <a:tailEnd type="none" w="med" len="med"/>
+                    </a:lnT>
+                    <a:lnB w="12700" cap="flat" cmpd="sng" algn="ctr">
+                      <a:solidFill>
+                        <a:schemeClr val="tx1"/>
+                      </a:solidFill>
+                      <a:prstDash val="solid"/>
+                      <a:round/>
+                      <a:headEnd type="none" w="med" len="med"/>
+                      <a:tailEnd type="none" w="med" len="med"/>
+                    </a:lnB>
+                  </a:tcPr>
+                </a:tc>
+              </a:tr>
+              <a:tr h="287592">
+                <a:tc>
+                  <a:txBody>
+                    <a:bodyPr/>
+                    <a:lstStyle/>
+                    <a:p>
+                      <a:pPr algn="ctr" fontAlgn="b"/>
+                      <a:r>
+                        <a:rPr lang="en-US" sz="1800" u="none" strike="noStrike">
+                          <a:effectLst/>
+                        </a:rPr>
+                        <a:t>E</a:t>
+                      </a:r>
+                      <a:endParaRPr lang="en-US" sz="1800" b="0" i="0" u="none" strike="noStrike">
+                        <a:solidFill>
+                          <a:srgbClr val="000000"/>
+                        </a:solidFill>
+                        <a:effectLst/>
+                        <a:latin typeface="Calibri"/>
+                      </a:endParaRPr>
+                    </a:p>
+                  </a:txBody>
+                  <a:tcPr marL="9525" marR="9525" marT="9525" marB="0" anchor="ctr">
+                    <a:lnL w="12700" cap="flat" cmpd="sng" algn="ctr">
+                      <a:solidFill>
+                        <a:schemeClr val="tx1"/>
+                      </a:solidFill>
+                      <a:prstDash val="solid"/>
+                      <a:round/>
+                      <a:headEnd type="none" w="med" len="med"/>
+                      <a:tailEnd type="none" w="med" len="med"/>
+                    </a:lnL>
+                    <a:lnR w="12700" cap="flat" cmpd="sng" algn="ctr">
+                      <a:solidFill>
+                        <a:schemeClr val="tx1"/>
+                      </a:solidFill>
+                      <a:prstDash val="solid"/>
+                      <a:round/>
+                      <a:headEnd type="none" w="med" len="med"/>
+                      <a:tailEnd type="none" w="med" len="med"/>
+                    </a:lnR>
+                    <a:lnT w="12700" cap="flat" cmpd="sng" algn="ctr">
+                      <a:solidFill>
+                        <a:schemeClr val="tx1"/>
+                      </a:solidFill>
+                      <a:prstDash val="solid"/>
+                      <a:round/>
+                      <a:headEnd type="none" w="med" len="med"/>
+                      <a:tailEnd type="none" w="med" len="med"/>
+                    </a:lnT>
+                    <a:lnB w="12700" cap="flat" cmpd="sng" algn="ctr">
+                      <a:solidFill>
+                        <a:schemeClr val="tx1"/>
+                      </a:solidFill>
+                      <a:prstDash val="solid"/>
+                      <a:round/>
+                      <a:headEnd type="none" w="med" len="med"/>
+                      <a:tailEnd type="none" w="med" len="med"/>
+                    </a:lnB>
+                  </a:tcPr>
+                </a:tc>
+                <a:tc>
+                  <a:txBody>
+                    <a:bodyPr/>
+                    <a:lstStyle/>
+                    <a:p>
+                      <a:pPr algn="ctr" fontAlgn="b"/>
+                      <a:r>
+                        <a:rPr lang="en-US" sz="1800" u="none" strike="noStrike">
+                          <a:effectLst/>
+                        </a:rPr>
+                        <a:t>28</a:t>
+                      </a:r>
+                      <a:endParaRPr lang="en-US" sz="1800" b="0" i="0" u="none" strike="noStrike">
+                        <a:solidFill>
+                          <a:srgbClr val="000000"/>
+                        </a:solidFill>
+                        <a:effectLst/>
+                        <a:latin typeface="Calibri"/>
+                      </a:endParaRPr>
+                    </a:p>
+                  </a:txBody>
+                  <a:tcPr marL="9525" marR="9525" marT="9525" marB="0" anchor="ctr">
+                    <a:lnL w="12700" cap="flat" cmpd="sng" algn="ctr">
+                      <a:solidFill>
+                        <a:schemeClr val="tx1"/>
+                      </a:solidFill>
+                      <a:prstDash val="solid"/>
+                      <a:round/>
+                      <a:headEnd type="none" w="med" len="med"/>
+                      <a:tailEnd type="none" w="med" len="med"/>
+                    </a:lnL>
+                    <a:lnR w="12700" cap="flat" cmpd="sng" algn="ctr">
+                      <a:solidFill>
+                        <a:schemeClr val="tx1"/>
+                      </a:solidFill>
+                      <a:prstDash val="solid"/>
+                      <a:round/>
+                      <a:headEnd type="none" w="med" len="med"/>
+                      <a:tailEnd type="none" w="med" len="med"/>
+                    </a:lnR>
+                    <a:lnT w="12700" cap="flat" cmpd="sng" algn="ctr">
+                      <a:solidFill>
+                        <a:schemeClr val="tx1"/>
+                      </a:solidFill>
+                      <a:prstDash val="solid"/>
+                      <a:round/>
+                      <a:headEnd type="none" w="med" len="med"/>
+                      <a:tailEnd type="none" w="med" len="med"/>
+                    </a:lnT>
+                    <a:lnB w="12700" cap="flat" cmpd="sng" algn="ctr">
+                      <a:solidFill>
+                        <a:schemeClr val="tx1"/>
+                      </a:solidFill>
+                      <a:prstDash val="solid"/>
+                      <a:round/>
+                      <a:headEnd type="none" w="med" len="med"/>
+                      <a:tailEnd type="none" w="med" len="med"/>
+                    </a:lnB>
+                  </a:tcPr>
+                </a:tc>
+                <a:tc>
+                  <a:txBody>
+                    <a:bodyPr/>
+                    <a:lstStyle/>
+                    <a:p>
+                      <a:pPr algn="ctr" fontAlgn="b"/>
+                      <a:r>
+                        <a:rPr lang="en-US" sz="1800" u="none" strike="noStrike">
+                          <a:effectLst/>
+                        </a:rPr>
+                        <a:t>M</a:t>
+                      </a:r>
+                      <a:endParaRPr lang="en-US" sz="1800" b="0" i="0" u="none" strike="noStrike">
+                        <a:solidFill>
+                          <a:srgbClr val="000000"/>
+                        </a:solidFill>
+                        <a:effectLst/>
+                        <a:latin typeface="Calibri"/>
+                      </a:endParaRPr>
+                    </a:p>
+                  </a:txBody>
+                  <a:tcPr marL="9525" marR="9525" marT="9525" marB="0" anchor="ctr">
+                    <a:lnL w="12700" cap="flat" cmpd="sng" algn="ctr">
+                      <a:solidFill>
+                        <a:schemeClr val="tx1"/>
+                      </a:solidFill>
+                      <a:prstDash val="solid"/>
+                      <a:round/>
+                      <a:headEnd type="none" w="med" len="med"/>
+                      <a:tailEnd type="none" w="med" len="med"/>
+                    </a:lnL>
+                    <a:lnR w="12700" cap="flat" cmpd="sng" algn="ctr">
+                      <a:solidFill>
+                        <a:schemeClr val="tx1"/>
+                      </a:solidFill>
+                      <a:prstDash val="solid"/>
+                      <a:round/>
+                      <a:headEnd type="none" w="med" len="med"/>
+                      <a:tailEnd type="none" w="med" len="med"/>
+                    </a:lnR>
+                    <a:lnT w="12700" cap="flat" cmpd="sng" algn="ctr">
+                      <a:solidFill>
+                        <a:schemeClr val="tx1"/>
+                      </a:solidFill>
+                      <a:prstDash val="solid"/>
+                      <a:round/>
+                      <a:headEnd type="none" w="med" len="med"/>
+                      <a:tailEnd type="none" w="med" len="med"/>
+                    </a:lnT>
+                    <a:lnB w="12700" cap="flat" cmpd="sng" algn="ctr">
+                      <a:solidFill>
+                        <a:schemeClr val="tx1"/>
+                      </a:solidFill>
+                      <a:prstDash val="solid"/>
+                      <a:round/>
+                      <a:headEnd type="none" w="med" len="med"/>
+                      <a:tailEnd type="none" w="med" len="med"/>
+                    </a:lnB>
+                  </a:tcPr>
+                </a:tc>
+              </a:tr>
+              <a:tr h="287592">
+                <a:tc>
+                  <a:txBody>
+                    <a:bodyPr/>
+                    <a:lstStyle/>
+                    <a:p>
+                      <a:pPr algn="ctr" fontAlgn="b"/>
+                      <a:r>
+                        <a:rPr lang="en-US" sz="1800" u="none" strike="noStrike" dirty="0">
+                          <a:effectLst/>
+                        </a:rPr>
+                        <a:t>F</a:t>
+                      </a:r>
+                      <a:endParaRPr lang="en-US" sz="1800" b="0" i="0" u="none" strike="noStrike" dirty="0">
+                        <a:solidFill>
+                          <a:srgbClr val="000000"/>
+                        </a:solidFill>
+                        <a:effectLst/>
+                        <a:latin typeface="Calibri"/>
+                      </a:endParaRPr>
+                    </a:p>
+                  </a:txBody>
+                  <a:tcPr marL="9525" marR="9525" marT="9525" marB="0" anchor="ctr">
+                    <a:lnL w="12700" cap="flat" cmpd="sng" algn="ctr">
+                      <a:solidFill>
+                        <a:schemeClr val="tx1"/>
+                      </a:solidFill>
+                      <a:prstDash val="solid"/>
+                      <a:round/>
+                      <a:headEnd type="none" w="med" len="med"/>
+                      <a:tailEnd type="none" w="med" len="med"/>
+                    </a:lnL>
+                    <a:lnR w="12700" cap="flat" cmpd="sng" algn="ctr">
+                      <a:solidFill>
+                        <a:schemeClr val="tx1"/>
+                      </a:solidFill>
+                      <a:prstDash val="solid"/>
+                      <a:round/>
+                      <a:headEnd type="none" w="med" len="med"/>
+                      <a:tailEnd type="none" w="med" len="med"/>
+                    </a:lnR>
+                    <a:lnT w="12700" cap="flat" cmpd="sng" algn="ctr">
+                      <a:solidFill>
+                        <a:schemeClr val="tx1"/>
+                      </a:solidFill>
+                      <a:prstDash val="solid"/>
+                      <a:round/>
+                      <a:headEnd type="none" w="med" len="med"/>
+                      <a:tailEnd type="none" w="med" len="med"/>
+                    </a:lnT>
+                    <a:lnB w="12700" cap="flat" cmpd="sng" algn="ctr">
+                      <a:solidFill>
+                        <a:schemeClr val="tx1"/>
+                      </a:solidFill>
+                      <a:prstDash val="solid"/>
+                      <a:round/>
+                      <a:headEnd type="none" w="med" len="med"/>
+                      <a:tailEnd type="none" w="med" len="med"/>
+                    </a:lnB>
+                  </a:tcPr>
+                </a:tc>
+                <a:tc>
+                  <a:txBody>
+                    <a:bodyPr/>
+                    <a:lstStyle/>
+                    <a:p>
+                      <a:pPr algn="ctr" fontAlgn="b"/>
+                      <a:r>
+                        <a:rPr lang="en-US" sz="1800" u="none" strike="noStrike" dirty="0">
+                          <a:effectLst/>
+                        </a:rPr>
+                        <a:t>23</a:t>
+                      </a:r>
+                      <a:endParaRPr lang="en-US" sz="1800" b="0" i="0" u="none" strike="noStrike" dirty="0">
+                        <a:solidFill>
+                          <a:srgbClr val="000000"/>
+                        </a:solidFill>
+                        <a:effectLst/>
+                        <a:latin typeface="Calibri"/>
+                      </a:endParaRPr>
+                    </a:p>
+                  </a:txBody>
+                  <a:tcPr marL="9525" marR="9525" marT="9525" marB="0" anchor="ctr">
+                    <a:lnL w="12700" cap="flat" cmpd="sng" algn="ctr">
+                      <a:solidFill>
+                        <a:schemeClr val="tx1"/>
+                      </a:solidFill>
+                      <a:prstDash val="solid"/>
+                      <a:round/>
+                      <a:headEnd type="none" w="med" len="med"/>
+                      <a:tailEnd type="none" w="med" len="med"/>
+                    </a:lnL>
+                    <a:lnR w="12700" cap="flat" cmpd="sng" algn="ctr">
+                      <a:solidFill>
+                        <a:schemeClr val="tx1"/>
+                      </a:solidFill>
+                      <a:prstDash val="solid"/>
+                      <a:round/>
+                      <a:headEnd type="none" w="med" len="med"/>
+                      <a:tailEnd type="none" w="med" len="med"/>
+                    </a:lnR>
+                    <a:lnT w="12700" cap="flat" cmpd="sng" algn="ctr">
+                      <a:solidFill>
+                        <a:schemeClr val="tx1"/>
+                      </a:solidFill>
+                      <a:prstDash val="solid"/>
+                      <a:round/>
+                      <a:headEnd type="none" w="med" len="med"/>
+                      <a:tailEnd type="none" w="med" len="med"/>
+                    </a:lnT>
+                    <a:lnB w="12700" cap="flat" cmpd="sng" algn="ctr">
+                      <a:solidFill>
+                        <a:schemeClr val="tx1"/>
+                      </a:solidFill>
+                      <a:prstDash val="solid"/>
+                      <a:round/>
+                      <a:headEnd type="none" w="med" len="med"/>
+                      <a:tailEnd type="none" w="med" len="med"/>
+                    </a:lnB>
+                  </a:tcPr>
+                </a:tc>
+                <a:tc>
+                  <a:txBody>
+                    <a:bodyPr/>
+                    <a:lstStyle/>
+                    <a:p>
+                      <a:pPr algn="ctr" fontAlgn="b"/>
+                      <a:r>
+                        <a:rPr lang="en-US" sz="1800" u="none" strike="noStrike" dirty="0">
+                          <a:effectLst/>
+                        </a:rPr>
+                        <a:t>F</a:t>
+                      </a:r>
+                      <a:endParaRPr lang="en-US" sz="1800" b="0" i="0" u="none" strike="noStrike" dirty="0">
+                        <a:solidFill>
+                          <a:srgbClr val="000000"/>
+                        </a:solidFill>
+                        <a:effectLst/>
+                        <a:latin typeface="Calibri"/>
+                      </a:endParaRPr>
+                    </a:p>
+                  </a:txBody>
+                  <a:tcPr marL="9525" marR="9525" marT="9525" marB="0" anchor="ctr">
+                    <a:lnL w="12700" cap="flat" cmpd="sng" algn="ctr">
+                      <a:solidFill>
+                        <a:schemeClr val="tx1"/>
+                      </a:solidFill>
+                      <a:prstDash val="solid"/>
+                      <a:round/>
+                      <a:headEnd type="none" w="med" len="med"/>
+                      <a:tailEnd type="none" w="med" len="med"/>
+                    </a:lnL>
+                    <a:lnR w="12700" cap="flat" cmpd="sng" algn="ctr">
+                      <a:solidFill>
+                        <a:schemeClr val="tx1"/>
+                      </a:solidFill>
+                      <a:prstDash val="solid"/>
+                      <a:round/>
+                      <a:headEnd type="none" w="med" len="med"/>
+                      <a:tailEnd type="none" w="med" len="med"/>
+                    </a:lnR>
+                    <a:lnT w="12700" cap="flat" cmpd="sng" algn="ctr">
+                      <a:solidFill>
+                        <a:schemeClr val="tx1"/>
+                      </a:solidFill>
+                      <a:prstDash val="solid"/>
+                      <a:round/>
+                      <a:headEnd type="none" w="med" len="med"/>
+                      <a:tailEnd type="none" w="med" len="med"/>
+                    </a:lnT>
+                    <a:lnB w="12700" cap="flat" cmpd="sng" algn="ctr">
+                      <a:solidFill>
+                        <a:schemeClr val="tx1"/>
+                      </a:solidFill>
+                      <a:prstDash val="solid"/>
+                      <a:round/>
+                      <a:headEnd type="none" w="med" len="med"/>
+                      <a:tailEnd type="none" w="med" len="med"/>
+                    </a:lnB>
+                  </a:tcPr>
+                </a:tc>
+              </a:tr>
+            </a:tbl>
+          </a:graphicData>
+        </a:graphic>
+      </p:graphicFrame>
+      <p:sp>
+        <p:nvSpPr>
+          <p:cNvPr id="6" name="Oval 5"/>
+          <p:cNvSpPr/>
+          <p:nvPr/>
+        </p:nvSpPr>
+        <p:spPr>
+          <a:xfrm>
+            <a:off x="4573918" y="876640"/>
+            <a:ext cx="457200" cy="457200"/>
+          </a:xfrm>
+          <a:prstGeom prst="ellipse">
+            <a:avLst/>
+          </a:prstGeom>
+          <a:noFill/>
+          <a:ln w="38100">
+            <a:solidFill>
+              <a:srgbClr val="00B0F0"/>
+            </a:solidFill>
+          </a:ln>
+        </p:spPr>
+        <p:style>
+          <a:lnRef idx="2">
+            <a:schemeClr val="accent1">
+              <a:shade val="50000"/>
+            </a:schemeClr>
+          </a:lnRef>
+          <a:fillRef idx="1">
+            <a:schemeClr val="accent1"/>
+          </a:fillRef>
+          <a:effectRef idx="0">
+            <a:schemeClr val="accent1"/>
+          </a:effectRef>
+          <a:fontRef idx="minor">
+            <a:schemeClr val="lt1"/>
+          </a:fontRef>
+        </p:style>
+        <p:txBody>
+          <a:bodyPr rtlCol="0" anchor="ctr"/>
+          <a:lstStyle/>
+          <a:p>
+            <a:pPr algn="ctr"/>
+            <a:r>
+              <a:rPr lang="en-US" dirty="0" smtClean="0">
+                <a:solidFill>
+                  <a:schemeClr val="tx1"/>
+                </a:solidFill>
+              </a:rPr>
+              <a:t>M</a:t>
+            </a:r>
+            <a:endParaRPr lang="en-US" dirty="0">
+              <a:solidFill>
+                <a:schemeClr val="tx1"/>
+              </a:solidFill>
+            </a:endParaRPr>
+          </a:p>
+        </p:txBody>
+      </p:sp>
+      <p:sp>
+        <p:nvSpPr>
+          <p:cNvPr id="7" name="Oval 6"/>
+          <p:cNvSpPr/>
+          <p:nvPr/>
+        </p:nvSpPr>
+        <p:spPr>
+          <a:xfrm>
+            <a:off x="6901785" y="876640"/>
+            <a:ext cx="457200" cy="457200"/>
+          </a:xfrm>
+          <a:prstGeom prst="ellipse">
+            <a:avLst/>
+          </a:prstGeom>
+          <a:noFill/>
+          <a:ln w="38100">
+            <a:solidFill>
+              <a:srgbClr val="00B0F0"/>
+            </a:solidFill>
+          </a:ln>
+        </p:spPr>
+        <p:style>
+          <a:lnRef idx="2">
+            <a:schemeClr val="accent1">
+              <a:shade val="50000"/>
+            </a:schemeClr>
+          </a:lnRef>
+          <a:fillRef idx="1">
+            <a:schemeClr val="accent1"/>
+          </a:fillRef>
+          <a:effectRef idx="0">
+            <a:schemeClr val="accent1"/>
+          </a:effectRef>
+          <a:fontRef idx="minor">
+            <a:schemeClr val="lt1"/>
+          </a:fontRef>
+        </p:style>
+        <p:txBody>
+          <a:bodyPr rtlCol="0" anchor="ctr"/>
+          <a:lstStyle/>
+          <a:p>
+            <a:pPr algn="ctr"/>
+            <a:r>
+              <a:rPr lang="en-US" dirty="0" smtClean="0">
+                <a:solidFill>
+                  <a:schemeClr val="tx1"/>
+                </a:solidFill>
+              </a:rPr>
+              <a:t>F</a:t>
+            </a:r>
+            <a:endParaRPr lang="en-US" dirty="0">
+              <a:solidFill>
+                <a:schemeClr val="tx1"/>
+              </a:solidFill>
+            </a:endParaRPr>
+          </a:p>
+        </p:txBody>
+      </p:sp>
+      <p:sp>
+        <p:nvSpPr>
+          <p:cNvPr id="8" name="Oval 7"/>
+          <p:cNvSpPr/>
+          <p:nvPr/>
+        </p:nvSpPr>
+        <p:spPr>
+          <a:xfrm>
+            <a:off x="3811918" y="1987030"/>
+            <a:ext cx="457200" cy="457200"/>
+          </a:xfrm>
+          <a:prstGeom prst="ellipse">
+            <a:avLst/>
+          </a:prstGeom>
+          <a:noFill/>
+          <a:ln w="12700">
+            <a:solidFill>
+              <a:schemeClr val="tx1"/>
+            </a:solidFill>
+          </a:ln>
+        </p:spPr>
+        <p:style>
+          <a:lnRef idx="2">
+            <a:schemeClr val="accent1">
+              <a:shade val="50000"/>
+            </a:schemeClr>
+          </a:lnRef>
+          <a:fillRef idx="1">
+            <a:schemeClr val="accent1"/>
+          </a:fillRef>
+          <a:effectRef idx="0">
+            <a:schemeClr val="accent1"/>
+          </a:effectRef>
+          <a:fontRef idx="minor">
+            <a:schemeClr val="lt1"/>
+          </a:fontRef>
+        </p:style>
+        <p:txBody>
+          <a:bodyPr rtlCol="0" anchor="ctr"/>
+          <a:lstStyle/>
+          <a:p>
+            <a:pPr algn="ctr"/>
+            <a:r>
+              <a:rPr lang="en-US" dirty="0" smtClean="0">
+                <a:solidFill>
+                  <a:schemeClr val="tx1"/>
+                </a:solidFill>
+              </a:rPr>
+              <a:t>A</a:t>
+            </a:r>
+            <a:endParaRPr lang="en-US" dirty="0">
+              <a:solidFill>
+                <a:schemeClr val="tx1"/>
+              </a:solidFill>
+            </a:endParaRPr>
+          </a:p>
+        </p:txBody>
+      </p:sp>
+      <p:sp>
+        <p:nvSpPr>
+          <p:cNvPr id="9" name="Oval 8"/>
+          <p:cNvSpPr/>
+          <p:nvPr/>
+        </p:nvSpPr>
+        <p:spPr>
+          <a:xfrm>
+            <a:off x="4573918" y="1987030"/>
+            <a:ext cx="457200" cy="457200"/>
+          </a:xfrm>
+          <a:prstGeom prst="ellipse">
+            <a:avLst/>
+          </a:prstGeom>
+          <a:noFill/>
+          <a:ln w="12700">
+            <a:solidFill>
+              <a:schemeClr val="tx1"/>
+            </a:solidFill>
+          </a:ln>
+        </p:spPr>
+        <p:style>
+          <a:lnRef idx="2">
+            <a:schemeClr val="accent1">
+              <a:shade val="50000"/>
+            </a:schemeClr>
+          </a:lnRef>
+          <a:fillRef idx="1">
+            <a:schemeClr val="accent1"/>
+          </a:fillRef>
+          <a:effectRef idx="0">
+            <a:schemeClr val="accent1"/>
+          </a:effectRef>
+          <a:fontRef idx="minor">
+            <a:schemeClr val="lt1"/>
+          </a:fontRef>
+        </p:style>
+        <p:txBody>
+          <a:bodyPr rtlCol="0" anchor="ctr"/>
+          <a:lstStyle/>
+          <a:p>
+            <a:pPr algn="ctr"/>
+            <a:r>
+              <a:rPr lang="en-US" dirty="0" smtClean="0">
+                <a:solidFill>
+                  <a:schemeClr val="tx1"/>
+                </a:solidFill>
+              </a:rPr>
+              <a:t>D</a:t>
+            </a:r>
+            <a:endParaRPr lang="en-US" dirty="0">
+              <a:solidFill>
+                <a:schemeClr val="tx1"/>
+              </a:solidFill>
+            </a:endParaRPr>
+          </a:p>
+        </p:txBody>
+      </p:sp>
+      <p:sp>
+        <p:nvSpPr>
+          <p:cNvPr id="10" name="Oval 9"/>
+          <p:cNvSpPr/>
+          <p:nvPr/>
+        </p:nvSpPr>
+        <p:spPr>
+          <a:xfrm>
+            <a:off x="5335918" y="1987030"/>
+            <a:ext cx="457200" cy="457200"/>
+          </a:xfrm>
+          <a:prstGeom prst="ellipse">
+            <a:avLst/>
+          </a:prstGeom>
+          <a:noFill/>
+          <a:ln w="12700">
+            <a:solidFill>
+              <a:schemeClr val="tx1"/>
+            </a:solidFill>
+          </a:ln>
+        </p:spPr>
+        <p:style>
+          <a:lnRef idx="2">
+            <a:schemeClr val="accent1">
+              <a:shade val="50000"/>
+            </a:schemeClr>
+          </a:lnRef>
+          <a:fillRef idx="1">
+            <a:schemeClr val="accent1"/>
+          </a:fillRef>
+          <a:effectRef idx="0">
+            <a:schemeClr val="accent1"/>
+          </a:effectRef>
+          <a:fontRef idx="minor">
+            <a:schemeClr val="lt1"/>
+          </a:fontRef>
+        </p:style>
+        <p:txBody>
+          <a:bodyPr rtlCol="0" anchor="ctr"/>
+          <a:lstStyle/>
+          <a:p>
+            <a:pPr algn="ctr"/>
+            <a:r>
+              <a:rPr lang="en-US" dirty="0" smtClean="0">
+                <a:solidFill>
+                  <a:schemeClr val="tx1"/>
+                </a:solidFill>
+              </a:rPr>
+              <a:t>E</a:t>
+            </a:r>
+            <a:endParaRPr lang="en-US" dirty="0">
+              <a:solidFill>
+                <a:schemeClr val="tx1"/>
+              </a:solidFill>
+            </a:endParaRPr>
+          </a:p>
+        </p:txBody>
+      </p:sp>
+      <p:sp>
+        <p:nvSpPr>
+          <p:cNvPr id="14" name="Left Brace 13"/>
+          <p:cNvSpPr/>
+          <p:nvPr/>
+        </p:nvSpPr>
+        <p:spPr>
+          <a:xfrm rot="5400000">
+            <a:off x="4583167" y="933236"/>
+            <a:ext cx="405412" cy="1674180"/>
+          </a:xfrm>
+          <a:prstGeom prst="leftBrace">
+            <a:avLst/>
+          </a:prstGeom>
+          <a:ln w="19050">
+            <a:solidFill>
+              <a:schemeClr val="tx1"/>
+            </a:solidFill>
+          </a:ln>
+        </p:spPr>
+        <p:style>
+          <a:lnRef idx="1">
+            <a:schemeClr val="accent1"/>
+          </a:lnRef>
+          <a:fillRef idx="0">
+            <a:schemeClr val="accent1"/>
+          </a:fillRef>
+          <a:effectRef idx="0">
+            <a:schemeClr val="accent1"/>
+          </a:effectRef>
+          <a:fontRef idx="minor">
+            <a:schemeClr val="tx1"/>
+          </a:fontRef>
+        </p:style>
+        <p:txBody>
+          <a:bodyPr rtlCol="0" anchor="ctr"/>
+          <a:lstStyle/>
+          <a:p>
+            <a:pPr algn="ctr"/>
+            <a:endParaRPr lang="en-US"/>
+          </a:p>
+        </p:txBody>
+      </p:sp>
+      <p:sp>
+        <p:nvSpPr>
+          <p:cNvPr id="16" name="Left Brace 15"/>
+          <p:cNvSpPr/>
+          <p:nvPr/>
+        </p:nvSpPr>
+        <p:spPr>
+          <a:xfrm rot="5400000">
+            <a:off x="6927679" y="933236"/>
+            <a:ext cx="405412" cy="1674180"/>
+          </a:xfrm>
+          <a:prstGeom prst="leftBrace">
+            <a:avLst/>
+          </a:prstGeom>
+          <a:ln w="19050">
+            <a:solidFill>
+              <a:schemeClr val="tx1"/>
+            </a:solidFill>
+          </a:ln>
+        </p:spPr>
+        <p:style>
+          <a:lnRef idx="1">
+            <a:schemeClr val="accent1"/>
+          </a:lnRef>
+          <a:fillRef idx="0">
+            <a:schemeClr val="accent1"/>
+          </a:fillRef>
+          <a:effectRef idx="0">
+            <a:schemeClr val="accent1"/>
+          </a:effectRef>
+          <a:fontRef idx="minor">
+            <a:schemeClr val="tx1"/>
+          </a:fontRef>
+        </p:style>
+        <p:txBody>
+          <a:bodyPr rtlCol="0" anchor="ctr"/>
+          <a:lstStyle/>
+          <a:p>
+            <a:pPr algn="ctr"/>
+            <a:endParaRPr lang="en-US"/>
+          </a:p>
+        </p:txBody>
+      </p:sp>
+      <p:sp>
+        <p:nvSpPr>
+          <p:cNvPr id="21" name="Oval 20"/>
+          <p:cNvSpPr/>
+          <p:nvPr/>
+        </p:nvSpPr>
+        <p:spPr>
+          <a:xfrm>
+            <a:off x="6140895" y="1987030"/>
+            <a:ext cx="457200" cy="457200"/>
+          </a:xfrm>
+          <a:prstGeom prst="ellipse">
+            <a:avLst/>
+          </a:prstGeom>
+          <a:noFill/>
+          <a:ln w="12700">
+            <a:solidFill>
+              <a:schemeClr val="tx1"/>
+            </a:solidFill>
+          </a:ln>
+        </p:spPr>
+        <p:style>
+          <a:lnRef idx="2">
+            <a:schemeClr val="accent1">
+              <a:shade val="50000"/>
+            </a:schemeClr>
+          </a:lnRef>
+          <a:fillRef idx="1">
+            <a:schemeClr val="accent1"/>
+          </a:fillRef>
+          <a:effectRef idx="0">
+            <a:schemeClr val="accent1"/>
+          </a:effectRef>
+          <a:fontRef idx="minor">
+            <a:schemeClr val="lt1"/>
+          </a:fontRef>
+        </p:style>
+        <p:txBody>
+          <a:bodyPr rtlCol="0" anchor="ctr"/>
+          <a:lstStyle/>
+          <a:p>
+            <a:pPr algn="ctr"/>
+            <a:r>
+              <a:rPr lang="en-US" dirty="0" smtClean="0">
+                <a:solidFill>
+                  <a:schemeClr val="tx1"/>
+                </a:solidFill>
+              </a:rPr>
+              <a:t>B</a:t>
+            </a:r>
+            <a:endParaRPr lang="en-US" dirty="0">
+              <a:solidFill>
+                <a:schemeClr val="tx1"/>
+              </a:solidFill>
+            </a:endParaRPr>
+          </a:p>
+        </p:txBody>
+      </p:sp>
+      <p:sp>
+        <p:nvSpPr>
+          <p:cNvPr id="22" name="Oval 21"/>
+          <p:cNvSpPr/>
+          <p:nvPr/>
+        </p:nvSpPr>
+        <p:spPr>
+          <a:xfrm>
+            <a:off x="6867754" y="1987030"/>
+            <a:ext cx="457200" cy="457200"/>
+          </a:xfrm>
+          <a:prstGeom prst="ellipse">
+            <a:avLst/>
+          </a:prstGeom>
+          <a:noFill/>
+          <a:ln w="12700">
+            <a:solidFill>
+              <a:schemeClr val="tx1"/>
+            </a:solidFill>
+          </a:ln>
+        </p:spPr>
+        <p:style>
+          <a:lnRef idx="2">
+            <a:schemeClr val="accent1">
+              <a:shade val="50000"/>
+            </a:schemeClr>
+          </a:lnRef>
+          <a:fillRef idx="1">
+            <a:schemeClr val="accent1"/>
+          </a:fillRef>
+          <a:effectRef idx="0">
+            <a:schemeClr val="accent1"/>
+          </a:effectRef>
+          <a:fontRef idx="minor">
+            <a:schemeClr val="lt1"/>
+          </a:fontRef>
+        </p:style>
+        <p:txBody>
+          <a:bodyPr rtlCol="0" anchor="ctr"/>
+          <a:lstStyle/>
+          <a:p>
+            <a:pPr algn="ctr"/>
+            <a:r>
+              <a:rPr lang="en-US" dirty="0" smtClean="0">
+                <a:solidFill>
+                  <a:schemeClr val="tx1"/>
+                </a:solidFill>
+              </a:rPr>
+              <a:t>C</a:t>
+            </a:r>
+            <a:endParaRPr lang="en-US" dirty="0">
+              <a:solidFill>
+                <a:schemeClr val="tx1"/>
+              </a:solidFill>
+            </a:endParaRPr>
+          </a:p>
+        </p:txBody>
+      </p:sp>
+      <p:sp>
+        <p:nvSpPr>
+          <p:cNvPr id="23" name="Oval 22"/>
+          <p:cNvSpPr/>
+          <p:nvPr/>
+        </p:nvSpPr>
+        <p:spPr>
+          <a:xfrm>
+            <a:off x="7629754" y="1987030"/>
+            <a:ext cx="457200" cy="457200"/>
+          </a:xfrm>
+          <a:prstGeom prst="ellipse">
+            <a:avLst/>
+          </a:prstGeom>
+          <a:noFill/>
+          <a:ln w="12700">
+            <a:solidFill>
+              <a:schemeClr val="tx1"/>
+            </a:solidFill>
+          </a:ln>
+        </p:spPr>
+        <p:style>
+          <a:lnRef idx="2">
+            <a:schemeClr val="accent1">
+              <a:shade val="50000"/>
+            </a:schemeClr>
+          </a:lnRef>
+          <a:fillRef idx="1">
+            <a:schemeClr val="accent1"/>
+          </a:fillRef>
+          <a:effectRef idx="0">
+            <a:schemeClr val="accent1"/>
+          </a:effectRef>
+          <a:fontRef idx="minor">
+            <a:schemeClr val="lt1"/>
+          </a:fontRef>
+        </p:style>
+        <p:txBody>
+          <a:bodyPr rtlCol="0" anchor="ctr"/>
+          <a:lstStyle/>
+          <a:p>
+            <a:pPr algn="ctr"/>
+            <a:r>
+              <a:rPr lang="en-US" dirty="0" smtClean="0">
+                <a:solidFill>
+                  <a:schemeClr val="tx1"/>
+                </a:solidFill>
+              </a:rPr>
+              <a:t>F</a:t>
+            </a:r>
+            <a:endParaRPr lang="en-US" dirty="0">
+              <a:solidFill>
+                <a:schemeClr val="tx1"/>
+              </a:solidFill>
+            </a:endParaRPr>
+          </a:p>
+        </p:txBody>
+      </p:sp>
+      <p:cxnSp>
+        <p:nvCxnSpPr>
+          <p:cNvPr id="26" name="Curved Connector 25"/>
+          <p:cNvCxnSpPr>
+            <a:stCxn id="6" idx="0"/>
+            <a:endCxn id="6" idx="4"/>
+          </p:cNvCxnSpPr>
+          <p:nvPr/>
+        </p:nvCxnSpPr>
+        <p:spPr>
+          <a:xfrm rot="16200000" flipH="1">
+            <a:off x="4573918" y="1105240"/>
+            <a:ext cx="457200" cy="12700"/>
+          </a:xfrm>
+          <a:prstGeom prst="curvedConnector5">
+            <a:avLst>
+              <a:gd name="adj1" fmla="val -50000"/>
+              <a:gd name="adj2" fmla="val -4229118"/>
+              <a:gd name="adj3" fmla="val 150000"/>
+            </a:avLst>
+          </a:prstGeom>
+          <a:ln w="19050"/>
+        </p:spPr>
+        <p:style>
+          <a:lnRef idx="1">
+            <a:schemeClr val="accent1"/>
+          </a:lnRef>
+          <a:fillRef idx="0">
+            <a:schemeClr val="accent1"/>
+          </a:fillRef>
+          <a:effectRef idx="0">
+            <a:schemeClr val="accent1"/>
+          </a:effectRef>
+          <a:fontRef idx="minor">
+            <a:schemeClr val="tx1"/>
+          </a:fontRef>
+        </p:style>
+      </p:cxnSp>
+      <p:sp>
+        <p:nvSpPr>
+          <p:cNvPr id="28" name="TextBox 27"/>
+          <p:cNvSpPr txBox="1"/>
+          <p:nvPr/>
+        </p:nvSpPr>
+        <p:spPr>
+          <a:xfrm>
+            <a:off x="3288272" y="952765"/>
+            <a:ext cx="980846" cy="369332"/>
+          </a:xfrm>
+          <a:prstGeom prst="rect">
+            <a:avLst/>
+          </a:prstGeom>
+          <a:noFill/>
+        </p:spPr>
+        <p:txBody>
+          <a:bodyPr wrap="none" rtlCol="0">
+            <a:spAutoFit/>
+          </a:bodyPr>
+          <a:lstStyle/>
+          <a:p>
+            <a:r>
+              <a:rPr lang="en-US" dirty="0" smtClean="0"/>
+              <a:t>Count: 2</a:t>
+            </a:r>
+            <a:endParaRPr lang="en-US" dirty="0"/>
+          </a:p>
+        </p:txBody>
+      </p:sp>
+      <p:cxnSp>
+        <p:nvCxnSpPr>
+          <p:cNvPr id="31" name="Curved Connector 30"/>
+          <p:cNvCxnSpPr>
+            <a:stCxn id="7" idx="0"/>
+            <a:endCxn id="7" idx="4"/>
+          </p:cNvCxnSpPr>
+          <p:nvPr/>
+        </p:nvCxnSpPr>
+        <p:spPr>
+          <a:xfrm rot="16200000" flipH="1">
+            <a:off x="6901785" y="1105240"/>
+            <a:ext cx="457200" cy="12700"/>
+          </a:xfrm>
+          <a:prstGeom prst="curvedConnector5">
+            <a:avLst>
+              <a:gd name="adj1" fmla="val -50000"/>
+              <a:gd name="adj2" fmla="val 4858252"/>
+              <a:gd name="adj3" fmla="val 150000"/>
+            </a:avLst>
+          </a:prstGeom>
+          <a:ln w="19050"/>
+        </p:spPr>
+        <p:style>
+          <a:lnRef idx="1">
+            <a:schemeClr val="accent1"/>
+          </a:lnRef>
+          <a:fillRef idx="0">
+            <a:schemeClr val="accent1"/>
+          </a:fillRef>
+          <a:effectRef idx="0">
+            <a:schemeClr val="accent1"/>
+          </a:effectRef>
+          <a:fontRef idx="minor">
+            <a:schemeClr val="tx1"/>
+          </a:fontRef>
+        </p:style>
+      </p:cxnSp>
+      <p:sp>
+        <p:nvSpPr>
+          <p:cNvPr id="34" name="TextBox 33"/>
+          <p:cNvSpPr txBox="1"/>
+          <p:nvPr/>
+        </p:nvSpPr>
+        <p:spPr>
+          <a:xfrm>
+            <a:off x="7705954" y="914736"/>
+            <a:ext cx="980846" cy="369332"/>
+          </a:xfrm>
+          <a:prstGeom prst="rect">
+            <a:avLst/>
+          </a:prstGeom>
+          <a:noFill/>
+        </p:spPr>
+        <p:txBody>
+          <a:bodyPr wrap="none" rtlCol="0">
+            <a:spAutoFit/>
+          </a:bodyPr>
+          <a:lstStyle/>
+          <a:p>
+            <a:r>
+              <a:rPr lang="en-US" dirty="0" smtClean="0"/>
+              <a:t>Count: 2</a:t>
+            </a:r>
+            <a:endParaRPr lang="en-US" dirty="0"/>
+          </a:p>
+        </p:txBody>
+      </p:sp>
+      <p:cxnSp>
+        <p:nvCxnSpPr>
+          <p:cNvPr id="36" name="Straight Connector 35"/>
+          <p:cNvCxnSpPr>
+            <a:stCxn id="6" idx="6"/>
+            <a:endCxn id="7" idx="2"/>
+          </p:cNvCxnSpPr>
+          <p:nvPr/>
+        </p:nvCxnSpPr>
+        <p:spPr>
+          <a:xfrm>
+            <a:off x="5031118" y="1105240"/>
+            <a:ext cx="1870667" cy="0"/>
+          </a:xfrm>
+          <a:prstGeom prst="line">
+            <a:avLst/>
+          </a:prstGeom>
+          <a:ln w="19050"/>
+        </p:spPr>
+        <p:style>
+          <a:lnRef idx="1">
+            <a:schemeClr val="accent1"/>
+          </a:lnRef>
+          <a:fillRef idx="0">
+            <a:schemeClr val="accent1"/>
+          </a:fillRef>
+          <a:effectRef idx="0">
+            <a:schemeClr val="accent1"/>
+          </a:effectRef>
+          <a:fontRef idx="minor">
+            <a:schemeClr val="tx1"/>
+          </a:fontRef>
+        </p:style>
+      </p:cxnSp>
+      <p:sp>
+        <p:nvSpPr>
+          <p:cNvPr id="43" name="TextBox 42"/>
+          <p:cNvSpPr txBox="1"/>
+          <p:nvPr/>
+        </p:nvSpPr>
+        <p:spPr>
+          <a:xfrm>
+            <a:off x="5574272" y="710242"/>
+            <a:ext cx="980846" cy="369332"/>
+          </a:xfrm>
+          <a:prstGeom prst="rect">
+            <a:avLst/>
+          </a:prstGeom>
+          <a:noFill/>
+        </p:spPr>
+        <p:txBody>
+          <a:bodyPr wrap="none" rtlCol="0">
+            <a:spAutoFit/>
+          </a:bodyPr>
+          <a:lstStyle/>
+          <a:p>
+            <a:r>
+              <a:rPr lang="en-US" dirty="0" smtClean="0"/>
+              <a:t>Count: 6</a:t>
+            </a:r>
+            <a:endParaRPr lang="en-US" dirty="0"/>
+          </a:p>
+        </p:txBody>
+      </p:sp>
+      <p:sp>
+        <p:nvSpPr>
+          <p:cNvPr id="44" name="TextBox 43"/>
+          <p:cNvSpPr txBox="1"/>
+          <p:nvPr/>
+        </p:nvSpPr>
+        <p:spPr>
+          <a:xfrm>
+            <a:off x="4738229" y="2526268"/>
+            <a:ext cx="2312621" cy="369332"/>
+          </a:xfrm>
+          <a:prstGeom prst="rect">
+            <a:avLst/>
+          </a:prstGeom>
+          <a:noFill/>
+        </p:spPr>
+        <p:txBody>
+          <a:bodyPr wrap="none" rtlCol="0">
+            <a:spAutoFit/>
+          </a:bodyPr>
+          <a:lstStyle/>
+          <a:p>
+            <a:r>
+              <a:rPr lang="en-US" dirty="0" smtClean="0"/>
+              <a:t>(b) Graph Aggregation</a:t>
+            </a:r>
+            <a:endParaRPr lang="en-US" dirty="0"/>
+          </a:p>
+        </p:txBody>
+      </p:sp>
+      <p:sp>
+        <p:nvSpPr>
+          <p:cNvPr id="52" name="TextBox 51"/>
+          <p:cNvSpPr txBox="1"/>
+          <p:nvPr/>
+        </p:nvSpPr>
+        <p:spPr>
+          <a:xfrm>
+            <a:off x="4810114" y="5149334"/>
+            <a:ext cx="1905458" cy="369332"/>
+          </a:xfrm>
+          <a:prstGeom prst="rect">
+            <a:avLst/>
+          </a:prstGeom>
+          <a:noFill/>
+        </p:spPr>
+        <p:txBody>
+          <a:bodyPr wrap="none" rtlCol="0">
+            <a:spAutoFit/>
+          </a:bodyPr>
+          <a:lstStyle/>
+          <a:p>
+            <a:r>
+              <a:rPr lang="en-US" dirty="0" smtClean="0"/>
+              <a:t>(c) Graph Window</a:t>
+            </a:r>
+            <a:endParaRPr lang="en-US" dirty="0"/>
+          </a:p>
+        </p:txBody>
+      </p:sp>
+      <p:sp>
+        <p:nvSpPr>
+          <p:cNvPr id="113" name="TextBox 112"/>
+          <p:cNvSpPr txBox="1"/>
+          <p:nvPr/>
+        </p:nvSpPr>
+        <p:spPr>
+          <a:xfrm>
+            <a:off x="381000" y="5149334"/>
+            <a:ext cx="2330959" cy="369332"/>
+          </a:xfrm>
+          <a:prstGeom prst="rect">
+            <a:avLst/>
+          </a:prstGeom>
+          <a:noFill/>
+        </p:spPr>
+        <p:txBody>
+          <a:bodyPr wrap="none" rtlCol="0">
+            <a:spAutoFit/>
+          </a:bodyPr>
+          <a:lstStyle/>
+          <a:p>
+            <a:r>
+              <a:rPr lang="en-US" dirty="0" smtClean="0"/>
+              <a:t>(a) Mini social network</a:t>
+            </a:r>
+            <a:endParaRPr lang="en-US" dirty="0"/>
+          </a:p>
+        </p:txBody>
+      </p:sp>
+      <p:pic>
+        <p:nvPicPr>
+          <p:cNvPr id="142" name="Picture 2"/>
+          <p:cNvPicPr>
+            <a:picLocks noChangeAspect="1" noChangeArrowheads="1"/>
+          </p:cNvPicPr>
+          <p:nvPr/>
+        </p:nvPicPr>
+        <p:blipFill>
+          <a:blip r:embed="rId2">
+            <a:extLst>
+              <a:ext uri="{28A0092B-C50C-407E-A947-70E740481C1C}">
+                <a14:useLocalDpi xmlns:a14="http://schemas.microsoft.com/office/drawing/2010/main" val="0"/>
+              </a:ext>
+            </a:extLst>
+          </a:blip>
+          <a:srcRect/>
+          <a:stretch>
+            <a:fillRect/>
+          </a:stretch>
+        </p:blipFill>
+        <p:spPr bwMode="auto">
+          <a:xfrm>
+            <a:off x="3630295" y="3028989"/>
+            <a:ext cx="1887245" cy="2184875"/>
+          </a:xfrm>
+          <a:prstGeom prst="rect">
+            <a:avLst/>
+          </a:prstGeom>
+          <a:noFill/>
+          <a:ln>
+            <a:noFill/>
+          </a:ln>
+          <a:extLst>
+            <a:ext uri="{909E8E84-426E-40DD-AFC4-6F175D3DCCD1}">
+              <a14:hiddenFill xmlns:a14="http://schemas.microsoft.com/office/drawing/2010/main">
+                <a:solidFill>
+                  <a:schemeClr val="accent1"/>
+                </a:solidFill>
+              </a14:hiddenFill>
+            </a:ext>
+            <a:ext uri="{91240B29-F687-4F45-9708-019B960494DF}">
+              <a14:hiddenLine xmlns:a14="http://schemas.microsoft.com/office/drawing/2010/main" w="9525">
+                <a:solidFill>
+                  <a:schemeClr val="tx1"/>
+                </a:solidFill>
+                <a:miter lim="800000"/>
+                <a:headEnd/>
+                <a:tailEnd/>
+              </a14:hiddenLine>
+            </a:ext>
+          </a:extLst>
+        </p:spPr>
+      </p:pic>
+      <p:sp>
+        <p:nvSpPr>
+          <p:cNvPr id="145" name="Freeform 144"/>
+          <p:cNvSpPr/>
+          <p:nvPr/>
+        </p:nvSpPr>
+        <p:spPr>
+          <a:xfrm>
+            <a:off x="3570275" y="3385720"/>
+            <a:ext cx="2003997" cy="1413394"/>
+          </a:xfrm>
+          <a:custGeom>
+            <a:avLst/>
+            <a:gdLst>
+              <a:gd name="connsiteX0" fmla="*/ 34059 w 2007967"/>
+              <a:gd name="connsiteY0" fmla="*/ 183103 h 1413394"/>
+              <a:gd name="connsiteX1" fmla="*/ 51814 w 2007967"/>
+              <a:gd name="connsiteY1" fmla="*/ 1301690 h 1413394"/>
+              <a:gd name="connsiteX2" fmla="*/ 531208 w 2007967"/>
+              <a:gd name="connsiteY2" fmla="*/ 1372711 h 1413394"/>
+              <a:gd name="connsiteX3" fmla="*/ 1960513 w 2007967"/>
+              <a:gd name="connsiteY3" fmla="*/ 1292812 h 1413394"/>
+              <a:gd name="connsiteX4" fmla="*/ 1534385 w 2007967"/>
+              <a:gd name="connsiteY4" fmla="*/ 715763 h 1413394"/>
+              <a:gd name="connsiteX5" fmla="*/ 238245 w 2007967"/>
+              <a:gd name="connsiteY5" fmla="*/ 49938 h 1413394"/>
+              <a:gd name="connsiteX6" fmla="*/ 34059 w 2007967"/>
+              <a:gd name="connsiteY6" fmla="*/ 183103 h 1413394"/>
+            </a:gdLst>
+            <a:ahLst/>
+            <a:cxnLst>
+              <a:cxn ang="0">
+                <a:pos x="connsiteX0" y="connsiteY0"/>
+              </a:cxn>
+              <a:cxn ang="0">
+                <a:pos x="connsiteX1" y="connsiteY1"/>
+              </a:cxn>
+              <a:cxn ang="0">
+                <a:pos x="connsiteX2" y="connsiteY2"/>
+              </a:cxn>
+              <a:cxn ang="0">
+                <a:pos x="connsiteX3" y="connsiteY3"/>
+              </a:cxn>
+              <a:cxn ang="0">
+                <a:pos x="connsiteX4" y="connsiteY4"/>
+              </a:cxn>
+              <a:cxn ang="0">
+                <a:pos x="connsiteX5" y="connsiteY5"/>
+              </a:cxn>
+              <a:cxn ang="0">
+                <a:pos x="connsiteX6" y="connsiteY6"/>
+              </a:cxn>
+            </a:cxnLst>
+            <a:rect l="l" t="t" r="r" b="b"/>
+            <a:pathLst>
+              <a:path w="2007967" h="1413394">
+                <a:moveTo>
+                  <a:pt x="34059" y="183103"/>
+                </a:moveTo>
+                <a:cubicBezTo>
+                  <a:pt x="2987" y="391728"/>
+                  <a:pt x="-31044" y="1103422"/>
+                  <a:pt x="51814" y="1301690"/>
+                </a:cubicBezTo>
+                <a:cubicBezTo>
+                  <a:pt x="134672" y="1499958"/>
+                  <a:pt x="213092" y="1374191"/>
+                  <a:pt x="531208" y="1372711"/>
+                </a:cubicBezTo>
+                <a:cubicBezTo>
+                  <a:pt x="849324" y="1371231"/>
+                  <a:pt x="1793317" y="1402303"/>
+                  <a:pt x="1960513" y="1292812"/>
+                </a:cubicBezTo>
+                <a:cubicBezTo>
+                  <a:pt x="2127709" y="1183321"/>
+                  <a:pt x="1821430" y="922909"/>
+                  <a:pt x="1534385" y="715763"/>
+                </a:cubicBezTo>
+                <a:cubicBezTo>
+                  <a:pt x="1247340" y="508617"/>
+                  <a:pt x="486820" y="134276"/>
+                  <a:pt x="238245" y="49938"/>
+                </a:cubicBezTo>
+                <a:cubicBezTo>
+                  <a:pt x="-10330" y="-34400"/>
+                  <a:pt x="65131" y="-25522"/>
+                  <a:pt x="34059" y="183103"/>
+                </a:cubicBezTo>
+                <a:close/>
+              </a:path>
+            </a:pathLst>
+          </a:custGeom>
+          <a:noFill/>
+          <a:ln>
+            <a:solidFill>
+              <a:srgbClr val="00B0F0"/>
+            </a:solidFill>
+          </a:ln>
+        </p:spPr>
+        <p:style>
+          <a:lnRef idx="2">
+            <a:schemeClr val="accent1">
+              <a:shade val="50000"/>
+            </a:schemeClr>
+          </a:lnRef>
+          <a:fillRef idx="1">
+            <a:schemeClr val="accent1"/>
+          </a:fillRef>
+          <a:effectRef idx="0">
+            <a:schemeClr val="accent1"/>
+          </a:effectRef>
+          <a:fontRef idx="minor">
+            <a:schemeClr val="lt1"/>
+          </a:fontRef>
+        </p:style>
+        <p:txBody>
+          <a:bodyPr rtlCol="0" anchor="ctr"/>
+          <a:lstStyle/>
+          <a:p>
+            <a:pPr algn="ctr"/>
+            <a:endParaRPr lang="en-US"/>
+          </a:p>
+        </p:txBody>
+      </p:sp>
+      <p:pic>
+        <p:nvPicPr>
+          <p:cNvPr id="146" name="Picture 2"/>
+          <p:cNvPicPr>
+            <a:picLocks noChangeAspect="1" noChangeArrowheads="1"/>
+          </p:cNvPicPr>
+          <p:nvPr/>
+        </p:nvPicPr>
+        <p:blipFill>
+          <a:blip r:embed="rId2">
+            <a:extLst>
+              <a:ext uri="{28A0092B-C50C-407E-A947-70E740481C1C}">
+                <a14:useLocalDpi xmlns:a14="http://schemas.microsoft.com/office/drawing/2010/main" val="0"/>
+              </a:ext>
+            </a:extLst>
+          </a:blip>
+          <a:srcRect/>
+          <a:stretch>
+            <a:fillRect/>
+          </a:stretch>
+        </p:blipFill>
+        <p:spPr bwMode="auto">
+          <a:xfrm>
+            <a:off x="6121824" y="3028990"/>
+            <a:ext cx="1887245" cy="2184875"/>
+          </a:xfrm>
+          <a:prstGeom prst="rect">
+            <a:avLst/>
+          </a:prstGeom>
+          <a:noFill/>
+          <a:ln>
+            <a:noFill/>
+          </a:ln>
+          <a:extLst>
+            <a:ext uri="{909E8E84-426E-40DD-AFC4-6F175D3DCCD1}">
+              <a14:hiddenFill xmlns:a14="http://schemas.microsoft.com/office/drawing/2010/main">
+                <a:solidFill>
+                  <a:schemeClr val="accent1"/>
+                </a:solidFill>
+              </a14:hiddenFill>
+            </a:ext>
+            <a:ext uri="{91240B29-F687-4F45-9708-019B960494DF}">
+              <a14:hiddenLine xmlns:a14="http://schemas.microsoft.com/office/drawing/2010/main" w="9525">
+                <a:solidFill>
+                  <a:schemeClr val="tx1"/>
+                </a:solidFill>
+                <a:miter lim="800000"/>
+                <a:headEnd/>
+                <a:tailEnd/>
+              </a14:hiddenLine>
+            </a:ext>
+          </a:extLst>
+        </p:spPr>
+      </p:pic>
+      <p:sp>
+        <p:nvSpPr>
+          <p:cNvPr id="149" name="Freeform 148"/>
+          <p:cNvSpPr/>
+          <p:nvPr/>
+        </p:nvSpPr>
+        <p:spPr>
+          <a:xfrm>
+            <a:off x="6107583" y="3001126"/>
+            <a:ext cx="1283634" cy="2177772"/>
+          </a:xfrm>
+          <a:custGeom>
+            <a:avLst/>
+            <a:gdLst>
+              <a:gd name="connsiteX0" fmla="*/ 914654 w 1283634"/>
+              <a:gd name="connsiteY0" fmla="*/ 8404 h 2177772"/>
+              <a:gd name="connsiteX1" fmla="*/ 254 w 1283634"/>
+              <a:gd name="connsiteY1" fmla="*/ 549942 h 2177772"/>
+              <a:gd name="connsiteX2" fmla="*/ 825877 w 1283634"/>
+              <a:gd name="connsiteY2" fmla="*/ 2103534 h 2177772"/>
+              <a:gd name="connsiteX3" fmla="*/ 1234250 w 1283634"/>
+              <a:gd name="connsiteY3" fmla="*/ 1766183 h 2177772"/>
+              <a:gd name="connsiteX4" fmla="*/ 1243128 w 1283634"/>
+              <a:gd name="connsiteY4" fmla="*/ 336878 h 2177772"/>
+              <a:gd name="connsiteX5" fmla="*/ 914654 w 1283634"/>
+              <a:gd name="connsiteY5" fmla="*/ 8404 h 2177772"/>
+            </a:gdLst>
+            <a:ahLst/>
+            <a:cxnLst>
+              <a:cxn ang="0">
+                <a:pos x="connsiteX0" y="connsiteY0"/>
+              </a:cxn>
+              <a:cxn ang="0">
+                <a:pos x="connsiteX1" y="connsiteY1"/>
+              </a:cxn>
+              <a:cxn ang="0">
+                <a:pos x="connsiteX2" y="connsiteY2"/>
+              </a:cxn>
+              <a:cxn ang="0">
+                <a:pos x="connsiteX3" y="connsiteY3"/>
+              </a:cxn>
+              <a:cxn ang="0">
+                <a:pos x="connsiteX4" y="connsiteY4"/>
+              </a:cxn>
+              <a:cxn ang="0">
+                <a:pos x="connsiteX5" y="connsiteY5"/>
+              </a:cxn>
+            </a:cxnLst>
+            <a:rect l="l" t="t" r="r" b="b"/>
+            <a:pathLst>
+              <a:path w="1283634" h="2177772">
+                <a:moveTo>
+                  <a:pt x="914654" y="8404"/>
+                </a:moveTo>
+                <a:cubicBezTo>
+                  <a:pt x="707508" y="43915"/>
+                  <a:pt x="15050" y="200754"/>
+                  <a:pt x="254" y="549942"/>
+                </a:cubicBezTo>
+                <a:cubicBezTo>
+                  <a:pt x="-14542" y="899130"/>
+                  <a:pt x="620211" y="1900827"/>
+                  <a:pt x="825877" y="2103534"/>
+                </a:cubicBezTo>
+                <a:cubicBezTo>
+                  <a:pt x="1031543" y="2306241"/>
+                  <a:pt x="1164708" y="2060626"/>
+                  <a:pt x="1234250" y="1766183"/>
+                </a:cubicBezTo>
+                <a:cubicBezTo>
+                  <a:pt x="1303792" y="1471740"/>
+                  <a:pt x="1293435" y="629841"/>
+                  <a:pt x="1243128" y="336878"/>
+                </a:cubicBezTo>
+                <a:cubicBezTo>
+                  <a:pt x="1192821" y="43915"/>
+                  <a:pt x="1121800" y="-27107"/>
+                  <a:pt x="914654" y="8404"/>
+                </a:cubicBezTo>
+                <a:close/>
+              </a:path>
+            </a:pathLst>
+          </a:custGeom>
+          <a:noFill/>
+          <a:ln>
+            <a:solidFill>
+              <a:srgbClr val="00B0F0"/>
+            </a:solidFill>
+          </a:ln>
+        </p:spPr>
+        <p:style>
+          <a:lnRef idx="2">
+            <a:schemeClr val="accent1">
+              <a:shade val="50000"/>
+            </a:schemeClr>
+          </a:lnRef>
+          <a:fillRef idx="1">
+            <a:schemeClr val="accent1"/>
+          </a:fillRef>
+          <a:effectRef idx="0">
+            <a:schemeClr val="accent1"/>
+          </a:effectRef>
+          <a:fontRef idx="minor">
+            <a:schemeClr val="lt1"/>
+          </a:fontRef>
+        </p:style>
+        <p:txBody>
+          <a:bodyPr rtlCol="0" anchor="ctr"/>
+          <a:lstStyle/>
+          <a:p>
+            <a:pPr algn="ctr"/>
+            <a:endParaRPr lang="en-US"/>
+          </a:p>
+        </p:txBody>
+      </p:sp>
+      <p:sp>
+        <p:nvSpPr>
+          <p:cNvPr id="151" name="TextBox 150"/>
+          <p:cNvSpPr txBox="1"/>
+          <p:nvPr/>
+        </p:nvSpPr>
+        <p:spPr>
+          <a:xfrm>
+            <a:off x="4845495" y="1322097"/>
+            <a:ext cx="980846" cy="369332"/>
+          </a:xfrm>
+          <a:prstGeom prst="rect">
+            <a:avLst/>
+          </a:prstGeom>
+          <a:noFill/>
+        </p:spPr>
+        <p:txBody>
+          <a:bodyPr wrap="none" rtlCol="0">
+            <a:spAutoFit/>
+          </a:bodyPr>
+          <a:lstStyle/>
+          <a:p>
+            <a:r>
+              <a:rPr lang="en-US" dirty="0" smtClean="0"/>
+              <a:t>Count: 3</a:t>
+            </a:r>
+            <a:endParaRPr lang="en-US" dirty="0"/>
+          </a:p>
+        </p:txBody>
+      </p:sp>
+      <p:sp>
+        <p:nvSpPr>
+          <p:cNvPr id="152" name="TextBox 151"/>
+          <p:cNvSpPr txBox="1"/>
+          <p:nvPr/>
+        </p:nvSpPr>
+        <p:spPr>
+          <a:xfrm>
+            <a:off x="6149539" y="1340190"/>
+            <a:ext cx="980846" cy="369332"/>
+          </a:xfrm>
+          <a:prstGeom prst="rect">
+            <a:avLst/>
+          </a:prstGeom>
+          <a:noFill/>
+        </p:spPr>
+        <p:txBody>
+          <a:bodyPr wrap="none" rtlCol="0">
+            <a:spAutoFit/>
+          </a:bodyPr>
+          <a:lstStyle/>
+          <a:p>
+            <a:r>
+              <a:rPr lang="en-US" dirty="0" smtClean="0"/>
+              <a:t>Count: 3</a:t>
+            </a:r>
+            <a:endParaRPr lang="en-US" dirty="0"/>
+          </a:p>
+        </p:txBody>
+      </p:sp>
+      <p:sp>
+        <p:nvSpPr>
+          <p:cNvPr id="153" name="Oval 152"/>
+          <p:cNvSpPr/>
+          <p:nvPr/>
+        </p:nvSpPr>
+        <p:spPr>
+          <a:xfrm>
+            <a:off x="3666744" y="4414030"/>
+            <a:ext cx="304800" cy="310369"/>
+          </a:xfrm>
+          <a:prstGeom prst="ellipse">
+            <a:avLst/>
+          </a:prstGeom>
+          <a:noFill/>
+          <a:ln w="38100">
+            <a:solidFill>
+              <a:srgbClr val="FF0000"/>
+            </a:solidFill>
+          </a:ln>
+        </p:spPr>
+        <p:style>
+          <a:lnRef idx="2">
+            <a:schemeClr val="accent1">
+              <a:shade val="50000"/>
+            </a:schemeClr>
+          </a:lnRef>
+          <a:fillRef idx="1">
+            <a:schemeClr val="accent1"/>
+          </a:fillRef>
+          <a:effectRef idx="0">
+            <a:schemeClr val="accent1"/>
+          </a:effectRef>
+          <a:fontRef idx="minor">
+            <a:schemeClr val="lt1"/>
+          </a:fontRef>
+        </p:style>
+        <p:txBody>
+          <a:bodyPr rtlCol="0" anchor="ctr"/>
+          <a:lstStyle/>
+          <a:p>
+            <a:pPr algn="ctr"/>
+            <a:endParaRPr lang="en-US"/>
+          </a:p>
+        </p:txBody>
+      </p:sp>
+      <p:sp>
+        <p:nvSpPr>
+          <p:cNvPr id="154" name="Oval 153"/>
+          <p:cNvSpPr/>
+          <p:nvPr/>
+        </p:nvSpPr>
+        <p:spPr>
+          <a:xfrm>
+            <a:off x="6913046" y="3075351"/>
+            <a:ext cx="304800" cy="310369"/>
+          </a:xfrm>
+          <a:prstGeom prst="ellipse">
+            <a:avLst/>
+          </a:prstGeom>
+          <a:noFill/>
+          <a:ln w="38100">
+            <a:solidFill>
+              <a:srgbClr val="FF0000"/>
+            </a:solidFill>
+          </a:ln>
+        </p:spPr>
+        <p:style>
+          <a:lnRef idx="2">
+            <a:schemeClr val="accent1">
+              <a:shade val="50000"/>
+            </a:schemeClr>
+          </a:lnRef>
+          <a:fillRef idx="1">
+            <a:schemeClr val="accent1"/>
+          </a:fillRef>
+          <a:effectRef idx="0">
+            <a:schemeClr val="accent1"/>
+          </a:effectRef>
+          <a:fontRef idx="minor">
+            <a:schemeClr val="lt1"/>
+          </a:fontRef>
+        </p:style>
+        <p:txBody>
+          <a:bodyPr rtlCol="0" anchor="ctr"/>
+          <a:lstStyle/>
+          <a:p>
+            <a:pPr algn="ctr"/>
+            <a:endParaRPr lang="en-US"/>
+          </a:p>
+        </p:txBody>
+      </p:sp>
+    </p:spTree>
+    <p:extLst>
+      <p:ext uri="{BB962C8B-B14F-4D97-AF65-F5344CB8AC3E}">
+        <p14:creationId xmlns:p14="http://schemas.microsoft.com/office/powerpoint/2010/main" val="709170115"/>
+      </p:ext>
+    </p:extLst>
+  </p:cSld>
+  <p:clrMapOvr>
+    <a:masterClrMapping/>
+  </p:clrMapOvr>
+</p:sld>
+</file>
+
 <file path=ppt/theme/theme1.xml><?xml version="1.0" encoding="utf-8"?>
 <a:theme xmlns:a="http://schemas.openxmlformats.org/drawingml/2006/main" name="Office Theme">
   <a:themeElements>

--- a/Slides/drawings.pptx
+++ b/Slides/drawings.pptx
@@ -8,6 +8,7 @@
     <p:sldId id="257" r:id="rId2"/>
     <p:sldId id="258" r:id="rId3"/>
     <p:sldId id="259" r:id="rId4"/>
+    <p:sldId id="260" r:id="rId5"/>
   </p:sldIdLst>
   <p:sldSz cx="9144000" cy="6858000" type="screen4x3"/>
   <p:notesSz cx="6858000" cy="9144000"/>
@@ -291,7 +292,7 @@
             <a:fld id="{1D8BD707-D9CF-40AE-B4C6-C98DA3205C09}" type="datetimeFigureOut">
               <a:rPr lang="en-US" smtClean="0"/>
               <a:pPr/>
-              <a:t>9/2/2016</a:t>
+              <a:t>9/20/2016</a:t>
             </a:fld>
             <a:endParaRPr lang="en-US"/>
           </a:p>
@@ -458,7 +459,7 @@
             <a:fld id="{1D8BD707-D9CF-40AE-B4C6-C98DA3205C09}" type="datetimeFigureOut">
               <a:rPr lang="en-US" smtClean="0"/>
               <a:pPr/>
-              <a:t>9/2/2016</a:t>
+              <a:t>9/20/2016</a:t>
             </a:fld>
             <a:endParaRPr lang="en-US"/>
           </a:p>
@@ -635,7 +636,7 @@
             <a:fld id="{1D8BD707-D9CF-40AE-B4C6-C98DA3205C09}" type="datetimeFigureOut">
               <a:rPr lang="en-US" smtClean="0"/>
               <a:pPr/>
-              <a:t>9/2/2016</a:t>
+              <a:t>9/20/2016</a:t>
             </a:fld>
             <a:endParaRPr lang="en-US"/>
           </a:p>
@@ -802,7 +803,7 @@
             <a:fld id="{1D8BD707-D9CF-40AE-B4C6-C98DA3205C09}" type="datetimeFigureOut">
               <a:rPr lang="en-US" smtClean="0"/>
               <a:pPr/>
-              <a:t>9/2/2016</a:t>
+              <a:t>9/20/2016</a:t>
             </a:fld>
             <a:endParaRPr lang="en-US"/>
           </a:p>
@@ -1045,7 +1046,7 @@
             <a:fld id="{1D8BD707-D9CF-40AE-B4C6-C98DA3205C09}" type="datetimeFigureOut">
               <a:rPr lang="en-US" smtClean="0"/>
               <a:pPr/>
-              <a:t>9/2/2016</a:t>
+              <a:t>9/20/2016</a:t>
             </a:fld>
             <a:endParaRPr lang="en-US"/>
           </a:p>
@@ -1330,7 +1331,7 @@
             <a:fld id="{1D8BD707-D9CF-40AE-B4C6-C98DA3205C09}" type="datetimeFigureOut">
               <a:rPr lang="en-US" smtClean="0"/>
               <a:pPr/>
-              <a:t>9/2/2016</a:t>
+              <a:t>9/20/2016</a:t>
             </a:fld>
             <a:endParaRPr lang="en-US"/>
           </a:p>
@@ -1749,7 +1750,7 @@
             <a:fld id="{1D8BD707-D9CF-40AE-B4C6-C98DA3205C09}" type="datetimeFigureOut">
               <a:rPr lang="en-US" smtClean="0"/>
               <a:pPr/>
-              <a:t>9/2/2016</a:t>
+              <a:t>9/20/2016</a:t>
             </a:fld>
             <a:endParaRPr lang="en-US"/>
           </a:p>
@@ -1864,7 +1865,7 @@
             <a:fld id="{1D8BD707-D9CF-40AE-B4C6-C98DA3205C09}" type="datetimeFigureOut">
               <a:rPr lang="en-US" smtClean="0"/>
               <a:pPr/>
-              <a:t>9/2/2016</a:t>
+              <a:t>9/20/2016</a:t>
             </a:fld>
             <a:endParaRPr lang="en-US"/>
           </a:p>
@@ -1956,7 +1957,7 @@
             <a:fld id="{1D8BD707-D9CF-40AE-B4C6-C98DA3205C09}" type="datetimeFigureOut">
               <a:rPr lang="en-US" smtClean="0"/>
               <a:pPr/>
-              <a:t>9/2/2016</a:t>
+              <a:t>9/20/2016</a:t>
             </a:fld>
             <a:endParaRPr lang="en-US"/>
           </a:p>
@@ -2230,7 +2231,7 @@
             <a:fld id="{1D8BD707-D9CF-40AE-B4C6-C98DA3205C09}" type="datetimeFigureOut">
               <a:rPr lang="en-US" smtClean="0"/>
               <a:pPr/>
-              <a:t>9/2/2016</a:t>
+              <a:t>9/20/2016</a:t>
             </a:fld>
             <a:endParaRPr lang="en-US"/>
           </a:p>
@@ -2480,7 +2481,7 @@
             <a:fld id="{1D8BD707-D9CF-40AE-B4C6-C98DA3205C09}" type="datetimeFigureOut">
               <a:rPr lang="en-US" smtClean="0"/>
               <a:pPr/>
-              <a:t>9/2/2016</a:t>
+              <a:t>9/20/2016</a:t>
             </a:fld>
             <a:endParaRPr lang="en-US"/>
           </a:p>
@@ -2690,7 +2691,7 @@
             <a:fld id="{1D8BD707-D9CF-40AE-B4C6-C98DA3205C09}" type="datetimeFigureOut">
               <a:rPr lang="en-US" smtClean="0"/>
               <a:pPr/>
-              <a:t>9/2/2016</a:t>
+              <a:t>9/20/2016</a:t>
             </a:fld>
             <a:endParaRPr lang="en-US"/>
           </a:p>
@@ -10370,6 +10371,1819 @@
 </p:sld>
 </file>
 
+<file path=ppt/slides/slide4.xml><?xml version="1.0" encoding="utf-8"?>
+<p:sld xmlns:a="http://schemas.openxmlformats.org/drawingml/2006/main" xmlns:r="http://schemas.openxmlformats.org/officeDocument/2006/relationships" xmlns:p="http://schemas.openxmlformats.org/presentationml/2006/main">
+  <p:cSld>
+    <p:spTree>
+      <p:nvGrpSpPr>
+        <p:cNvPr id="1" name=""/>
+        <p:cNvGrpSpPr/>
+        <p:nvPr/>
+      </p:nvGrpSpPr>
+      <p:grpSpPr>
+        <a:xfrm>
+          <a:off x="0" y="0"/>
+          <a:ext cx="0" cy="0"/>
+          <a:chOff x="0" y="0"/>
+          <a:chExt cx="0" cy="0"/>
+        </a:xfrm>
+      </p:grpSpPr>
+      <p:grpSp>
+        <p:nvGrpSpPr>
+          <p:cNvPr id="42" name="Group 41"/>
+          <p:cNvGrpSpPr/>
+          <p:nvPr/>
+        </p:nvGrpSpPr>
+        <p:grpSpPr>
+          <a:xfrm>
+            <a:off x="457200" y="1453055"/>
+            <a:ext cx="3581400" cy="1600200"/>
+            <a:chOff x="457200" y="1752600"/>
+            <a:chExt cx="3048000" cy="1295400"/>
+          </a:xfrm>
+        </p:grpSpPr>
+        <p:sp>
+          <p:nvSpPr>
+            <p:cNvPr id="4" name="Oval 3"/>
+            <p:cNvSpPr/>
+            <p:nvPr/>
+          </p:nvSpPr>
+          <p:spPr>
+            <a:xfrm>
+              <a:off x="457200" y="2252154"/>
+              <a:ext cx="304800" cy="304800"/>
+            </a:xfrm>
+            <a:prstGeom prst="ellipse">
+              <a:avLst/>
+            </a:prstGeom>
+            <a:ln w="12700"/>
+          </p:spPr>
+          <p:style>
+            <a:lnRef idx="2">
+              <a:schemeClr val="dk1"/>
+            </a:lnRef>
+            <a:fillRef idx="1">
+              <a:schemeClr val="lt1"/>
+            </a:fillRef>
+            <a:effectRef idx="0">
+              <a:schemeClr val="dk1"/>
+            </a:effectRef>
+            <a:fontRef idx="minor">
+              <a:schemeClr val="dk1"/>
+            </a:fontRef>
+          </p:style>
+          <p:txBody>
+            <a:bodyPr rtlCol="0" anchor="ctr"/>
+            <a:lstStyle/>
+            <a:p>
+              <a:pPr algn="ctr"/>
+              <a:r>
+                <a:rPr lang="en-US" dirty="0" smtClean="0"/>
+                <a:t>A</a:t>
+              </a:r>
+              <a:endParaRPr lang="en-US" dirty="0"/>
+            </a:p>
+          </p:txBody>
+        </p:sp>
+        <p:sp>
+          <p:nvSpPr>
+            <p:cNvPr id="5" name="Oval 4"/>
+            <p:cNvSpPr/>
+            <p:nvPr/>
+          </p:nvSpPr>
+          <p:spPr>
+            <a:xfrm>
+              <a:off x="1143000" y="1752600"/>
+              <a:ext cx="304800" cy="304800"/>
+            </a:xfrm>
+            <a:prstGeom prst="ellipse">
+              <a:avLst/>
+            </a:prstGeom>
+            <a:ln w="12700"/>
+          </p:spPr>
+          <p:style>
+            <a:lnRef idx="2">
+              <a:schemeClr val="dk1"/>
+            </a:lnRef>
+            <a:fillRef idx="1">
+              <a:schemeClr val="lt1"/>
+            </a:fillRef>
+            <a:effectRef idx="0">
+              <a:schemeClr val="dk1"/>
+            </a:effectRef>
+            <a:fontRef idx="minor">
+              <a:schemeClr val="dk1"/>
+            </a:fontRef>
+          </p:style>
+          <p:txBody>
+            <a:bodyPr rtlCol="0" anchor="ctr"/>
+            <a:lstStyle/>
+            <a:p>
+              <a:pPr algn="ctr"/>
+              <a:r>
+                <a:rPr lang="en-US" dirty="0" smtClean="0"/>
+                <a:t>B</a:t>
+              </a:r>
+              <a:endParaRPr lang="en-US" dirty="0"/>
+            </a:p>
+          </p:txBody>
+        </p:sp>
+        <p:sp>
+          <p:nvSpPr>
+            <p:cNvPr id="6" name="Oval 5"/>
+            <p:cNvSpPr/>
+            <p:nvPr/>
+          </p:nvSpPr>
+          <p:spPr>
+            <a:xfrm>
+              <a:off x="1143000" y="2743200"/>
+              <a:ext cx="304800" cy="304800"/>
+            </a:xfrm>
+            <a:prstGeom prst="ellipse">
+              <a:avLst/>
+            </a:prstGeom>
+            <a:ln w="12700"/>
+          </p:spPr>
+          <p:style>
+            <a:lnRef idx="2">
+              <a:schemeClr val="dk1"/>
+            </a:lnRef>
+            <a:fillRef idx="1">
+              <a:schemeClr val="lt1"/>
+            </a:fillRef>
+            <a:effectRef idx="0">
+              <a:schemeClr val="dk1"/>
+            </a:effectRef>
+            <a:fontRef idx="minor">
+              <a:schemeClr val="dk1"/>
+            </a:fontRef>
+          </p:style>
+          <p:txBody>
+            <a:bodyPr rtlCol="0" anchor="ctr"/>
+            <a:lstStyle/>
+            <a:p>
+              <a:pPr algn="ctr"/>
+              <a:r>
+                <a:rPr lang="en-US" dirty="0" smtClean="0"/>
+                <a:t>C</a:t>
+              </a:r>
+              <a:endParaRPr lang="en-US" dirty="0"/>
+            </a:p>
+          </p:txBody>
+        </p:sp>
+        <p:sp>
+          <p:nvSpPr>
+            <p:cNvPr id="7" name="Oval 6"/>
+            <p:cNvSpPr/>
+            <p:nvPr/>
+          </p:nvSpPr>
+          <p:spPr>
+            <a:xfrm>
+              <a:off x="1828800" y="1752600"/>
+              <a:ext cx="304800" cy="304800"/>
+            </a:xfrm>
+            <a:prstGeom prst="ellipse">
+              <a:avLst/>
+            </a:prstGeom>
+            <a:ln w="12700"/>
+          </p:spPr>
+          <p:style>
+            <a:lnRef idx="2">
+              <a:schemeClr val="dk1"/>
+            </a:lnRef>
+            <a:fillRef idx="1">
+              <a:schemeClr val="lt1"/>
+            </a:fillRef>
+            <a:effectRef idx="0">
+              <a:schemeClr val="dk1"/>
+            </a:effectRef>
+            <a:fontRef idx="minor">
+              <a:schemeClr val="dk1"/>
+            </a:fontRef>
+          </p:style>
+          <p:txBody>
+            <a:bodyPr rtlCol="0" anchor="ctr"/>
+            <a:lstStyle/>
+            <a:p>
+              <a:pPr algn="ctr"/>
+              <a:r>
+                <a:rPr lang="en-US" dirty="0" smtClean="0"/>
+                <a:t>D</a:t>
+              </a:r>
+              <a:endParaRPr lang="en-US" dirty="0"/>
+            </a:p>
+          </p:txBody>
+        </p:sp>
+        <p:sp>
+          <p:nvSpPr>
+            <p:cNvPr id="8" name="Oval 7"/>
+            <p:cNvSpPr/>
+            <p:nvPr/>
+          </p:nvSpPr>
+          <p:spPr>
+            <a:xfrm>
+              <a:off x="1828800" y="2743200"/>
+              <a:ext cx="304800" cy="304800"/>
+            </a:xfrm>
+            <a:prstGeom prst="ellipse">
+              <a:avLst/>
+            </a:prstGeom>
+            <a:ln w="12700"/>
+          </p:spPr>
+          <p:style>
+            <a:lnRef idx="2">
+              <a:schemeClr val="dk1"/>
+            </a:lnRef>
+            <a:fillRef idx="1">
+              <a:schemeClr val="lt1"/>
+            </a:fillRef>
+            <a:effectRef idx="0">
+              <a:schemeClr val="dk1"/>
+            </a:effectRef>
+            <a:fontRef idx="minor">
+              <a:schemeClr val="dk1"/>
+            </a:fontRef>
+          </p:style>
+          <p:txBody>
+            <a:bodyPr rtlCol="0" anchor="ctr"/>
+            <a:lstStyle/>
+            <a:p>
+              <a:pPr algn="ctr"/>
+              <a:r>
+                <a:rPr lang="en-US" dirty="0" smtClean="0"/>
+                <a:t>E</a:t>
+              </a:r>
+              <a:endParaRPr lang="en-US" dirty="0"/>
+            </a:p>
+          </p:txBody>
+        </p:sp>
+        <p:sp>
+          <p:nvSpPr>
+            <p:cNvPr id="9" name="Oval 8"/>
+            <p:cNvSpPr/>
+            <p:nvPr/>
+          </p:nvSpPr>
+          <p:spPr>
+            <a:xfrm>
+              <a:off x="2514600" y="2252154"/>
+              <a:ext cx="304800" cy="304800"/>
+            </a:xfrm>
+            <a:prstGeom prst="ellipse">
+              <a:avLst/>
+            </a:prstGeom>
+            <a:ln w="12700"/>
+          </p:spPr>
+          <p:style>
+            <a:lnRef idx="2">
+              <a:schemeClr val="dk1"/>
+            </a:lnRef>
+            <a:fillRef idx="1">
+              <a:schemeClr val="lt1"/>
+            </a:fillRef>
+            <a:effectRef idx="0">
+              <a:schemeClr val="dk1"/>
+            </a:effectRef>
+            <a:fontRef idx="minor">
+              <a:schemeClr val="dk1"/>
+            </a:fontRef>
+          </p:style>
+          <p:txBody>
+            <a:bodyPr rtlCol="0" anchor="ctr"/>
+            <a:lstStyle/>
+            <a:p>
+              <a:pPr algn="ctr"/>
+              <a:r>
+                <a:rPr lang="en-US" dirty="0" smtClean="0"/>
+                <a:t>F</a:t>
+              </a:r>
+              <a:endParaRPr lang="en-US" dirty="0"/>
+            </a:p>
+          </p:txBody>
+        </p:sp>
+        <p:sp>
+          <p:nvSpPr>
+            <p:cNvPr id="10" name="Oval 9"/>
+            <p:cNvSpPr/>
+            <p:nvPr/>
+          </p:nvSpPr>
+          <p:spPr>
+            <a:xfrm>
+              <a:off x="3200400" y="2743200"/>
+              <a:ext cx="304800" cy="304800"/>
+            </a:xfrm>
+            <a:prstGeom prst="ellipse">
+              <a:avLst/>
+            </a:prstGeom>
+            <a:ln w="12700"/>
+          </p:spPr>
+          <p:style>
+            <a:lnRef idx="2">
+              <a:schemeClr val="dk1"/>
+            </a:lnRef>
+            <a:fillRef idx="1">
+              <a:schemeClr val="lt1"/>
+            </a:fillRef>
+            <a:effectRef idx="0">
+              <a:schemeClr val="dk1"/>
+            </a:effectRef>
+            <a:fontRef idx="minor">
+              <a:schemeClr val="dk1"/>
+            </a:fontRef>
+          </p:style>
+          <p:txBody>
+            <a:bodyPr rtlCol="0" anchor="ctr"/>
+            <a:lstStyle/>
+            <a:p>
+              <a:pPr algn="ctr"/>
+              <a:r>
+                <a:rPr lang="en-US" dirty="0" smtClean="0"/>
+                <a:t>G</a:t>
+              </a:r>
+              <a:endParaRPr lang="en-US" dirty="0"/>
+            </a:p>
+          </p:txBody>
+        </p:sp>
+        <p:sp>
+          <p:nvSpPr>
+            <p:cNvPr id="11" name="Oval 10"/>
+            <p:cNvSpPr/>
+            <p:nvPr/>
+          </p:nvSpPr>
+          <p:spPr>
+            <a:xfrm>
+              <a:off x="3200400" y="1752600"/>
+              <a:ext cx="304800" cy="304800"/>
+            </a:xfrm>
+            <a:prstGeom prst="ellipse">
+              <a:avLst/>
+            </a:prstGeom>
+            <a:ln w="12700"/>
+          </p:spPr>
+          <p:style>
+            <a:lnRef idx="2">
+              <a:schemeClr val="dk1"/>
+            </a:lnRef>
+            <a:fillRef idx="1">
+              <a:schemeClr val="lt1"/>
+            </a:fillRef>
+            <a:effectRef idx="0">
+              <a:schemeClr val="dk1"/>
+            </a:effectRef>
+            <a:fontRef idx="minor">
+              <a:schemeClr val="dk1"/>
+            </a:fontRef>
+          </p:style>
+          <p:txBody>
+            <a:bodyPr rtlCol="0" anchor="ctr"/>
+            <a:lstStyle/>
+            <a:p>
+              <a:pPr algn="ctr"/>
+              <a:r>
+                <a:rPr lang="en-US" dirty="0" smtClean="0"/>
+                <a:t>H</a:t>
+              </a:r>
+              <a:endParaRPr lang="en-US" dirty="0"/>
+            </a:p>
+          </p:txBody>
+        </p:sp>
+        <p:cxnSp>
+          <p:nvCxnSpPr>
+            <p:cNvPr id="13" name="Straight Arrow Connector 12"/>
+            <p:cNvCxnSpPr>
+              <a:stCxn id="4" idx="7"/>
+              <a:endCxn id="5" idx="2"/>
+            </p:cNvCxnSpPr>
+            <p:nvPr/>
+          </p:nvCxnSpPr>
+          <p:spPr>
+            <a:xfrm flipV="1">
+              <a:off x="717363" y="1905000"/>
+              <a:ext cx="425637" cy="391791"/>
+            </a:xfrm>
+            <a:prstGeom prst="straightConnector1">
+              <a:avLst/>
+            </a:prstGeom>
+            <a:ln>
+              <a:tailEnd type="arrow"/>
+            </a:ln>
+          </p:spPr>
+          <p:style>
+            <a:lnRef idx="1">
+              <a:schemeClr val="dk1"/>
+            </a:lnRef>
+            <a:fillRef idx="0">
+              <a:schemeClr val="dk1"/>
+            </a:fillRef>
+            <a:effectRef idx="0">
+              <a:schemeClr val="dk1"/>
+            </a:effectRef>
+            <a:fontRef idx="minor">
+              <a:schemeClr val="tx1"/>
+            </a:fontRef>
+          </p:style>
+        </p:cxnSp>
+        <p:cxnSp>
+          <p:nvCxnSpPr>
+            <p:cNvPr id="14" name="Straight Arrow Connector 13"/>
+            <p:cNvCxnSpPr>
+              <a:stCxn id="4" idx="5"/>
+              <a:endCxn id="6" idx="2"/>
+            </p:cNvCxnSpPr>
+            <p:nvPr/>
+          </p:nvCxnSpPr>
+          <p:spPr>
+            <a:xfrm>
+              <a:off x="717363" y="2512317"/>
+              <a:ext cx="425637" cy="383283"/>
+            </a:xfrm>
+            <a:prstGeom prst="straightConnector1">
+              <a:avLst/>
+            </a:prstGeom>
+            <a:ln>
+              <a:tailEnd type="arrow"/>
+            </a:ln>
+          </p:spPr>
+          <p:style>
+            <a:lnRef idx="1">
+              <a:schemeClr val="dk1"/>
+            </a:lnRef>
+            <a:fillRef idx="0">
+              <a:schemeClr val="dk1"/>
+            </a:fillRef>
+            <a:effectRef idx="0">
+              <a:schemeClr val="dk1"/>
+            </a:effectRef>
+            <a:fontRef idx="minor">
+              <a:schemeClr val="tx1"/>
+            </a:fontRef>
+          </p:style>
+        </p:cxnSp>
+        <p:cxnSp>
+          <p:nvCxnSpPr>
+            <p:cNvPr id="17" name="Straight Arrow Connector 16"/>
+            <p:cNvCxnSpPr>
+              <a:stCxn id="5" idx="6"/>
+              <a:endCxn id="7" idx="2"/>
+            </p:cNvCxnSpPr>
+            <p:nvPr/>
+          </p:nvCxnSpPr>
+          <p:spPr>
+            <a:xfrm>
+              <a:off x="1447800" y="1905000"/>
+              <a:ext cx="381000" cy="0"/>
+            </a:xfrm>
+            <a:prstGeom prst="straightConnector1">
+              <a:avLst/>
+            </a:prstGeom>
+            <a:ln>
+              <a:tailEnd type="arrow"/>
+            </a:ln>
+          </p:spPr>
+          <p:style>
+            <a:lnRef idx="1">
+              <a:schemeClr val="dk1"/>
+            </a:lnRef>
+            <a:fillRef idx="0">
+              <a:schemeClr val="dk1"/>
+            </a:fillRef>
+            <a:effectRef idx="0">
+              <a:schemeClr val="dk1"/>
+            </a:effectRef>
+            <a:fontRef idx="minor">
+              <a:schemeClr val="tx1"/>
+            </a:fontRef>
+          </p:style>
+        </p:cxnSp>
+        <p:cxnSp>
+          <p:nvCxnSpPr>
+            <p:cNvPr id="20" name="Straight Arrow Connector 19"/>
+            <p:cNvCxnSpPr>
+              <a:stCxn id="7" idx="4"/>
+              <a:endCxn id="8" idx="0"/>
+            </p:cNvCxnSpPr>
+            <p:nvPr/>
+          </p:nvCxnSpPr>
+          <p:spPr>
+            <a:xfrm>
+              <a:off x="1981200" y="2057400"/>
+              <a:ext cx="0" cy="685800"/>
+            </a:xfrm>
+            <a:prstGeom prst="straightConnector1">
+              <a:avLst/>
+            </a:prstGeom>
+            <a:ln>
+              <a:tailEnd type="arrow"/>
+            </a:ln>
+          </p:spPr>
+          <p:style>
+            <a:lnRef idx="1">
+              <a:schemeClr val="dk1"/>
+            </a:lnRef>
+            <a:fillRef idx="0">
+              <a:schemeClr val="dk1"/>
+            </a:fillRef>
+            <a:effectRef idx="0">
+              <a:schemeClr val="dk1"/>
+            </a:effectRef>
+            <a:fontRef idx="minor">
+              <a:schemeClr val="tx1"/>
+            </a:fontRef>
+          </p:style>
+        </p:cxnSp>
+        <p:cxnSp>
+          <p:nvCxnSpPr>
+            <p:cNvPr id="23" name="Straight Arrow Connector 22"/>
+            <p:cNvCxnSpPr>
+              <a:stCxn id="6" idx="6"/>
+              <a:endCxn id="8" idx="2"/>
+            </p:cNvCxnSpPr>
+            <p:nvPr/>
+          </p:nvCxnSpPr>
+          <p:spPr>
+            <a:xfrm>
+              <a:off x="1447800" y="2895600"/>
+              <a:ext cx="381000" cy="0"/>
+            </a:xfrm>
+            <a:prstGeom prst="straightConnector1">
+              <a:avLst/>
+            </a:prstGeom>
+            <a:ln>
+              <a:tailEnd type="arrow"/>
+            </a:ln>
+          </p:spPr>
+          <p:style>
+            <a:lnRef idx="1">
+              <a:schemeClr val="dk1"/>
+            </a:lnRef>
+            <a:fillRef idx="0">
+              <a:schemeClr val="dk1"/>
+            </a:fillRef>
+            <a:effectRef idx="0">
+              <a:schemeClr val="dk1"/>
+            </a:effectRef>
+            <a:fontRef idx="minor">
+              <a:schemeClr val="tx1"/>
+            </a:fontRef>
+          </p:style>
+        </p:cxnSp>
+        <p:cxnSp>
+          <p:nvCxnSpPr>
+            <p:cNvPr id="26" name="Straight Arrow Connector 25"/>
+            <p:cNvCxnSpPr>
+              <a:stCxn id="5" idx="5"/>
+              <a:endCxn id="8" idx="1"/>
+            </p:cNvCxnSpPr>
+            <p:nvPr/>
+          </p:nvCxnSpPr>
+          <p:spPr>
+            <a:xfrm>
+              <a:off x="1403163" y="2012763"/>
+              <a:ext cx="470274" cy="775074"/>
+            </a:xfrm>
+            <a:prstGeom prst="straightConnector1">
+              <a:avLst/>
+            </a:prstGeom>
+            <a:ln>
+              <a:tailEnd type="arrow"/>
+            </a:ln>
+          </p:spPr>
+          <p:style>
+            <a:lnRef idx="1">
+              <a:schemeClr val="dk1"/>
+            </a:lnRef>
+            <a:fillRef idx="0">
+              <a:schemeClr val="dk1"/>
+            </a:fillRef>
+            <a:effectRef idx="0">
+              <a:schemeClr val="dk1"/>
+            </a:effectRef>
+            <a:fontRef idx="minor">
+              <a:schemeClr val="tx1"/>
+            </a:fontRef>
+          </p:style>
+        </p:cxnSp>
+        <p:cxnSp>
+          <p:nvCxnSpPr>
+            <p:cNvPr id="29" name="Straight Arrow Connector 28"/>
+            <p:cNvCxnSpPr>
+              <a:stCxn id="8" idx="6"/>
+              <a:endCxn id="9" idx="3"/>
+            </p:cNvCxnSpPr>
+            <p:nvPr/>
+          </p:nvCxnSpPr>
+          <p:spPr>
+            <a:xfrm flipV="1">
+              <a:off x="2133600" y="2512317"/>
+              <a:ext cx="425637" cy="383283"/>
+            </a:xfrm>
+            <a:prstGeom prst="straightConnector1">
+              <a:avLst/>
+            </a:prstGeom>
+            <a:ln>
+              <a:tailEnd type="arrow"/>
+            </a:ln>
+          </p:spPr>
+          <p:style>
+            <a:lnRef idx="1">
+              <a:schemeClr val="dk1"/>
+            </a:lnRef>
+            <a:fillRef idx="0">
+              <a:schemeClr val="dk1"/>
+            </a:fillRef>
+            <a:effectRef idx="0">
+              <a:schemeClr val="dk1"/>
+            </a:effectRef>
+            <a:fontRef idx="minor">
+              <a:schemeClr val="tx1"/>
+            </a:fontRef>
+          </p:style>
+        </p:cxnSp>
+        <p:cxnSp>
+          <p:nvCxnSpPr>
+            <p:cNvPr id="32" name="Straight Arrow Connector 31"/>
+            <p:cNvCxnSpPr>
+              <a:stCxn id="7" idx="6"/>
+              <a:endCxn id="11" idx="2"/>
+            </p:cNvCxnSpPr>
+            <p:nvPr/>
+          </p:nvCxnSpPr>
+          <p:spPr>
+            <a:xfrm>
+              <a:off x="2133600" y="1905000"/>
+              <a:ext cx="1066800" cy="0"/>
+            </a:xfrm>
+            <a:prstGeom prst="straightConnector1">
+              <a:avLst/>
+            </a:prstGeom>
+            <a:ln>
+              <a:tailEnd type="arrow"/>
+            </a:ln>
+          </p:spPr>
+          <p:style>
+            <a:lnRef idx="1">
+              <a:schemeClr val="dk1"/>
+            </a:lnRef>
+            <a:fillRef idx="0">
+              <a:schemeClr val="dk1"/>
+            </a:fillRef>
+            <a:effectRef idx="0">
+              <a:schemeClr val="dk1"/>
+            </a:effectRef>
+            <a:fontRef idx="minor">
+              <a:schemeClr val="tx1"/>
+            </a:fontRef>
+          </p:style>
+        </p:cxnSp>
+        <p:cxnSp>
+          <p:nvCxnSpPr>
+            <p:cNvPr id="35" name="Straight Arrow Connector 34"/>
+            <p:cNvCxnSpPr>
+              <a:stCxn id="9" idx="5"/>
+              <a:endCxn id="10" idx="1"/>
+            </p:cNvCxnSpPr>
+            <p:nvPr/>
+          </p:nvCxnSpPr>
+          <p:spPr>
+            <a:xfrm>
+              <a:off x="2774763" y="2512317"/>
+              <a:ext cx="470274" cy="275520"/>
+            </a:xfrm>
+            <a:prstGeom prst="straightConnector1">
+              <a:avLst/>
+            </a:prstGeom>
+            <a:ln>
+              <a:tailEnd type="arrow"/>
+            </a:ln>
+          </p:spPr>
+          <p:style>
+            <a:lnRef idx="1">
+              <a:schemeClr val="dk1"/>
+            </a:lnRef>
+            <a:fillRef idx="0">
+              <a:schemeClr val="dk1"/>
+            </a:fillRef>
+            <a:effectRef idx="0">
+              <a:schemeClr val="dk1"/>
+            </a:effectRef>
+            <a:fontRef idx="minor">
+              <a:schemeClr val="tx1"/>
+            </a:fontRef>
+          </p:style>
+        </p:cxnSp>
+        <p:cxnSp>
+          <p:nvCxnSpPr>
+            <p:cNvPr id="39" name="Straight Arrow Connector 38"/>
+            <p:cNvCxnSpPr>
+              <a:stCxn id="11" idx="4"/>
+              <a:endCxn id="10" idx="0"/>
+            </p:cNvCxnSpPr>
+            <p:nvPr/>
+          </p:nvCxnSpPr>
+          <p:spPr>
+            <a:xfrm>
+              <a:off x="3352800" y="2057400"/>
+              <a:ext cx="0" cy="685800"/>
+            </a:xfrm>
+            <a:prstGeom prst="straightConnector1">
+              <a:avLst/>
+            </a:prstGeom>
+            <a:ln>
+              <a:tailEnd type="arrow"/>
+            </a:ln>
+          </p:spPr>
+          <p:style>
+            <a:lnRef idx="1">
+              <a:schemeClr val="dk1"/>
+            </a:lnRef>
+            <a:fillRef idx="0">
+              <a:schemeClr val="dk1"/>
+            </a:fillRef>
+            <a:effectRef idx="0">
+              <a:schemeClr val="dk1"/>
+            </a:effectRef>
+            <a:fontRef idx="minor">
+              <a:schemeClr val="tx1"/>
+            </a:fontRef>
+          </p:style>
+        </p:cxnSp>
+      </p:grpSp>
+      <p:graphicFrame>
+        <p:nvGraphicFramePr>
+          <p:cNvPr id="44" name="Table 43"/>
+          <p:cNvGraphicFramePr>
+            <a:graphicFrameLocks noGrp="1"/>
+          </p:cNvGraphicFramePr>
+          <p:nvPr>
+            <p:extLst>
+              <p:ext uri="{D42A27DB-BD31-4B8C-83A1-F6EECF244321}">
+                <p14:modId xmlns:p14="http://schemas.microsoft.com/office/powerpoint/2010/main" val="5305990"/>
+              </p:ext>
+            </p:extLst>
+          </p:nvPr>
+        </p:nvGraphicFramePr>
+        <p:xfrm>
+          <a:off x="4343400" y="1326055"/>
+          <a:ext cx="3495548" cy="1854200"/>
+        </p:xfrm>
+        <a:graphic>
+          <a:graphicData uri="http://schemas.openxmlformats.org/drawingml/2006/table">
+            <a:tbl>
+              <a:tblPr bandRow="1">
+                <a:tableStyleId>{2D5ABB26-0587-4C30-8999-92F81FD0307C}</a:tableStyleId>
+              </a:tblPr>
+              <a:tblGrid>
+                <a:gridCol w="433705"/>
+                <a:gridCol w="1314069"/>
+                <a:gridCol w="433705"/>
+                <a:gridCol w="1314069"/>
+              </a:tblGrid>
+              <a:tr h="370840">
+                <a:tc>
+                  <a:txBody>
+                    <a:bodyPr/>
+                    <a:lstStyle/>
+                    <a:p>
+                      <a:r>
+                        <a:rPr lang="en-US" b="1" dirty="0" smtClean="0"/>
+                        <a:t>ID</a:t>
+                      </a:r>
+                      <a:endParaRPr lang="en-US" b="1" dirty="0"/>
+                    </a:p>
+                  </a:txBody>
+                  <a:tcPr>
+                    <a:lnL w="12700" cap="flat" cmpd="sng" algn="ctr">
+                      <a:solidFill>
+                        <a:schemeClr val="tx1"/>
+                      </a:solidFill>
+                      <a:prstDash val="solid"/>
+                      <a:round/>
+                      <a:headEnd type="none" w="med" len="med"/>
+                      <a:tailEnd type="none" w="med" len="med"/>
+                    </a:lnL>
+                    <a:lnR w="12700" cap="flat" cmpd="sng" algn="ctr">
+                      <a:solidFill>
+                        <a:schemeClr val="tx1"/>
+                      </a:solidFill>
+                      <a:prstDash val="solid"/>
+                      <a:round/>
+                      <a:headEnd type="none" w="med" len="med"/>
+                      <a:tailEnd type="none" w="med" len="med"/>
+                    </a:lnR>
+                    <a:lnT w="12700" cap="flat" cmpd="sng" algn="ctr">
+                      <a:solidFill>
+                        <a:schemeClr val="tx1"/>
+                      </a:solidFill>
+                      <a:prstDash val="solid"/>
+                      <a:round/>
+                      <a:headEnd type="none" w="med" len="med"/>
+                      <a:tailEnd type="none" w="med" len="med"/>
+                    </a:lnT>
+                    <a:lnB w="12700" cap="flat" cmpd="sng" algn="ctr">
+                      <a:solidFill>
+                        <a:schemeClr val="tx1"/>
+                      </a:solidFill>
+                      <a:prstDash val="solid"/>
+                      <a:round/>
+                      <a:headEnd type="none" w="med" len="med"/>
+                      <a:tailEnd type="none" w="med" len="med"/>
+                    </a:lnB>
+                  </a:tcPr>
+                </a:tc>
+                <a:tc>
+                  <a:txBody>
+                    <a:bodyPr/>
+                    <a:lstStyle/>
+                    <a:p>
+                      <a:r>
+                        <a:rPr lang="en-US" b="1" dirty="0" smtClean="0"/>
+                        <a:t>Type</a:t>
+                      </a:r>
+                      <a:endParaRPr lang="en-US" b="1" dirty="0"/>
+                    </a:p>
+                  </a:txBody>
+                  <a:tcPr>
+                    <a:lnL w="12700" cap="flat" cmpd="sng" algn="ctr">
+                      <a:solidFill>
+                        <a:schemeClr val="tx1"/>
+                      </a:solidFill>
+                      <a:prstDash val="solid"/>
+                      <a:round/>
+                      <a:headEnd type="none" w="med" len="med"/>
+                      <a:tailEnd type="none" w="med" len="med"/>
+                    </a:lnL>
+                    <a:lnR w="12700" cap="flat" cmpd="sng" algn="ctr">
+                      <a:solidFill>
+                        <a:schemeClr val="tx1"/>
+                      </a:solidFill>
+                      <a:prstDash val="solid"/>
+                      <a:round/>
+                      <a:headEnd type="none" w="med" len="med"/>
+                      <a:tailEnd type="none" w="med" len="med"/>
+                    </a:lnR>
+                    <a:lnT w="12700" cap="flat" cmpd="sng" algn="ctr">
+                      <a:solidFill>
+                        <a:schemeClr val="tx1"/>
+                      </a:solidFill>
+                      <a:prstDash val="solid"/>
+                      <a:round/>
+                      <a:headEnd type="none" w="med" len="med"/>
+                      <a:tailEnd type="none" w="med" len="med"/>
+                    </a:lnT>
+                    <a:lnB w="12700" cap="flat" cmpd="sng" algn="ctr">
+                      <a:solidFill>
+                        <a:schemeClr val="tx1"/>
+                      </a:solidFill>
+                      <a:prstDash val="solid"/>
+                      <a:round/>
+                      <a:headEnd type="none" w="med" len="med"/>
+                      <a:tailEnd type="none" w="med" len="med"/>
+                    </a:lnB>
+                  </a:tcPr>
+                </a:tc>
+                <a:tc>
+                  <a:txBody>
+                    <a:bodyPr/>
+                    <a:lstStyle/>
+                    <a:p>
+                      <a:r>
+                        <a:rPr lang="en-US" b="1" dirty="0" smtClean="0"/>
+                        <a:t>ID</a:t>
+                      </a:r>
+                      <a:endParaRPr lang="en-US" b="1" dirty="0"/>
+                    </a:p>
+                  </a:txBody>
+                  <a:tcPr>
+                    <a:lnL w="12700" cap="flat" cmpd="sng" algn="ctr">
+                      <a:solidFill>
+                        <a:schemeClr val="tx1"/>
+                      </a:solidFill>
+                      <a:prstDash val="solid"/>
+                      <a:round/>
+                      <a:headEnd type="none" w="med" len="med"/>
+                      <a:tailEnd type="none" w="med" len="med"/>
+                    </a:lnL>
+                    <a:lnR w="12700" cap="flat" cmpd="sng" algn="ctr">
+                      <a:solidFill>
+                        <a:schemeClr val="tx1"/>
+                      </a:solidFill>
+                      <a:prstDash val="solid"/>
+                      <a:round/>
+                      <a:headEnd type="none" w="med" len="med"/>
+                      <a:tailEnd type="none" w="med" len="med"/>
+                    </a:lnR>
+                    <a:lnT w="12700" cap="flat" cmpd="sng" algn="ctr">
+                      <a:solidFill>
+                        <a:schemeClr val="tx1"/>
+                      </a:solidFill>
+                      <a:prstDash val="solid"/>
+                      <a:round/>
+                      <a:headEnd type="none" w="med" len="med"/>
+                      <a:tailEnd type="none" w="med" len="med"/>
+                    </a:lnT>
+                    <a:lnB w="12700" cap="flat" cmpd="sng" algn="ctr">
+                      <a:solidFill>
+                        <a:schemeClr val="tx1"/>
+                      </a:solidFill>
+                      <a:prstDash val="solid"/>
+                      <a:round/>
+                      <a:headEnd type="none" w="med" len="med"/>
+                      <a:tailEnd type="none" w="med" len="med"/>
+                    </a:lnB>
+                  </a:tcPr>
+                </a:tc>
+                <a:tc>
+                  <a:txBody>
+                    <a:bodyPr/>
+                    <a:lstStyle/>
+                    <a:p>
+                      <a:r>
+                        <a:rPr lang="en-US" b="1" dirty="0" smtClean="0"/>
+                        <a:t>Type</a:t>
+                      </a:r>
+                      <a:endParaRPr lang="en-US" b="1" dirty="0"/>
+                    </a:p>
+                  </a:txBody>
+                  <a:tcPr>
+                    <a:lnL w="12700" cap="flat" cmpd="sng" algn="ctr">
+                      <a:solidFill>
+                        <a:schemeClr val="tx1"/>
+                      </a:solidFill>
+                      <a:prstDash val="solid"/>
+                      <a:round/>
+                      <a:headEnd type="none" w="med" len="med"/>
+                      <a:tailEnd type="none" w="med" len="med"/>
+                    </a:lnL>
+                    <a:lnR w="12700" cap="flat" cmpd="sng" algn="ctr">
+                      <a:solidFill>
+                        <a:schemeClr val="tx1"/>
+                      </a:solidFill>
+                      <a:prstDash val="solid"/>
+                      <a:round/>
+                      <a:headEnd type="none" w="med" len="med"/>
+                      <a:tailEnd type="none" w="med" len="med"/>
+                    </a:lnR>
+                    <a:lnT w="12700" cap="flat" cmpd="sng" algn="ctr">
+                      <a:solidFill>
+                        <a:schemeClr val="tx1"/>
+                      </a:solidFill>
+                      <a:prstDash val="solid"/>
+                      <a:round/>
+                      <a:headEnd type="none" w="med" len="med"/>
+                      <a:tailEnd type="none" w="med" len="med"/>
+                    </a:lnT>
+                    <a:lnB w="12700" cap="flat" cmpd="sng" algn="ctr">
+                      <a:solidFill>
+                        <a:schemeClr val="tx1"/>
+                      </a:solidFill>
+                      <a:prstDash val="solid"/>
+                      <a:round/>
+                      <a:headEnd type="none" w="med" len="med"/>
+                      <a:tailEnd type="none" w="med" len="med"/>
+                    </a:lnB>
+                  </a:tcPr>
+                </a:tc>
+              </a:tr>
+              <a:tr h="370840">
+                <a:tc>
+                  <a:txBody>
+                    <a:bodyPr/>
+                    <a:lstStyle/>
+                    <a:p>
+                      <a:r>
+                        <a:rPr lang="en-US" dirty="0" smtClean="0"/>
+                        <a:t>A</a:t>
+                      </a:r>
+                      <a:endParaRPr lang="en-US" dirty="0"/>
+                    </a:p>
+                  </a:txBody>
+                  <a:tcPr>
+                    <a:lnL w="12700" cap="flat" cmpd="sng" algn="ctr">
+                      <a:solidFill>
+                        <a:schemeClr val="tx1"/>
+                      </a:solidFill>
+                      <a:prstDash val="solid"/>
+                      <a:round/>
+                      <a:headEnd type="none" w="med" len="med"/>
+                      <a:tailEnd type="none" w="med" len="med"/>
+                    </a:lnL>
+                    <a:lnR w="12700" cap="flat" cmpd="sng" algn="ctr">
+                      <a:solidFill>
+                        <a:schemeClr val="tx1"/>
+                      </a:solidFill>
+                      <a:prstDash val="solid"/>
+                      <a:round/>
+                      <a:headEnd type="none" w="med" len="med"/>
+                      <a:tailEnd type="none" w="med" len="med"/>
+                    </a:lnR>
+                    <a:lnT w="12700" cap="flat" cmpd="sng" algn="ctr">
+                      <a:solidFill>
+                        <a:schemeClr val="tx1"/>
+                      </a:solidFill>
+                      <a:prstDash val="solid"/>
+                      <a:round/>
+                      <a:headEnd type="none" w="med" len="med"/>
+                      <a:tailEnd type="none" w="med" len="med"/>
+                    </a:lnT>
+                    <a:lnB w="12700" cap="flat" cmpd="sng" algn="ctr">
+                      <a:solidFill>
+                        <a:schemeClr val="tx1"/>
+                      </a:solidFill>
+                      <a:prstDash val="solid"/>
+                      <a:round/>
+                      <a:headEnd type="none" w="med" len="med"/>
+                      <a:tailEnd type="none" w="med" len="med"/>
+                    </a:lnB>
+                  </a:tcPr>
+                </a:tc>
+                <a:tc>
+                  <a:txBody>
+                    <a:bodyPr/>
+                    <a:lstStyle/>
+                    <a:p>
+                      <a:r>
+                        <a:rPr lang="en-US" dirty="0" smtClean="0"/>
+                        <a:t>Enzyme</a:t>
+                      </a:r>
+                      <a:endParaRPr lang="en-US" dirty="0"/>
+                    </a:p>
+                  </a:txBody>
+                  <a:tcPr>
+                    <a:lnL w="12700" cap="flat" cmpd="sng" algn="ctr">
+                      <a:solidFill>
+                        <a:schemeClr val="tx1"/>
+                      </a:solidFill>
+                      <a:prstDash val="solid"/>
+                      <a:round/>
+                      <a:headEnd type="none" w="med" len="med"/>
+                      <a:tailEnd type="none" w="med" len="med"/>
+                    </a:lnL>
+                    <a:lnR w="12700" cap="flat" cmpd="sng" algn="ctr">
+                      <a:solidFill>
+                        <a:schemeClr val="tx1"/>
+                      </a:solidFill>
+                      <a:prstDash val="solid"/>
+                      <a:round/>
+                      <a:headEnd type="none" w="med" len="med"/>
+                      <a:tailEnd type="none" w="med" len="med"/>
+                    </a:lnR>
+                    <a:lnT w="12700" cap="flat" cmpd="sng" algn="ctr">
+                      <a:solidFill>
+                        <a:schemeClr val="tx1"/>
+                      </a:solidFill>
+                      <a:prstDash val="solid"/>
+                      <a:round/>
+                      <a:headEnd type="none" w="med" len="med"/>
+                      <a:tailEnd type="none" w="med" len="med"/>
+                    </a:lnT>
+                    <a:lnB w="12700" cap="flat" cmpd="sng" algn="ctr">
+                      <a:solidFill>
+                        <a:schemeClr val="tx1"/>
+                      </a:solidFill>
+                      <a:prstDash val="solid"/>
+                      <a:round/>
+                      <a:headEnd type="none" w="med" len="med"/>
+                      <a:tailEnd type="none" w="med" len="med"/>
+                    </a:lnB>
+                  </a:tcPr>
+                </a:tc>
+                <a:tc>
+                  <a:txBody>
+                    <a:bodyPr/>
+                    <a:lstStyle/>
+                    <a:p>
+                      <a:r>
+                        <a:rPr lang="en-US" dirty="0" smtClean="0"/>
+                        <a:t>E</a:t>
+                      </a:r>
+                      <a:endParaRPr lang="en-US" dirty="0"/>
+                    </a:p>
+                  </a:txBody>
+                  <a:tcPr>
+                    <a:lnL w="12700" cap="flat" cmpd="sng" algn="ctr">
+                      <a:solidFill>
+                        <a:schemeClr val="tx1"/>
+                      </a:solidFill>
+                      <a:prstDash val="solid"/>
+                      <a:round/>
+                      <a:headEnd type="none" w="med" len="med"/>
+                      <a:tailEnd type="none" w="med" len="med"/>
+                    </a:lnL>
+                    <a:lnR w="12700" cap="flat" cmpd="sng" algn="ctr">
+                      <a:solidFill>
+                        <a:schemeClr val="tx1"/>
+                      </a:solidFill>
+                      <a:prstDash val="solid"/>
+                      <a:round/>
+                      <a:headEnd type="none" w="med" len="med"/>
+                      <a:tailEnd type="none" w="med" len="med"/>
+                    </a:lnR>
+                    <a:lnT w="12700" cap="flat" cmpd="sng" algn="ctr">
+                      <a:solidFill>
+                        <a:schemeClr val="tx1"/>
+                      </a:solidFill>
+                      <a:prstDash val="solid"/>
+                      <a:round/>
+                      <a:headEnd type="none" w="med" len="med"/>
+                      <a:tailEnd type="none" w="med" len="med"/>
+                    </a:lnT>
+                    <a:lnB w="12700" cap="flat" cmpd="sng" algn="ctr">
+                      <a:solidFill>
+                        <a:schemeClr val="tx1"/>
+                      </a:solidFill>
+                      <a:prstDash val="solid"/>
+                      <a:round/>
+                      <a:headEnd type="none" w="med" len="med"/>
+                      <a:tailEnd type="none" w="med" len="med"/>
+                    </a:lnB>
+                  </a:tcPr>
+                </a:tc>
+                <a:tc>
+                  <a:txBody>
+                    <a:bodyPr/>
+                    <a:lstStyle/>
+                    <a:p>
+                      <a:r>
+                        <a:rPr lang="en-US" dirty="0" smtClean="0"/>
+                        <a:t>Enzyme</a:t>
+                      </a:r>
+                      <a:endParaRPr lang="en-US" dirty="0"/>
+                    </a:p>
+                  </a:txBody>
+                  <a:tcPr>
+                    <a:lnL w="12700" cap="flat" cmpd="sng" algn="ctr">
+                      <a:solidFill>
+                        <a:schemeClr val="tx1"/>
+                      </a:solidFill>
+                      <a:prstDash val="solid"/>
+                      <a:round/>
+                      <a:headEnd type="none" w="med" len="med"/>
+                      <a:tailEnd type="none" w="med" len="med"/>
+                    </a:lnL>
+                    <a:lnR w="12700" cap="flat" cmpd="sng" algn="ctr">
+                      <a:solidFill>
+                        <a:schemeClr val="tx1"/>
+                      </a:solidFill>
+                      <a:prstDash val="solid"/>
+                      <a:round/>
+                      <a:headEnd type="none" w="med" len="med"/>
+                      <a:tailEnd type="none" w="med" len="med"/>
+                    </a:lnR>
+                    <a:lnT w="12700" cap="flat" cmpd="sng" algn="ctr">
+                      <a:solidFill>
+                        <a:schemeClr val="tx1"/>
+                      </a:solidFill>
+                      <a:prstDash val="solid"/>
+                      <a:round/>
+                      <a:headEnd type="none" w="med" len="med"/>
+                      <a:tailEnd type="none" w="med" len="med"/>
+                    </a:lnT>
+                    <a:lnB w="12700" cap="flat" cmpd="sng" algn="ctr">
+                      <a:solidFill>
+                        <a:schemeClr val="tx1"/>
+                      </a:solidFill>
+                      <a:prstDash val="solid"/>
+                      <a:round/>
+                      <a:headEnd type="none" w="med" len="med"/>
+                      <a:tailEnd type="none" w="med" len="med"/>
+                    </a:lnB>
+                  </a:tcPr>
+                </a:tc>
+              </a:tr>
+              <a:tr h="370840">
+                <a:tc>
+                  <a:txBody>
+                    <a:bodyPr/>
+                    <a:lstStyle/>
+                    <a:p>
+                      <a:r>
+                        <a:rPr lang="en-US" dirty="0" smtClean="0"/>
+                        <a:t>B</a:t>
+                      </a:r>
+                      <a:endParaRPr lang="en-US" dirty="0"/>
+                    </a:p>
+                  </a:txBody>
+                  <a:tcPr>
+                    <a:lnL w="12700" cap="flat" cmpd="sng" algn="ctr">
+                      <a:solidFill>
+                        <a:schemeClr val="tx1"/>
+                      </a:solidFill>
+                      <a:prstDash val="solid"/>
+                      <a:round/>
+                      <a:headEnd type="none" w="med" len="med"/>
+                      <a:tailEnd type="none" w="med" len="med"/>
+                    </a:lnL>
+                    <a:lnR w="12700" cap="flat" cmpd="sng" algn="ctr">
+                      <a:solidFill>
+                        <a:schemeClr val="tx1"/>
+                      </a:solidFill>
+                      <a:prstDash val="solid"/>
+                      <a:round/>
+                      <a:headEnd type="none" w="med" len="med"/>
+                      <a:tailEnd type="none" w="med" len="med"/>
+                    </a:lnR>
+                    <a:lnT w="12700" cap="flat" cmpd="sng" algn="ctr">
+                      <a:solidFill>
+                        <a:schemeClr val="tx1"/>
+                      </a:solidFill>
+                      <a:prstDash val="solid"/>
+                      <a:round/>
+                      <a:headEnd type="none" w="med" len="med"/>
+                      <a:tailEnd type="none" w="med" len="med"/>
+                    </a:lnT>
+                    <a:lnB w="12700" cap="flat" cmpd="sng" algn="ctr">
+                      <a:solidFill>
+                        <a:schemeClr val="tx1"/>
+                      </a:solidFill>
+                      <a:prstDash val="solid"/>
+                      <a:round/>
+                      <a:headEnd type="none" w="med" len="med"/>
+                      <a:tailEnd type="none" w="med" len="med"/>
+                    </a:lnB>
+                  </a:tcPr>
+                </a:tc>
+                <a:tc>
+                  <a:txBody>
+                    <a:bodyPr/>
+                    <a:lstStyle/>
+                    <a:p>
+                      <a:r>
+                        <a:rPr lang="en-US" dirty="0" smtClean="0"/>
+                        <a:t>Cytokine</a:t>
+                      </a:r>
+                      <a:endParaRPr lang="en-US" dirty="0"/>
+                    </a:p>
+                  </a:txBody>
+                  <a:tcPr>
+                    <a:lnL w="12700" cap="flat" cmpd="sng" algn="ctr">
+                      <a:solidFill>
+                        <a:schemeClr val="tx1"/>
+                      </a:solidFill>
+                      <a:prstDash val="solid"/>
+                      <a:round/>
+                      <a:headEnd type="none" w="med" len="med"/>
+                      <a:tailEnd type="none" w="med" len="med"/>
+                    </a:lnL>
+                    <a:lnR w="12700" cap="flat" cmpd="sng" algn="ctr">
+                      <a:solidFill>
+                        <a:schemeClr val="tx1"/>
+                      </a:solidFill>
+                      <a:prstDash val="solid"/>
+                      <a:round/>
+                      <a:headEnd type="none" w="med" len="med"/>
+                      <a:tailEnd type="none" w="med" len="med"/>
+                    </a:lnR>
+                    <a:lnT w="12700" cap="flat" cmpd="sng" algn="ctr">
+                      <a:solidFill>
+                        <a:schemeClr val="tx1"/>
+                      </a:solidFill>
+                      <a:prstDash val="solid"/>
+                      <a:round/>
+                      <a:headEnd type="none" w="med" len="med"/>
+                      <a:tailEnd type="none" w="med" len="med"/>
+                    </a:lnT>
+                    <a:lnB w="12700" cap="flat" cmpd="sng" algn="ctr">
+                      <a:solidFill>
+                        <a:schemeClr val="tx1"/>
+                      </a:solidFill>
+                      <a:prstDash val="solid"/>
+                      <a:round/>
+                      <a:headEnd type="none" w="med" len="med"/>
+                      <a:tailEnd type="none" w="med" len="med"/>
+                    </a:lnB>
+                  </a:tcPr>
+                </a:tc>
+                <a:tc>
+                  <a:txBody>
+                    <a:bodyPr/>
+                    <a:lstStyle/>
+                    <a:p>
+                      <a:r>
+                        <a:rPr lang="en-US" dirty="0" smtClean="0"/>
+                        <a:t>F</a:t>
+                      </a:r>
+                      <a:endParaRPr lang="en-US" dirty="0"/>
+                    </a:p>
+                  </a:txBody>
+                  <a:tcPr>
+                    <a:lnL w="12700" cap="flat" cmpd="sng" algn="ctr">
+                      <a:solidFill>
+                        <a:schemeClr val="tx1"/>
+                      </a:solidFill>
+                      <a:prstDash val="solid"/>
+                      <a:round/>
+                      <a:headEnd type="none" w="med" len="med"/>
+                      <a:tailEnd type="none" w="med" len="med"/>
+                    </a:lnL>
+                    <a:lnR w="12700" cap="flat" cmpd="sng" algn="ctr">
+                      <a:solidFill>
+                        <a:schemeClr val="tx1"/>
+                      </a:solidFill>
+                      <a:prstDash val="solid"/>
+                      <a:round/>
+                      <a:headEnd type="none" w="med" len="med"/>
+                      <a:tailEnd type="none" w="med" len="med"/>
+                    </a:lnR>
+                    <a:lnT w="12700" cap="flat" cmpd="sng" algn="ctr">
+                      <a:solidFill>
+                        <a:schemeClr val="tx1"/>
+                      </a:solidFill>
+                      <a:prstDash val="solid"/>
+                      <a:round/>
+                      <a:headEnd type="none" w="med" len="med"/>
+                      <a:tailEnd type="none" w="med" len="med"/>
+                    </a:lnT>
+                    <a:lnB w="12700" cap="flat" cmpd="sng" algn="ctr">
+                      <a:solidFill>
+                        <a:schemeClr val="tx1"/>
+                      </a:solidFill>
+                      <a:prstDash val="solid"/>
+                      <a:round/>
+                      <a:headEnd type="none" w="med" len="med"/>
+                      <a:tailEnd type="none" w="med" len="med"/>
+                    </a:lnB>
+                  </a:tcPr>
+                </a:tc>
+                <a:tc>
+                  <a:txBody>
+                    <a:bodyPr/>
+                    <a:lstStyle/>
+                    <a:p>
+                      <a:r>
+                        <a:rPr lang="en-US" dirty="0" smtClean="0"/>
+                        <a:t>Cytokine</a:t>
+                      </a:r>
+                      <a:endParaRPr lang="en-US" dirty="0"/>
+                    </a:p>
+                  </a:txBody>
+                  <a:tcPr>
+                    <a:lnL w="12700" cap="flat" cmpd="sng" algn="ctr">
+                      <a:solidFill>
+                        <a:schemeClr val="tx1"/>
+                      </a:solidFill>
+                      <a:prstDash val="solid"/>
+                      <a:round/>
+                      <a:headEnd type="none" w="med" len="med"/>
+                      <a:tailEnd type="none" w="med" len="med"/>
+                    </a:lnL>
+                    <a:lnR w="12700" cap="flat" cmpd="sng" algn="ctr">
+                      <a:solidFill>
+                        <a:schemeClr val="tx1"/>
+                      </a:solidFill>
+                      <a:prstDash val="solid"/>
+                      <a:round/>
+                      <a:headEnd type="none" w="med" len="med"/>
+                      <a:tailEnd type="none" w="med" len="med"/>
+                    </a:lnR>
+                    <a:lnT w="12700" cap="flat" cmpd="sng" algn="ctr">
+                      <a:solidFill>
+                        <a:schemeClr val="tx1"/>
+                      </a:solidFill>
+                      <a:prstDash val="solid"/>
+                      <a:round/>
+                      <a:headEnd type="none" w="med" len="med"/>
+                      <a:tailEnd type="none" w="med" len="med"/>
+                    </a:lnT>
+                    <a:lnB w="12700" cap="flat" cmpd="sng" algn="ctr">
+                      <a:solidFill>
+                        <a:schemeClr val="tx1"/>
+                      </a:solidFill>
+                      <a:prstDash val="solid"/>
+                      <a:round/>
+                      <a:headEnd type="none" w="med" len="med"/>
+                      <a:tailEnd type="none" w="med" len="med"/>
+                    </a:lnB>
+                  </a:tcPr>
+                </a:tc>
+              </a:tr>
+              <a:tr h="370840">
+                <a:tc>
+                  <a:txBody>
+                    <a:bodyPr/>
+                    <a:lstStyle/>
+                    <a:p>
+                      <a:r>
+                        <a:rPr lang="en-US" dirty="0" smtClean="0"/>
+                        <a:t>C</a:t>
+                      </a:r>
+                      <a:endParaRPr lang="en-US" dirty="0"/>
+                    </a:p>
+                  </a:txBody>
+                  <a:tcPr>
+                    <a:lnL w="12700" cap="flat" cmpd="sng" algn="ctr">
+                      <a:solidFill>
+                        <a:schemeClr val="tx1"/>
+                      </a:solidFill>
+                      <a:prstDash val="solid"/>
+                      <a:round/>
+                      <a:headEnd type="none" w="med" len="med"/>
+                      <a:tailEnd type="none" w="med" len="med"/>
+                    </a:lnL>
+                    <a:lnR w="12700" cap="flat" cmpd="sng" algn="ctr">
+                      <a:solidFill>
+                        <a:schemeClr val="tx1"/>
+                      </a:solidFill>
+                      <a:prstDash val="solid"/>
+                      <a:round/>
+                      <a:headEnd type="none" w="med" len="med"/>
+                      <a:tailEnd type="none" w="med" len="med"/>
+                    </a:lnR>
+                    <a:lnT w="12700" cap="flat" cmpd="sng" algn="ctr">
+                      <a:solidFill>
+                        <a:schemeClr val="tx1"/>
+                      </a:solidFill>
+                      <a:prstDash val="solid"/>
+                      <a:round/>
+                      <a:headEnd type="none" w="med" len="med"/>
+                      <a:tailEnd type="none" w="med" len="med"/>
+                    </a:lnT>
+                    <a:lnB w="12700" cap="flat" cmpd="sng" algn="ctr">
+                      <a:solidFill>
+                        <a:schemeClr val="tx1"/>
+                      </a:solidFill>
+                      <a:prstDash val="solid"/>
+                      <a:round/>
+                      <a:headEnd type="none" w="med" len="med"/>
+                      <a:tailEnd type="none" w="med" len="med"/>
+                    </a:lnB>
+                  </a:tcPr>
+                </a:tc>
+                <a:tc>
+                  <a:txBody>
+                    <a:bodyPr/>
+                    <a:lstStyle/>
+                    <a:p>
+                      <a:r>
+                        <a:rPr lang="en-US" dirty="0" smtClean="0"/>
+                        <a:t>Transporter</a:t>
+                      </a:r>
+                      <a:endParaRPr lang="en-US" dirty="0"/>
+                    </a:p>
+                  </a:txBody>
+                  <a:tcPr>
+                    <a:lnL w="12700" cap="flat" cmpd="sng" algn="ctr">
+                      <a:solidFill>
+                        <a:schemeClr val="tx1"/>
+                      </a:solidFill>
+                      <a:prstDash val="solid"/>
+                      <a:round/>
+                      <a:headEnd type="none" w="med" len="med"/>
+                      <a:tailEnd type="none" w="med" len="med"/>
+                    </a:lnL>
+                    <a:lnR w="12700" cap="flat" cmpd="sng" algn="ctr">
+                      <a:solidFill>
+                        <a:schemeClr val="tx1"/>
+                      </a:solidFill>
+                      <a:prstDash val="solid"/>
+                      <a:round/>
+                      <a:headEnd type="none" w="med" len="med"/>
+                      <a:tailEnd type="none" w="med" len="med"/>
+                    </a:lnR>
+                    <a:lnT w="12700" cap="flat" cmpd="sng" algn="ctr">
+                      <a:solidFill>
+                        <a:schemeClr val="tx1"/>
+                      </a:solidFill>
+                      <a:prstDash val="solid"/>
+                      <a:round/>
+                      <a:headEnd type="none" w="med" len="med"/>
+                      <a:tailEnd type="none" w="med" len="med"/>
+                    </a:lnT>
+                    <a:lnB w="12700" cap="flat" cmpd="sng" algn="ctr">
+                      <a:solidFill>
+                        <a:schemeClr val="tx1"/>
+                      </a:solidFill>
+                      <a:prstDash val="solid"/>
+                      <a:round/>
+                      <a:headEnd type="none" w="med" len="med"/>
+                      <a:tailEnd type="none" w="med" len="med"/>
+                    </a:lnB>
+                  </a:tcPr>
+                </a:tc>
+                <a:tc>
+                  <a:txBody>
+                    <a:bodyPr/>
+                    <a:lstStyle/>
+                    <a:p>
+                      <a:r>
+                        <a:rPr lang="en-US" dirty="0" smtClean="0"/>
+                        <a:t>G</a:t>
+                      </a:r>
+                      <a:endParaRPr lang="en-US" dirty="0"/>
+                    </a:p>
+                  </a:txBody>
+                  <a:tcPr>
+                    <a:lnL w="12700" cap="flat" cmpd="sng" algn="ctr">
+                      <a:solidFill>
+                        <a:schemeClr val="tx1"/>
+                      </a:solidFill>
+                      <a:prstDash val="solid"/>
+                      <a:round/>
+                      <a:headEnd type="none" w="med" len="med"/>
+                      <a:tailEnd type="none" w="med" len="med"/>
+                    </a:lnL>
+                    <a:lnR w="12700" cap="flat" cmpd="sng" algn="ctr">
+                      <a:solidFill>
+                        <a:schemeClr val="tx1"/>
+                      </a:solidFill>
+                      <a:prstDash val="solid"/>
+                      <a:round/>
+                      <a:headEnd type="none" w="med" len="med"/>
+                      <a:tailEnd type="none" w="med" len="med"/>
+                    </a:lnR>
+                    <a:lnT w="12700" cap="flat" cmpd="sng" algn="ctr">
+                      <a:solidFill>
+                        <a:schemeClr val="tx1"/>
+                      </a:solidFill>
+                      <a:prstDash val="solid"/>
+                      <a:round/>
+                      <a:headEnd type="none" w="med" len="med"/>
+                      <a:tailEnd type="none" w="med" len="med"/>
+                    </a:lnT>
+                    <a:lnB w="12700" cap="flat" cmpd="sng" algn="ctr">
+                      <a:solidFill>
+                        <a:schemeClr val="tx1"/>
+                      </a:solidFill>
+                      <a:prstDash val="solid"/>
+                      <a:round/>
+                      <a:headEnd type="none" w="med" len="med"/>
+                      <a:tailEnd type="none" w="med" len="med"/>
+                    </a:lnB>
+                  </a:tcPr>
+                </a:tc>
+                <a:tc>
+                  <a:txBody>
+                    <a:bodyPr/>
+                    <a:lstStyle/>
+                    <a:p>
+                      <a:r>
+                        <a:rPr lang="en-US" dirty="0" smtClean="0"/>
+                        <a:t>Enzyme</a:t>
+                      </a:r>
+                      <a:endParaRPr lang="en-US" dirty="0"/>
+                    </a:p>
+                  </a:txBody>
+                  <a:tcPr>
+                    <a:lnL w="12700" cap="flat" cmpd="sng" algn="ctr">
+                      <a:solidFill>
+                        <a:schemeClr val="tx1"/>
+                      </a:solidFill>
+                      <a:prstDash val="solid"/>
+                      <a:round/>
+                      <a:headEnd type="none" w="med" len="med"/>
+                      <a:tailEnd type="none" w="med" len="med"/>
+                    </a:lnL>
+                    <a:lnR w="12700" cap="flat" cmpd="sng" algn="ctr">
+                      <a:solidFill>
+                        <a:schemeClr val="tx1"/>
+                      </a:solidFill>
+                      <a:prstDash val="solid"/>
+                      <a:round/>
+                      <a:headEnd type="none" w="med" len="med"/>
+                      <a:tailEnd type="none" w="med" len="med"/>
+                    </a:lnR>
+                    <a:lnT w="12700" cap="flat" cmpd="sng" algn="ctr">
+                      <a:solidFill>
+                        <a:schemeClr val="tx1"/>
+                      </a:solidFill>
+                      <a:prstDash val="solid"/>
+                      <a:round/>
+                      <a:headEnd type="none" w="med" len="med"/>
+                      <a:tailEnd type="none" w="med" len="med"/>
+                    </a:lnT>
+                    <a:lnB w="12700" cap="flat" cmpd="sng" algn="ctr">
+                      <a:solidFill>
+                        <a:schemeClr val="tx1"/>
+                      </a:solidFill>
+                      <a:prstDash val="solid"/>
+                      <a:round/>
+                      <a:headEnd type="none" w="med" len="med"/>
+                      <a:tailEnd type="none" w="med" len="med"/>
+                    </a:lnB>
+                  </a:tcPr>
+                </a:tc>
+              </a:tr>
+              <a:tr h="370840">
+                <a:tc>
+                  <a:txBody>
+                    <a:bodyPr/>
+                    <a:lstStyle/>
+                    <a:p>
+                      <a:r>
+                        <a:rPr lang="en-US" dirty="0" smtClean="0"/>
+                        <a:t>D</a:t>
+                      </a:r>
+                      <a:endParaRPr lang="en-US" dirty="0"/>
+                    </a:p>
+                  </a:txBody>
+                  <a:tcPr>
+                    <a:lnL w="12700" cap="flat" cmpd="sng" algn="ctr">
+                      <a:solidFill>
+                        <a:schemeClr val="tx1"/>
+                      </a:solidFill>
+                      <a:prstDash val="solid"/>
+                      <a:round/>
+                      <a:headEnd type="none" w="med" len="med"/>
+                      <a:tailEnd type="none" w="med" len="med"/>
+                    </a:lnL>
+                    <a:lnR w="12700" cap="flat" cmpd="sng" algn="ctr">
+                      <a:solidFill>
+                        <a:schemeClr val="tx1"/>
+                      </a:solidFill>
+                      <a:prstDash val="solid"/>
+                      <a:round/>
+                      <a:headEnd type="none" w="med" len="med"/>
+                      <a:tailEnd type="none" w="med" len="med"/>
+                    </a:lnR>
+                    <a:lnT w="12700" cap="flat" cmpd="sng" algn="ctr">
+                      <a:solidFill>
+                        <a:schemeClr val="tx1"/>
+                      </a:solidFill>
+                      <a:prstDash val="solid"/>
+                      <a:round/>
+                      <a:headEnd type="none" w="med" len="med"/>
+                      <a:tailEnd type="none" w="med" len="med"/>
+                    </a:lnT>
+                    <a:lnB w="12700" cap="flat" cmpd="sng" algn="ctr">
+                      <a:solidFill>
+                        <a:schemeClr val="tx1"/>
+                      </a:solidFill>
+                      <a:prstDash val="solid"/>
+                      <a:round/>
+                      <a:headEnd type="none" w="med" len="med"/>
+                      <a:tailEnd type="none" w="med" len="med"/>
+                    </a:lnB>
+                  </a:tcPr>
+                </a:tc>
+                <a:tc>
+                  <a:txBody>
+                    <a:bodyPr/>
+                    <a:lstStyle/>
+                    <a:p>
+                      <a:r>
+                        <a:rPr lang="en-US" dirty="0" smtClean="0"/>
+                        <a:t>Enzyme</a:t>
+                      </a:r>
+                      <a:endParaRPr lang="en-US" dirty="0"/>
+                    </a:p>
+                  </a:txBody>
+                  <a:tcPr>
+                    <a:lnL w="12700" cap="flat" cmpd="sng" algn="ctr">
+                      <a:solidFill>
+                        <a:schemeClr val="tx1"/>
+                      </a:solidFill>
+                      <a:prstDash val="solid"/>
+                      <a:round/>
+                      <a:headEnd type="none" w="med" len="med"/>
+                      <a:tailEnd type="none" w="med" len="med"/>
+                    </a:lnL>
+                    <a:lnR w="12700" cap="flat" cmpd="sng" algn="ctr">
+                      <a:solidFill>
+                        <a:schemeClr val="tx1"/>
+                      </a:solidFill>
+                      <a:prstDash val="solid"/>
+                      <a:round/>
+                      <a:headEnd type="none" w="med" len="med"/>
+                      <a:tailEnd type="none" w="med" len="med"/>
+                    </a:lnR>
+                    <a:lnT w="12700" cap="flat" cmpd="sng" algn="ctr">
+                      <a:solidFill>
+                        <a:schemeClr val="tx1"/>
+                      </a:solidFill>
+                      <a:prstDash val="solid"/>
+                      <a:round/>
+                      <a:headEnd type="none" w="med" len="med"/>
+                      <a:tailEnd type="none" w="med" len="med"/>
+                    </a:lnT>
+                    <a:lnB w="12700" cap="flat" cmpd="sng" algn="ctr">
+                      <a:solidFill>
+                        <a:schemeClr val="tx1"/>
+                      </a:solidFill>
+                      <a:prstDash val="solid"/>
+                      <a:round/>
+                      <a:headEnd type="none" w="med" len="med"/>
+                      <a:tailEnd type="none" w="med" len="med"/>
+                    </a:lnB>
+                  </a:tcPr>
+                </a:tc>
+                <a:tc>
+                  <a:txBody>
+                    <a:bodyPr/>
+                    <a:lstStyle/>
+                    <a:p>
+                      <a:r>
+                        <a:rPr lang="en-US" dirty="0" smtClean="0"/>
+                        <a:t>H</a:t>
+                      </a:r>
+                      <a:endParaRPr lang="en-US" dirty="0"/>
+                    </a:p>
+                  </a:txBody>
+                  <a:tcPr>
+                    <a:lnL w="12700" cap="flat" cmpd="sng" algn="ctr">
+                      <a:solidFill>
+                        <a:schemeClr val="tx1"/>
+                      </a:solidFill>
+                      <a:prstDash val="solid"/>
+                      <a:round/>
+                      <a:headEnd type="none" w="med" len="med"/>
+                      <a:tailEnd type="none" w="med" len="med"/>
+                    </a:lnL>
+                    <a:lnR w="12700" cap="flat" cmpd="sng" algn="ctr">
+                      <a:solidFill>
+                        <a:schemeClr val="tx1"/>
+                      </a:solidFill>
+                      <a:prstDash val="solid"/>
+                      <a:round/>
+                      <a:headEnd type="none" w="med" len="med"/>
+                      <a:tailEnd type="none" w="med" len="med"/>
+                    </a:lnR>
+                    <a:lnT w="12700" cap="flat" cmpd="sng" algn="ctr">
+                      <a:solidFill>
+                        <a:schemeClr val="tx1"/>
+                      </a:solidFill>
+                      <a:prstDash val="solid"/>
+                      <a:round/>
+                      <a:headEnd type="none" w="med" len="med"/>
+                      <a:tailEnd type="none" w="med" len="med"/>
+                    </a:lnT>
+                    <a:lnB w="12700" cap="flat" cmpd="sng" algn="ctr">
+                      <a:solidFill>
+                        <a:schemeClr val="tx1"/>
+                      </a:solidFill>
+                      <a:prstDash val="solid"/>
+                      <a:round/>
+                      <a:headEnd type="none" w="med" len="med"/>
+                      <a:tailEnd type="none" w="med" len="med"/>
+                    </a:lnB>
+                  </a:tcPr>
+                </a:tc>
+                <a:tc>
+                  <a:txBody>
+                    <a:bodyPr/>
+                    <a:lstStyle/>
+                    <a:p>
+                      <a:r>
+                        <a:rPr lang="en-US" dirty="0" smtClean="0"/>
+                        <a:t>Transporter</a:t>
+                      </a:r>
+                      <a:endParaRPr lang="en-US" dirty="0"/>
+                    </a:p>
+                  </a:txBody>
+                  <a:tcPr>
+                    <a:lnL w="12700" cap="flat" cmpd="sng" algn="ctr">
+                      <a:solidFill>
+                        <a:schemeClr val="tx1"/>
+                      </a:solidFill>
+                      <a:prstDash val="solid"/>
+                      <a:round/>
+                      <a:headEnd type="none" w="med" len="med"/>
+                      <a:tailEnd type="none" w="med" len="med"/>
+                    </a:lnL>
+                    <a:lnR w="12700" cap="flat" cmpd="sng" algn="ctr">
+                      <a:solidFill>
+                        <a:schemeClr val="tx1"/>
+                      </a:solidFill>
+                      <a:prstDash val="solid"/>
+                      <a:round/>
+                      <a:headEnd type="none" w="med" len="med"/>
+                      <a:tailEnd type="none" w="med" len="med"/>
+                    </a:lnR>
+                    <a:lnT w="12700" cap="flat" cmpd="sng" algn="ctr">
+                      <a:solidFill>
+                        <a:schemeClr val="tx1"/>
+                      </a:solidFill>
+                      <a:prstDash val="solid"/>
+                      <a:round/>
+                      <a:headEnd type="none" w="med" len="med"/>
+                      <a:tailEnd type="none" w="med" len="med"/>
+                    </a:lnT>
+                    <a:lnB w="12700" cap="flat" cmpd="sng" algn="ctr">
+                      <a:solidFill>
+                        <a:schemeClr val="tx1"/>
+                      </a:solidFill>
+                      <a:prstDash val="solid"/>
+                      <a:round/>
+                      <a:headEnd type="none" w="med" len="med"/>
+                      <a:tailEnd type="none" w="med" len="med"/>
+                    </a:lnB>
+                  </a:tcPr>
+                </a:tc>
+              </a:tr>
+            </a:tbl>
+          </a:graphicData>
+        </a:graphic>
+      </p:graphicFrame>
+    </p:spTree>
+    <p:extLst>
+      <p:ext uri="{BB962C8B-B14F-4D97-AF65-F5344CB8AC3E}">
+        <p14:creationId xmlns:p14="http://schemas.microsoft.com/office/powerpoint/2010/main" val="4286125652"/>
+      </p:ext>
+    </p:extLst>
+  </p:cSld>
+  <p:clrMapOvr>
+    <a:masterClrMapping/>
+  </p:clrMapOvr>
+</p:sld>
+</file>
+
 <file path=ppt/theme/theme1.xml><?xml version="1.0" encoding="utf-8"?>
 <a:theme xmlns:a="http://schemas.openxmlformats.org/drawingml/2006/main" name="Office Theme">
   <a:themeElements>

--- a/Slides/drawings.pptx
+++ b/Slides/drawings.pptx
@@ -11,7 +11,7 @@
     <p:sldId id="260" r:id="rId5"/>
   </p:sldIdLst>
   <p:sldSz cx="9144000" cy="6858000" type="screen4x3"/>
-  <p:notesSz cx="6858000" cy="9144000"/>
+  <p:notesSz cx="7099300" cy="10234613"/>
   <p:defaultTextStyle>
     <a:defPPr>
       <a:defRPr lang="en-US"/>
@@ -292,7 +292,7 @@
             <a:fld id="{1D8BD707-D9CF-40AE-B4C6-C98DA3205C09}" type="datetimeFigureOut">
               <a:rPr lang="en-US" smtClean="0"/>
               <a:pPr/>
-              <a:t>9/20/2016</a:t>
+              <a:t>11/2/2016</a:t>
             </a:fld>
             <a:endParaRPr lang="en-US"/>
           </a:p>
@@ -459,7 +459,7 @@
             <a:fld id="{1D8BD707-D9CF-40AE-B4C6-C98DA3205C09}" type="datetimeFigureOut">
               <a:rPr lang="en-US" smtClean="0"/>
               <a:pPr/>
-              <a:t>9/20/2016</a:t>
+              <a:t>11/2/2016</a:t>
             </a:fld>
             <a:endParaRPr lang="en-US"/>
           </a:p>
@@ -636,7 +636,7 @@
             <a:fld id="{1D8BD707-D9CF-40AE-B4C6-C98DA3205C09}" type="datetimeFigureOut">
               <a:rPr lang="en-US" smtClean="0"/>
               <a:pPr/>
-              <a:t>9/20/2016</a:t>
+              <a:t>11/2/2016</a:t>
             </a:fld>
             <a:endParaRPr lang="en-US"/>
           </a:p>
@@ -803,7 +803,7 @@
             <a:fld id="{1D8BD707-D9CF-40AE-B4C6-C98DA3205C09}" type="datetimeFigureOut">
               <a:rPr lang="en-US" smtClean="0"/>
               <a:pPr/>
-              <a:t>9/20/2016</a:t>
+              <a:t>11/2/2016</a:t>
             </a:fld>
             <a:endParaRPr lang="en-US"/>
           </a:p>
@@ -1046,7 +1046,7 @@
             <a:fld id="{1D8BD707-D9CF-40AE-B4C6-C98DA3205C09}" type="datetimeFigureOut">
               <a:rPr lang="en-US" smtClean="0"/>
               <a:pPr/>
-              <a:t>9/20/2016</a:t>
+              <a:t>11/2/2016</a:t>
             </a:fld>
             <a:endParaRPr lang="en-US"/>
           </a:p>
@@ -1331,7 +1331,7 @@
             <a:fld id="{1D8BD707-D9CF-40AE-B4C6-C98DA3205C09}" type="datetimeFigureOut">
               <a:rPr lang="en-US" smtClean="0"/>
               <a:pPr/>
-              <a:t>9/20/2016</a:t>
+              <a:t>11/2/2016</a:t>
             </a:fld>
             <a:endParaRPr lang="en-US"/>
           </a:p>
@@ -1750,7 +1750,7 @@
             <a:fld id="{1D8BD707-D9CF-40AE-B4C6-C98DA3205C09}" type="datetimeFigureOut">
               <a:rPr lang="en-US" smtClean="0"/>
               <a:pPr/>
-              <a:t>9/20/2016</a:t>
+              <a:t>11/2/2016</a:t>
             </a:fld>
             <a:endParaRPr lang="en-US"/>
           </a:p>
@@ -1865,7 +1865,7 @@
             <a:fld id="{1D8BD707-D9CF-40AE-B4C6-C98DA3205C09}" type="datetimeFigureOut">
               <a:rPr lang="en-US" smtClean="0"/>
               <a:pPr/>
-              <a:t>9/20/2016</a:t>
+              <a:t>11/2/2016</a:t>
             </a:fld>
             <a:endParaRPr lang="en-US"/>
           </a:p>
@@ -1957,7 +1957,7 @@
             <a:fld id="{1D8BD707-D9CF-40AE-B4C6-C98DA3205C09}" type="datetimeFigureOut">
               <a:rPr lang="en-US" smtClean="0"/>
               <a:pPr/>
-              <a:t>9/20/2016</a:t>
+              <a:t>11/2/2016</a:t>
             </a:fld>
             <a:endParaRPr lang="en-US"/>
           </a:p>
@@ -2231,7 +2231,7 @@
             <a:fld id="{1D8BD707-D9CF-40AE-B4C6-C98DA3205C09}" type="datetimeFigureOut">
               <a:rPr lang="en-US" smtClean="0"/>
               <a:pPr/>
-              <a:t>9/20/2016</a:t>
+              <a:t>11/2/2016</a:t>
             </a:fld>
             <a:endParaRPr lang="en-US"/>
           </a:p>
@@ -2481,7 +2481,7 @@
             <a:fld id="{1D8BD707-D9CF-40AE-B4C6-C98DA3205C09}" type="datetimeFigureOut">
               <a:rPr lang="en-US" smtClean="0"/>
               <a:pPr/>
-              <a:t>9/20/2016</a:t>
+              <a:t>11/2/2016</a:t>
             </a:fld>
             <a:endParaRPr lang="en-US"/>
           </a:p>
@@ -2691,7 +2691,7 @@
             <a:fld id="{1D8BD707-D9CF-40AE-B4C6-C98DA3205C09}" type="datetimeFigureOut">
               <a:rPr lang="en-US" smtClean="0"/>
               <a:pPr/>
-              <a:t>9/20/2016</a:t>
+              <a:t>11/2/2016</a:t>
             </a:fld>
             <a:endParaRPr lang="en-US"/>
           </a:p>
@@ -3072,7 +3072,7 @@
         </p:nvSpPr>
         <p:spPr bwMode="auto">
           <a:xfrm>
-            <a:off x="4478447" y="2209800"/>
+            <a:off x="4326047" y="2209800"/>
             <a:ext cx="4132153" cy="1477328"/>
           </a:xfrm>
           <a:prstGeom prst="rect">
@@ -3136,20 +3136,10 @@
                 <a:latin typeface="Courier New" pitchFamily="49" charset="0"/>
                 <a:cs typeface="Courier New" pitchFamily="49" charset="0"/>
               </a:rPr>
-              <a:t> Season, Region, Sales, </a:t>
+              <a:t> </a:t>
             </a:r>
-          </a:p>
-          <a:p>
-            <a:pPr lvl="0" fontAlgn="base">
-              <a:spcBef>
-                <a:spcPct val="0"/>
-              </a:spcBef>
-              <a:spcAft>
-                <a:spcPct val="0"/>
-              </a:spcAft>
-            </a:pPr>
             <a:r>
-              <a:rPr kumimoji="0" lang="en-US" altLang="en-US" b="1" i="0" u="none" strike="noStrike" cap="none" normalizeH="0" baseline="0" dirty="0" smtClean="0">
+              <a:rPr kumimoji="0" lang="en-US" altLang="en-US" b="0" i="0" u="none" strike="noStrike" cap="none" normalizeH="0" baseline="0" dirty="0" smtClean="0">
                 <a:ln>
                   <a:noFill/>
                 </a:ln>
@@ -3160,7 +3150,41 @@
                 <a:latin typeface="Courier New" pitchFamily="49" charset="0"/>
                 <a:cs typeface="Courier New" pitchFamily="49" charset="0"/>
               </a:rPr>
-              <a:t>sum</a:t>
+              <a:t>Season</a:t>
+            </a:r>
+            <a:r>
+              <a:rPr kumimoji="0" lang="en-US" altLang="en-US" b="0" i="0" u="none" strike="noStrike" cap="none" normalizeH="0" baseline="0" dirty="0" smtClean="0">
+                <a:ln>
+                  <a:noFill/>
+                </a:ln>
+                <a:solidFill>
+                  <a:srgbClr val="000000"/>
+                </a:solidFill>
+                <a:effectLst/>
+                <a:latin typeface="Courier New" pitchFamily="49" charset="0"/>
+                <a:cs typeface="Courier New" pitchFamily="49" charset="0"/>
+              </a:rPr>
+              <a:t>, Region, Sales, </a:t>
+            </a:r>
+          </a:p>
+          <a:p>
+            <a:pPr lvl="0" fontAlgn="base">
+              <a:spcBef>
+                <a:spcPct val="0"/>
+              </a:spcBef>
+              <a:spcAft>
+                <a:spcPct val="0"/>
+              </a:spcAft>
+            </a:pPr>
+            <a:r>
+              <a:rPr lang="en-US" altLang="en-US" b="1" dirty="0" smtClean="0">
+                <a:solidFill>
+                  <a:srgbClr val="000000"/>
+                </a:solidFill>
+                <a:latin typeface="Courier New" pitchFamily="49" charset="0"/>
+                <a:cs typeface="Courier New" pitchFamily="49" charset="0"/>
+              </a:rPr>
+              <a:t>SUM</a:t>
             </a:r>
             <a:r>
               <a:rPr kumimoji="0" lang="en-US" altLang="en-US" b="0" i="0" u="none" strike="noStrike" cap="none" normalizeH="0" baseline="0" dirty="0" smtClean="0">
@@ -3191,14 +3215,14 @@
               <a:t> </a:t>
             </a:r>
             <a:r>
-              <a:rPr lang="en-US" altLang="en-US" b="1" dirty="0" err="1" smtClean="0">
+              <a:rPr lang="en-US" altLang="en-US" b="1" dirty="0" smtClean="0">
                 <a:solidFill>
                   <a:srgbClr val="000000"/>
                 </a:solidFill>
                 <a:latin typeface="Courier New" pitchFamily="49" charset="0"/>
                 <a:cs typeface="Courier New" pitchFamily="49" charset="0"/>
               </a:rPr>
-              <a:t>avg</a:t>
+              <a:t>AVG</a:t>
             </a:r>
             <a:r>
               <a:rPr lang="en-US" altLang="en-US" dirty="0" smtClean="0">
@@ -3222,35 +3246,7 @@
                 <a:latin typeface="Courier New" pitchFamily="49" charset="0"/>
                 <a:cs typeface="Courier New" pitchFamily="49" charset="0"/>
               </a:rPr>
-              <a:t>OVER</a:t>
-            </a:r>
-            <a:r>
-              <a:rPr kumimoji="0" lang="en-US" altLang="en-US" b="0" i="0" u="none" strike="noStrike" cap="none" normalizeH="0" baseline="0" dirty="0" smtClean="0">
-                <a:ln>
-                  <a:noFill/>
-                </a:ln>
-                <a:solidFill>
-                  <a:srgbClr val="000000"/>
-                </a:solidFill>
-                <a:effectLst/>
-                <a:latin typeface="Courier New" pitchFamily="49" charset="0"/>
-                <a:cs typeface="Courier New" pitchFamily="49" charset="0"/>
-              </a:rPr>
-              <a:t>(</a:t>
-            </a:r>
-            <a:r>
-              <a:rPr kumimoji="0" lang="en-US" altLang="en-US" b="1" i="0" u="none" strike="noStrike" cap="none" normalizeH="0" baseline="0" dirty="0" smtClean="0">
-                <a:ln>
-                  <a:noFill/>
-                </a:ln>
-                <a:solidFill>
-                  <a:srgbClr val="000000"/>
-                </a:solidFill>
-                <a:effectLst/>
-                <a:latin typeface="Courier New" pitchFamily="49" charset="0"/>
-                <a:cs typeface="Courier New" pitchFamily="49" charset="0"/>
-              </a:rPr>
-              <a:t>PARTITION</a:t>
+              <a:t>OVER(PARTITION</a:t>
             </a:r>
             <a:r>
               <a:rPr kumimoji="0" lang="en-US" altLang="en-US" b="0" i="0" u="none" strike="noStrike" cap="none" normalizeH="0" baseline="0" dirty="0" smtClean="0">
@@ -3292,26 +3288,22 @@
                 <a:latin typeface="Courier New" pitchFamily="49" charset="0"/>
                 <a:cs typeface="Courier New" pitchFamily="49" charset="0"/>
               </a:rPr>
-              <a:t> Region</a:t>
+              <a:t> </a:t>
             </a:r>
-          </a:p>
-          <a:p>
-            <a:pPr marL="0" marR="0" lvl="0" indent="0" algn="l" defTabSz="914400" rtl="0" eaLnBrk="1" fontAlgn="base" latinLnBrk="0" hangingPunct="1">
-              <a:lnSpc>
-                <a:spcPct val="100000"/>
-              </a:lnSpc>
-              <a:spcBef>
-                <a:spcPct val="0"/>
-              </a:spcBef>
-              <a:spcAft>
-                <a:spcPct val="0"/>
-              </a:spcAft>
-              <a:buClrTx/>
-              <a:buSzTx/>
-              <a:buFontTx/>
-              <a:buNone/>
-              <a:tabLst/>
-            </a:pPr>
+            <a:r>
+              <a:rPr kumimoji="0" lang="en-US" altLang="en-US" b="0" i="0" u="none" strike="noStrike" cap="none" normalizeH="0" baseline="0" dirty="0" smtClean="0">
+                <a:ln>
+                  <a:noFill/>
+                </a:ln>
+                <a:solidFill>
+                  <a:srgbClr val="000000"/>
+                </a:solidFill>
+                <a:effectLst/>
+                <a:latin typeface="Courier New" pitchFamily="49" charset="0"/>
+                <a:cs typeface="Courier New" pitchFamily="49" charset="0"/>
+              </a:rPr>
+              <a:t>Region </a:t>
+            </a:r>
             <a:r>
               <a:rPr kumimoji="0" lang="en-US" altLang="en-US" b="1" i="0" u="none" strike="noStrike" cap="none" normalizeH="0" baseline="0" dirty="0" smtClean="0">
                 <a:ln>
@@ -3324,7 +3316,21 @@
                 <a:latin typeface="Courier New" pitchFamily="49" charset="0"/>
                 <a:cs typeface="Courier New" pitchFamily="49" charset="0"/>
               </a:rPr>
-              <a:t>ORDER BY</a:t>
+              <a:t>ORDER </a:t>
+            </a:r>
+            <a:r>
+              <a:rPr kumimoji="0" lang="en-US" altLang="en-US" b="1" i="0" u="none" strike="noStrike" cap="none" normalizeH="0" baseline="0" dirty="0" smtClean="0">
+                <a:ln>
+                  <a:noFill/>
+                </a:ln>
+                <a:solidFill>
+                  <a:srgbClr val="000000"/>
+                </a:solidFill>
+                <a:effectLst/>
+                <a:latin typeface="Courier New" pitchFamily="49" charset="0"/>
+                <a:cs typeface="Courier New" pitchFamily="49" charset="0"/>
+              </a:rPr>
+              <a:t>BY</a:t>
             </a:r>
             <a:r>
               <a:rPr kumimoji="0" lang="en-US" altLang="en-US" b="0" i="0" u="none" strike="noStrike" cap="none" normalizeH="0" baseline="0" dirty="0" smtClean="0">
@@ -3352,7 +3358,7 @@
                 <a:latin typeface="Courier New" pitchFamily="49" charset="0"/>
                 <a:cs typeface="Courier New" pitchFamily="49" charset="0"/>
               </a:rPr>
-              <a:t>DESC</a:t>
+              <a:t>DESC)</a:t>
             </a:r>
             <a:r>
               <a:rPr kumimoji="0" lang="en-US" altLang="en-US" b="0" i="0" u="none" strike="noStrike" cap="none" normalizeH="0" baseline="0" dirty="0" smtClean="0">
@@ -3366,7 +3372,7 @@
                 <a:latin typeface="Courier New" pitchFamily="49" charset="0"/>
                 <a:cs typeface="Courier New" pitchFamily="49" charset="0"/>
               </a:rPr>
-              <a:t>) </a:t>
+              <a:t> </a:t>
             </a:r>
           </a:p>
           <a:p>
@@ -3440,14 +3446,14 @@
           <p:nvPr>
             <p:extLst>
               <p:ext uri="{D42A27DB-BD31-4B8C-83A1-F6EECF244321}">
-                <p14:modId xmlns:p14="http://schemas.microsoft.com/office/powerpoint/2010/main" val="1605633451"/>
+                <p14:modId xmlns:p14="http://schemas.microsoft.com/office/powerpoint/2010/main" val="2785546277"/>
               </p:ext>
             </p:extLst>
           </p:nvPr>
         </p:nvGraphicFramePr>
         <p:xfrm>
           <a:off x="685800" y="690173"/>
-          <a:ext cx="3733800" cy="2992581"/>
+          <a:ext cx="3635244" cy="2992581"/>
         </p:xfrm>
         <a:graphic>
           <a:graphicData uri="http://schemas.openxmlformats.org/drawingml/2006/table">
@@ -3456,13 +3462,81 @@
                 <a:tableStyleId>{2D5ABB26-0587-4C30-8999-92F81FD0307C}</a:tableStyleId>
               </a:tblPr>
               <a:tblGrid>
-                <a:gridCol w="735810"/>
-                <a:gridCol w="770775"/>
-                <a:gridCol w="627107"/>
-                <a:gridCol w="678207"/>
-                <a:gridCol w="921901"/>
+                <a:gridCol w="614677"/>
+                <a:gridCol w="719137"/>
+                <a:gridCol w="630237"/>
+                <a:gridCol w="512763"/>
+                <a:gridCol w="600075"/>
+                <a:gridCol w="558355"/>
               </a:tblGrid>
               <a:tr h="332509">
+                <a:tc>
+                  <a:txBody>
+                    <a:bodyPr/>
+                    <a:lstStyle/>
+                    <a:p>
+                      <a:pPr algn="ctr" fontAlgn="b"/>
+                      <a:r>
+                        <a:rPr lang="en-US" sz="1400" b="0" i="0" u="none" strike="noStrike" dirty="0" smtClean="0">
+                          <a:solidFill>
+                            <a:srgbClr val="000000"/>
+                          </a:solidFill>
+                          <a:effectLst/>
+                          <a:latin typeface="Helvetica" panose="020B0604020202020204" pitchFamily="2" charset="0"/>
+                        </a:rPr>
+                        <a:t>ID</a:t>
+                      </a:r>
+                      <a:endParaRPr lang="en-US" sz="1400" b="0" i="0" u="none" strike="noStrike" dirty="0">
+                        <a:solidFill>
+                          <a:srgbClr val="000000"/>
+                        </a:solidFill>
+                        <a:effectLst/>
+                        <a:latin typeface="Helvetica" panose="020B0604020202020204" pitchFamily="2" charset="0"/>
+                      </a:endParaRPr>
+                    </a:p>
+                  </a:txBody>
+                  <a:tcPr marL="9525" marR="9525" marT="9525" marB="0" anchor="ctr">
+                    <a:lnL w="12700" cap="flat" cmpd="sng" algn="ctr">
+                      <a:solidFill>
+                        <a:schemeClr val="tx1"/>
+                      </a:solidFill>
+                      <a:prstDash val="solid"/>
+                      <a:round/>
+                      <a:headEnd type="none" w="med" len="med"/>
+                      <a:tailEnd type="none" w="med" len="med"/>
+                    </a:lnL>
+                    <a:lnR w="12700" cap="flat" cmpd="sng" algn="ctr">
+                      <a:solidFill>
+                        <a:schemeClr val="tx1"/>
+                      </a:solidFill>
+                      <a:prstDash val="solid"/>
+                      <a:round/>
+                      <a:headEnd type="none" w="med" len="med"/>
+                      <a:tailEnd type="none" w="med" len="med"/>
+                    </a:lnR>
+                    <a:lnT w="12700" cap="flat" cmpd="sng" algn="ctr">
+                      <a:solidFill>
+                        <a:schemeClr val="tx1"/>
+                      </a:solidFill>
+                      <a:prstDash val="solid"/>
+                      <a:round/>
+                      <a:headEnd type="none" w="med" len="med"/>
+                      <a:tailEnd type="none" w="med" len="med"/>
+                    </a:lnT>
+                    <a:lnB w="12700" cap="flat" cmpd="sng" algn="ctr">
+                      <a:solidFill>
+                        <a:schemeClr val="tx1"/>
+                      </a:solidFill>
+                      <a:prstDash val="solid"/>
+                      <a:round/>
+                      <a:headEnd type="none" w="med" len="med"/>
+                      <a:tailEnd type="none" w="med" len="med"/>
+                    </a:lnB>
+                    <a:solidFill>
+                      <a:schemeClr val="accent6"/>
+                    </a:solidFill>
+                  </a:tcPr>
+                </a:tc>
                 <a:tc>
                   <a:txBody>
                     <a:bodyPr/>
@@ -3680,7 +3754,7 @@
                           <a:effectLst/>
                           <a:latin typeface="Helvetica" panose="020B0604020202020204" pitchFamily="2" charset="0"/>
                         </a:rPr>
-                        <a:t>sum()</a:t>
+                        <a:t>SUM()</a:t>
                       </a:r>
                       <a:endParaRPr lang="en-US" sz="1400" b="1" i="1" u="none" strike="noStrike" dirty="0">
                         <a:solidFill>
@@ -3740,16 +3814,6 @@
                     <a:p>
                       <a:pPr algn="ctr" fontAlgn="b"/>
                       <a:r>
-                        <a:rPr lang="en-US" sz="1400" b="1" i="1" u="none" strike="noStrike" dirty="0" err="1" smtClean="0">
-                          <a:solidFill>
-                            <a:srgbClr val="000000"/>
-                          </a:solidFill>
-                          <a:effectLst/>
-                          <a:latin typeface="Helvetica" panose="020B0604020202020204" pitchFamily="2" charset="0"/>
-                        </a:rPr>
-                        <a:t>avg</a:t>
-                      </a:r>
-                      <a:r>
                         <a:rPr lang="en-US" sz="1400" b="1" i="1" u="none" strike="noStrike" dirty="0" smtClean="0">
                           <a:solidFill>
                             <a:srgbClr val="000000"/>
@@ -3757,7 +3821,7 @@
                           <a:effectLst/>
                           <a:latin typeface="Helvetica" panose="020B0604020202020204" pitchFamily="2" charset="0"/>
                         </a:rPr>
-                        <a:t>()</a:t>
+                        <a:t>AVG()</a:t>
                       </a:r>
                       <a:endParaRPr lang="en-US" sz="1400" b="1" i="1" u="none" strike="noStrike" dirty="0">
                         <a:solidFill>
@@ -3812,6 +3876,76 @@
                 </a:tc>
               </a:tr>
               <a:tr h="332509">
+                <a:tc>
+                  <a:txBody>
+                    <a:bodyPr/>
+                    <a:lstStyle/>
+                    <a:p>
+                      <a:pPr algn="ctr" fontAlgn="b"/>
+                      <a:r>
+                        <a:rPr lang="en-US" sz="1400" b="0" i="0" u="none" strike="noStrike" dirty="0" smtClean="0">
+                          <a:solidFill>
+                            <a:srgbClr val="000000"/>
+                          </a:solidFill>
+                          <a:effectLst/>
+                          <a:latin typeface="Helvetica" panose="020B0604020202020204" pitchFamily="2" charset="0"/>
+                        </a:rPr>
+                        <a:t>1</a:t>
+                      </a:r>
+                      <a:endParaRPr lang="en-US" sz="1400" b="0" i="0" u="none" strike="noStrike" dirty="0">
+                        <a:solidFill>
+                          <a:srgbClr val="000000"/>
+                        </a:solidFill>
+                        <a:effectLst/>
+                        <a:latin typeface="Helvetica" panose="020B0604020202020204" pitchFamily="2" charset="0"/>
+                      </a:endParaRPr>
+                    </a:p>
+                  </a:txBody>
+                  <a:tcPr marL="9525" marR="9525" marT="9525" marB="0" anchor="ctr">
+                    <a:lnL w="12700" cap="flat" cmpd="sng" algn="ctr">
+                      <a:solidFill>
+                        <a:schemeClr val="tx1"/>
+                      </a:solidFill>
+                      <a:prstDash val="solid"/>
+                      <a:round/>
+                      <a:headEnd type="none" w="med" len="med"/>
+                      <a:tailEnd type="none" w="med" len="med"/>
+                    </a:lnL>
+                    <a:lnR w="12700" cap="flat" cmpd="sng" algn="ctr">
+                      <a:solidFill>
+                        <a:schemeClr val="tx1"/>
+                      </a:solidFill>
+                      <a:prstDash val="solid"/>
+                      <a:round/>
+                      <a:headEnd type="none" w="med" len="med"/>
+                      <a:tailEnd type="none" w="med" len="med"/>
+                    </a:lnR>
+                    <a:lnT w="12700" cap="flat" cmpd="sng" algn="ctr">
+                      <a:solidFill>
+                        <a:schemeClr val="tx1"/>
+                      </a:solidFill>
+                      <a:prstDash val="solid"/>
+                      <a:round/>
+                      <a:headEnd type="none" w="med" len="med"/>
+                      <a:tailEnd type="none" w="med" len="med"/>
+                    </a:lnT>
+                    <a:lnB w="12700" cap="flat" cmpd="sng" algn="ctr">
+                      <a:solidFill>
+                        <a:schemeClr val="tx1"/>
+                      </a:solidFill>
+                      <a:prstDash val="solid"/>
+                      <a:round/>
+                      <a:headEnd type="none" w="med" len="med"/>
+                      <a:tailEnd type="none" w="med" len="med"/>
+                    </a:lnB>
+                    <a:solidFill>
+                      <a:schemeClr val="accent5">
+                        <a:lumMod val="60000"/>
+                        <a:lumOff val="40000"/>
+                      </a:schemeClr>
+                    </a:solidFill>
+                  </a:tcPr>
+                </a:tc>
                 <a:tc>
                   <a:txBody>
                     <a:bodyPr/>
@@ -4162,6 +4296,76 @@
                     <a:p>
                       <a:pPr algn="ctr" fontAlgn="b"/>
                       <a:r>
+                        <a:rPr lang="en-US" sz="1400" b="0" i="0" u="none" strike="noStrike" dirty="0" smtClean="0">
+                          <a:solidFill>
+                            <a:srgbClr val="000000"/>
+                          </a:solidFill>
+                          <a:effectLst/>
+                          <a:latin typeface="Helvetica" panose="020B0604020202020204" pitchFamily="2" charset="0"/>
+                        </a:rPr>
+                        <a:t>2</a:t>
+                      </a:r>
+                      <a:endParaRPr lang="en-US" sz="1400" b="0" i="0" u="none" strike="noStrike" dirty="0">
+                        <a:solidFill>
+                          <a:srgbClr val="000000"/>
+                        </a:solidFill>
+                        <a:effectLst/>
+                        <a:latin typeface="Helvetica" panose="020B0604020202020204" pitchFamily="2" charset="0"/>
+                      </a:endParaRPr>
+                    </a:p>
+                  </a:txBody>
+                  <a:tcPr marL="9525" marR="9525" marT="9525" marB="0" anchor="ctr">
+                    <a:lnL w="12700" cap="flat" cmpd="sng" algn="ctr">
+                      <a:solidFill>
+                        <a:schemeClr val="tx1"/>
+                      </a:solidFill>
+                      <a:prstDash val="solid"/>
+                      <a:round/>
+                      <a:headEnd type="none" w="med" len="med"/>
+                      <a:tailEnd type="none" w="med" len="med"/>
+                    </a:lnL>
+                    <a:lnR w="12700" cap="flat" cmpd="sng" algn="ctr">
+                      <a:solidFill>
+                        <a:schemeClr val="tx1"/>
+                      </a:solidFill>
+                      <a:prstDash val="solid"/>
+                      <a:round/>
+                      <a:headEnd type="none" w="med" len="med"/>
+                      <a:tailEnd type="none" w="med" len="med"/>
+                    </a:lnR>
+                    <a:lnT w="12700" cap="flat" cmpd="sng" algn="ctr">
+                      <a:solidFill>
+                        <a:schemeClr val="tx1"/>
+                      </a:solidFill>
+                      <a:prstDash val="solid"/>
+                      <a:round/>
+                      <a:headEnd type="none" w="med" len="med"/>
+                      <a:tailEnd type="none" w="med" len="med"/>
+                    </a:lnT>
+                    <a:lnB w="12700" cap="flat" cmpd="sng" algn="ctr">
+                      <a:solidFill>
+                        <a:schemeClr val="tx1"/>
+                      </a:solidFill>
+                      <a:prstDash val="solid"/>
+                      <a:round/>
+                      <a:headEnd type="none" w="med" len="med"/>
+                      <a:tailEnd type="none" w="med" len="med"/>
+                    </a:lnB>
+                    <a:solidFill>
+                      <a:schemeClr val="accent5">
+                        <a:lumMod val="60000"/>
+                        <a:lumOff val="40000"/>
+                      </a:schemeClr>
+                    </a:solidFill>
+                  </a:tcPr>
+                </a:tc>
+                <a:tc>
+                  <a:txBody>
+                    <a:bodyPr/>
+                    <a:lstStyle/>
+                    <a:p>
+                      <a:pPr algn="ctr" fontAlgn="b"/>
+                      <a:r>
                         <a:rPr lang="en-US" sz="1400" u="none" strike="noStrike" dirty="0" smtClean="0">
                           <a:effectLst/>
                           <a:latin typeface="Helvetica" panose="020B0604020202020204" pitchFamily="2" charset="0"/>
@@ -4509,6 +4713,76 @@
                     <a:p>
                       <a:pPr algn="ctr" fontAlgn="b"/>
                       <a:r>
+                        <a:rPr lang="en-US" sz="1400" b="0" i="0" u="none" strike="noStrike" dirty="0" smtClean="0">
+                          <a:solidFill>
+                            <a:srgbClr val="000000"/>
+                          </a:solidFill>
+                          <a:effectLst/>
+                          <a:latin typeface="Helvetica" panose="020B0604020202020204" pitchFamily="2" charset="0"/>
+                        </a:rPr>
+                        <a:t>3</a:t>
+                      </a:r>
+                      <a:endParaRPr lang="en-US" sz="1400" b="0" i="0" u="none" strike="noStrike" dirty="0">
+                        <a:solidFill>
+                          <a:srgbClr val="000000"/>
+                        </a:solidFill>
+                        <a:effectLst/>
+                        <a:latin typeface="Helvetica" panose="020B0604020202020204" pitchFamily="2" charset="0"/>
+                      </a:endParaRPr>
+                    </a:p>
+                  </a:txBody>
+                  <a:tcPr marL="9525" marR="9525" marT="9525" marB="0" anchor="ctr">
+                    <a:lnL w="12700" cap="flat" cmpd="sng" algn="ctr">
+                      <a:solidFill>
+                        <a:schemeClr val="tx1"/>
+                      </a:solidFill>
+                      <a:prstDash val="solid"/>
+                      <a:round/>
+                      <a:headEnd type="none" w="med" len="med"/>
+                      <a:tailEnd type="none" w="med" len="med"/>
+                    </a:lnL>
+                    <a:lnR w="12700" cap="flat" cmpd="sng" algn="ctr">
+                      <a:solidFill>
+                        <a:schemeClr val="tx1"/>
+                      </a:solidFill>
+                      <a:prstDash val="solid"/>
+                      <a:round/>
+                      <a:headEnd type="none" w="med" len="med"/>
+                      <a:tailEnd type="none" w="med" len="med"/>
+                    </a:lnR>
+                    <a:lnT w="12700" cap="flat" cmpd="sng" algn="ctr">
+                      <a:solidFill>
+                        <a:schemeClr val="tx1"/>
+                      </a:solidFill>
+                      <a:prstDash val="solid"/>
+                      <a:round/>
+                      <a:headEnd type="none" w="med" len="med"/>
+                      <a:tailEnd type="none" w="med" len="med"/>
+                    </a:lnT>
+                    <a:lnB w="12700" cap="flat" cmpd="sng" algn="ctr">
+                      <a:solidFill>
+                        <a:schemeClr val="tx1"/>
+                      </a:solidFill>
+                      <a:prstDash val="solid"/>
+                      <a:round/>
+                      <a:headEnd type="none" w="med" len="med"/>
+                      <a:tailEnd type="none" w="med" len="med"/>
+                    </a:lnB>
+                    <a:solidFill>
+                      <a:schemeClr val="accent5">
+                        <a:lumMod val="60000"/>
+                        <a:lumOff val="40000"/>
+                      </a:schemeClr>
+                    </a:solidFill>
+                  </a:tcPr>
+                </a:tc>
+                <a:tc>
+                  <a:txBody>
+                    <a:bodyPr/>
+                    <a:lstStyle/>
+                    <a:p>
+                      <a:pPr algn="ctr" fontAlgn="b"/>
+                      <a:r>
                         <a:rPr lang="en-US" sz="1400" u="none" strike="noStrike" dirty="0" smtClean="0">
                           <a:effectLst/>
                           <a:latin typeface="Helvetica" panose="020B0604020202020204" pitchFamily="2" charset="0"/>
@@ -4856,6 +5130,71 @@
                     <a:p>
                       <a:pPr algn="ctr" fontAlgn="b"/>
                       <a:r>
+                        <a:rPr lang="en-US" sz="1400" b="0" i="0" u="none" strike="noStrike" dirty="0" smtClean="0">
+                          <a:solidFill>
+                            <a:srgbClr val="000000"/>
+                          </a:solidFill>
+                          <a:effectLst/>
+                          <a:latin typeface="Helvetica" panose="020B0604020202020204" pitchFamily="2" charset="0"/>
+                        </a:rPr>
+                        <a:t>4</a:t>
+                      </a:r>
+                      <a:endParaRPr lang="en-US" sz="1400" b="0" i="0" u="none" strike="noStrike" dirty="0">
+                        <a:solidFill>
+                          <a:srgbClr val="000000"/>
+                        </a:solidFill>
+                        <a:effectLst/>
+                        <a:latin typeface="Helvetica" panose="020B0604020202020204" pitchFamily="2" charset="0"/>
+                      </a:endParaRPr>
+                    </a:p>
+                  </a:txBody>
+                  <a:tcPr marL="9525" marR="9525" marT="9525" marB="0" anchor="ctr">
+                    <a:lnL w="12700" cap="flat" cmpd="sng" algn="ctr">
+                      <a:solidFill>
+                        <a:schemeClr val="tx1"/>
+                      </a:solidFill>
+                      <a:prstDash val="solid"/>
+                      <a:round/>
+                      <a:headEnd type="none" w="med" len="med"/>
+                      <a:tailEnd type="none" w="med" len="med"/>
+                    </a:lnL>
+                    <a:lnR w="12700" cap="flat" cmpd="sng" algn="ctr">
+                      <a:solidFill>
+                        <a:schemeClr val="tx1"/>
+                      </a:solidFill>
+                      <a:prstDash val="solid"/>
+                      <a:round/>
+                      <a:headEnd type="none" w="med" len="med"/>
+                      <a:tailEnd type="none" w="med" len="med"/>
+                    </a:lnR>
+                    <a:lnT w="12700" cap="flat" cmpd="sng" algn="ctr">
+                      <a:solidFill>
+                        <a:schemeClr val="tx1"/>
+                      </a:solidFill>
+                      <a:prstDash val="solid"/>
+                      <a:round/>
+                      <a:headEnd type="none" w="med" len="med"/>
+                      <a:tailEnd type="none" w="med" len="med"/>
+                    </a:lnT>
+                    <a:lnB w="12700" cap="flat" cmpd="sng" algn="ctr">
+                      <a:solidFill>
+                        <a:schemeClr val="tx1"/>
+                      </a:solidFill>
+                      <a:prstDash val="solid"/>
+                      <a:round/>
+                      <a:headEnd type="none" w="med" len="med"/>
+                      <a:tailEnd type="none" w="med" len="med"/>
+                    </a:lnB>
+                    <a:noFill/>
+                  </a:tcPr>
+                </a:tc>
+                <a:tc>
+                  <a:txBody>
+                    <a:bodyPr/>
+                    <a:lstStyle/>
+                    <a:p>
+                      <a:pPr algn="ctr" fontAlgn="b"/>
+                      <a:r>
                         <a:rPr lang="en-US" sz="1400" u="none" strike="noStrike" dirty="0" smtClean="0">
                           <a:effectLst/>
                           <a:latin typeface="Helvetica" panose="020B0604020202020204" pitchFamily="2" charset="0"/>
@@ -5178,6 +5517,70 @@
                     <a:p>
                       <a:pPr algn="ctr" fontAlgn="b"/>
                       <a:r>
+                        <a:rPr lang="en-US" sz="1400" b="0" i="0" u="none" strike="noStrike" dirty="0" smtClean="0">
+                          <a:solidFill>
+                            <a:srgbClr val="000000"/>
+                          </a:solidFill>
+                          <a:effectLst/>
+                          <a:latin typeface="Helvetica" panose="020B0604020202020204" pitchFamily="2" charset="0"/>
+                        </a:rPr>
+                        <a:t>5</a:t>
+                      </a:r>
+                      <a:endParaRPr lang="en-US" sz="1400" b="0" i="0" u="none" strike="noStrike" dirty="0">
+                        <a:solidFill>
+                          <a:srgbClr val="000000"/>
+                        </a:solidFill>
+                        <a:effectLst/>
+                        <a:latin typeface="Helvetica" panose="020B0604020202020204" pitchFamily="2" charset="0"/>
+                      </a:endParaRPr>
+                    </a:p>
+                  </a:txBody>
+                  <a:tcPr marL="9525" marR="9525" marT="9525" marB="0" anchor="ctr">
+                    <a:lnL w="12700" cap="flat" cmpd="sng" algn="ctr">
+                      <a:solidFill>
+                        <a:schemeClr val="tx1"/>
+                      </a:solidFill>
+                      <a:prstDash val="solid"/>
+                      <a:round/>
+                      <a:headEnd type="none" w="med" len="med"/>
+                      <a:tailEnd type="none" w="med" len="med"/>
+                    </a:lnL>
+                    <a:lnR w="12700" cap="flat" cmpd="sng" algn="ctr">
+                      <a:solidFill>
+                        <a:schemeClr val="tx1"/>
+                      </a:solidFill>
+                      <a:prstDash val="solid"/>
+                      <a:round/>
+                      <a:headEnd type="none" w="med" len="med"/>
+                      <a:tailEnd type="none" w="med" len="med"/>
+                    </a:lnR>
+                    <a:lnT w="12700" cap="flat" cmpd="sng" algn="ctr">
+                      <a:solidFill>
+                        <a:schemeClr val="tx1"/>
+                      </a:solidFill>
+                      <a:prstDash val="solid"/>
+                      <a:round/>
+                      <a:headEnd type="none" w="med" len="med"/>
+                      <a:tailEnd type="none" w="med" len="med"/>
+                    </a:lnT>
+                    <a:lnB w="12700" cap="flat" cmpd="sng" algn="ctr">
+                      <a:solidFill>
+                        <a:schemeClr val="tx1"/>
+                      </a:solidFill>
+                      <a:prstDash val="solid"/>
+                      <a:round/>
+                      <a:headEnd type="none" w="med" len="med"/>
+                      <a:tailEnd type="none" w="med" len="med"/>
+                    </a:lnB>
+                  </a:tcPr>
+                </a:tc>
+                <a:tc>
+                  <a:txBody>
+                    <a:bodyPr/>
+                    <a:lstStyle/>
+                    <a:p>
+                      <a:pPr algn="ctr" fontAlgn="b"/>
+                      <a:r>
                         <a:rPr lang="en-US" sz="1400" u="none" strike="noStrike" dirty="0">
                           <a:effectLst/>
                           <a:latin typeface="Helvetica" panose="020B0604020202020204" pitchFamily="2" charset="0"/>
@@ -5488,6 +5891,70 @@
                     <a:p>
                       <a:pPr algn="ctr" fontAlgn="b"/>
                       <a:r>
+                        <a:rPr lang="en-US" sz="1400" b="0" i="0" u="none" strike="noStrike" dirty="0" smtClean="0">
+                          <a:solidFill>
+                            <a:srgbClr val="000000"/>
+                          </a:solidFill>
+                          <a:effectLst/>
+                          <a:latin typeface="Helvetica" panose="020B0604020202020204" pitchFamily="2" charset="0"/>
+                        </a:rPr>
+                        <a:t>6</a:t>
+                      </a:r>
+                      <a:endParaRPr lang="en-US" sz="1400" b="0" i="0" u="none" strike="noStrike" dirty="0">
+                        <a:solidFill>
+                          <a:srgbClr val="000000"/>
+                        </a:solidFill>
+                        <a:effectLst/>
+                        <a:latin typeface="Helvetica" panose="020B0604020202020204" pitchFamily="2" charset="0"/>
+                      </a:endParaRPr>
+                    </a:p>
+                  </a:txBody>
+                  <a:tcPr marL="9525" marR="9525" marT="9525" marB="0" anchor="ctr">
+                    <a:lnL w="12700" cap="flat" cmpd="sng" algn="ctr">
+                      <a:solidFill>
+                        <a:schemeClr val="tx1"/>
+                      </a:solidFill>
+                      <a:prstDash val="solid"/>
+                      <a:round/>
+                      <a:headEnd type="none" w="med" len="med"/>
+                      <a:tailEnd type="none" w="med" len="med"/>
+                    </a:lnL>
+                    <a:lnR w="12700" cap="flat" cmpd="sng" algn="ctr">
+                      <a:solidFill>
+                        <a:schemeClr val="tx1"/>
+                      </a:solidFill>
+                      <a:prstDash val="solid"/>
+                      <a:round/>
+                      <a:headEnd type="none" w="med" len="med"/>
+                      <a:tailEnd type="none" w="med" len="med"/>
+                    </a:lnR>
+                    <a:lnT w="12700" cap="flat" cmpd="sng" algn="ctr">
+                      <a:solidFill>
+                        <a:schemeClr val="tx1"/>
+                      </a:solidFill>
+                      <a:prstDash val="solid"/>
+                      <a:round/>
+                      <a:headEnd type="none" w="med" len="med"/>
+                      <a:tailEnd type="none" w="med" len="med"/>
+                    </a:lnT>
+                    <a:lnB w="12700" cap="flat" cmpd="sng" algn="ctr">
+                      <a:solidFill>
+                        <a:schemeClr val="tx1"/>
+                      </a:solidFill>
+                      <a:prstDash val="solid"/>
+                      <a:round/>
+                      <a:headEnd type="none" w="med" len="med"/>
+                      <a:tailEnd type="none" w="med" len="med"/>
+                    </a:lnB>
+                  </a:tcPr>
+                </a:tc>
+                <a:tc>
+                  <a:txBody>
+                    <a:bodyPr/>
+                    <a:lstStyle/>
+                    <a:p>
+                      <a:pPr algn="ctr" fontAlgn="b"/>
+                      <a:r>
                         <a:rPr lang="en-US" sz="1400" u="none" strike="noStrike" dirty="0" smtClean="0">
                           <a:effectLst/>
                           <a:latin typeface="Helvetica" panose="020B0604020202020204" pitchFamily="2" charset="0"/>
@@ -5798,6 +6265,70 @@
                     <a:p>
                       <a:pPr algn="ctr" fontAlgn="b"/>
                       <a:r>
+                        <a:rPr lang="en-US" sz="1400" b="0" i="0" u="none" strike="noStrike" dirty="0" smtClean="0">
+                          <a:solidFill>
+                            <a:srgbClr val="000000"/>
+                          </a:solidFill>
+                          <a:effectLst/>
+                          <a:latin typeface="Helvetica" panose="020B0604020202020204" pitchFamily="2" charset="0"/>
+                        </a:rPr>
+                        <a:t>7</a:t>
+                      </a:r>
+                      <a:endParaRPr lang="en-US" sz="1400" b="0" i="0" u="none" strike="noStrike" dirty="0">
+                        <a:solidFill>
+                          <a:srgbClr val="000000"/>
+                        </a:solidFill>
+                        <a:effectLst/>
+                        <a:latin typeface="Helvetica" panose="020B0604020202020204" pitchFamily="2" charset="0"/>
+                      </a:endParaRPr>
+                    </a:p>
+                  </a:txBody>
+                  <a:tcPr marL="9525" marR="9525" marT="9525" marB="0" anchor="ctr">
+                    <a:lnL w="12700" cap="flat" cmpd="sng" algn="ctr">
+                      <a:solidFill>
+                        <a:schemeClr val="tx1"/>
+                      </a:solidFill>
+                      <a:prstDash val="solid"/>
+                      <a:round/>
+                      <a:headEnd type="none" w="med" len="med"/>
+                      <a:tailEnd type="none" w="med" len="med"/>
+                    </a:lnL>
+                    <a:lnR w="12700" cap="flat" cmpd="sng" algn="ctr">
+                      <a:solidFill>
+                        <a:schemeClr val="tx1"/>
+                      </a:solidFill>
+                      <a:prstDash val="solid"/>
+                      <a:round/>
+                      <a:headEnd type="none" w="med" len="med"/>
+                      <a:tailEnd type="none" w="med" len="med"/>
+                    </a:lnR>
+                    <a:lnT w="12700" cap="flat" cmpd="sng" algn="ctr">
+                      <a:solidFill>
+                        <a:schemeClr val="tx1"/>
+                      </a:solidFill>
+                      <a:prstDash val="solid"/>
+                      <a:round/>
+                      <a:headEnd type="none" w="med" len="med"/>
+                      <a:tailEnd type="none" w="med" len="med"/>
+                    </a:lnT>
+                    <a:lnB w="12700" cap="flat" cmpd="sng" algn="ctr">
+                      <a:solidFill>
+                        <a:schemeClr val="tx1"/>
+                      </a:solidFill>
+                      <a:prstDash val="solid"/>
+                      <a:round/>
+                      <a:headEnd type="none" w="med" len="med"/>
+                      <a:tailEnd type="none" w="med" len="med"/>
+                    </a:lnB>
+                  </a:tcPr>
+                </a:tc>
+                <a:tc>
+                  <a:txBody>
+                    <a:bodyPr/>
+                    <a:lstStyle/>
+                    <a:p>
+                      <a:pPr algn="ctr" fontAlgn="b"/>
+                      <a:r>
                         <a:rPr lang="en-US" sz="1400" u="none" strike="noStrike" dirty="0" smtClean="0">
                           <a:effectLst/>
                           <a:latin typeface="Helvetica" panose="020B0604020202020204" pitchFamily="2" charset="0"/>
@@ -6122,6 +6653,70 @@
                           <a:effectLst/>
                           <a:latin typeface="Helvetica" panose="020B0604020202020204" pitchFamily="2" charset="0"/>
                         </a:rPr>
+                        <a:t>8</a:t>
+                      </a:r>
+                      <a:endParaRPr lang="en-US" sz="1400" b="0" i="0" u="none" strike="noStrike" dirty="0">
+                        <a:solidFill>
+                          <a:srgbClr val="000000"/>
+                        </a:solidFill>
+                        <a:effectLst/>
+                        <a:latin typeface="Helvetica" panose="020B0604020202020204" pitchFamily="2" charset="0"/>
+                      </a:endParaRPr>
+                    </a:p>
+                  </a:txBody>
+                  <a:tcPr marL="9525" marR="9525" marT="9525" marB="0" anchor="ctr">
+                    <a:lnL w="12700" cap="flat" cmpd="sng" algn="ctr">
+                      <a:solidFill>
+                        <a:schemeClr val="tx1"/>
+                      </a:solidFill>
+                      <a:prstDash val="solid"/>
+                      <a:round/>
+                      <a:headEnd type="none" w="med" len="med"/>
+                      <a:tailEnd type="none" w="med" len="med"/>
+                    </a:lnL>
+                    <a:lnR w="12700" cap="flat" cmpd="sng" algn="ctr">
+                      <a:solidFill>
+                        <a:schemeClr val="tx1"/>
+                      </a:solidFill>
+                      <a:prstDash val="solid"/>
+                      <a:round/>
+                      <a:headEnd type="none" w="med" len="med"/>
+                      <a:tailEnd type="none" w="med" len="med"/>
+                    </a:lnR>
+                    <a:lnT w="12700" cap="flat" cmpd="sng" algn="ctr">
+                      <a:solidFill>
+                        <a:schemeClr val="tx1"/>
+                      </a:solidFill>
+                      <a:prstDash val="solid"/>
+                      <a:round/>
+                      <a:headEnd type="none" w="med" len="med"/>
+                      <a:tailEnd type="none" w="med" len="med"/>
+                    </a:lnT>
+                    <a:lnB w="12700" cap="flat" cmpd="sng" algn="ctr">
+                      <a:solidFill>
+                        <a:schemeClr val="tx1"/>
+                      </a:solidFill>
+                      <a:prstDash val="solid"/>
+                      <a:round/>
+                      <a:headEnd type="none" w="med" len="med"/>
+                      <a:tailEnd type="none" w="med" len="med"/>
+                    </a:lnB>
+                  </a:tcPr>
+                </a:tc>
+                <a:tc>
+                  <a:txBody>
+                    <a:bodyPr/>
+                    <a:lstStyle/>
+                    <a:p>
+                      <a:pPr algn="ctr" fontAlgn="b"/>
+                      <a:r>
+                        <a:rPr lang="en-US" sz="1400" b="0" i="0" u="none" strike="noStrike" dirty="0" smtClean="0">
+                          <a:solidFill>
+                            <a:srgbClr val="000000"/>
+                          </a:solidFill>
+                          <a:effectLst/>
+                          <a:latin typeface="Helvetica" panose="020B0604020202020204" pitchFamily="2" charset="0"/>
+                        </a:rPr>
                         <a:t>4</a:t>
                       </a:r>
                       <a:endParaRPr lang="en-US" sz="1400" b="0" i="0" u="none" strike="noStrike" dirty="0">
@@ -6435,8 +7030,8 @@
         </p:nvSpPr>
         <p:spPr>
           <a:xfrm>
-            <a:off x="4478447" y="1066800"/>
-            <a:ext cx="245953" cy="914400"/>
+            <a:off x="4343401" y="1066800"/>
+            <a:ext cx="381000" cy="914400"/>
           </a:xfrm>
           <a:prstGeom prst="rightBrace">
             <a:avLst>
@@ -6482,7 +7077,7 @@
         <p:spPr>
           <a:xfrm>
             <a:off x="4731190" y="1339334"/>
-            <a:ext cx="2089739" cy="369332"/>
+            <a:ext cx="1950406" cy="369332"/>
           </a:xfrm>
           <a:prstGeom prst="rect">
             <a:avLst/>
@@ -6497,7 +7092,15 @@
           <a:p>
             <a:r>
               <a:rPr lang="en-US" dirty="0" smtClean="0"/>
-              <a:t>Window of season 3</a:t>
+              <a:t>Window </a:t>
+            </a:r>
+            <a:r>
+              <a:rPr lang="en-US" dirty="0" smtClean="0"/>
+              <a:t>of </a:t>
+            </a:r>
+            <a:r>
+              <a:rPr lang="en-US" dirty="0" smtClean="0"/>
+              <a:t>Tuple 3</a:t>
             </a:r>
             <a:endParaRPr lang="en-US" dirty="0"/>
           </a:p>
@@ -6783,7 +7386,15 @@
             </a:r>
             <a:r>
               <a:rPr lang="en-US" sz="2000" dirty="0" smtClean="0"/>
-              <a:t> Co-Movement Pattern </a:t>
+              <a:t> </a:t>
+            </a:r>
+            <a:r>
+              <a:rPr lang="en-US" sz="2000" dirty="0" smtClean="0"/>
+              <a:t>General Co-Movement </a:t>
+            </a:r>
+            <a:r>
+              <a:rPr lang="en-US" sz="2000" dirty="0" smtClean="0"/>
+              <a:t>Pattern </a:t>
             </a:r>
             <a:r>
               <a:rPr lang="en-US" sz="2000" dirty="0" smtClean="0">
@@ -7575,8 +8186,13 @@
             <a:pPr algn="ctr"/>
             <a:r>
               <a:rPr lang="en-US" sz="2800" dirty="0"/>
-              <a:t>Neighborhood Analytics</a:t>
+              <a:t>Neighborhood </a:t>
             </a:r>
+            <a:r>
+              <a:rPr lang="en-US" sz="2800" dirty="0" smtClean="0"/>
+              <a:t>Analytics</a:t>
+            </a:r>
+            <a:endParaRPr lang="en-US" sz="2800" dirty="0"/>
           </a:p>
         </p:txBody>
       </p:sp>

--- a/Slides/drawings.pptx
+++ b/Slides/drawings.pptx
@@ -9,6 +9,10 @@
     <p:sldId id="258" r:id="rId3"/>
     <p:sldId id="259" r:id="rId4"/>
     <p:sldId id="260" r:id="rId5"/>
+    <p:sldId id="262" r:id="rId6"/>
+    <p:sldId id="264" r:id="rId7"/>
+    <p:sldId id="265" r:id="rId8"/>
+    <p:sldId id="266" r:id="rId9"/>
   </p:sldIdLst>
   <p:sldSz cx="9144000" cy="6858000" type="screen4x3"/>
   <p:notesSz cx="7099300" cy="10234613"/>
@@ -292,7 +296,7 @@
             <a:fld id="{1D8BD707-D9CF-40AE-B4C6-C98DA3205C09}" type="datetimeFigureOut">
               <a:rPr lang="en-US" smtClean="0"/>
               <a:pPr/>
-              <a:t>11/2/2016</a:t>
+              <a:t>11/10/2016</a:t>
             </a:fld>
             <a:endParaRPr lang="en-US"/>
           </a:p>
@@ -459,7 +463,7 @@
             <a:fld id="{1D8BD707-D9CF-40AE-B4C6-C98DA3205C09}" type="datetimeFigureOut">
               <a:rPr lang="en-US" smtClean="0"/>
               <a:pPr/>
-              <a:t>11/2/2016</a:t>
+              <a:t>11/10/2016</a:t>
             </a:fld>
             <a:endParaRPr lang="en-US"/>
           </a:p>
@@ -636,7 +640,7 @@
             <a:fld id="{1D8BD707-D9CF-40AE-B4C6-C98DA3205C09}" type="datetimeFigureOut">
               <a:rPr lang="en-US" smtClean="0"/>
               <a:pPr/>
-              <a:t>11/2/2016</a:t>
+              <a:t>11/10/2016</a:t>
             </a:fld>
             <a:endParaRPr lang="en-US"/>
           </a:p>
@@ -690,6 +694,92 @@
   <p:clrMapOvr>
     <a:masterClrMapping/>
   </p:clrMapOvr>
+</p:sldLayout>
+</file>
+
+<file path=ppt/slideLayouts/slideLayout12.xml><?xml version="1.0" encoding="utf-8"?>
+<p:sldLayout xmlns:a="http://schemas.openxmlformats.org/drawingml/2006/main" xmlns:r="http://schemas.openxmlformats.org/officeDocument/2006/relationships" xmlns:p="http://schemas.openxmlformats.org/presentationml/2006/main" type="tx">
+  <p:cSld name="Title - Center">
+    <p:spTree>
+      <p:nvGrpSpPr>
+        <p:cNvPr id="1" name=""/>
+        <p:cNvGrpSpPr/>
+        <p:nvPr/>
+      </p:nvGrpSpPr>
+      <p:grpSpPr>
+        <a:xfrm>
+          <a:off x="0" y="0"/>
+          <a:ext cx="0" cy="0"/>
+          <a:chOff x="0" y="0"/>
+          <a:chExt cx="0" cy="0"/>
+        </a:xfrm>
+      </p:grpSpPr>
+      <p:sp>
+        <p:nvSpPr>
+          <p:cNvPr id="30" name="Shape 30"/>
+          <p:cNvSpPr>
+            <a:spLocks noGrp="1"/>
+          </p:cNvSpPr>
+          <p:nvPr>
+            <p:ph type="title"/>
+          </p:nvPr>
+        </p:nvSpPr>
+        <p:spPr>
+          <a:xfrm>
+            <a:off x="892969" y="2268141"/>
+            <a:ext cx="7358063" cy="2321719"/>
+          </a:xfrm>
+          <a:prstGeom prst="rect">
+            <a:avLst/>
+          </a:prstGeom>
+        </p:spPr>
+        <p:txBody>
+          <a:bodyPr/>
+          <a:lstStyle/>
+          <a:p>
+            <a:r>
+              <a:t>Title Text</a:t>
+            </a:r>
+          </a:p>
+        </p:txBody>
+      </p:sp>
+      <p:sp>
+        <p:nvSpPr>
+          <p:cNvPr id="31" name="Shape 31"/>
+          <p:cNvSpPr>
+            <a:spLocks noGrp="1"/>
+          </p:cNvSpPr>
+          <p:nvPr>
+            <p:ph type="sldNum" sz="quarter" idx="2"/>
+          </p:nvPr>
+        </p:nvSpPr>
+        <p:spPr>
+          <a:prstGeom prst="rect">
+            <a:avLst/>
+          </a:prstGeom>
+        </p:spPr>
+        <p:txBody>
+          <a:bodyPr/>
+          <a:lstStyle/>
+          <a:p>
+            <a:fld id="{86CB4B4D-7CA3-9044-876B-883B54F8677D}" type="slidenum">
+              <a:t>‹#›</a:t>
+            </a:fld>
+            <a:endParaRPr/>
+          </a:p>
+        </p:txBody>
+      </p:sp>
+    </p:spTree>
+    <p:extLst>
+      <p:ext uri="{BB962C8B-B14F-4D97-AF65-F5344CB8AC3E}">
+        <p14:creationId xmlns:p14="http://schemas.microsoft.com/office/powerpoint/2010/main" val="1696528190"/>
+      </p:ext>
+    </p:extLst>
+  </p:cSld>
+  <p:clrMapOvr>
+    <a:masterClrMapping/>
+  </p:clrMapOvr>
+  <p:transition spd="med"/>
 </p:sldLayout>
 </file>
 
@@ -803,7 +893,7 @@
             <a:fld id="{1D8BD707-D9CF-40AE-B4C6-C98DA3205C09}" type="datetimeFigureOut">
               <a:rPr lang="en-US" smtClean="0"/>
               <a:pPr/>
-              <a:t>11/2/2016</a:t>
+              <a:t>11/10/2016</a:t>
             </a:fld>
             <a:endParaRPr lang="en-US"/>
           </a:p>
@@ -1046,7 +1136,7 @@
             <a:fld id="{1D8BD707-D9CF-40AE-B4C6-C98DA3205C09}" type="datetimeFigureOut">
               <a:rPr lang="en-US" smtClean="0"/>
               <a:pPr/>
-              <a:t>11/2/2016</a:t>
+              <a:t>11/10/2016</a:t>
             </a:fld>
             <a:endParaRPr lang="en-US"/>
           </a:p>
@@ -1331,7 +1421,7 @@
             <a:fld id="{1D8BD707-D9CF-40AE-B4C6-C98DA3205C09}" type="datetimeFigureOut">
               <a:rPr lang="en-US" smtClean="0"/>
               <a:pPr/>
-              <a:t>11/2/2016</a:t>
+              <a:t>11/10/2016</a:t>
             </a:fld>
             <a:endParaRPr lang="en-US"/>
           </a:p>
@@ -1750,7 +1840,7 @@
             <a:fld id="{1D8BD707-D9CF-40AE-B4C6-C98DA3205C09}" type="datetimeFigureOut">
               <a:rPr lang="en-US" smtClean="0"/>
               <a:pPr/>
-              <a:t>11/2/2016</a:t>
+              <a:t>11/10/2016</a:t>
             </a:fld>
             <a:endParaRPr lang="en-US"/>
           </a:p>
@@ -1865,7 +1955,7 @@
             <a:fld id="{1D8BD707-D9CF-40AE-B4C6-C98DA3205C09}" type="datetimeFigureOut">
               <a:rPr lang="en-US" smtClean="0"/>
               <a:pPr/>
-              <a:t>11/2/2016</a:t>
+              <a:t>11/10/2016</a:t>
             </a:fld>
             <a:endParaRPr lang="en-US"/>
           </a:p>
@@ -1957,7 +2047,7 @@
             <a:fld id="{1D8BD707-D9CF-40AE-B4C6-C98DA3205C09}" type="datetimeFigureOut">
               <a:rPr lang="en-US" smtClean="0"/>
               <a:pPr/>
-              <a:t>11/2/2016</a:t>
+              <a:t>11/10/2016</a:t>
             </a:fld>
             <a:endParaRPr lang="en-US"/>
           </a:p>
@@ -2231,7 +2321,7 @@
             <a:fld id="{1D8BD707-D9CF-40AE-B4C6-C98DA3205C09}" type="datetimeFigureOut">
               <a:rPr lang="en-US" smtClean="0"/>
               <a:pPr/>
-              <a:t>11/2/2016</a:t>
+              <a:t>11/10/2016</a:t>
             </a:fld>
             <a:endParaRPr lang="en-US"/>
           </a:p>
@@ -2481,7 +2571,7 @@
             <a:fld id="{1D8BD707-D9CF-40AE-B4C6-C98DA3205C09}" type="datetimeFigureOut">
               <a:rPr lang="en-US" smtClean="0"/>
               <a:pPr/>
-              <a:t>11/2/2016</a:t>
+              <a:t>11/10/2016</a:t>
             </a:fld>
             <a:endParaRPr lang="en-US"/>
           </a:p>
@@ -2691,7 +2781,7 @@
             <a:fld id="{1D8BD707-D9CF-40AE-B4C6-C98DA3205C09}" type="datetimeFigureOut">
               <a:rPr lang="en-US" smtClean="0"/>
               <a:pPr/>
-              <a:t>11/2/2016</a:t>
+              <a:t>11/10/2016</a:t>
             </a:fld>
             <a:endParaRPr lang="en-US"/>
           </a:p>
@@ -2791,6 +2881,7 @@
     <p:sldLayoutId id="2147483657" r:id="rId9"/>
     <p:sldLayoutId id="2147483658" r:id="rId10"/>
     <p:sldLayoutId id="2147483659" r:id="rId11"/>
+    <p:sldLayoutId id="2147483660" r:id="rId12"/>
   </p:sldLayoutIdLst>
   <p:txStyles>
     <p:titleStyle>
@@ -3136,35 +3227,7 @@
                 <a:latin typeface="Courier New" pitchFamily="49" charset="0"/>
                 <a:cs typeface="Courier New" pitchFamily="49" charset="0"/>
               </a:rPr>
-              <a:t> </a:t>
-            </a:r>
-            <a:r>
-              <a:rPr kumimoji="0" lang="en-US" altLang="en-US" b="0" i="0" u="none" strike="noStrike" cap="none" normalizeH="0" baseline="0" dirty="0" smtClean="0">
-                <a:ln>
-                  <a:noFill/>
-                </a:ln>
-                <a:solidFill>
-                  <a:srgbClr val="000000"/>
-                </a:solidFill>
-                <a:effectLst/>
-                <a:latin typeface="Courier New" pitchFamily="49" charset="0"/>
-                <a:cs typeface="Courier New" pitchFamily="49" charset="0"/>
-              </a:rPr>
-              <a:t>Season</a:t>
-            </a:r>
-            <a:r>
-              <a:rPr kumimoji="0" lang="en-US" altLang="en-US" b="0" i="0" u="none" strike="noStrike" cap="none" normalizeH="0" baseline="0" dirty="0" smtClean="0">
-                <a:ln>
-                  <a:noFill/>
-                </a:ln>
-                <a:solidFill>
-                  <a:srgbClr val="000000"/>
-                </a:solidFill>
-                <a:effectLst/>
-                <a:latin typeface="Courier New" pitchFamily="49" charset="0"/>
-                <a:cs typeface="Courier New" pitchFamily="49" charset="0"/>
-              </a:rPr>
-              <a:t>, Region, Sales, </a:t>
+              <a:t> Season, Region, Sales, </a:t>
             </a:r>
           </a:p>
           <a:p>
@@ -3288,21 +3351,7 @@
                 <a:latin typeface="Courier New" pitchFamily="49" charset="0"/>
                 <a:cs typeface="Courier New" pitchFamily="49" charset="0"/>
               </a:rPr>
-              <a:t> </a:t>
-            </a:r>
-            <a:r>
-              <a:rPr kumimoji="0" lang="en-US" altLang="en-US" b="0" i="0" u="none" strike="noStrike" cap="none" normalizeH="0" baseline="0" dirty="0" smtClean="0">
-                <a:ln>
-                  <a:noFill/>
-                </a:ln>
-                <a:solidFill>
-                  <a:srgbClr val="000000"/>
-                </a:solidFill>
-                <a:effectLst/>
-                <a:latin typeface="Courier New" pitchFamily="49" charset="0"/>
-                <a:cs typeface="Courier New" pitchFamily="49" charset="0"/>
-              </a:rPr>
-              <a:t>Region </a:t>
+              <a:t> Region </a:t>
             </a:r>
             <a:r>
               <a:rPr kumimoji="0" lang="en-US" altLang="en-US" b="1" i="0" u="none" strike="noStrike" cap="none" normalizeH="0" baseline="0" dirty="0" smtClean="0">
@@ -3316,21 +3365,7 @@
                 <a:latin typeface="Courier New" pitchFamily="49" charset="0"/>
                 <a:cs typeface="Courier New" pitchFamily="49" charset="0"/>
               </a:rPr>
-              <a:t>ORDER </a:t>
-            </a:r>
-            <a:r>
-              <a:rPr kumimoji="0" lang="en-US" altLang="en-US" b="1" i="0" u="none" strike="noStrike" cap="none" normalizeH="0" baseline="0" dirty="0" smtClean="0">
-                <a:ln>
-                  <a:noFill/>
-                </a:ln>
-                <a:solidFill>
-                  <a:srgbClr val="000000"/>
-                </a:solidFill>
-                <a:effectLst/>
-                <a:latin typeface="Courier New" pitchFamily="49" charset="0"/>
-                <a:cs typeface="Courier New" pitchFamily="49" charset="0"/>
-              </a:rPr>
-              <a:t>BY</a:t>
+              <a:t>ORDER BY</a:t>
             </a:r>
             <a:r>
               <a:rPr kumimoji="0" lang="en-US" altLang="en-US" b="0" i="0" u="none" strike="noStrike" cap="none" normalizeH="0" baseline="0" dirty="0" smtClean="0">
@@ -7092,15 +7127,7 @@
           <a:p>
             <a:r>
               <a:rPr lang="en-US" dirty="0" smtClean="0"/>
-              <a:t>Window </a:t>
-            </a:r>
-            <a:r>
-              <a:rPr lang="en-US" dirty="0" smtClean="0"/>
-              <a:t>of </a:t>
-            </a:r>
-            <a:r>
-              <a:rPr lang="en-US" dirty="0" smtClean="0"/>
-              <a:t>Tuple 3</a:t>
+              <a:t>Window of Tuple 3</a:t>
             </a:r>
             <a:endParaRPr lang="en-US" dirty="0"/>
           </a:p>
@@ -7386,15 +7413,7 @@
             </a:r>
             <a:r>
               <a:rPr lang="en-US" sz="2000" dirty="0" smtClean="0"/>
-              <a:t> </a:t>
-            </a:r>
-            <a:r>
-              <a:rPr lang="en-US" sz="2000" dirty="0" smtClean="0"/>
-              <a:t>General Co-Movement </a:t>
-            </a:r>
-            <a:r>
-              <a:rPr lang="en-US" sz="2000" dirty="0" smtClean="0"/>
-              <a:t>Pattern </a:t>
+              <a:t> General Co-Movement Pattern </a:t>
             </a:r>
             <a:r>
               <a:rPr lang="en-US" sz="2000" dirty="0" smtClean="0">
@@ -12800,6 +12819,8529 @@
 </p:sld>
 </file>
 
+<file path=ppt/slides/slide5.xml><?xml version="1.0" encoding="utf-8"?>
+<p:sld xmlns:a="http://schemas.openxmlformats.org/drawingml/2006/main" xmlns:r="http://schemas.openxmlformats.org/officeDocument/2006/relationships" xmlns:p="http://schemas.openxmlformats.org/presentationml/2006/main">
+  <p:cSld>
+    <p:spTree>
+      <p:nvGrpSpPr>
+        <p:cNvPr id="1" name=""/>
+        <p:cNvGrpSpPr/>
+        <p:nvPr/>
+      </p:nvGrpSpPr>
+      <p:grpSpPr>
+        <a:xfrm>
+          <a:off x="0" y="0"/>
+          <a:ext cx="0" cy="0"/>
+          <a:chOff x="0" y="0"/>
+          <a:chExt cx="0" cy="0"/>
+        </a:xfrm>
+      </p:grpSpPr>
+      <p:sp>
+        <p:nvSpPr>
+          <p:cNvPr id="119" name="Shape 119"/>
+          <p:cNvSpPr/>
+          <p:nvPr/>
+        </p:nvSpPr>
+        <p:spPr>
+          <a:xfrm>
+            <a:off x="812602" y="1366242"/>
+            <a:ext cx="419695" cy="428625"/>
+          </a:xfrm>
+          <a:prstGeom prst="ellipse">
+            <a:avLst/>
+          </a:prstGeom>
+          <a:ln w="25400">
+            <a:solidFill>
+              <a:srgbClr val="000000"/>
+            </a:solidFill>
+            <a:miter lim="400000"/>
+          </a:ln>
+          <a:extLst>
+            <a:ext uri="{C572A759-6A51-4108-AA02-DFA0A04FC94B}">
+              <ma14:wrappingTextBoxFlag xmlns:ma14="http://schemas.microsoft.com/office/mac/drawingml/2011/main" xmlns="" val="1"/>
+            </a:ext>
+          </a:extLst>
+        </p:spPr>
+        <p:txBody>
+          <a:bodyPr lIns="35717" tIns="35717" rIns="35717" bIns="35717" anchor="ctr"/>
+          <a:lstStyle>
+            <a:lvl1pPr>
+              <a:defRPr sz="2400"/>
+            </a:lvl1pPr>
+          </a:lstStyle>
+          <a:p>
+            <a:r>
+              <a:t>A</a:t>
+            </a:r>
+          </a:p>
+        </p:txBody>
+      </p:sp>
+      <p:sp>
+        <p:nvSpPr>
+          <p:cNvPr id="120" name="Shape 120"/>
+          <p:cNvSpPr/>
+          <p:nvPr/>
+        </p:nvSpPr>
+        <p:spPr>
+          <a:xfrm>
+            <a:off x="794742" y="2482453"/>
+            <a:ext cx="419695" cy="428625"/>
+          </a:xfrm>
+          <a:prstGeom prst="ellipse">
+            <a:avLst/>
+          </a:prstGeom>
+          <a:ln w="25400">
+            <a:solidFill>
+              <a:srgbClr val="000000"/>
+            </a:solidFill>
+            <a:miter lim="400000"/>
+          </a:ln>
+          <a:extLst>
+            <a:ext uri="{C572A759-6A51-4108-AA02-DFA0A04FC94B}">
+              <ma14:wrappingTextBoxFlag xmlns:ma14="http://schemas.microsoft.com/office/mac/drawingml/2011/main" xmlns="" val="1"/>
+            </a:ext>
+          </a:extLst>
+        </p:spPr>
+        <p:txBody>
+          <a:bodyPr lIns="35717" tIns="35717" rIns="35717" bIns="35717" anchor="ctr"/>
+          <a:lstStyle>
+            <a:lvl1pPr>
+              <a:defRPr sz="2400"/>
+            </a:lvl1pPr>
+          </a:lstStyle>
+          <a:p>
+            <a:r>
+              <a:t>B</a:t>
+            </a:r>
+          </a:p>
+        </p:txBody>
+      </p:sp>
+      <p:sp>
+        <p:nvSpPr>
+          <p:cNvPr id="121" name="Shape 121"/>
+          <p:cNvSpPr/>
+          <p:nvPr/>
+        </p:nvSpPr>
+        <p:spPr>
+          <a:xfrm>
+            <a:off x="1866305" y="2991445"/>
+            <a:ext cx="419695" cy="428625"/>
+          </a:xfrm>
+          <a:prstGeom prst="ellipse">
+            <a:avLst/>
+          </a:prstGeom>
+          <a:ln w="25400">
+            <a:solidFill>
+              <a:srgbClr val="000000"/>
+            </a:solidFill>
+            <a:miter lim="400000"/>
+          </a:ln>
+          <a:extLst>
+            <a:ext uri="{C572A759-6A51-4108-AA02-DFA0A04FC94B}">
+              <ma14:wrappingTextBoxFlag xmlns:ma14="http://schemas.microsoft.com/office/mac/drawingml/2011/main" xmlns="" val="1"/>
+            </a:ext>
+          </a:extLst>
+        </p:spPr>
+        <p:txBody>
+          <a:bodyPr lIns="35717" tIns="35717" rIns="35717" bIns="35717" anchor="ctr"/>
+          <a:lstStyle>
+            <a:lvl1pPr>
+              <a:defRPr sz="2400"/>
+            </a:lvl1pPr>
+          </a:lstStyle>
+          <a:p>
+            <a:r>
+              <a:t>C</a:t>
+            </a:r>
+          </a:p>
+        </p:txBody>
+      </p:sp>
+      <p:sp>
+        <p:nvSpPr>
+          <p:cNvPr id="122" name="Shape 122"/>
+          <p:cNvSpPr/>
+          <p:nvPr/>
+        </p:nvSpPr>
+        <p:spPr>
+          <a:xfrm>
+            <a:off x="2928937" y="1366242"/>
+            <a:ext cx="410766" cy="428625"/>
+          </a:xfrm>
+          <a:prstGeom prst="ellipse">
+            <a:avLst/>
+          </a:prstGeom>
+          <a:ln w="25400">
+            <a:solidFill>
+              <a:srgbClr val="000000"/>
+            </a:solidFill>
+            <a:miter lim="400000"/>
+          </a:ln>
+          <a:extLst>
+            <a:ext uri="{C572A759-6A51-4108-AA02-DFA0A04FC94B}">
+              <ma14:wrappingTextBoxFlag xmlns:ma14="http://schemas.microsoft.com/office/mac/drawingml/2011/main" xmlns="" val="1"/>
+            </a:ext>
+          </a:extLst>
+        </p:spPr>
+        <p:txBody>
+          <a:bodyPr lIns="35717" tIns="35717" rIns="35717" bIns="35717" anchor="ctr"/>
+          <a:lstStyle>
+            <a:lvl1pPr>
+              <a:defRPr sz="2400"/>
+            </a:lvl1pPr>
+          </a:lstStyle>
+          <a:p>
+            <a:r>
+              <a:t>D</a:t>
+            </a:r>
+          </a:p>
+        </p:txBody>
+      </p:sp>
+      <p:sp>
+        <p:nvSpPr>
+          <p:cNvPr id="123" name="Shape 123"/>
+          <p:cNvSpPr/>
+          <p:nvPr/>
+        </p:nvSpPr>
+        <p:spPr>
+          <a:xfrm>
+            <a:off x="1928813" y="776883"/>
+            <a:ext cx="419695" cy="428625"/>
+          </a:xfrm>
+          <a:prstGeom prst="ellipse">
+            <a:avLst/>
+          </a:prstGeom>
+          <a:ln w="25400">
+            <a:solidFill>
+              <a:srgbClr val="000000"/>
+            </a:solidFill>
+            <a:miter lim="400000"/>
+          </a:ln>
+          <a:extLst>
+            <a:ext uri="{C572A759-6A51-4108-AA02-DFA0A04FC94B}">
+              <ma14:wrappingTextBoxFlag xmlns:ma14="http://schemas.microsoft.com/office/mac/drawingml/2011/main" xmlns="" val="1"/>
+            </a:ext>
+          </a:extLst>
+        </p:spPr>
+        <p:txBody>
+          <a:bodyPr lIns="35717" tIns="35717" rIns="35717" bIns="35717" anchor="ctr"/>
+          <a:lstStyle>
+            <a:lvl1pPr>
+              <a:defRPr sz="2400"/>
+            </a:lvl1pPr>
+          </a:lstStyle>
+          <a:p>
+            <a:r>
+              <a:t>E</a:t>
+            </a:r>
+          </a:p>
+        </p:txBody>
+      </p:sp>
+      <p:sp>
+        <p:nvSpPr>
+          <p:cNvPr id="124" name="Shape 124"/>
+          <p:cNvSpPr/>
+          <p:nvPr/>
+        </p:nvSpPr>
+        <p:spPr>
+          <a:xfrm>
+            <a:off x="2928938" y="2482453"/>
+            <a:ext cx="419695" cy="428625"/>
+          </a:xfrm>
+          <a:prstGeom prst="ellipse">
+            <a:avLst/>
+          </a:prstGeom>
+          <a:ln w="25400">
+            <a:solidFill>
+              <a:srgbClr val="000000"/>
+            </a:solidFill>
+            <a:miter lim="400000"/>
+          </a:ln>
+          <a:extLst>
+            <a:ext uri="{C572A759-6A51-4108-AA02-DFA0A04FC94B}">
+              <ma14:wrappingTextBoxFlag xmlns:ma14="http://schemas.microsoft.com/office/mac/drawingml/2011/main" xmlns="" val="1"/>
+            </a:ext>
+          </a:extLst>
+        </p:spPr>
+        <p:txBody>
+          <a:bodyPr lIns="35717" tIns="35717" rIns="35717" bIns="35717" anchor="ctr"/>
+          <a:lstStyle>
+            <a:lvl1pPr>
+              <a:defRPr sz="2400"/>
+            </a:lvl1pPr>
+          </a:lstStyle>
+          <a:p>
+            <a:r>
+              <a:t>F</a:t>
+            </a:r>
+          </a:p>
+        </p:txBody>
+      </p:sp>
+      <p:sp>
+        <p:nvSpPr>
+          <p:cNvPr id="125" name="Shape 125"/>
+          <p:cNvSpPr/>
+          <p:nvPr/>
+        </p:nvSpPr>
+        <p:spPr>
+          <a:xfrm flipV="1">
+            <a:off x="1201801" y="1079718"/>
+            <a:ext cx="757941" cy="402178"/>
+          </a:xfrm>
+          <a:prstGeom prst="line">
+            <a:avLst/>
+          </a:prstGeom>
+          <a:ln w="25400">
+            <a:solidFill>
+              <a:srgbClr val="000000"/>
+            </a:solidFill>
+            <a:miter lim="400000"/>
+          </a:ln>
+        </p:spPr>
+        <p:txBody>
+          <a:bodyPr lIns="35717" tIns="35717" rIns="35717" bIns="35717" anchor="ctr"/>
+          <a:lstStyle/>
+          <a:p>
+            <a:pPr>
+              <a:defRPr sz="2400"/>
+            </a:pPr>
+            <a:endParaRPr/>
+          </a:p>
+        </p:txBody>
+      </p:sp>
+      <p:sp>
+        <p:nvSpPr>
+          <p:cNvPr id="126" name="Shape 126"/>
+          <p:cNvSpPr/>
+          <p:nvPr/>
+        </p:nvSpPr>
+        <p:spPr>
+          <a:xfrm>
+            <a:off x="1015464" y="1785509"/>
+            <a:ext cx="3241" cy="696566"/>
+          </a:xfrm>
+          <a:prstGeom prst="line">
+            <a:avLst/>
+          </a:prstGeom>
+          <a:ln w="25400">
+            <a:solidFill>
+              <a:srgbClr val="000000"/>
+            </a:solidFill>
+            <a:miter lim="400000"/>
+          </a:ln>
+        </p:spPr>
+        <p:txBody>
+          <a:bodyPr lIns="35717" tIns="35717" rIns="35717" bIns="35717" anchor="ctr"/>
+          <a:lstStyle/>
+          <a:p>
+            <a:pPr>
+              <a:defRPr sz="2400"/>
+            </a:pPr>
+            <a:endParaRPr/>
+          </a:p>
+        </p:txBody>
+      </p:sp>
+      <p:sp>
+        <p:nvSpPr>
+          <p:cNvPr id="127" name="Shape 127"/>
+          <p:cNvSpPr/>
+          <p:nvPr/>
+        </p:nvSpPr>
+        <p:spPr>
+          <a:xfrm>
+            <a:off x="1135934" y="1768194"/>
+            <a:ext cx="780820" cy="1291602"/>
+          </a:xfrm>
+          <a:prstGeom prst="line">
+            <a:avLst/>
+          </a:prstGeom>
+          <a:ln w="25400">
+            <a:solidFill>
+              <a:srgbClr val="000000"/>
+            </a:solidFill>
+            <a:miter lim="400000"/>
+          </a:ln>
+        </p:spPr>
+        <p:txBody>
+          <a:bodyPr lIns="35717" tIns="35717" rIns="35717" bIns="35717" anchor="ctr"/>
+          <a:lstStyle/>
+          <a:p>
+            <a:pPr>
+              <a:defRPr sz="2400"/>
+            </a:pPr>
+            <a:endParaRPr/>
+          </a:p>
+        </p:txBody>
+      </p:sp>
+      <p:sp>
+        <p:nvSpPr>
+          <p:cNvPr id="128" name="Shape 128"/>
+          <p:cNvSpPr/>
+          <p:nvPr/>
+        </p:nvSpPr>
+        <p:spPr>
+          <a:xfrm>
+            <a:off x="1215862" y="1659594"/>
+            <a:ext cx="1729729" cy="970322"/>
+          </a:xfrm>
+          <a:prstGeom prst="line">
+            <a:avLst/>
+          </a:prstGeom>
+          <a:ln w="25400">
+            <a:solidFill>
+              <a:srgbClr val="000000"/>
+            </a:solidFill>
+            <a:miter lim="400000"/>
+          </a:ln>
+        </p:spPr>
+        <p:txBody>
+          <a:bodyPr lIns="35717" tIns="35717" rIns="35717" bIns="35717" anchor="ctr"/>
+          <a:lstStyle/>
+          <a:p>
+            <a:pPr>
+              <a:defRPr sz="2400"/>
+            </a:pPr>
+            <a:endParaRPr/>
+          </a:p>
+        </p:txBody>
+      </p:sp>
+      <p:sp>
+        <p:nvSpPr>
+          <p:cNvPr id="129" name="Shape 129"/>
+          <p:cNvSpPr/>
+          <p:nvPr/>
+        </p:nvSpPr>
+        <p:spPr>
+          <a:xfrm>
+            <a:off x="1234124" y="1575472"/>
+            <a:ext cx="1687826" cy="9652"/>
+          </a:xfrm>
+          <a:prstGeom prst="line">
+            <a:avLst/>
+          </a:prstGeom>
+          <a:ln w="25400">
+            <a:solidFill>
+              <a:srgbClr val="000000"/>
+            </a:solidFill>
+            <a:miter lim="400000"/>
+          </a:ln>
+        </p:spPr>
+        <p:txBody>
+          <a:bodyPr lIns="35717" tIns="35717" rIns="35717" bIns="35717" anchor="ctr"/>
+          <a:lstStyle/>
+          <a:p>
+            <a:pPr>
+              <a:defRPr sz="2400"/>
+            </a:pPr>
+            <a:endParaRPr/>
+          </a:p>
+        </p:txBody>
+      </p:sp>
+      <p:sp>
+        <p:nvSpPr>
+          <p:cNvPr id="130" name="Shape 130"/>
+          <p:cNvSpPr/>
+          <p:nvPr/>
+        </p:nvSpPr>
+        <p:spPr>
+          <a:xfrm flipV="1">
+            <a:off x="1184016" y="1710149"/>
+            <a:ext cx="1770588" cy="892774"/>
+          </a:xfrm>
+          <a:prstGeom prst="line">
+            <a:avLst/>
+          </a:prstGeom>
+          <a:ln w="25400">
+            <a:solidFill>
+              <a:srgbClr val="000000"/>
+            </a:solidFill>
+            <a:miter lim="400000"/>
+          </a:ln>
+        </p:spPr>
+        <p:txBody>
+          <a:bodyPr lIns="35717" tIns="35717" rIns="35717" bIns="35717" anchor="ctr"/>
+          <a:lstStyle/>
+          <a:p>
+            <a:pPr>
+              <a:defRPr sz="2400"/>
+            </a:pPr>
+            <a:endParaRPr/>
+          </a:p>
+        </p:txBody>
+      </p:sp>
+      <p:sp>
+        <p:nvSpPr>
+          <p:cNvPr id="131" name="Shape 131"/>
+          <p:cNvSpPr/>
+          <p:nvPr/>
+        </p:nvSpPr>
+        <p:spPr>
+          <a:xfrm>
+            <a:off x="1231008" y="2705095"/>
+            <a:ext cx="1696592" cy="15663"/>
+          </a:xfrm>
+          <a:prstGeom prst="line">
+            <a:avLst/>
+          </a:prstGeom>
+          <a:ln w="25400">
+            <a:solidFill>
+              <a:srgbClr val="000000"/>
+            </a:solidFill>
+            <a:miter lim="400000"/>
+          </a:ln>
+        </p:spPr>
+        <p:txBody>
+          <a:bodyPr lIns="35717" tIns="35717" rIns="35717" bIns="35717" anchor="ctr"/>
+          <a:lstStyle/>
+          <a:p>
+            <a:pPr>
+              <a:defRPr sz="2400"/>
+            </a:pPr>
+            <a:endParaRPr/>
+          </a:p>
+        </p:txBody>
+      </p:sp>
+      <p:sp>
+        <p:nvSpPr>
+          <p:cNvPr id="132" name="Shape 132"/>
+          <p:cNvSpPr/>
+          <p:nvPr/>
+        </p:nvSpPr>
+        <p:spPr>
+          <a:xfrm flipV="1">
+            <a:off x="2277343" y="2831338"/>
+            <a:ext cx="678263" cy="340701"/>
+          </a:xfrm>
+          <a:prstGeom prst="line">
+            <a:avLst/>
+          </a:prstGeom>
+          <a:ln w="25400">
+            <a:solidFill>
+              <a:srgbClr val="000000"/>
+            </a:solidFill>
+            <a:miter lim="400000"/>
+          </a:ln>
+        </p:spPr>
+        <p:txBody>
+          <a:bodyPr lIns="35717" tIns="35717" rIns="35717" bIns="35717" anchor="ctr"/>
+          <a:lstStyle/>
+          <a:p>
+            <a:pPr>
+              <a:defRPr sz="2400"/>
+            </a:pPr>
+            <a:endParaRPr/>
+          </a:p>
+        </p:txBody>
+      </p:sp>
+      <p:sp>
+        <p:nvSpPr>
+          <p:cNvPr id="133" name="Shape 133"/>
+          <p:cNvSpPr/>
+          <p:nvPr/>
+        </p:nvSpPr>
+        <p:spPr>
+          <a:xfrm flipH="1">
+            <a:off x="2081394" y="1215606"/>
+            <a:ext cx="28797" cy="1777107"/>
+          </a:xfrm>
+          <a:prstGeom prst="line">
+            <a:avLst/>
+          </a:prstGeom>
+          <a:ln w="25400">
+            <a:solidFill>
+              <a:srgbClr val="000000"/>
+            </a:solidFill>
+            <a:miter lim="400000"/>
+          </a:ln>
+        </p:spPr>
+        <p:txBody>
+          <a:bodyPr lIns="35717" tIns="35717" rIns="35717" bIns="35717" anchor="ctr"/>
+          <a:lstStyle/>
+          <a:p>
+            <a:pPr>
+              <a:defRPr sz="2400"/>
+            </a:pPr>
+            <a:endParaRPr/>
+          </a:p>
+        </p:txBody>
+      </p:sp>
+      <p:graphicFrame>
+        <p:nvGraphicFramePr>
+          <p:cNvPr id="134" name="Table 134"/>
+          <p:cNvGraphicFramePr/>
+          <p:nvPr/>
+        </p:nvGraphicFramePr>
+        <p:xfrm>
+          <a:off x="3545086" y="884039"/>
+          <a:ext cx="4543388" cy="2450308"/>
+        </p:xfrm>
+        <a:graphic>
+          <a:graphicData uri="http://schemas.openxmlformats.org/drawingml/2006/table">
+            <a:tbl>
+              <a:tblPr firstRow="1"/>
+              <a:tblGrid>
+                <a:gridCol w="727454"/>
+                <a:gridCol w="903897"/>
+                <a:gridCol w="901928"/>
+                <a:gridCol w="1261039"/>
+                <a:gridCol w="749070"/>
+              </a:tblGrid>
+              <a:tr h="350044">
+                <a:tc>
+                  <a:txBody>
+                    <a:bodyPr/>
+                    <a:lstStyle/>
+                    <a:p>
+                      <a:pPr defTabSz="914400">
+                        <a:defRPr b="0">
+                          <a:solidFill>
+                            <a:srgbClr val="000000"/>
+                          </a:solidFill>
+                        </a:defRPr>
+                      </a:pPr>
+                      <a:r>
+                        <a:rPr sz="1800" b="1" dirty="0">
+                          <a:sym typeface="Helvetica"/>
+                        </a:rPr>
+                        <a:t>User</a:t>
+                      </a:r>
+                    </a:p>
+                  </a:txBody>
+                  <a:tcPr marL="35719" marR="35719" marT="35719" marB="35719" anchor="ctr" horzOverflow="overflow">
+                    <a:noFill/>
+                  </a:tcPr>
+                </a:tc>
+                <a:tc>
+                  <a:txBody>
+                    <a:bodyPr/>
+                    <a:lstStyle/>
+                    <a:p>
+                      <a:pPr defTabSz="914400">
+                        <a:defRPr b="0">
+                          <a:solidFill>
+                            <a:srgbClr val="000000"/>
+                          </a:solidFill>
+                        </a:defRPr>
+                      </a:pPr>
+                      <a:r>
+                        <a:rPr sz="1800" b="1">
+                          <a:sym typeface="Helvetica"/>
+                        </a:rPr>
+                        <a:t>Age</a:t>
+                      </a:r>
+                    </a:p>
+                  </a:txBody>
+                  <a:tcPr marL="35719" marR="35719" marT="35719" marB="35719" anchor="ctr" horzOverflow="overflow">
+                    <a:noFill/>
+                  </a:tcPr>
+                </a:tc>
+                <a:tc>
+                  <a:txBody>
+                    <a:bodyPr/>
+                    <a:lstStyle/>
+                    <a:p>
+                      <a:pPr defTabSz="914400">
+                        <a:defRPr b="0">
+                          <a:solidFill>
+                            <a:srgbClr val="000000"/>
+                          </a:solidFill>
+                        </a:defRPr>
+                      </a:pPr>
+                      <a:r>
+                        <a:rPr sz="1800" b="1">
+                          <a:sym typeface="Helvetica"/>
+                        </a:rPr>
+                        <a:t>Gender </a:t>
+                      </a:r>
+                    </a:p>
+                  </a:txBody>
+                  <a:tcPr marL="35719" marR="35719" marT="35719" marB="35719" anchor="ctr" horzOverflow="overflow">
+                    <a:noFill/>
+                  </a:tcPr>
+                </a:tc>
+                <a:tc>
+                  <a:txBody>
+                    <a:bodyPr/>
+                    <a:lstStyle/>
+                    <a:p>
+                      <a:pPr defTabSz="914400">
+                        <a:defRPr b="0">
+                          <a:solidFill>
+                            <a:srgbClr val="000000"/>
+                          </a:solidFill>
+                        </a:defRPr>
+                      </a:pPr>
+                      <a:r>
+                        <a:rPr sz="1800" b="1">
+                          <a:sym typeface="Helvetica"/>
+                        </a:rPr>
+                        <a:t>Industry</a:t>
+                      </a:r>
+                    </a:p>
+                  </a:txBody>
+                  <a:tcPr marL="35719" marR="35719" marT="35719" marB="35719" anchor="ctr" horzOverflow="overflow">
+                    <a:noFill/>
+                  </a:tcPr>
+                </a:tc>
+                <a:tc>
+                  <a:txBody>
+                    <a:bodyPr/>
+                    <a:lstStyle/>
+                    <a:p>
+                      <a:pPr defTabSz="914400">
+                        <a:defRPr b="0">
+                          <a:solidFill>
+                            <a:srgbClr val="000000"/>
+                          </a:solidFill>
+                        </a:defRPr>
+                      </a:pPr>
+                      <a:r>
+                        <a:rPr sz="1800" b="1">
+                          <a:sym typeface="Helvetica"/>
+                        </a:rPr>
+                        <a:t>Posts</a:t>
+                      </a:r>
+                    </a:p>
+                  </a:txBody>
+                  <a:tcPr marL="35719" marR="35719" marT="35719" marB="35719" anchor="ctr" horzOverflow="overflow">
+                    <a:noFill/>
+                  </a:tcPr>
+                </a:tc>
+              </a:tr>
+              <a:tr h="350044">
+                <a:tc>
+                  <a:txBody>
+                    <a:bodyPr/>
+                    <a:lstStyle/>
+                    <a:p>
+                      <a:pPr defTabSz="914400"/>
+                      <a:r>
+                        <a:rPr sz="1800"/>
+                        <a:t>A</a:t>
+                      </a:r>
+                    </a:p>
+                  </a:txBody>
+                  <a:tcPr marL="35719" marR="35719" marT="35719" marB="35719" anchor="ctr" horzOverflow="overflow">
+                    <a:noFill/>
+                  </a:tcPr>
+                </a:tc>
+                <a:tc>
+                  <a:txBody>
+                    <a:bodyPr/>
+                    <a:lstStyle/>
+                    <a:p>
+                      <a:pPr defTabSz="914400"/>
+                      <a:r>
+                        <a:rPr sz="1800"/>
+                        <a:t>21</a:t>
+                      </a:r>
+                    </a:p>
+                  </a:txBody>
+                  <a:tcPr marL="35719" marR="35719" marT="35719" marB="35719" anchor="ctr" horzOverflow="overflow">
+                    <a:noFill/>
+                  </a:tcPr>
+                </a:tc>
+                <a:tc>
+                  <a:txBody>
+                    <a:bodyPr/>
+                    <a:lstStyle/>
+                    <a:p>
+                      <a:pPr defTabSz="914400"/>
+                      <a:r>
+                        <a:rPr sz="1800"/>
+                        <a:t>M</a:t>
+                      </a:r>
+                    </a:p>
+                  </a:txBody>
+                  <a:tcPr marL="35719" marR="35719" marT="35719" marB="35719" anchor="ctr" horzOverflow="overflow">
+                    <a:noFill/>
+                  </a:tcPr>
+                </a:tc>
+                <a:tc>
+                  <a:txBody>
+                    <a:bodyPr/>
+                    <a:lstStyle/>
+                    <a:p>
+                      <a:pPr defTabSz="914400"/>
+                      <a:r>
+                        <a:rPr sz="1800"/>
+                        <a:t>IT</a:t>
+                      </a:r>
+                    </a:p>
+                  </a:txBody>
+                  <a:tcPr marL="35719" marR="35719" marT="35719" marB="35719" anchor="ctr" horzOverflow="overflow">
+                    <a:noFill/>
+                  </a:tcPr>
+                </a:tc>
+                <a:tc>
+                  <a:txBody>
+                    <a:bodyPr/>
+                    <a:lstStyle/>
+                    <a:p>
+                      <a:pPr defTabSz="914400"/>
+                      <a:r>
+                        <a:rPr sz="1800"/>
+                        <a:t>12</a:t>
+                      </a:r>
+                    </a:p>
+                  </a:txBody>
+                  <a:tcPr marL="35719" marR="35719" marT="35719" marB="35719" anchor="ctr" horzOverflow="overflow">
+                    <a:noFill/>
+                  </a:tcPr>
+                </a:tc>
+              </a:tr>
+              <a:tr h="350044">
+                <a:tc>
+                  <a:txBody>
+                    <a:bodyPr/>
+                    <a:lstStyle/>
+                    <a:p>
+                      <a:pPr defTabSz="914400"/>
+                      <a:r>
+                        <a:rPr sz="1800"/>
+                        <a:t>B</a:t>
+                      </a:r>
+                    </a:p>
+                  </a:txBody>
+                  <a:tcPr marL="35719" marR="35719" marT="35719" marB="35719" anchor="ctr" horzOverflow="overflow">
+                    <a:noFill/>
+                  </a:tcPr>
+                </a:tc>
+                <a:tc>
+                  <a:txBody>
+                    <a:bodyPr/>
+                    <a:lstStyle/>
+                    <a:p>
+                      <a:pPr defTabSz="914400"/>
+                      <a:r>
+                        <a:rPr sz="1800"/>
+                        <a:t>26</a:t>
+                      </a:r>
+                    </a:p>
+                  </a:txBody>
+                  <a:tcPr marL="35719" marR="35719" marT="35719" marB="35719" anchor="ctr" horzOverflow="overflow">
+                    <a:noFill/>
+                  </a:tcPr>
+                </a:tc>
+                <a:tc>
+                  <a:txBody>
+                    <a:bodyPr/>
+                    <a:lstStyle/>
+                    <a:p>
+                      <a:pPr defTabSz="914400"/>
+                      <a:r>
+                        <a:rPr sz="1800"/>
+                        <a:t>F</a:t>
+                      </a:r>
+                    </a:p>
+                  </a:txBody>
+                  <a:tcPr marL="35719" marR="35719" marT="35719" marB="35719" anchor="ctr" horzOverflow="overflow">
+                    <a:noFill/>
+                  </a:tcPr>
+                </a:tc>
+                <a:tc>
+                  <a:txBody>
+                    <a:bodyPr/>
+                    <a:lstStyle/>
+                    <a:p>
+                      <a:pPr defTabSz="914400"/>
+                      <a:r>
+                        <a:rPr sz="1800"/>
+                        <a:t>IT</a:t>
+                      </a:r>
+                    </a:p>
+                  </a:txBody>
+                  <a:tcPr marL="35719" marR="35719" marT="35719" marB="35719" anchor="ctr" horzOverflow="overflow">
+                    <a:noFill/>
+                  </a:tcPr>
+                </a:tc>
+                <a:tc>
+                  <a:txBody>
+                    <a:bodyPr/>
+                    <a:lstStyle/>
+                    <a:p>
+                      <a:pPr defTabSz="914400"/>
+                      <a:r>
+                        <a:rPr sz="1800"/>
+                        <a:t>15</a:t>
+                      </a:r>
+                    </a:p>
+                  </a:txBody>
+                  <a:tcPr marL="35719" marR="35719" marT="35719" marB="35719" anchor="ctr" horzOverflow="overflow">
+                    <a:noFill/>
+                  </a:tcPr>
+                </a:tc>
+              </a:tr>
+              <a:tr h="350044">
+                <a:tc>
+                  <a:txBody>
+                    <a:bodyPr/>
+                    <a:lstStyle/>
+                    <a:p>
+                      <a:pPr defTabSz="914400"/>
+                      <a:r>
+                        <a:rPr sz="1800" dirty="0"/>
+                        <a:t>C</a:t>
+                      </a:r>
+                    </a:p>
+                  </a:txBody>
+                  <a:tcPr marL="35719" marR="35719" marT="35719" marB="35719" anchor="ctr" horzOverflow="overflow">
+                    <a:noFill/>
+                  </a:tcPr>
+                </a:tc>
+                <a:tc>
+                  <a:txBody>
+                    <a:bodyPr/>
+                    <a:lstStyle/>
+                    <a:p>
+                      <a:pPr defTabSz="914400"/>
+                      <a:r>
+                        <a:rPr sz="1800"/>
+                        <a:t>30</a:t>
+                      </a:r>
+                    </a:p>
+                  </a:txBody>
+                  <a:tcPr marL="35719" marR="35719" marT="35719" marB="35719" anchor="ctr" horzOverflow="overflow">
+                    <a:noFill/>
+                  </a:tcPr>
+                </a:tc>
+                <a:tc>
+                  <a:txBody>
+                    <a:bodyPr/>
+                    <a:lstStyle/>
+                    <a:p>
+                      <a:pPr defTabSz="914400"/>
+                      <a:r>
+                        <a:rPr sz="1800"/>
+                        <a:t>F</a:t>
+                      </a:r>
+                    </a:p>
+                  </a:txBody>
+                  <a:tcPr marL="35719" marR="35719" marT="35719" marB="35719" anchor="ctr" horzOverflow="overflow">
+                    <a:noFill/>
+                  </a:tcPr>
+                </a:tc>
+                <a:tc>
+                  <a:txBody>
+                    <a:bodyPr/>
+                    <a:lstStyle/>
+                    <a:p>
+                      <a:pPr defTabSz="914400"/>
+                      <a:r>
+                        <a:rPr sz="1800"/>
+                        <a:t>Finance</a:t>
+                      </a:r>
+                    </a:p>
+                  </a:txBody>
+                  <a:tcPr marL="35719" marR="35719" marT="35719" marB="35719" anchor="ctr" horzOverflow="overflow">
+                    <a:noFill/>
+                  </a:tcPr>
+                </a:tc>
+                <a:tc>
+                  <a:txBody>
+                    <a:bodyPr/>
+                    <a:lstStyle/>
+                    <a:p>
+                      <a:pPr defTabSz="914400"/>
+                      <a:r>
+                        <a:rPr sz="1800"/>
+                        <a:t>28</a:t>
+                      </a:r>
+                    </a:p>
+                  </a:txBody>
+                  <a:tcPr marL="35719" marR="35719" marT="35719" marB="35719" anchor="ctr" horzOverflow="overflow">
+                    <a:noFill/>
+                  </a:tcPr>
+                </a:tc>
+              </a:tr>
+              <a:tr h="350044">
+                <a:tc>
+                  <a:txBody>
+                    <a:bodyPr/>
+                    <a:lstStyle/>
+                    <a:p>
+                      <a:pPr defTabSz="914400"/>
+                      <a:r>
+                        <a:rPr sz="1800"/>
+                        <a:t>D</a:t>
+                      </a:r>
+                    </a:p>
+                  </a:txBody>
+                  <a:tcPr marL="35719" marR="35719" marT="35719" marB="35719" anchor="ctr" horzOverflow="overflow">
+                    <a:noFill/>
+                  </a:tcPr>
+                </a:tc>
+                <a:tc>
+                  <a:txBody>
+                    <a:bodyPr/>
+                    <a:lstStyle/>
+                    <a:p>
+                      <a:pPr defTabSz="914400"/>
+                      <a:r>
+                        <a:rPr sz="1800"/>
+                        <a:t>22</a:t>
+                      </a:r>
+                    </a:p>
+                  </a:txBody>
+                  <a:tcPr marL="35719" marR="35719" marT="35719" marB="35719" anchor="ctr" horzOverflow="overflow">
+                    <a:noFill/>
+                  </a:tcPr>
+                </a:tc>
+                <a:tc>
+                  <a:txBody>
+                    <a:bodyPr/>
+                    <a:lstStyle/>
+                    <a:p>
+                      <a:pPr defTabSz="914400"/>
+                      <a:r>
+                        <a:rPr sz="1800"/>
+                        <a:t>M</a:t>
+                      </a:r>
+                    </a:p>
+                  </a:txBody>
+                  <a:tcPr marL="35719" marR="35719" marT="35719" marB="35719" anchor="ctr" horzOverflow="overflow">
+                    <a:noFill/>
+                  </a:tcPr>
+                </a:tc>
+                <a:tc>
+                  <a:txBody>
+                    <a:bodyPr/>
+                    <a:lstStyle/>
+                    <a:p>
+                      <a:pPr defTabSz="914400"/>
+                      <a:r>
+                        <a:rPr sz="1800"/>
+                        <a:t>Finance</a:t>
+                      </a:r>
+                    </a:p>
+                  </a:txBody>
+                  <a:tcPr marL="35719" marR="35719" marT="35719" marB="35719" anchor="ctr" horzOverflow="overflow">
+                    <a:noFill/>
+                  </a:tcPr>
+                </a:tc>
+                <a:tc>
+                  <a:txBody>
+                    <a:bodyPr/>
+                    <a:lstStyle/>
+                    <a:p>
+                      <a:pPr defTabSz="914400"/>
+                      <a:r>
+                        <a:rPr sz="1800"/>
+                        <a:t>23</a:t>
+                      </a:r>
+                    </a:p>
+                  </a:txBody>
+                  <a:tcPr marL="35719" marR="35719" marT="35719" marB="35719" anchor="ctr" horzOverflow="overflow">
+                    <a:noFill/>
+                  </a:tcPr>
+                </a:tc>
+              </a:tr>
+              <a:tr h="350044">
+                <a:tc>
+                  <a:txBody>
+                    <a:bodyPr/>
+                    <a:lstStyle/>
+                    <a:p>
+                      <a:pPr defTabSz="914400"/>
+                      <a:r>
+                        <a:rPr sz="1800"/>
+                        <a:t>E</a:t>
+                      </a:r>
+                    </a:p>
+                  </a:txBody>
+                  <a:tcPr marL="35719" marR="35719" marT="35719" marB="35719" anchor="ctr" horzOverflow="overflow">
+                    <a:noFill/>
+                  </a:tcPr>
+                </a:tc>
+                <a:tc>
+                  <a:txBody>
+                    <a:bodyPr/>
+                    <a:lstStyle/>
+                    <a:p>
+                      <a:pPr defTabSz="914400"/>
+                      <a:r>
+                        <a:rPr sz="1800"/>
+                        <a:t>28</a:t>
+                      </a:r>
+                    </a:p>
+                  </a:txBody>
+                  <a:tcPr marL="35719" marR="35719" marT="35719" marB="35719" anchor="ctr" horzOverflow="overflow">
+                    <a:noFill/>
+                  </a:tcPr>
+                </a:tc>
+                <a:tc>
+                  <a:txBody>
+                    <a:bodyPr/>
+                    <a:lstStyle/>
+                    <a:p>
+                      <a:pPr defTabSz="914400"/>
+                      <a:r>
+                        <a:rPr sz="1800"/>
+                        <a:t>M</a:t>
+                      </a:r>
+                    </a:p>
+                  </a:txBody>
+                  <a:tcPr marL="35719" marR="35719" marT="35719" marB="35719" anchor="ctr" horzOverflow="overflow">
+                    <a:noFill/>
+                  </a:tcPr>
+                </a:tc>
+                <a:tc>
+                  <a:txBody>
+                    <a:bodyPr/>
+                    <a:lstStyle/>
+                    <a:p>
+                      <a:pPr defTabSz="914400"/>
+                      <a:r>
+                        <a:rPr sz="1800"/>
+                        <a:t>Power</a:t>
+                      </a:r>
+                    </a:p>
+                  </a:txBody>
+                  <a:tcPr marL="35719" marR="35719" marT="35719" marB="35719" anchor="ctr" horzOverflow="overflow">
+                    <a:noFill/>
+                  </a:tcPr>
+                </a:tc>
+                <a:tc>
+                  <a:txBody>
+                    <a:bodyPr/>
+                    <a:lstStyle/>
+                    <a:p>
+                      <a:pPr defTabSz="914400"/>
+                      <a:r>
+                        <a:rPr sz="1800"/>
+                        <a:t>26</a:t>
+                      </a:r>
+                    </a:p>
+                  </a:txBody>
+                  <a:tcPr marL="35719" marR="35719" marT="35719" marB="35719" anchor="ctr" horzOverflow="overflow">
+                    <a:noFill/>
+                  </a:tcPr>
+                </a:tc>
+              </a:tr>
+              <a:tr h="350044">
+                <a:tc>
+                  <a:txBody>
+                    <a:bodyPr/>
+                    <a:lstStyle/>
+                    <a:p>
+                      <a:pPr defTabSz="914400"/>
+                      <a:r>
+                        <a:rPr sz="1800"/>
+                        <a:t>F</a:t>
+                      </a:r>
+                    </a:p>
+                  </a:txBody>
+                  <a:tcPr marL="35719" marR="35719" marT="35719" marB="35719" anchor="ctr" horzOverflow="overflow">
+                    <a:noFill/>
+                  </a:tcPr>
+                </a:tc>
+                <a:tc>
+                  <a:txBody>
+                    <a:bodyPr/>
+                    <a:lstStyle/>
+                    <a:p>
+                      <a:pPr defTabSz="914400"/>
+                      <a:r>
+                        <a:rPr sz="1800"/>
+                        <a:t>23</a:t>
+                      </a:r>
+                    </a:p>
+                  </a:txBody>
+                  <a:tcPr marL="35719" marR="35719" marT="35719" marB="35719" anchor="ctr" horzOverflow="overflow">
+                    <a:noFill/>
+                  </a:tcPr>
+                </a:tc>
+                <a:tc>
+                  <a:txBody>
+                    <a:bodyPr/>
+                    <a:lstStyle/>
+                    <a:p>
+                      <a:pPr defTabSz="914400"/>
+                      <a:r>
+                        <a:rPr sz="1800"/>
+                        <a:t>F</a:t>
+                      </a:r>
+                    </a:p>
+                  </a:txBody>
+                  <a:tcPr marL="35719" marR="35719" marT="35719" marB="35719" anchor="ctr" horzOverflow="overflow">
+                    <a:noFill/>
+                  </a:tcPr>
+                </a:tc>
+                <a:tc>
+                  <a:txBody>
+                    <a:bodyPr/>
+                    <a:lstStyle/>
+                    <a:p>
+                      <a:pPr defTabSz="914400"/>
+                      <a:r>
+                        <a:rPr sz="1800"/>
+                        <a:t>Power</a:t>
+                      </a:r>
+                    </a:p>
+                  </a:txBody>
+                  <a:tcPr marL="35719" marR="35719" marT="35719" marB="35719" anchor="ctr" horzOverflow="overflow">
+                    <a:noFill/>
+                  </a:tcPr>
+                </a:tc>
+                <a:tc>
+                  <a:txBody>
+                    <a:bodyPr/>
+                    <a:lstStyle/>
+                    <a:p>
+                      <a:pPr defTabSz="914400"/>
+                      <a:r>
+                        <a:rPr sz="1800"/>
+                        <a:t>14</a:t>
+                      </a:r>
+                    </a:p>
+                  </a:txBody>
+                  <a:tcPr marL="35719" marR="35719" marT="35719" marB="35719" anchor="ctr" horzOverflow="overflow">
+                    <a:noFill/>
+                  </a:tcPr>
+                </a:tc>
+              </a:tr>
+            </a:tbl>
+          </a:graphicData>
+        </a:graphic>
+      </p:graphicFrame>
+      <p:sp>
+        <p:nvSpPr>
+          <p:cNvPr id="135" name="Shape 135"/>
+          <p:cNvSpPr/>
+          <p:nvPr/>
+        </p:nvSpPr>
+        <p:spPr>
+          <a:xfrm>
+            <a:off x="1808297" y="3638412"/>
+            <a:ext cx="323804" cy="349131"/>
+          </a:xfrm>
+          <a:prstGeom prst="rect">
+            <a:avLst/>
+          </a:prstGeom>
+          <a:ln w="12700">
+            <a:miter lim="400000"/>
+          </a:ln>
+          <a:extLst>
+            <a:ext uri="{C572A759-6A51-4108-AA02-DFA0A04FC94B}">
+              <ma14:wrappingTextBoxFlag xmlns:ma14="http://schemas.microsoft.com/office/mac/drawingml/2011/main" xmlns="" val="1"/>
+            </a:ext>
+          </a:extLst>
+        </p:spPr>
+        <p:txBody>
+          <a:bodyPr wrap="none" lIns="35717" tIns="35717" rIns="35717" bIns="35717" anchor="ctr">
+            <a:spAutoFit/>
+          </a:bodyPr>
+          <a:lstStyle/>
+          <a:p>
+            <a:r>
+              <a:t>(a)</a:t>
+            </a:r>
+          </a:p>
+        </p:txBody>
+      </p:sp>
+      <p:sp>
+        <p:nvSpPr>
+          <p:cNvPr id="136" name="Shape 136"/>
+          <p:cNvSpPr/>
+          <p:nvPr/>
+        </p:nvSpPr>
+        <p:spPr>
+          <a:xfrm>
+            <a:off x="5648152" y="3638412"/>
+            <a:ext cx="335024" cy="349131"/>
+          </a:xfrm>
+          <a:prstGeom prst="rect">
+            <a:avLst/>
+          </a:prstGeom>
+          <a:ln w="12700">
+            <a:miter lim="400000"/>
+          </a:ln>
+          <a:extLst>
+            <a:ext uri="{C572A759-6A51-4108-AA02-DFA0A04FC94B}">
+              <ma14:wrappingTextBoxFlag xmlns:ma14="http://schemas.microsoft.com/office/mac/drawingml/2011/main" xmlns="" val="1"/>
+            </a:ext>
+          </a:extLst>
+        </p:spPr>
+        <p:txBody>
+          <a:bodyPr wrap="none" lIns="35717" tIns="35717" rIns="35717" bIns="35717" anchor="ctr">
+            <a:spAutoFit/>
+          </a:bodyPr>
+          <a:lstStyle/>
+          <a:p>
+            <a:r>
+              <a:t>(b)</a:t>
+            </a:r>
+          </a:p>
+        </p:txBody>
+      </p:sp>
+      <p:sp>
+        <p:nvSpPr>
+          <p:cNvPr id="137" name="Shape 137"/>
+          <p:cNvSpPr/>
+          <p:nvPr/>
+        </p:nvSpPr>
+        <p:spPr>
+          <a:xfrm flipV="1">
+            <a:off x="2202261" y="1796672"/>
+            <a:ext cx="877610" cy="1250807"/>
+          </a:xfrm>
+          <a:prstGeom prst="line">
+            <a:avLst/>
+          </a:prstGeom>
+          <a:ln w="25400">
+            <a:solidFill>
+              <a:srgbClr val="000000"/>
+            </a:solidFill>
+            <a:miter lim="400000"/>
+          </a:ln>
+        </p:spPr>
+        <p:txBody>
+          <a:bodyPr lIns="35717" tIns="35717" rIns="35717" bIns="35717" anchor="ctr"/>
+          <a:lstStyle/>
+          <a:p>
+            <a:pPr>
+              <a:defRPr sz="2400"/>
+            </a:pPr>
+            <a:endParaRPr/>
+          </a:p>
+        </p:txBody>
+      </p:sp>
+    </p:spTree>
+    <p:extLst>
+      <p:ext uri="{BB962C8B-B14F-4D97-AF65-F5344CB8AC3E}">
+        <p14:creationId xmlns:p14="http://schemas.microsoft.com/office/powerpoint/2010/main" val="1035154185"/>
+      </p:ext>
+    </p:extLst>
+  </p:cSld>
+  <p:clrMapOvr>
+    <a:masterClrMapping/>
+  </p:clrMapOvr>
+  <mc:AlternateContent xmlns:mc="http://schemas.openxmlformats.org/markup-compatibility/2006" xmlns:p14="http://schemas.microsoft.com/office/powerpoint/2010/main">
+    <mc:Choice Requires="p14">
+      <p:transition spd="slow" p14:dur="2000"/>
+    </mc:Choice>
+    <mc:Fallback xmlns="">
+      <p:transition spd="slow"/>
+    </mc:Fallback>
+  </mc:AlternateContent>
+</p:sld>
+</file>
+
+<file path=ppt/slides/slide6.xml><?xml version="1.0" encoding="utf-8"?>
+<p:sld xmlns:a="http://schemas.openxmlformats.org/drawingml/2006/main" xmlns:r="http://schemas.openxmlformats.org/officeDocument/2006/relationships" xmlns:p="http://schemas.openxmlformats.org/presentationml/2006/main">
+  <p:cSld>
+    <p:spTree>
+      <p:nvGrpSpPr>
+        <p:cNvPr id="1" name=""/>
+        <p:cNvGrpSpPr/>
+        <p:nvPr/>
+      </p:nvGrpSpPr>
+      <p:grpSpPr>
+        <a:xfrm>
+          <a:off x="0" y="0"/>
+          <a:ext cx="0" cy="0"/>
+          <a:chOff x="0" y="0"/>
+          <a:chExt cx="0" cy="0"/>
+        </a:xfrm>
+      </p:grpSpPr>
+      <p:graphicFrame>
+        <p:nvGraphicFramePr>
+          <p:cNvPr id="162" name="Table 162"/>
+          <p:cNvGraphicFramePr/>
+          <p:nvPr/>
+        </p:nvGraphicFramePr>
+        <p:xfrm>
+          <a:off x="1991321" y="3143250"/>
+          <a:ext cx="3560125" cy="348258"/>
+        </p:xfrm>
+        <a:graphic>
+          <a:graphicData uri="http://schemas.openxmlformats.org/drawingml/2006/table">
+            <a:tbl>
+              <a:tblPr firstCol="1"/>
+              <a:tblGrid>
+                <a:gridCol w="607219"/>
+                <a:gridCol w="666750"/>
+                <a:gridCol w="619125"/>
+                <a:gridCol w="547844"/>
+                <a:gridCol w="571500"/>
+                <a:gridCol w="547687"/>
+              </a:tblGrid>
+              <a:tr h="348258">
+                <a:tc>
+                  <a:txBody>
+                    <a:bodyPr/>
+                    <a:lstStyle/>
+                    <a:p>
+                      <a:pPr defTabSz="914400">
+                        <a:defRPr b="0">
+                          <a:solidFill>
+                            <a:srgbClr val="000000"/>
+                          </a:solidFill>
+                        </a:defRPr>
+                      </a:pPr>
+                      <a:r>
+                        <a:rPr sz="1500">
+                          <a:latin typeface="+mn-lt"/>
+                          <a:ea typeface="+mn-ea"/>
+                          <a:cs typeface="+mn-cs"/>
+                        </a:rPr>
+                        <a:t>A</a:t>
+                      </a:r>
+                    </a:p>
+                  </a:txBody>
+                  <a:tcPr marL="35719" marR="35719" marT="35719" marB="35719" anchor="ctr" horzOverflow="overflow">
+                    <a:noFill/>
+                  </a:tcPr>
+                </a:tc>
+                <a:tc>
+                  <a:txBody>
+                    <a:bodyPr/>
+                    <a:lstStyle/>
+                    <a:p>
+                      <a:pPr defTabSz="914400"/>
+                      <a:r>
+                        <a:rPr sz="1500"/>
+                        <a:t>B</a:t>
+                      </a:r>
+                    </a:p>
+                  </a:txBody>
+                  <a:tcPr marL="35719" marR="35719" marT="35719" marB="35719" anchor="ctr" horzOverflow="overflow">
+                    <a:noFill/>
+                  </a:tcPr>
+                </a:tc>
+                <a:tc>
+                  <a:txBody>
+                    <a:bodyPr/>
+                    <a:lstStyle/>
+                    <a:p>
+                      <a:pPr defTabSz="914400"/>
+                      <a:r>
+                        <a:rPr sz="1500"/>
+                        <a:t>C</a:t>
+                      </a:r>
+                    </a:p>
+                  </a:txBody>
+                  <a:tcPr marL="35719" marR="35719" marT="35719" marB="35719" anchor="ctr" horzOverflow="overflow">
+                    <a:noFill/>
+                  </a:tcPr>
+                </a:tc>
+                <a:tc>
+                  <a:txBody>
+                    <a:bodyPr/>
+                    <a:lstStyle/>
+                    <a:p>
+                      <a:pPr defTabSz="914400"/>
+                      <a:r>
+                        <a:rPr sz="1500"/>
+                        <a:t>D</a:t>
+                      </a:r>
+                    </a:p>
+                  </a:txBody>
+                  <a:tcPr marL="35719" marR="35719" marT="35719" marB="35719" anchor="ctr" horzOverflow="overflow">
+                    <a:noFill/>
+                  </a:tcPr>
+                </a:tc>
+                <a:tc>
+                  <a:txBody>
+                    <a:bodyPr/>
+                    <a:lstStyle/>
+                    <a:p>
+                      <a:pPr defTabSz="914400"/>
+                      <a:r>
+                        <a:rPr sz="1500"/>
+                        <a:t>E</a:t>
+                      </a:r>
+                    </a:p>
+                  </a:txBody>
+                  <a:tcPr marL="35719" marR="35719" marT="35719" marB="35719" anchor="ctr" horzOverflow="overflow">
+                    <a:noFill/>
+                  </a:tcPr>
+                </a:tc>
+                <a:tc>
+                  <a:txBody>
+                    <a:bodyPr/>
+                    <a:lstStyle/>
+                    <a:p>
+                      <a:pPr defTabSz="914400"/>
+                      <a:r>
+                        <a:rPr sz="1500"/>
+                        <a:t>F</a:t>
+                      </a:r>
+                    </a:p>
+                  </a:txBody>
+                  <a:tcPr marL="35719" marR="35719" marT="35719" marB="35719" anchor="ctr" horzOverflow="overflow">
+                    <a:noFill/>
+                  </a:tcPr>
+                </a:tc>
+              </a:tr>
+            </a:tbl>
+          </a:graphicData>
+        </a:graphic>
+      </p:graphicFrame>
+      <p:graphicFrame>
+        <p:nvGraphicFramePr>
+          <p:cNvPr id="163" name="Table 163"/>
+          <p:cNvGraphicFramePr/>
+          <p:nvPr/>
+        </p:nvGraphicFramePr>
+        <p:xfrm>
+          <a:off x="2482453" y="4438055"/>
+          <a:ext cx="488156" cy="350044"/>
+        </p:xfrm>
+        <a:graphic>
+          <a:graphicData uri="http://schemas.openxmlformats.org/drawingml/2006/table">
+            <a:tbl>
+              <a:tblPr/>
+              <a:tblGrid>
+                <a:gridCol w="488156"/>
+              </a:tblGrid>
+              <a:tr h="350044">
+                <a:tc>
+                  <a:txBody>
+                    <a:bodyPr/>
+                    <a:lstStyle/>
+                    <a:p>
+                      <a:pPr defTabSz="914400"/>
+                      <a:r>
+                        <a:rPr sz="1800"/>
+                        <a:t>15</a:t>
+                      </a:r>
+                    </a:p>
+                  </a:txBody>
+                  <a:tcPr marL="35719" marR="35719" marT="35719" marB="35719" anchor="ctr" horzOverflow="overflow">
+                    <a:noFill/>
+                  </a:tcPr>
+                </a:tc>
+              </a:tr>
+            </a:tbl>
+          </a:graphicData>
+        </a:graphic>
+      </p:graphicFrame>
+      <p:graphicFrame>
+        <p:nvGraphicFramePr>
+          <p:cNvPr id="164" name="Table 164"/>
+          <p:cNvGraphicFramePr/>
+          <p:nvPr/>
+        </p:nvGraphicFramePr>
+        <p:xfrm>
+          <a:off x="4938117" y="4438055"/>
+          <a:ext cx="500063" cy="350044"/>
+        </p:xfrm>
+        <a:graphic>
+          <a:graphicData uri="http://schemas.openxmlformats.org/drawingml/2006/table">
+            <a:tbl>
+              <a:tblPr/>
+              <a:tblGrid>
+                <a:gridCol w="500063"/>
+              </a:tblGrid>
+              <a:tr h="350044">
+                <a:tc>
+                  <a:txBody>
+                    <a:bodyPr/>
+                    <a:lstStyle/>
+                    <a:p>
+                      <a:pPr defTabSz="914400"/>
+                      <a:r>
+                        <a:rPr sz="1800"/>
+                        <a:t>14</a:t>
+                      </a:r>
+                    </a:p>
+                  </a:txBody>
+                  <a:tcPr marL="35719" marR="35719" marT="35719" marB="35719" anchor="ctr" horzOverflow="overflow">
+                    <a:noFill/>
+                  </a:tcPr>
+                </a:tc>
+              </a:tr>
+            </a:tbl>
+          </a:graphicData>
+        </a:graphic>
+      </p:graphicFrame>
+      <p:graphicFrame>
+        <p:nvGraphicFramePr>
+          <p:cNvPr id="165" name="Table 165"/>
+          <p:cNvGraphicFramePr/>
+          <p:nvPr/>
+        </p:nvGraphicFramePr>
+        <p:xfrm>
+          <a:off x="3679031" y="4438055"/>
+          <a:ext cx="500063" cy="350044"/>
+        </p:xfrm>
+        <a:graphic>
+          <a:graphicData uri="http://schemas.openxmlformats.org/drawingml/2006/table">
+            <a:tbl>
+              <a:tblPr/>
+              <a:tblGrid>
+                <a:gridCol w="500063"/>
+              </a:tblGrid>
+              <a:tr h="350044">
+                <a:tc>
+                  <a:txBody>
+                    <a:bodyPr/>
+                    <a:lstStyle/>
+                    <a:p>
+                      <a:pPr defTabSz="914400"/>
+                      <a:r>
+                        <a:rPr sz="1800"/>
+                        <a:t>26</a:t>
+                      </a:r>
+                    </a:p>
+                  </a:txBody>
+                  <a:tcPr marL="35719" marR="35719" marT="35719" marB="35719" anchor="ctr" horzOverflow="overflow">
+                    <a:noFill/>
+                  </a:tcPr>
+                </a:tc>
+              </a:tr>
+            </a:tbl>
+          </a:graphicData>
+        </a:graphic>
+      </p:graphicFrame>
+      <p:graphicFrame>
+        <p:nvGraphicFramePr>
+          <p:cNvPr id="166" name="Table 166"/>
+          <p:cNvGraphicFramePr/>
+          <p:nvPr/>
+        </p:nvGraphicFramePr>
+        <p:xfrm>
+          <a:off x="4321969" y="4438055"/>
+          <a:ext cx="500063" cy="350044"/>
+        </p:xfrm>
+        <a:graphic>
+          <a:graphicData uri="http://schemas.openxmlformats.org/drawingml/2006/table">
+            <a:tbl>
+              <a:tblPr/>
+              <a:tblGrid>
+                <a:gridCol w="500063"/>
+              </a:tblGrid>
+              <a:tr h="350044">
+                <a:tc>
+                  <a:txBody>
+                    <a:bodyPr/>
+                    <a:lstStyle/>
+                    <a:p>
+                      <a:pPr defTabSz="914400"/>
+                      <a:r>
+                        <a:rPr sz="1800"/>
+                        <a:t>54</a:t>
+                      </a:r>
+                    </a:p>
+                  </a:txBody>
+                  <a:tcPr marL="35719" marR="35719" marT="35719" marB="35719" anchor="ctr" horzOverflow="overflow">
+                    <a:noFill/>
+                  </a:tcPr>
+                </a:tc>
+              </a:tr>
+            </a:tbl>
+          </a:graphicData>
+        </a:graphic>
+      </p:graphicFrame>
+      <p:graphicFrame>
+        <p:nvGraphicFramePr>
+          <p:cNvPr id="167" name="Table 167"/>
+          <p:cNvGraphicFramePr/>
+          <p:nvPr/>
+        </p:nvGraphicFramePr>
+        <p:xfrm>
+          <a:off x="3098601" y="4438055"/>
+          <a:ext cx="500063" cy="350044"/>
+        </p:xfrm>
+        <a:graphic>
+          <a:graphicData uri="http://schemas.openxmlformats.org/drawingml/2006/table">
+            <a:tbl>
+              <a:tblPr/>
+              <a:tblGrid>
+                <a:gridCol w="500063"/>
+              </a:tblGrid>
+              <a:tr h="350044">
+                <a:tc>
+                  <a:txBody>
+                    <a:bodyPr/>
+                    <a:lstStyle/>
+                    <a:p>
+                      <a:pPr defTabSz="914400"/>
+                      <a:r>
+                        <a:rPr sz="1800"/>
+                        <a:t>23</a:t>
+                      </a:r>
+                    </a:p>
+                  </a:txBody>
+                  <a:tcPr marL="35719" marR="35719" marT="35719" marB="35719" anchor="ctr" horzOverflow="overflow">
+                    <a:noFill/>
+                  </a:tcPr>
+                </a:tc>
+              </a:tr>
+            </a:tbl>
+          </a:graphicData>
+        </a:graphic>
+      </p:graphicFrame>
+      <p:graphicFrame>
+        <p:nvGraphicFramePr>
+          <p:cNvPr id="168" name="Table 168"/>
+          <p:cNvGraphicFramePr/>
+          <p:nvPr/>
+        </p:nvGraphicFramePr>
+        <p:xfrm>
+          <a:off x="5536406" y="4438055"/>
+          <a:ext cx="500063" cy="350044"/>
+        </p:xfrm>
+        <a:graphic>
+          <a:graphicData uri="http://schemas.openxmlformats.org/drawingml/2006/table">
+            <a:tbl>
+              <a:tblPr/>
+              <a:tblGrid>
+                <a:gridCol w="500063"/>
+              </a:tblGrid>
+              <a:tr h="350044">
+                <a:tc>
+                  <a:txBody>
+                    <a:bodyPr/>
+                    <a:lstStyle/>
+                    <a:p>
+                      <a:pPr defTabSz="914400"/>
+                      <a:r>
+                        <a:rPr sz="1800"/>
+                        <a:t>40</a:t>
+                      </a:r>
+                    </a:p>
+                  </a:txBody>
+                  <a:tcPr marL="35719" marR="35719" marT="35719" marB="35719" anchor="ctr" horzOverflow="overflow">
+                    <a:noFill/>
+                  </a:tcPr>
+                </a:tc>
+              </a:tr>
+            </a:tbl>
+          </a:graphicData>
+        </a:graphic>
+      </p:graphicFrame>
+      <p:sp>
+        <p:nvSpPr>
+          <p:cNvPr id="169" name="Shape 169"/>
+          <p:cNvSpPr/>
+          <p:nvPr/>
+        </p:nvSpPr>
+        <p:spPr>
+          <a:xfrm flipV="1">
+            <a:off x="2100201" y="3486373"/>
+            <a:ext cx="146298" cy="953288"/>
+          </a:xfrm>
+          <a:prstGeom prst="line">
+            <a:avLst/>
+          </a:prstGeom>
+          <a:ln w="38100">
+            <a:solidFill>
+              <a:srgbClr val="000000"/>
+            </a:solidFill>
+            <a:miter lim="400000"/>
+            <a:tailEnd type="stealth"/>
+          </a:ln>
+        </p:spPr>
+        <p:txBody>
+          <a:bodyPr lIns="35717" tIns="35717" rIns="35717" bIns="35717" anchor="ctr"/>
+          <a:lstStyle/>
+          <a:p>
+            <a:pPr>
+              <a:defRPr sz="2400"/>
+            </a:pPr>
+            <a:endParaRPr/>
+          </a:p>
+        </p:txBody>
+      </p:sp>
+      <p:sp>
+        <p:nvSpPr>
+          <p:cNvPr id="170" name="Shape 170"/>
+          <p:cNvSpPr/>
+          <p:nvPr/>
+        </p:nvSpPr>
+        <p:spPr>
+          <a:xfrm flipV="1">
+            <a:off x="2112538" y="3489718"/>
+            <a:ext cx="730747" cy="969985"/>
+          </a:xfrm>
+          <a:prstGeom prst="line">
+            <a:avLst/>
+          </a:prstGeom>
+          <a:ln w="38100">
+            <a:solidFill>
+              <a:srgbClr val="000000"/>
+            </a:solidFill>
+            <a:miter lim="400000"/>
+            <a:tailEnd type="stealth"/>
+          </a:ln>
+        </p:spPr>
+        <p:txBody>
+          <a:bodyPr lIns="35717" tIns="35717" rIns="35717" bIns="35717" anchor="ctr"/>
+          <a:lstStyle/>
+          <a:p>
+            <a:pPr>
+              <a:defRPr sz="2400"/>
+            </a:pPr>
+            <a:endParaRPr/>
+          </a:p>
+        </p:txBody>
+      </p:sp>
+      <p:sp>
+        <p:nvSpPr>
+          <p:cNvPr id="171" name="Shape 171"/>
+          <p:cNvSpPr/>
+          <p:nvPr/>
+        </p:nvSpPr>
+        <p:spPr>
+          <a:xfrm flipV="1">
+            <a:off x="2095640" y="3464616"/>
+            <a:ext cx="1416961" cy="996958"/>
+          </a:xfrm>
+          <a:prstGeom prst="line">
+            <a:avLst/>
+          </a:prstGeom>
+          <a:ln w="38100">
+            <a:solidFill>
+              <a:srgbClr val="000000"/>
+            </a:solidFill>
+            <a:miter lim="400000"/>
+            <a:tailEnd type="stealth"/>
+          </a:ln>
+        </p:spPr>
+        <p:txBody>
+          <a:bodyPr lIns="35717" tIns="35717" rIns="35717" bIns="35717" anchor="ctr"/>
+          <a:lstStyle/>
+          <a:p>
+            <a:pPr>
+              <a:defRPr sz="2400"/>
+            </a:pPr>
+            <a:endParaRPr/>
+          </a:p>
+        </p:txBody>
+      </p:sp>
+      <p:sp>
+        <p:nvSpPr>
+          <p:cNvPr id="172" name="Shape 172"/>
+          <p:cNvSpPr/>
+          <p:nvPr/>
+        </p:nvSpPr>
+        <p:spPr>
+          <a:xfrm flipH="1" flipV="1">
+            <a:off x="2271006" y="3487250"/>
+            <a:ext cx="483956" cy="946290"/>
+          </a:xfrm>
+          <a:prstGeom prst="line">
+            <a:avLst/>
+          </a:prstGeom>
+          <a:ln w="38100">
+            <a:solidFill>
+              <a:srgbClr val="000000"/>
+            </a:solidFill>
+            <a:miter lim="400000"/>
+            <a:tailEnd type="stealth"/>
+          </a:ln>
+        </p:spPr>
+        <p:txBody>
+          <a:bodyPr lIns="35717" tIns="35717" rIns="35717" bIns="35717" anchor="ctr"/>
+          <a:lstStyle/>
+          <a:p>
+            <a:pPr>
+              <a:defRPr sz="2400"/>
+            </a:pPr>
+            <a:endParaRPr/>
+          </a:p>
+        </p:txBody>
+      </p:sp>
+      <p:sp>
+        <p:nvSpPr>
+          <p:cNvPr id="173" name="Shape 173"/>
+          <p:cNvSpPr/>
+          <p:nvPr/>
+        </p:nvSpPr>
+        <p:spPr>
+          <a:xfrm flipV="1">
+            <a:off x="2772201" y="3465904"/>
+            <a:ext cx="124429" cy="992355"/>
+          </a:xfrm>
+          <a:prstGeom prst="line">
+            <a:avLst/>
+          </a:prstGeom>
+          <a:ln w="38100">
+            <a:solidFill>
+              <a:srgbClr val="000000"/>
+            </a:solidFill>
+            <a:miter lim="400000"/>
+            <a:tailEnd type="stealth"/>
+          </a:ln>
+        </p:spPr>
+        <p:txBody>
+          <a:bodyPr lIns="35717" tIns="35717" rIns="35717" bIns="35717" anchor="ctr"/>
+          <a:lstStyle/>
+          <a:p>
+            <a:pPr>
+              <a:defRPr sz="2400"/>
+            </a:pPr>
+            <a:endParaRPr/>
+          </a:p>
+        </p:txBody>
+      </p:sp>
+      <p:sp>
+        <p:nvSpPr>
+          <p:cNvPr id="174" name="Shape 174"/>
+          <p:cNvSpPr/>
+          <p:nvPr/>
+        </p:nvSpPr>
+        <p:spPr>
+          <a:xfrm flipV="1">
+            <a:off x="2768357" y="3490268"/>
+            <a:ext cx="2430524" cy="944639"/>
+          </a:xfrm>
+          <a:prstGeom prst="line">
+            <a:avLst/>
+          </a:prstGeom>
+          <a:ln w="38100">
+            <a:solidFill>
+              <a:srgbClr val="000000"/>
+            </a:solidFill>
+            <a:miter lim="400000"/>
+            <a:tailEnd type="stealth"/>
+          </a:ln>
+        </p:spPr>
+        <p:txBody>
+          <a:bodyPr lIns="35717" tIns="35717" rIns="35717" bIns="35717" anchor="ctr"/>
+          <a:lstStyle/>
+          <a:p>
+            <a:pPr>
+              <a:defRPr sz="2400"/>
+            </a:pPr>
+            <a:endParaRPr/>
+          </a:p>
+        </p:txBody>
+      </p:sp>
+      <p:sp>
+        <p:nvSpPr>
+          <p:cNvPr id="175" name="Shape 175"/>
+          <p:cNvSpPr/>
+          <p:nvPr/>
+        </p:nvSpPr>
+        <p:spPr>
+          <a:xfrm flipV="1">
+            <a:off x="3413758" y="3480098"/>
+            <a:ext cx="685306" cy="970732"/>
+          </a:xfrm>
+          <a:prstGeom prst="line">
+            <a:avLst/>
+          </a:prstGeom>
+          <a:ln w="38100">
+            <a:solidFill>
+              <a:srgbClr val="000000"/>
+            </a:solidFill>
+            <a:miter lim="400000"/>
+            <a:tailEnd type="stealth"/>
+          </a:ln>
+        </p:spPr>
+        <p:txBody>
+          <a:bodyPr lIns="35717" tIns="35717" rIns="35717" bIns="35717" anchor="ctr"/>
+          <a:lstStyle/>
+          <a:p>
+            <a:pPr>
+              <a:defRPr sz="2400"/>
+            </a:pPr>
+            <a:endParaRPr/>
+          </a:p>
+        </p:txBody>
+      </p:sp>
+      <p:sp>
+        <p:nvSpPr>
+          <p:cNvPr id="176" name="Shape 176"/>
+          <p:cNvSpPr/>
+          <p:nvPr/>
+        </p:nvSpPr>
+        <p:spPr>
+          <a:xfrm flipV="1">
+            <a:off x="4117974" y="3472605"/>
+            <a:ext cx="587969" cy="969953"/>
+          </a:xfrm>
+          <a:prstGeom prst="line">
+            <a:avLst/>
+          </a:prstGeom>
+          <a:ln w="38100">
+            <a:solidFill>
+              <a:srgbClr val="000000"/>
+            </a:solidFill>
+            <a:miter lim="400000"/>
+            <a:tailEnd type="stealth"/>
+          </a:ln>
+        </p:spPr>
+        <p:txBody>
+          <a:bodyPr lIns="35717" tIns="35717" rIns="35717" bIns="35717" anchor="ctr"/>
+          <a:lstStyle/>
+          <a:p>
+            <a:pPr>
+              <a:defRPr sz="2400"/>
+            </a:pPr>
+            <a:endParaRPr/>
+          </a:p>
+        </p:txBody>
+      </p:sp>
+      <p:sp>
+        <p:nvSpPr>
+          <p:cNvPr id="177" name="Shape 177"/>
+          <p:cNvSpPr/>
+          <p:nvPr/>
+        </p:nvSpPr>
+        <p:spPr>
+          <a:xfrm flipH="1" flipV="1">
+            <a:off x="3551768" y="3482859"/>
+            <a:ext cx="1038074" cy="956663"/>
+          </a:xfrm>
+          <a:prstGeom prst="line">
+            <a:avLst/>
+          </a:prstGeom>
+          <a:ln w="38100">
+            <a:solidFill>
+              <a:srgbClr val="000000"/>
+            </a:solidFill>
+            <a:miter lim="400000"/>
+            <a:tailEnd type="stealth"/>
+          </a:ln>
+        </p:spPr>
+        <p:txBody>
+          <a:bodyPr lIns="35717" tIns="35717" rIns="35717" bIns="35717" anchor="ctr"/>
+          <a:lstStyle/>
+          <a:p>
+            <a:pPr>
+              <a:defRPr sz="2400"/>
+            </a:pPr>
+            <a:endParaRPr/>
+          </a:p>
+        </p:txBody>
+      </p:sp>
+      <p:sp>
+        <p:nvSpPr>
+          <p:cNvPr id="178" name="Shape 178"/>
+          <p:cNvSpPr/>
+          <p:nvPr/>
+        </p:nvSpPr>
+        <p:spPr>
+          <a:xfrm flipH="1" flipV="1">
+            <a:off x="2330029" y="3490310"/>
+            <a:ext cx="2246558" cy="956083"/>
+          </a:xfrm>
+          <a:prstGeom prst="line">
+            <a:avLst/>
+          </a:prstGeom>
+          <a:ln w="38100">
+            <a:solidFill>
+              <a:srgbClr val="000000"/>
+            </a:solidFill>
+            <a:miter lim="400000"/>
+            <a:tailEnd type="stealth"/>
+          </a:ln>
+        </p:spPr>
+        <p:txBody>
+          <a:bodyPr lIns="35717" tIns="35717" rIns="35717" bIns="35717" anchor="ctr"/>
+          <a:lstStyle/>
+          <a:p>
+            <a:pPr>
+              <a:defRPr sz="2400"/>
+            </a:pPr>
+            <a:endParaRPr/>
+          </a:p>
+        </p:txBody>
+      </p:sp>
+      <p:sp>
+        <p:nvSpPr>
+          <p:cNvPr id="179" name="Shape 179"/>
+          <p:cNvSpPr/>
+          <p:nvPr/>
+        </p:nvSpPr>
+        <p:spPr>
+          <a:xfrm flipV="1">
+            <a:off x="5208555" y="3473399"/>
+            <a:ext cx="34296" cy="967594"/>
+          </a:xfrm>
+          <a:prstGeom prst="line">
+            <a:avLst/>
+          </a:prstGeom>
+          <a:ln w="38100">
+            <a:solidFill>
+              <a:srgbClr val="000000"/>
+            </a:solidFill>
+            <a:miter lim="400000"/>
+            <a:tailEnd type="stealth"/>
+          </a:ln>
+        </p:spPr>
+        <p:txBody>
+          <a:bodyPr lIns="35717" tIns="35717" rIns="35717" bIns="35717" anchor="ctr"/>
+          <a:lstStyle/>
+          <a:p>
+            <a:pPr>
+              <a:defRPr sz="2400"/>
+            </a:pPr>
+            <a:endParaRPr/>
+          </a:p>
+        </p:txBody>
+      </p:sp>
+      <p:sp>
+        <p:nvSpPr>
+          <p:cNvPr id="180" name="Shape 180"/>
+          <p:cNvSpPr/>
+          <p:nvPr/>
+        </p:nvSpPr>
+        <p:spPr>
+          <a:xfrm flipH="1" flipV="1">
+            <a:off x="5258026" y="3483678"/>
+            <a:ext cx="575204" cy="939456"/>
+          </a:xfrm>
+          <a:prstGeom prst="line">
+            <a:avLst/>
+          </a:prstGeom>
+          <a:ln w="38100">
+            <a:solidFill>
+              <a:srgbClr val="000000"/>
+            </a:solidFill>
+            <a:miter lim="400000"/>
+            <a:tailEnd type="stealth"/>
+          </a:ln>
+        </p:spPr>
+        <p:txBody>
+          <a:bodyPr lIns="35717" tIns="35717" rIns="35717" bIns="35717" anchor="ctr"/>
+          <a:lstStyle/>
+          <a:p>
+            <a:pPr>
+              <a:defRPr sz="2400"/>
+            </a:pPr>
+            <a:endParaRPr/>
+          </a:p>
+        </p:txBody>
+      </p:sp>
+      <p:sp>
+        <p:nvSpPr>
+          <p:cNvPr id="181" name="Shape 181"/>
+          <p:cNvSpPr/>
+          <p:nvPr/>
+        </p:nvSpPr>
+        <p:spPr>
+          <a:xfrm flipH="1" flipV="1">
+            <a:off x="4085021" y="3489487"/>
+            <a:ext cx="1743906" cy="943649"/>
+          </a:xfrm>
+          <a:prstGeom prst="line">
+            <a:avLst/>
+          </a:prstGeom>
+          <a:ln w="38100">
+            <a:solidFill>
+              <a:srgbClr val="000000"/>
+            </a:solidFill>
+            <a:miter lim="400000"/>
+            <a:tailEnd type="stealth"/>
+          </a:ln>
+        </p:spPr>
+        <p:txBody>
+          <a:bodyPr lIns="35717" tIns="35717" rIns="35717" bIns="35717" anchor="ctr"/>
+          <a:lstStyle/>
+          <a:p>
+            <a:pPr>
+              <a:defRPr sz="2400"/>
+            </a:pPr>
+            <a:endParaRPr/>
+          </a:p>
+        </p:txBody>
+      </p:sp>
+      <p:graphicFrame>
+        <p:nvGraphicFramePr>
+          <p:cNvPr id="182" name="Table 182"/>
+          <p:cNvGraphicFramePr/>
+          <p:nvPr/>
+        </p:nvGraphicFramePr>
+        <p:xfrm>
+          <a:off x="1848445" y="4446984"/>
+          <a:ext cx="488156" cy="350044"/>
+        </p:xfrm>
+        <a:graphic>
+          <a:graphicData uri="http://schemas.openxmlformats.org/drawingml/2006/table">
+            <a:tbl>
+              <a:tblPr/>
+              <a:tblGrid>
+                <a:gridCol w="488156"/>
+              </a:tblGrid>
+              <a:tr h="350044">
+                <a:tc>
+                  <a:txBody>
+                    <a:bodyPr/>
+                    <a:lstStyle/>
+                    <a:p>
+                      <a:pPr defTabSz="914400"/>
+                      <a:r>
+                        <a:rPr sz="1800"/>
+                        <a:t>49</a:t>
+                      </a:r>
+                    </a:p>
+                  </a:txBody>
+                  <a:tcPr marL="35719" marR="35719" marT="35719" marB="35719" anchor="ctr" horzOverflow="overflow">
+                    <a:noFill/>
+                  </a:tcPr>
+                </a:tc>
+              </a:tr>
+            </a:tbl>
+          </a:graphicData>
+        </a:graphic>
+      </p:graphicFrame>
+      <p:graphicFrame>
+        <p:nvGraphicFramePr>
+          <p:cNvPr id="183" name="Table 183"/>
+          <p:cNvGraphicFramePr/>
+          <p:nvPr>
+            <p:extLst>
+              <p:ext uri="{D42A27DB-BD31-4B8C-83A1-F6EECF244321}">
+                <p14:modId xmlns:p14="http://schemas.microsoft.com/office/powerpoint/2010/main" val="372247465"/>
+              </p:ext>
+            </p:extLst>
+          </p:nvPr>
+        </p:nvGraphicFramePr>
+        <p:xfrm>
+          <a:off x="6607969" y="2839641"/>
+          <a:ext cx="1234124" cy="2964657"/>
+        </p:xfrm>
+        <a:graphic>
+          <a:graphicData uri="http://schemas.openxmlformats.org/drawingml/2006/table">
+            <a:tbl>
+              <a:tblPr/>
+              <a:tblGrid>
+                <a:gridCol w="697548"/>
+                <a:gridCol w="536576"/>
+              </a:tblGrid>
+              <a:tr h="307181">
+                <a:tc>
+                  <a:txBody>
+                    <a:bodyPr/>
+                    <a:lstStyle/>
+                    <a:p>
+                      <a:pPr defTabSz="914400"/>
+                      <a:r>
+                        <a:rPr sz="1500" b="1">
+                          <a:latin typeface="Helvetica"/>
+                          <a:ea typeface="Helvetica"/>
+                          <a:cs typeface="Helvetica"/>
+                          <a:sym typeface="Helvetica"/>
+                        </a:rPr>
+                        <a:t>Vertex</a:t>
+                      </a:r>
+                    </a:p>
+                  </a:txBody>
+                  <a:tcPr marL="35719" marR="35719" marT="35719" marB="35719" anchor="ctr" horzOverflow="overflow">
+                    <a:noFill/>
+                  </a:tcPr>
+                </a:tc>
+                <a:tc>
+                  <a:txBody>
+                    <a:bodyPr/>
+                    <a:lstStyle/>
+                    <a:p>
+                      <a:pPr defTabSz="914400"/>
+                      <a:r>
+                        <a:rPr sz="1500" b="1" dirty="0">
+                          <a:latin typeface="Helvetica"/>
+                          <a:ea typeface="Helvetica"/>
+                          <a:cs typeface="Helvetica"/>
+                          <a:sym typeface="Helvetica"/>
+                        </a:rPr>
+                        <a:t>Sum</a:t>
+                      </a:r>
+                    </a:p>
+                  </a:txBody>
+                  <a:tcPr marL="35719" marR="35719" marT="35719" marB="35719" anchor="ctr" horzOverflow="overflow">
+                    <a:noFill/>
+                  </a:tcPr>
+                </a:tc>
+              </a:tr>
+              <a:tr h="350044">
+                <a:tc>
+                  <a:txBody>
+                    <a:bodyPr/>
+                    <a:lstStyle/>
+                    <a:p>
+                      <a:pPr defTabSz="914400"/>
+                      <a:r>
+                        <a:rPr sz="1800"/>
+                        <a:t>A</a:t>
+                      </a:r>
+                    </a:p>
+                  </a:txBody>
+                  <a:tcPr marL="35719" marR="35719" marT="35719" marB="35719" anchor="ctr" horzOverflow="overflow">
+                    <a:noFill/>
+                  </a:tcPr>
+                </a:tc>
+                <a:tc>
+                  <a:txBody>
+                    <a:bodyPr/>
+                    <a:lstStyle/>
+                    <a:p>
+                      <a:pPr defTabSz="914400"/>
+                      <a:r>
+                        <a:rPr sz="1800"/>
+                        <a:t>118</a:t>
+                      </a:r>
+                    </a:p>
+                  </a:txBody>
+                  <a:tcPr marL="35719" marR="35719" marT="35719" marB="35719" anchor="ctr" horzOverflow="overflow">
+                    <a:noFill/>
+                  </a:tcPr>
+                </a:tc>
+              </a:tr>
+              <a:tr h="907256">
+                <a:tc>
+                  <a:txBody>
+                    <a:bodyPr/>
+                    <a:lstStyle/>
+                    <a:p>
+                      <a:pPr defTabSz="914400"/>
+                      <a:r>
+                        <a:rPr sz="1800"/>
+                        <a:t>B</a:t>
+                      </a:r>
+                    </a:p>
+                  </a:txBody>
+                  <a:tcPr marL="35719" marR="35719" marT="35719" marB="35719" anchor="ctr" horzOverflow="overflow">
+                    <a:noFill/>
+                  </a:tcPr>
+                </a:tc>
+                <a:tc>
+                  <a:txBody>
+                    <a:bodyPr/>
+                    <a:lstStyle/>
+                    <a:p>
+                      <a:pPr defTabSz="914400"/>
+                      <a:r>
+                        <a:rPr sz="1800"/>
+                        <a:t>64
+103
+78</a:t>
+                      </a:r>
+                    </a:p>
+                  </a:txBody>
+                  <a:tcPr marL="35719" marR="35719" marT="35719" marB="35719" anchor="ctr" horzOverflow="overflow">
+                    <a:noFill/>
+                  </a:tcPr>
+                </a:tc>
+              </a:tr>
+              <a:tr h="350044">
+                <a:tc>
+                  <a:txBody>
+                    <a:bodyPr/>
+                    <a:lstStyle/>
+                    <a:p>
+                      <a:pPr defTabSz="914400"/>
+                      <a:r>
+                        <a:rPr sz="1800"/>
+                        <a:t>C</a:t>
+                      </a:r>
+                    </a:p>
+                  </a:txBody>
+                  <a:tcPr marL="35719" marR="35719" marT="35719" marB="35719" anchor="ctr" horzOverflow="overflow">
+                    <a:noFill/>
+                  </a:tcPr>
+                </a:tc>
+                <a:tc>
+                  <a:txBody>
+                    <a:bodyPr/>
+                    <a:lstStyle/>
+                    <a:p>
+                      <a:pPr defTabSz="914400"/>
+                      <a:r>
+                        <a:rPr sz="1800"/>
+                        <a:t>103</a:t>
+                      </a:r>
+                    </a:p>
+                  </a:txBody>
+                  <a:tcPr marL="35719" marR="35719" marT="35719" marB="35719" anchor="ctr" horzOverflow="overflow">
+                    <a:noFill/>
+                  </a:tcPr>
+                </a:tc>
+              </a:tr>
+              <a:tr h="350044">
+                <a:tc>
+                  <a:txBody>
+                    <a:bodyPr/>
+                    <a:lstStyle/>
+                    <a:p>
+                      <a:pPr defTabSz="914400"/>
+                      <a:r>
+                        <a:rPr sz="1800"/>
+                        <a:t>D</a:t>
+                      </a:r>
+                    </a:p>
+                  </a:txBody>
+                  <a:tcPr marL="35719" marR="35719" marT="35719" marB="35719" anchor="ctr" horzOverflow="overflow">
+                    <a:noFill/>
+                  </a:tcPr>
+                </a:tc>
+                <a:tc>
+                  <a:txBody>
+                    <a:bodyPr/>
+                    <a:lstStyle/>
+                    <a:p>
+                      <a:pPr defTabSz="914400"/>
+                      <a:r>
+                        <a:rPr sz="1800"/>
+                        <a:t>78</a:t>
+                      </a:r>
+                    </a:p>
+                  </a:txBody>
+                  <a:tcPr marL="35719" marR="35719" marT="35719" marB="35719" anchor="ctr" horzOverflow="overflow">
+                    <a:noFill/>
+                  </a:tcPr>
+                </a:tc>
+              </a:tr>
+              <a:tr h="350044">
+                <a:tc>
+                  <a:txBody>
+                    <a:bodyPr/>
+                    <a:lstStyle/>
+                    <a:p>
+                      <a:pPr defTabSz="914400"/>
+                      <a:r>
+                        <a:rPr sz="1800"/>
+                        <a:t>E</a:t>
+                      </a:r>
+                    </a:p>
+                  </a:txBody>
+                  <a:tcPr marL="35719" marR="35719" marT="35719" marB="35719" anchor="ctr" horzOverflow="overflow">
+                    <a:noFill/>
+                  </a:tcPr>
+                </a:tc>
+                <a:tc>
+                  <a:txBody>
+                    <a:bodyPr/>
+                    <a:lstStyle/>
+                    <a:p>
+                      <a:pPr defTabSz="914400"/>
+                      <a:r>
+                        <a:rPr sz="1800"/>
+                        <a:t>66</a:t>
+                      </a:r>
+                    </a:p>
+                  </a:txBody>
+                  <a:tcPr marL="35719" marR="35719" marT="35719" marB="35719" anchor="ctr" horzOverflow="overflow">
+                    <a:noFill/>
+                  </a:tcPr>
+                </a:tc>
+              </a:tr>
+              <a:tr h="350044">
+                <a:tc>
+                  <a:txBody>
+                    <a:bodyPr/>
+                    <a:lstStyle/>
+                    <a:p>
+                      <a:pPr defTabSz="914400"/>
+                      <a:r>
+                        <a:rPr sz="1800"/>
+                        <a:t>F</a:t>
+                      </a:r>
+                    </a:p>
+                  </a:txBody>
+                  <a:tcPr marL="35719" marR="35719" marT="35719" marB="35719" anchor="ctr" horzOverflow="overflow">
+                    <a:noFill/>
+                  </a:tcPr>
+                </a:tc>
+                <a:tc>
+                  <a:txBody>
+                    <a:bodyPr/>
+                    <a:lstStyle/>
+                    <a:p>
+                      <a:pPr defTabSz="914400"/>
+                      <a:r>
+                        <a:rPr sz="1800" dirty="0"/>
+                        <a:t>55</a:t>
+                      </a:r>
+                    </a:p>
+                  </a:txBody>
+                  <a:tcPr marL="35719" marR="35719" marT="35719" marB="35719" anchor="ctr" horzOverflow="overflow">
+                    <a:noFill/>
+                  </a:tcPr>
+                </a:tc>
+              </a:tr>
+            </a:tbl>
+          </a:graphicData>
+        </a:graphic>
+      </p:graphicFrame>
+      <p:graphicFrame>
+        <p:nvGraphicFramePr>
+          <p:cNvPr id="184" name="Table 184"/>
+          <p:cNvGraphicFramePr/>
+          <p:nvPr>
+            <p:extLst>
+              <p:ext uri="{D42A27DB-BD31-4B8C-83A1-F6EECF244321}">
+                <p14:modId xmlns:p14="http://schemas.microsoft.com/office/powerpoint/2010/main" val="2731598283"/>
+              </p:ext>
+            </p:extLst>
+          </p:nvPr>
+        </p:nvGraphicFramePr>
+        <p:xfrm>
+          <a:off x="2643188" y="508992"/>
+          <a:ext cx="4750594" cy="350044"/>
+        </p:xfrm>
+        <a:graphic>
+          <a:graphicData uri="http://schemas.openxmlformats.org/drawingml/2006/table">
+            <a:tbl>
+              <a:tblPr firstCol="1"/>
+              <a:tblGrid>
+                <a:gridCol w="750094"/>
+                <a:gridCol w="785813"/>
+                <a:gridCol w="821531"/>
+                <a:gridCol w="762000"/>
+                <a:gridCol w="821531"/>
+                <a:gridCol w="809625"/>
+              </a:tblGrid>
+              <a:tr h="350044">
+                <a:tc>
+                  <a:txBody>
+                    <a:bodyPr/>
+                    <a:lstStyle/>
+                    <a:p>
+                      <a:pPr algn="ctr" defTabSz="914400">
+                        <a:defRPr b="0">
+                          <a:solidFill>
+                            <a:srgbClr val="000000"/>
+                          </a:solidFill>
+                        </a:defRPr>
+                      </a:pPr>
+                      <a:r>
+                        <a:rPr sz="1800" dirty="0">
+                          <a:latin typeface="+mn-lt"/>
+                          <a:ea typeface="+mn-ea"/>
+                          <a:cs typeface="+mn-cs"/>
+                        </a:rPr>
+                        <a:t>A</a:t>
+                      </a:r>
+                    </a:p>
+                  </a:txBody>
+                  <a:tcPr marL="35719" marR="35719" marT="35719" marB="35719" anchor="ctr" horzOverflow="overflow">
+                    <a:noFill/>
+                  </a:tcPr>
+                </a:tc>
+                <a:tc>
+                  <a:txBody>
+                    <a:bodyPr/>
+                    <a:lstStyle/>
+                    <a:p>
+                      <a:pPr algn="ctr" defTabSz="914400"/>
+                      <a:r>
+                        <a:rPr sz="1800"/>
+                        <a:t>B</a:t>
+                      </a:r>
+                    </a:p>
+                  </a:txBody>
+                  <a:tcPr marL="35719" marR="35719" marT="35719" marB="35719" anchor="ctr" horzOverflow="overflow">
+                    <a:noFill/>
+                  </a:tcPr>
+                </a:tc>
+                <a:tc>
+                  <a:txBody>
+                    <a:bodyPr/>
+                    <a:lstStyle/>
+                    <a:p>
+                      <a:pPr algn="ctr" defTabSz="914400"/>
+                      <a:r>
+                        <a:rPr sz="1800"/>
+                        <a:t>C</a:t>
+                      </a:r>
+                    </a:p>
+                  </a:txBody>
+                  <a:tcPr marL="35719" marR="35719" marT="35719" marB="35719" anchor="ctr" horzOverflow="overflow">
+                    <a:noFill/>
+                  </a:tcPr>
+                </a:tc>
+                <a:tc>
+                  <a:txBody>
+                    <a:bodyPr/>
+                    <a:lstStyle/>
+                    <a:p>
+                      <a:pPr algn="ctr" defTabSz="914400"/>
+                      <a:r>
+                        <a:rPr sz="1800"/>
+                        <a:t>D</a:t>
+                      </a:r>
+                    </a:p>
+                  </a:txBody>
+                  <a:tcPr marL="35719" marR="35719" marT="35719" marB="35719" anchor="ctr" horzOverflow="overflow">
+                    <a:noFill/>
+                  </a:tcPr>
+                </a:tc>
+                <a:tc>
+                  <a:txBody>
+                    <a:bodyPr/>
+                    <a:lstStyle/>
+                    <a:p>
+                      <a:pPr algn="ctr" defTabSz="914400"/>
+                      <a:r>
+                        <a:rPr sz="1800"/>
+                        <a:t>E</a:t>
+                      </a:r>
+                    </a:p>
+                  </a:txBody>
+                  <a:tcPr marL="35719" marR="35719" marT="35719" marB="35719" anchor="ctr" horzOverflow="overflow">
+                    <a:noFill/>
+                  </a:tcPr>
+                </a:tc>
+                <a:tc>
+                  <a:txBody>
+                    <a:bodyPr/>
+                    <a:lstStyle/>
+                    <a:p>
+                      <a:pPr algn="ctr" defTabSz="914400"/>
+                      <a:r>
+                        <a:rPr sz="1800" dirty="0"/>
+                        <a:t>F</a:t>
+                      </a:r>
+                    </a:p>
+                  </a:txBody>
+                  <a:tcPr marL="35719" marR="35719" marT="35719" marB="35719" anchor="ctr" horzOverflow="overflow">
+                    <a:noFill/>
+                  </a:tcPr>
+                </a:tc>
+              </a:tr>
+            </a:tbl>
+          </a:graphicData>
+        </a:graphic>
+      </p:graphicFrame>
+      <p:graphicFrame>
+        <p:nvGraphicFramePr>
+          <p:cNvPr id="185" name="Table 185"/>
+          <p:cNvGraphicFramePr/>
+          <p:nvPr>
+            <p:extLst>
+              <p:ext uri="{D42A27DB-BD31-4B8C-83A1-F6EECF244321}">
+                <p14:modId xmlns:p14="http://schemas.microsoft.com/office/powerpoint/2010/main" val="1041468333"/>
+              </p:ext>
+            </p:extLst>
+          </p:nvPr>
+        </p:nvGraphicFramePr>
+        <p:xfrm>
+          <a:off x="2643187" y="1803797"/>
+          <a:ext cx="750094" cy="350044"/>
+        </p:xfrm>
+        <a:graphic>
+          <a:graphicData uri="http://schemas.openxmlformats.org/drawingml/2006/table">
+            <a:tbl>
+              <a:tblPr/>
+              <a:tblGrid>
+                <a:gridCol w="750094"/>
+              </a:tblGrid>
+              <a:tr h="350044">
+                <a:tc>
+                  <a:txBody>
+                    <a:bodyPr/>
+                    <a:lstStyle/>
+                    <a:p>
+                      <a:pPr algn="ctr" defTabSz="914400"/>
+                      <a:r>
+                        <a:rPr sz="1800" dirty="0"/>
+                        <a:t>A,F,D</a:t>
+                      </a:r>
+                    </a:p>
+                  </a:txBody>
+                  <a:tcPr marL="35719" marR="35719" marT="35719" marB="35719" anchor="ctr" horzOverflow="overflow">
+                    <a:noFill/>
+                  </a:tcPr>
+                </a:tc>
+              </a:tr>
+            </a:tbl>
+          </a:graphicData>
+        </a:graphic>
+      </p:graphicFrame>
+      <p:graphicFrame>
+        <p:nvGraphicFramePr>
+          <p:cNvPr id="186" name="Table 186"/>
+          <p:cNvGraphicFramePr/>
+          <p:nvPr>
+            <p:extLst>
+              <p:ext uri="{D42A27DB-BD31-4B8C-83A1-F6EECF244321}">
+                <p14:modId xmlns:p14="http://schemas.microsoft.com/office/powerpoint/2010/main" val="1675861954"/>
+              </p:ext>
+            </p:extLst>
+          </p:nvPr>
+        </p:nvGraphicFramePr>
+        <p:xfrm>
+          <a:off x="3589734" y="1803797"/>
+          <a:ext cx="488156" cy="350044"/>
+        </p:xfrm>
+        <a:graphic>
+          <a:graphicData uri="http://schemas.openxmlformats.org/drawingml/2006/table">
+            <a:tbl>
+              <a:tblPr/>
+              <a:tblGrid>
+                <a:gridCol w="488156"/>
+              </a:tblGrid>
+              <a:tr h="350044">
+                <a:tc>
+                  <a:txBody>
+                    <a:bodyPr/>
+                    <a:lstStyle/>
+                    <a:p>
+                      <a:pPr algn="ctr" defTabSz="914400"/>
+                      <a:r>
+                        <a:rPr sz="1800" dirty="0"/>
+                        <a:t>B</a:t>
+                      </a:r>
+                    </a:p>
+                  </a:txBody>
+                  <a:tcPr marL="35719" marR="35719" marT="35719" marB="35719" anchor="ctr" horzOverflow="overflow">
+                    <a:noFill/>
+                  </a:tcPr>
+                </a:tc>
+              </a:tr>
+            </a:tbl>
+          </a:graphicData>
+        </a:graphic>
+      </p:graphicFrame>
+      <p:graphicFrame>
+        <p:nvGraphicFramePr>
+          <p:cNvPr id="187" name="Table 187"/>
+          <p:cNvGraphicFramePr/>
+          <p:nvPr>
+            <p:extLst>
+              <p:ext uri="{D42A27DB-BD31-4B8C-83A1-F6EECF244321}">
+                <p14:modId xmlns:p14="http://schemas.microsoft.com/office/powerpoint/2010/main" val="2069105755"/>
+              </p:ext>
+            </p:extLst>
+          </p:nvPr>
+        </p:nvGraphicFramePr>
+        <p:xfrm>
+          <a:off x="6456164" y="1803797"/>
+          <a:ext cx="500063" cy="350044"/>
+        </p:xfrm>
+        <a:graphic>
+          <a:graphicData uri="http://schemas.openxmlformats.org/drawingml/2006/table">
+            <a:tbl>
+              <a:tblPr/>
+              <a:tblGrid>
+                <a:gridCol w="500063"/>
+              </a:tblGrid>
+              <a:tr h="350044">
+                <a:tc>
+                  <a:txBody>
+                    <a:bodyPr/>
+                    <a:lstStyle/>
+                    <a:p>
+                      <a:pPr algn="ctr" defTabSz="914400"/>
+                      <a:r>
+                        <a:rPr sz="1800" dirty="0"/>
+                        <a:t>F</a:t>
+                      </a:r>
+                    </a:p>
+                  </a:txBody>
+                  <a:tcPr marL="35719" marR="35719" marT="35719" marB="35719" anchor="ctr" horzOverflow="overflow">
+                    <a:noFill/>
+                  </a:tcPr>
+                </a:tc>
+              </a:tr>
+            </a:tbl>
+          </a:graphicData>
+        </a:graphic>
+      </p:graphicFrame>
+      <p:graphicFrame>
+        <p:nvGraphicFramePr>
+          <p:cNvPr id="188" name="Table 188"/>
+          <p:cNvGraphicFramePr/>
+          <p:nvPr>
+            <p:extLst>
+              <p:ext uri="{D42A27DB-BD31-4B8C-83A1-F6EECF244321}">
+                <p14:modId xmlns:p14="http://schemas.microsoft.com/office/powerpoint/2010/main" val="1979843535"/>
+              </p:ext>
+            </p:extLst>
+          </p:nvPr>
+        </p:nvGraphicFramePr>
+        <p:xfrm>
+          <a:off x="5018484" y="1803797"/>
+          <a:ext cx="500063" cy="350044"/>
+        </p:xfrm>
+        <a:graphic>
+          <a:graphicData uri="http://schemas.openxmlformats.org/drawingml/2006/table">
+            <a:tbl>
+              <a:tblPr/>
+              <a:tblGrid>
+                <a:gridCol w="500063"/>
+              </a:tblGrid>
+              <a:tr h="350044">
+                <a:tc>
+                  <a:txBody>
+                    <a:bodyPr/>
+                    <a:lstStyle/>
+                    <a:p>
+                      <a:pPr algn="ctr" defTabSz="914400"/>
+                      <a:r>
+                        <a:rPr sz="1800" dirty="0"/>
+                        <a:t>E</a:t>
+                      </a:r>
+                    </a:p>
+                  </a:txBody>
+                  <a:tcPr marL="35719" marR="35719" marT="35719" marB="35719" anchor="ctr" horzOverflow="overflow">
+                    <a:noFill/>
+                  </a:tcPr>
+                </a:tc>
+              </a:tr>
+            </a:tbl>
+          </a:graphicData>
+        </a:graphic>
+      </p:graphicFrame>
+      <p:graphicFrame>
+        <p:nvGraphicFramePr>
+          <p:cNvPr id="189" name="Table 189"/>
+          <p:cNvGraphicFramePr/>
+          <p:nvPr>
+            <p:extLst>
+              <p:ext uri="{D42A27DB-BD31-4B8C-83A1-F6EECF244321}">
+                <p14:modId xmlns:p14="http://schemas.microsoft.com/office/powerpoint/2010/main" val="1610732022"/>
+              </p:ext>
+            </p:extLst>
+          </p:nvPr>
+        </p:nvGraphicFramePr>
+        <p:xfrm>
+          <a:off x="5715000" y="1803797"/>
+          <a:ext cx="500063" cy="350044"/>
+        </p:xfrm>
+        <a:graphic>
+          <a:graphicData uri="http://schemas.openxmlformats.org/drawingml/2006/table">
+            <a:tbl>
+              <a:tblPr/>
+              <a:tblGrid>
+                <a:gridCol w="500063"/>
+              </a:tblGrid>
+              <a:tr h="350044">
+                <a:tc>
+                  <a:txBody>
+                    <a:bodyPr/>
+                    <a:lstStyle/>
+                    <a:p>
+                      <a:pPr algn="ctr" defTabSz="914400"/>
+                      <a:r>
+                        <a:rPr sz="1800" dirty="0"/>
+                        <a:t>C,E</a:t>
+                      </a:r>
+                    </a:p>
+                  </a:txBody>
+                  <a:tcPr marL="35719" marR="35719" marT="35719" marB="35719" anchor="ctr" horzOverflow="overflow">
+                    <a:noFill/>
+                  </a:tcPr>
+                </a:tc>
+              </a:tr>
+            </a:tbl>
+          </a:graphicData>
+        </a:graphic>
+      </p:graphicFrame>
+      <p:graphicFrame>
+        <p:nvGraphicFramePr>
+          <p:cNvPr id="190" name="Table 190"/>
+          <p:cNvGraphicFramePr/>
+          <p:nvPr>
+            <p:extLst>
+              <p:ext uri="{D42A27DB-BD31-4B8C-83A1-F6EECF244321}">
+                <p14:modId xmlns:p14="http://schemas.microsoft.com/office/powerpoint/2010/main" val="1740081306"/>
+              </p:ext>
+            </p:extLst>
+          </p:nvPr>
+        </p:nvGraphicFramePr>
+        <p:xfrm>
+          <a:off x="4330898" y="1803797"/>
+          <a:ext cx="500063" cy="350044"/>
+        </p:xfrm>
+        <a:graphic>
+          <a:graphicData uri="http://schemas.openxmlformats.org/drawingml/2006/table">
+            <a:tbl>
+              <a:tblPr/>
+              <a:tblGrid>
+                <a:gridCol w="500063"/>
+              </a:tblGrid>
+              <a:tr h="350044">
+                <a:tc>
+                  <a:txBody>
+                    <a:bodyPr/>
+                    <a:lstStyle/>
+                    <a:p>
+                      <a:pPr algn="ctr" defTabSz="914400"/>
+                      <a:r>
+                        <a:rPr sz="1800" dirty="0"/>
+                        <a:t>D</a:t>
+                      </a:r>
+                    </a:p>
+                  </a:txBody>
+                  <a:tcPr marL="35719" marR="35719" marT="35719" marB="35719" anchor="ctr" horzOverflow="overflow">
+                    <a:noFill/>
+                  </a:tcPr>
+                </a:tc>
+              </a:tr>
+            </a:tbl>
+          </a:graphicData>
+        </a:graphic>
+      </p:graphicFrame>
+      <p:graphicFrame>
+        <p:nvGraphicFramePr>
+          <p:cNvPr id="191" name="Table 191"/>
+          <p:cNvGraphicFramePr/>
+          <p:nvPr>
+            <p:extLst>
+              <p:ext uri="{D42A27DB-BD31-4B8C-83A1-F6EECF244321}">
+                <p14:modId xmlns:p14="http://schemas.microsoft.com/office/powerpoint/2010/main" val="1817779548"/>
+              </p:ext>
+            </p:extLst>
+          </p:nvPr>
+        </p:nvGraphicFramePr>
+        <p:xfrm>
+          <a:off x="7152679" y="1803797"/>
+          <a:ext cx="500063" cy="350044"/>
+        </p:xfrm>
+        <a:graphic>
+          <a:graphicData uri="http://schemas.openxmlformats.org/drawingml/2006/table">
+            <a:tbl>
+              <a:tblPr/>
+              <a:tblGrid>
+                <a:gridCol w="500063"/>
+              </a:tblGrid>
+              <a:tr h="350044">
+                <a:tc>
+                  <a:txBody>
+                    <a:bodyPr/>
+                    <a:lstStyle/>
+                    <a:p>
+                      <a:pPr algn="ctr" defTabSz="914400"/>
+                      <a:r>
+                        <a:rPr sz="1800" dirty="0"/>
+                        <a:t>A,C</a:t>
+                      </a:r>
+                    </a:p>
+                  </a:txBody>
+                  <a:tcPr marL="35719" marR="35719" marT="35719" marB="35719" anchor="ctr" horzOverflow="overflow">
+                    <a:noFill/>
+                  </a:tcPr>
+                </a:tc>
+              </a:tr>
+            </a:tbl>
+          </a:graphicData>
+        </a:graphic>
+      </p:graphicFrame>
+      <p:sp>
+        <p:nvSpPr>
+          <p:cNvPr id="192" name="Shape 192"/>
+          <p:cNvSpPr/>
+          <p:nvPr/>
+        </p:nvSpPr>
+        <p:spPr>
+          <a:xfrm flipH="1" flipV="1">
+            <a:off x="3037495" y="844410"/>
+            <a:ext cx="10501" cy="968364"/>
+          </a:xfrm>
+          <a:prstGeom prst="line">
+            <a:avLst/>
+          </a:prstGeom>
+          <a:ln w="38100">
+            <a:solidFill>
+              <a:srgbClr val="000000"/>
+            </a:solidFill>
+            <a:miter lim="400000"/>
+            <a:tailEnd type="stealth"/>
+          </a:ln>
+        </p:spPr>
+        <p:txBody>
+          <a:bodyPr lIns="35717" tIns="35717" rIns="35717" bIns="35717" anchor="ctr"/>
+          <a:lstStyle/>
+          <a:p>
+            <a:pPr>
+              <a:defRPr sz="2400"/>
+            </a:pPr>
+            <a:endParaRPr/>
+          </a:p>
+        </p:txBody>
+      </p:sp>
+      <p:sp>
+        <p:nvSpPr>
+          <p:cNvPr id="193" name="Shape 193"/>
+          <p:cNvSpPr/>
+          <p:nvPr/>
+        </p:nvSpPr>
+        <p:spPr>
+          <a:xfrm flipV="1">
+            <a:off x="3042317" y="842355"/>
+            <a:ext cx="766239" cy="967149"/>
+          </a:xfrm>
+          <a:prstGeom prst="line">
+            <a:avLst/>
+          </a:prstGeom>
+          <a:ln w="38100">
+            <a:solidFill>
+              <a:srgbClr val="000000"/>
+            </a:solidFill>
+            <a:miter lim="400000"/>
+            <a:tailEnd type="stealth"/>
+          </a:ln>
+        </p:spPr>
+        <p:txBody>
+          <a:bodyPr lIns="35717" tIns="35717" rIns="35717" bIns="35717" anchor="ctr"/>
+          <a:lstStyle/>
+          <a:p>
+            <a:pPr>
+              <a:defRPr sz="2400"/>
+            </a:pPr>
+            <a:endParaRPr/>
+          </a:p>
+        </p:txBody>
+      </p:sp>
+      <p:sp>
+        <p:nvSpPr>
+          <p:cNvPr id="194" name="Shape 194"/>
+          <p:cNvSpPr/>
+          <p:nvPr/>
+        </p:nvSpPr>
+        <p:spPr>
+          <a:xfrm flipV="1">
+            <a:off x="3049962" y="840974"/>
+            <a:ext cx="1561892" cy="971800"/>
+          </a:xfrm>
+          <a:prstGeom prst="line">
+            <a:avLst/>
+          </a:prstGeom>
+          <a:ln w="38100">
+            <a:solidFill>
+              <a:srgbClr val="000000"/>
+            </a:solidFill>
+            <a:miter lim="400000"/>
+            <a:tailEnd type="stealth"/>
+          </a:ln>
+        </p:spPr>
+        <p:txBody>
+          <a:bodyPr lIns="35717" tIns="35717" rIns="35717" bIns="35717" anchor="ctr"/>
+          <a:lstStyle/>
+          <a:p>
+            <a:pPr>
+              <a:defRPr sz="2400"/>
+            </a:pPr>
+            <a:endParaRPr/>
+          </a:p>
+        </p:txBody>
+      </p:sp>
+      <p:sp>
+        <p:nvSpPr>
+          <p:cNvPr id="195" name="Shape 195"/>
+          <p:cNvSpPr/>
+          <p:nvPr/>
+        </p:nvSpPr>
+        <p:spPr>
+          <a:xfrm flipH="1" flipV="1">
+            <a:off x="3070681" y="860943"/>
+            <a:ext cx="760155" cy="933924"/>
+          </a:xfrm>
+          <a:prstGeom prst="line">
+            <a:avLst/>
+          </a:prstGeom>
+          <a:ln w="38100">
+            <a:solidFill>
+              <a:srgbClr val="000000"/>
+            </a:solidFill>
+            <a:miter lim="400000"/>
+            <a:tailEnd type="stealth"/>
+          </a:ln>
+        </p:spPr>
+        <p:txBody>
+          <a:bodyPr lIns="35717" tIns="35717" rIns="35717" bIns="35717" anchor="ctr"/>
+          <a:lstStyle/>
+          <a:p>
+            <a:pPr>
+              <a:defRPr sz="2400"/>
+            </a:pPr>
+            <a:endParaRPr/>
+          </a:p>
+        </p:txBody>
+      </p:sp>
+      <p:sp>
+        <p:nvSpPr>
+          <p:cNvPr id="196" name="Shape 196"/>
+          <p:cNvSpPr/>
+          <p:nvPr/>
+        </p:nvSpPr>
+        <p:spPr>
+          <a:xfrm flipH="1" flipV="1">
+            <a:off x="3805842" y="861609"/>
+            <a:ext cx="24995" cy="933259"/>
+          </a:xfrm>
+          <a:prstGeom prst="line">
+            <a:avLst/>
+          </a:prstGeom>
+          <a:ln w="38100">
+            <a:solidFill>
+              <a:srgbClr val="000000"/>
+            </a:solidFill>
+            <a:miter lim="400000"/>
+            <a:tailEnd type="stealth"/>
+          </a:ln>
+        </p:spPr>
+        <p:txBody>
+          <a:bodyPr lIns="35717" tIns="35717" rIns="35717" bIns="35717" anchor="ctr"/>
+          <a:lstStyle/>
+          <a:p>
+            <a:pPr>
+              <a:defRPr sz="2400"/>
+            </a:pPr>
+            <a:endParaRPr/>
+          </a:p>
+        </p:txBody>
+      </p:sp>
+      <p:sp>
+        <p:nvSpPr>
+          <p:cNvPr id="197" name="Shape 197"/>
+          <p:cNvSpPr/>
+          <p:nvPr/>
+        </p:nvSpPr>
+        <p:spPr>
+          <a:xfrm flipV="1">
+            <a:off x="3833062" y="858100"/>
+            <a:ext cx="3102908" cy="940725"/>
+          </a:xfrm>
+          <a:prstGeom prst="line">
+            <a:avLst/>
+          </a:prstGeom>
+          <a:ln w="38100">
+            <a:solidFill>
+              <a:srgbClr val="000000"/>
+            </a:solidFill>
+            <a:miter lim="400000"/>
+            <a:tailEnd type="stealth"/>
+          </a:ln>
+        </p:spPr>
+        <p:txBody>
+          <a:bodyPr lIns="35717" tIns="35717" rIns="35717" bIns="35717" anchor="ctr"/>
+          <a:lstStyle/>
+          <a:p>
+            <a:pPr>
+              <a:defRPr sz="2400"/>
+            </a:pPr>
+            <a:endParaRPr/>
+          </a:p>
+        </p:txBody>
+      </p:sp>
+      <p:sp>
+        <p:nvSpPr>
+          <p:cNvPr id="198" name="Shape 198"/>
+          <p:cNvSpPr/>
+          <p:nvPr/>
+        </p:nvSpPr>
+        <p:spPr>
+          <a:xfrm flipV="1">
+            <a:off x="4576587" y="845223"/>
+            <a:ext cx="889053" cy="954251"/>
+          </a:xfrm>
+          <a:prstGeom prst="line">
+            <a:avLst/>
+          </a:prstGeom>
+          <a:ln w="38100">
+            <a:solidFill>
+              <a:srgbClr val="000000"/>
+            </a:solidFill>
+            <a:miter lim="400000"/>
+            <a:tailEnd type="stealth"/>
+          </a:ln>
+        </p:spPr>
+        <p:txBody>
+          <a:bodyPr lIns="35717" tIns="35717" rIns="35717" bIns="35717" anchor="ctr"/>
+          <a:lstStyle/>
+          <a:p>
+            <a:pPr>
+              <a:defRPr sz="2400"/>
+            </a:pPr>
+            <a:endParaRPr/>
+          </a:p>
+        </p:txBody>
+      </p:sp>
+      <p:sp>
+        <p:nvSpPr>
+          <p:cNvPr id="199" name="Shape 199"/>
+          <p:cNvSpPr/>
+          <p:nvPr/>
+        </p:nvSpPr>
+        <p:spPr>
+          <a:xfrm flipV="1">
+            <a:off x="5341421" y="850614"/>
+            <a:ext cx="817170" cy="946152"/>
+          </a:xfrm>
+          <a:prstGeom prst="line">
+            <a:avLst/>
+          </a:prstGeom>
+          <a:ln w="38100">
+            <a:solidFill>
+              <a:srgbClr val="000000"/>
+            </a:solidFill>
+            <a:miter lim="400000"/>
+            <a:tailEnd type="stealth"/>
+          </a:ln>
+        </p:spPr>
+        <p:txBody>
+          <a:bodyPr lIns="35717" tIns="35717" rIns="35717" bIns="35717" anchor="ctr"/>
+          <a:lstStyle/>
+          <a:p>
+            <a:pPr>
+              <a:defRPr sz="2400"/>
+            </a:pPr>
+            <a:endParaRPr/>
+          </a:p>
+        </p:txBody>
+      </p:sp>
+      <p:sp>
+        <p:nvSpPr>
+          <p:cNvPr id="200" name="Shape 200"/>
+          <p:cNvSpPr/>
+          <p:nvPr/>
+        </p:nvSpPr>
+        <p:spPr>
+          <a:xfrm flipH="1" flipV="1">
+            <a:off x="4616041" y="853599"/>
+            <a:ext cx="1303363" cy="937918"/>
+          </a:xfrm>
+          <a:prstGeom prst="line">
+            <a:avLst/>
+          </a:prstGeom>
+          <a:ln w="38100">
+            <a:solidFill>
+              <a:srgbClr val="000000"/>
+            </a:solidFill>
+            <a:miter lim="400000"/>
+            <a:tailEnd type="stealth"/>
+          </a:ln>
+        </p:spPr>
+        <p:txBody>
+          <a:bodyPr lIns="35717" tIns="35717" rIns="35717" bIns="35717" anchor="ctr"/>
+          <a:lstStyle/>
+          <a:p>
+            <a:pPr>
+              <a:defRPr sz="2400"/>
+            </a:pPr>
+            <a:endParaRPr/>
+          </a:p>
+        </p:txBody>
+      </p:sp>
+      <p:sp>
+        <p:nvSpPr>
+          <p:cNvPr id="201" name="Shape 201"/>
+          <p:cNvSpPr/>
+          <p:nvPr/>
+        </p:nvSpPr>
+        <p:spPr>
+          <a:xfrm flipH="1" flipV="1">
+            <a:off x="3138822" y="867176"/>
+            <a:ext cx="2781561" cy="945551"/>
+          </a:xfrm>
+          <a:prstGeom prst="line">
+            <a:avLst/>
+          </a:prstGeom>
+          <a:ln w="38100">
+            <a:solidFill>
+              <a:srgbClr val="000000"/>
+            </a:solidFill>
+            <a:miter lim="400000"/>
+            <a:tailEnd type="stealth"/>
+          </a:ln>
+        </p:spPr>
+        <p:txBody>
+          <a:bodyPr lIns="35717" tIns="35717" rIns="35717" bIns="35717" anchor="ctr"/>
+          <a:lstStyle/>
+          <a:p>
+            <a:pPr>
+              <a:defRPr sz="2400"/>
+            </a:pPr>
+            <a:endParaRPr/>
+          </a:p>
+        </p:txBody>
+      </p:sp>
+      <p:sp>
+        <p:nvSpPr>
+          <p:cNvPr id="202" name="Shape 202"/>
+          <p:cNvSpPr/>
+          <p:nvPr/>
+        </p:nvSpPr>
+        <p:spPr>
+          <a:xfrm flipV="1">
+            <a:off x="6713313" y="844723"/>
+            <a:ext cx="228577" cy="964522"/>
+          </a:xfrm>
+          <a:prstGeom prst="line">
+            <a:avLst/>
+          </a:prstGeom>
+          <a:ln w="38100">
+            <a:solidFill>
+              <a:srgbClr val="000000"/>
+            </a:solidFill>
+            <a:miter lim="400000"/>
+            <a:tailEnd type="stealth"/>
+          </a:ln>
+        </p:spPr>
+        <p:txBody>
+          <a:bodyPr lIns="35717" tIns="35717" rIns="35717" bIns="35717" anchor="ctr"/>
+          <a:lstStyle/>
+          <a:p>
+            <a:pPr>
+              <a:defRPr sz="2400"/>
+            </a:pPr>
+            <a:endParaRPr/>
+          </a:p>
+        </p:txBody>
+      </p:sp>
+      <p:sp>
+        <p:nvSpPr>
+          <p:cNvPr id="203" name="Shape 203"/>
+          <p:cNvSpPr/>
+          <p:nvPr/>
+        </p:nvSpPr>
+        <p:spPr>
+          <a:xfrm flipH="1" flipV="1">
+            <a:off x="6963066" y="842981"/>
+            <a:ext cx="442418" cy="956493"/>
+          </a:xfrm>
+          <a:prstGeom prst="line">
+            <a:avLst/>
+          </a:prstGeom>
+          <a:ln w="38100">
+            <a:solidFill>
+              <a:srgbClr val="000000"/>
+            </a:solidFill>
+            <a:miter lim="400000"/>
+            <a:tailEnd type="stealth"/>
+          </a:ln>
+        </p:spPr>
+        <p:txBody>
+          <a:bodyPr lIns="35717" tIns="35717" rIns="35717" bIns="35717" anchor="ctr"/>
+          <a:lstStyle/>
+          <a:p>
+            <a:pPr>
+              <a:defRPr sz="2400"/>
+            </a:pPr>
+            <a:endParaRPr/>
+          </a:p>
+        </p:txBody>
+      </p:sp>
+      <p:sp>
+        <p:nvSpPr>
+          <p:cNvPr id="204" name="Shape 204"/>
+          <p:cNvSpPr/>
+          <p:nvPr/>
+        </p:nvSpPr>
+        <p:spPr>
+          <a:xfrm flipH="1" flipV="1">
+            <a:off x="5451733" y="865339"/>
+            <a:ext cx="1931079" cy="930030"/>
+          </a:xfrm>
+          <a:prstGeom prst="line">
+            <a:avLst/>
+          </a:prstGeom>
+          <a:ln w="38100">
+            <a:solidFill>
+              <a:srgbClr val="000000"/>
+            </a:solidFill>
+            <a:miter lim="400000"/>
+            <a:tailEnd type="stealth"/>
+          </a:ln>
+        </p:spPr>
+        <p:txBody>
+          <a:bodyPr lIns="35717" tIns="35717" rIns="35717" bIns="35717" anchor="ctr"/>
+          <a:lstStyle/>
+          <a:p>
+            <a:pPr>
+              <a:defRPr sz="2400"/>
+            </a:pPr>
+            <a:endParaRPr/>
+          </a:p>
+        </p:txBody>
+      </p:sp>
+      <p:sp>
+        <p:nvSpPr>
+          <p:cNvPr id="205" name="Shape 205"/>
+          <p:cNvSpPr/>
+          <p:nvPr/>
+        </p:nvSpPr>
+        <p:spPr>
+          <a:xfrm>
+            <a:off x="4772953" y="2209662"/>
+            <a:ext cx="323804" cy="349131"/>
+          </a:xfrm>
+          <a:prstGeom prst="rect">
+            <a:avLst/>
+          </a:prstGeom>
+          <a:ln w="12700">
+            <a:miter lim="400000"/>
+          </a:ln>
+          <a:extLst>
+            <a:ext uri="{C572A759-6A51-4108-AA02-DFA0A04FC94B}">
+              <ma14:wrappingTextBoxFlag xmlns:ma14="http://schemas.microsoft.com/office/mac/drawingml/2011/main" xmlns="" val="1"/>
+            </a:ext>
+          </a:extLst>
+        </p:spPr>
+        <p:txBody>
+          <a:bodyPr wrap="none" lIns="35717" tIns="35717" rIns="35717" bIns="35717" anchor="ctr">
+            <a:spAutoFit/>
+          </a:bodyPr>
+          <a:lstStyle/>
+          <a:p>
+            <a:r>
+              <a:t>(a)</a:t>
+            </a:r>
+          </a:p>
+        </p:txBody>
+      </p:sp>
+      <p:sp>
+        <p:nvSpPr>
+          <p:cNvPr id="206" name="Shape 206"/>
+          <p:cNvSpPr/>
+          <p:nvPr/>
+        </p:nvSpPr>
+        <p:spPr>
+          <a:xfrm>
+            <a:off x="3665761" y="5102881"/>
+            <a:ext cx="335024" cy="349131"/>
+          </a:xfrm>
+          <a:prstGeom prst="rect">
+            <a:avLst/>
+          </a:prstGeom>
+          <a:ln w="12700">
+            <a:miter lim="400000"/>
+          </a:ln>
+          <a:extLst>
+            <a:ext uri="{C572A759-6A51-4108-AA02-DFA0A04FC94B}">
+              <ma14:wrappingTextBoxFlag xmlns:ma14="http://schemas.microsoft.com/office/mac/drawingml/2011/main" xmlns="" val="1"/>
+            </a:ext>
+          </a:extLst>
+        </p:spPr>
+        <p:txBody>
+          <a:bodyPr wrap="none" lIns="35717" tIns="35717" rIns="35717" bIns="35717" anchor="ctr">
+            <a:spAutoFit/>
+          </a:bodyPr>
+          <a:lstStyle/>
+          <a:p>
+            <a:r>
+              <a:t>(b)</a:t>
+            </a:r>
+          </a:p>
+        </p:txBody>
+      </p:sp>
+      <p:sp>
+        <p:nvSpPr>
+          <p:cNvPr id="207" name="Shape 207"/>
+          <p:cNvSpPr/>
+          <p:nvPr/>
+        </p:nvSpPr>
+        <p:spPr>
+          <a:xfrm>
+            <a:off x="7103602" y="5102881"/>
+            <a:ext cx="310980" cy="349131"/>
+          </a:xfrm>
+          <a:prstGeom prst="rect">
+            <a:avLst/>
+          </a:prstGeom>
+          <a:ln w="12700">
+            <a:miter lim="400000"/>
+          </a:ln>
+          <a:extLst>
+            <a:ext uri="{C572A759-6A51-4108-AA02-DFA0A04FC94B}">
+              <ma14:wrappingTextBoxFlag xmlns:ma14="http://schemas.microsoft.com/office/mac/drawingml/2011/main" xmlns="" val="1"/>
+            </a:ext>
+          </a:extLst>
+        </p:spPr>
+        <p:txBody>
+          <a:bodyPr wrap="none" lIns="35717" tIns="35717" rIns="35717" bIns="35717" anchor="ctr">
+            <a:spAutoFit/>
+          </a:bodyPr>
+          <a:lstStyle/>
+          <a:p>
+            <a:r>
+              <a:t>(c)</a:t>
+            </a:r>
+          </a:p>
+        </p:txBody>
+      </p:sp>
+      <p:sp>
+        <p:nvSpPr>
+          <p:cNvPr id="208" name="Shape 208"/>
+          <p:cNvSpPr/>
+          <p:nvPr/>
+        </p:nvSpPr>
+        <p:spPr>
+          <a:xfrm flipV="1">
+            <a:off x="3820431" y="860094"/>
+            <a:ext cx="1575645" cy="949466"/>
+          </a:xfrm>
+          <a:prstGeom prst="line">
+            <a:avLst/>
+          </a:prstGeom>
+          <a:ln w="38100">
+            <a:solidFill>
+              <a:srgbClr val="000000"/>
+            </a:solidFill>
+            <a:miter lim="400000"/>
+            <a:tailEnd type="stealth"/>
+          </a:ln>
+        </p:spPr>
+        <p:txBody>
+          <a:bodyPr lIns="35717" tIns="35717" rIns="35717" bIns="35717" anchor="ctr"/>
+          <a:lstStyle/>
+          <a:p>
+            <a:pPr>
+              <a:defRPr sz="2400"/>
+            </a:pPr>
+            <a:endParaRPr/>
+          </a:p>
+        </p:txBody>
+      </p:sp>
+      <p:sp>
+        <p:nvSpPr>
+          <p:cNvPr id="209" name="Shape 209"/>
+          <p:cNvSpPr/>
+          <p:nvPr/>
+        </p:nvSpPr>
+        <p:spPr>
+          <a:xfrm flipH="1" flipV="1">
+            <a:off x="6167378" y="850998"/>
+            <a:ext cx="1233733" cy="940519"/>
+          </a:xfrm>
+          <a:prstGeom prst="line">
+            <a:avLst/>
+          </a:prstGeom>
+          <a:ln w="38100">
+            <a:solidFill>
+              <a:srgbClr val="000000"/>
+            </a:solidFill>
+            <a:miter lim="400000"/>
+            <a:tailEnd type="stealth"/>
+          </a:ln>
+        </p:spPr>
+        <p:txBody>
+          <a:bodyPr lIns="35717" tIns="35717" rIns="35717" bIns="35717" anchor="ctr"/>
+          <a:lstStyle/>
+          <a:p>
+            <a:pPr>
+              <a:defRPr sz="2400"/>
+            </a:pPr>
+            <a:endParaRPr/>
+          </a:p>
+        </p:txBody>
+      </p:sp>
+      <p:sp>
+        <p:nvSpPr>
+          <p:cNvPr id="210" name="Shape 210"/>
+          <p:cNvSpPr/>
+          <p:nvPr/>
+        </p:nvSpPr>
+        <p:spPr>
+          <a:xfrm flipH="1" flipV="1">
+            <a:off x="4694692" y="3538512"/>
+            <a:ext cx="1090832" cy="855598"/>
+          </a:xfrm>
+          <a:prstGeom prst="line">
+            <a:avLst/>
+          </a:prstGeom>
+          <a:ln w="38100">
+            <a:solidFill>
+              <a:srgbClr val="000000"/>
+            </a:solidFill>
+            <a:miter lim="400000"/>
+            <a:tailEnd type="stealth"/>
+          </a:ln>
+        </p:spPr>
+        <p:txBody>
+          <a:bodyPr lIns="35717" tIns="35717" rIns="35717" bIns="35717" anchor="ctr"/>
+          <a:lstStyle/>
+          <a:p>
+            <a:pPr>
+              <a:defRPr sz="2400"/>
+            </a:pPr>
+            <a:endParaRPr/>
+          </a:p>
+        </p:txBody>
+      </p:sp>
+      <p:sp>
+        <p:nvSpPr>
+          <p:cNvPr id="211" name="Shape 211"/>
+          <p:cNvSpPr/>
+          <p:nvPr/>
+        </p:nvSpPr>
+        <p:spPr>
+          <a:xfrm flipV="1">
+            <a:off x="2782351" y="3472663"/>
+            <a:ext cx="1281644" cy="984912"/>
+          </a:xfrm>
+          <a:prstGeom prst="line">
+            <a:avLst/>
+          </a:prstGeom>
+          <a:ln w="38100">
+            <a:solidFill>
+              <a:srgbClr val="000000"/>
+            </a:solidFill>
+            <a:miter lim="400000"/>
+            <a:tailEnd type="stealth"/>
+          </a:ln>
+        </p:spPr>
+        <p:txBody>
+          <a:bodyPr lIns="35717" tIns="35717" rIns="35717" bIns="35717" anchor="ctr"/>
+          <a:lstStyle/>
+          <a:p>
+            <a:pPr>
+              <a:defRPr sz="2400"/>
+            </a:pPr>
+            <a:endParaRPr/>
+          </a:p>
+        </p:txBody>
+      </p:sp>
+    </p:spTree>
+    <p:extLst>
+      <p:ext uri="{BB962C8B-B14F-4D97-AF65-F5344CB8AC3E}">
+        <p14:creationId xmlns:p14="http://schemas.microsoft.com/office/powerpoint/2010/main" val="3021863363"/>
+      </p:ext>
+    </p:extLst>
+  </p:cSld>
+  <p:clrMapOvr>
+    <a:masterClrMapping/>
+  </p:clrMapOvr>
+  <p:transition spd="med"/>
+</p:sld>
+</file>
+
+<file path=ppt/slides/slide7.xml><?xml version="1.0" encoding="utf-8"?>
+<p:sld xmlns:a="http://schemas.openxmlformats.org/drawingml/2006/main" xmlns:r="http://schemas.openxmlformats.org/officeDocument/2006/relationships" xmlns:p="http://schemas.openxmlformats.org/presentationml/2006/main">
+  <p:cSld>
+    <p:spTree>
+      <p:nvGrpSpPr>
+        <p:cNvPr id="1" name=""/>
+        <p:cNvGrpSpPr/>
+        <p:nvPr/>
+      </p:nvGrpSpPr>
+      <p:grpSpPr>
+        <a:xfrm>
+          <a:off x="0" y="0"/>
+          <a:ext cx="0" cy="0"/>
+          <a:chOff x="0" y="0"/>
+          <a:chExt cx="0" cy="0"/>
+        </a:xfrm>
+      </p:grpSpPr>
+      <p:sp>
+        <p:nvSpPr>
+          <p:cNvPr id="213" name="Shape 213"/>
+          <p:cNvSpPr/>
+          <p:nvPr/>
+        </p:nvSpPr>
+        <p:spPr>
+          <a:xfrm>
+            <a:off x="884039" y="716756"/>
+            <a:ext cx="419695" cy="428625"/>
+          </a:xfrm>
+          <a:prstGeom prst="ellipse">
+            <a:avLst/>
+          </a:prstGeom>
+          <a:ln w="25400">
+            <a:solidFill>
+              <a:srgbClr val="000000"/>
+            </a:solidFill>
+            <a:miter lim="400000"/>
+          </a:ln>
+          <a:extLst>
+            <a:ext uri="{C572A759-6A51-4108-AA02-DFA0A04FC94B}">
+              <ma14:wrappingTextBoxFlag xmlns:ma14="http://schemas.microsoft.com/office/mac/drawingml/2011/main" xmlns="" val="1"/>
+            </a:ext>
+          </a:extLst>
+        </p:spPr>
+        <p:txBody>
+          <a:bodyPr lIns="35717" tIns="35717" rIns="35717" bIns="35717" anchor="ctr"/>
+          <a:lstStyle>
+            <a:lvl1pPr>
+              <a:defRPr sz="2400"/>
+            </a:lvl1pPr>
+          </a:lstStyle>
+          <a:p>
+            <a:pPr algn="ctr"/>
+            <a:r>
+              <a:rPr dirty="0"/>
+              <a:t>A</a:t>
+            </a:r>
+          </a:p>
+        </p:txBody>
+      </p:sp>
+      <p:sp>
+        <p:nvSpPr>
+          <p:cNvPr id="214" name="Shape 214"/>
+          <p:cNvSpPr/>
+          <p:nvPr/>
+        </p:nvSpPr>
+        <p:spPr>
+          <a:xfrm>
+            <a:off x="884039" y="1306116"/>
+            <a:ext cx="419695" cy="428625"/>
+          </a:xfrm>
+          <a:prstGeom prst="ellipse">
+            <a:avLst/>
+          </a:prstGeom>
+          <a:ln w="25400">
+            <a:solidFill>
+              <a:srgbClr val="000000"/>
+            </a:solidFill>
+            <a:miter lim="400000"/>
+          </a:ln>
+          <a:extLst>
+            <a:ext uri="{C572A759-6A51-4108-AA02-DFA0A04FC94B}">
+              <ma14:wrappingTextBoxFlag xmlns:ma14="http://schemas.microsoft.com/office/mac/drawingml/2011/main" xmlns="" val="1"/>
+            </a:ext>
+          </a:extLst>
+        </p:spPr>
+        <p:txBody>
+          <a:bodyPr lIns="35717" tIns="35717" rIns="35717" bIns="35717" anchor="ctr"/>
+          <a:lstStyle>
+            <a:lvl1pPr>
+              <a:defRPr sz="2400"/>
+            </a:lvl1pPr>
+          </a:lstStyle>
+          <a:p>
+            <a:pPr algn="ctr"/>
+            <a:r>
+              <a:t>B</a:t>
+            </a:r>
+          </a:p>
+        </p:txBody>
+      </p:sp>
+      <p:sp>
+        <p:nvSpPr>
+          <p:cNvPr id="215" name="Shape 215"/>
+          <p:cNvSpPr/>
+          <p:nvPr/>
+        </p:nvSpPr>
+        <p:spPr>
+          <a:xfrm>
+            <a:off x="884039" y="1895475"/>
+            <a:ext cx="419695" cy="428625"/>
+          </a:xfrm>
+          <a:prstGeom prst="ellipse">
+            <a:avLst/>
+          </a:prstGeom>
+          <a:ln w="25400">
+            <a:solidFill>
+              <a:srgbClr val="000000"/>
+            </a:solidFill>
+            <a:miter lim="400000"/>
+          </a:ln>
+          <a:extLst>
+            <a:ext uri="{C572A759-6A51-4108-AA02-DFA0A04FC94B}">
+              <ma14:wrappingTextBoxFlag xmlns:ma14="http://schemas.microsoft.com/office/mac/drawingml/2011/main" xmlns="" val="1"/>
+            </a:ext>
+          </a:extLst>
+        </p:spPr>
+        <p:txBody>
+          <a:bodyPr lIns="35717" tIns="35717" rIns="35717" bIns="35717" anchor="ctr"/>
+          <a:lstStyle>
+            <a:lvl1pPr>
+              <a:defRPr sz="2400"/>
+            </a:lvl1pPr>
+          </a:lstStyle>
+          <a:p>
+            <a:pPr algn="ctr"/>
+            <a:r>
+              <a:t>C</a:t>
+            </a:r>
+          </a:p>
+        </p:txBody>
+      </p:sp>
+      <p:sp>
+        <p:nvSpPr>
+          <p:cNvPr id="216" name="Shape 216"/>
+          <p:cNvSpPr/>
+          <p:nvPr/>
+        </p:nvSpPr>
+        <p:spPr>
+          <a:xfrm>
+            <a:off x="1785938" y="716756"/>
+            <a:ext cx="419695" cy="428625"/>
+          </a:xfrm>
+          <a:prstGeom prst="ellipse">
+            <a:avLst/>
+          </a:prstGeom>
+          <a:ln w="25400">
+            <a:solidFill>
+              <a:srgbClr val="000000"/>
+            </a:solidFill>
+            <a:miter lim="400000"/>
+          </a:ln>
+          <a:extLst>
+            <a:ext uri="{C572A759-6A51-4108-AA02-DFA0A04FC94B}">
+              <ma14:wrappingTextBoxFlag xmlns:ma14="http://schemas.microsoft.com/office/mac/drawingml/2011/main" xmlns="" val="1"/>
+            </a:ext>
+          </a:extLst>
+        </p:spPr>
+        <p:txBody>
+          <a:bodyPr lIns="35717" tIns="35717" rIns="35717" bIns="35717" anchor="ctr"/>
+          <a:lstStyle>
+            <a:lvl1pPr>
+              <a:defRPr sz="2400"/>
+            </a:lvl1pPr>
+          </a:lstStyle>
+          <a:p>
+            <a:pPr algn="ctr"/>
+            <a:r>
+              <a:t>D</a:t>
+            </a:r>
+          </a:p>
+        </p:txBody>
+      </p:sp>
+      <p:sp>
+        <p:nvSpPr>
+          <p:cNvPr id="217" name="Shape 217"/>
+          <p:cNvSpPr/>
+          <p:nvPr/>
+        </p:nvSpPr>
+        <p:spPr>
+          <a:xfrm>
+            <a:off x="1785938" y="1306116"/>
+            <a:ext cx="419695" cy="428625"/>
+          </a:xfrm>
+          <a:prstGeom prst="ellipse">
+            <a:avLst/>
+          </a:prstGeom>
+          <a:ln w="25400">
+            <a:solidFill>
+              <a:srgbClr val="000000"/>
+            </a:solidFill>
+            <a:miter lim="400000"/>
+          </a:ln>
+          <a:extLst>
+            <a:ext uri="{C572A759-6A51-4108-AA02-DFA0A04FC94B}">
+              <ma14:wrappingTextBoxFlag xmlns:ma14="http://schemas.microsoft.com/office/mac/drawingml/2011/main" xmlns="" val="1"/>
+            </a:ext>
+          </a:extLst>
+        </p:spPr>
+        <p:txBody>
+          <a:bodyPr lIns="35717" tIns="35717" rIns="35717" bIns="35717" anchor="ctr"/>
+          <a:lstStyle>
+            <a:lvl1pPr>
+              <a:defRPr sz="2400"/>
+            </a:lvl1pPr>
+          </a:lstStyle>
+          <a:p>
+            <a:pPr algn="ctr"/>
+            <a:r>
+              <a:t>E</a:t>
+            </a:r>
+          </a:p>
+        </p:txBody>
+      </p:sp>
+      <p:sp>
+        <p:nvSpPr>
+          <p:cNvPr id="218" name="Shape 218"/>
+          <p:cNvSpPr/>
+          <p:nvPr/>
+        </p:nvSpPr>
+        <p:spPr>
+          <a:xfrm>
+            <a:off x="1785938" y="1895475"/>
+            <a:ext cx="419695" cy="428625"/>
+          </a:xfrm>
+          <a:prstGeom prst="ellipse">
+            <a:avLst/>
+          </a:prstGeom>
+          <a:ln w="25400">
+            <a:solidFill>
+              <a:srgbClr val="000000"/>
+            </a:solidFill>
+            <a:miter lim="400000"/>
+          </a:ln>
+          <a:extLst>
+            <a:ext uri="{C572A759-6A51-4108-AA02-DFA0A04FC94B}">
+              <ma14:wrappingTextBoxFlag xmlns:ma14="http://schemas.microsoft.com/office/mac/drawingml/2011/main" xmlns="" val="1"/>
+            </a:ext>
+          </a:extLst>
+        </p:spPr>
+        <p:txBody>
+          <a:bodyPr lIns="35717" tIns="35717" rIns="35717" bIns="35717" anchor="ctr"/>
+          <a:lstStyle>
+            <a:lvl1pPr>
+              <a:defRPr sz="2400"/>
+            </a:lvl1pPr>
+          </a:lstStyle>
+          <a:p>
+            <a:pPr algn="ctr"/>
+            <a:r>
+              <a:t>F</a:t>
+            </a:r>
+          </a:p>
+        </p:txBody>
+      </p:sp>
+      <p:sp>
+        <p:nvSpPr>
+          <p:cNvPr id="219" name="Shape 219"/>
+          <p:cNvSpPr/>
+          <p:nvPr/>
+        </p:nvSpPr>
+        <p:spPr>
+          <a:xfrm>
+            <a:off x="759023" y="609600"/>
+            <a:ext cx="607219" cy="1821656"/>
+          </a:xfrm>
+          <a:prstGeom prst="roundRect">
+            <a:avLst>
+              <a:gd name="adj" fmla="val 22059"/>
+            </a:avLst>
+          </a:prstGeom>
+          <a:ln w="25400">
+            <a:solidFill>
+              <a:schemeClr val="accent5"/>
+            </a:solidFill>
+            <a:custDash>
+              <a:ds d="600000" sp="600000"/>
+            </a:custDash>
+            <a:miter lim="400000"/>
+          </a:ln>
+        </p:spPr>
+        <p:txBody>
+          <a:bodyPr lIns="35717" tIns="35717" rIns="35717" bIns="35717" anchor="ctr"/>
+          <a:lstStyle/>
+          <a:p>
+            <a:pPr>
+              <a:defRPr sz="2400">
+                <a:solidFill>
+                  <a:srgbClr val="FFFFFF"/>
+                </a:solidFill>
+              </a:defRPr>
+            </a:pPr>
+            <a:endParaRPr/>
+          </a:p>
+        </p:txBody>
+      </p:sp>
+      <p:sp>
+        <p:nvSpPr>
+          <p:cNvPr id="220" name="Shape 220"/>
+          <p:cNvSpPr/>
+          <p:nvPr/>
+        </p:nvSpPr>
+        <p:spPr>
+          <a:xfrm>
+            <a:off x="1696641" y="609600"/>
+            <a:ext cx="607219" cy="1821656"/>
+          </a:xfrm>
+          <a:prstGeom prst="roundRect">
+            <a:avLst>
+              <a:gd name="adj" fmla="val 22059"/>
+            </a:avLst>
+          </a:prstGeom>
+          <a:ln w="25400">
+            <a:solidFill>
+              <a:schemeClr val="accent5"/>
+            </a:solidFill>
+            <a:custDash>
+              <a:ds d="600000" sp="600000"/>
+            </a:custDash>
+            <a:miter lim="400000"/>
+          </a:ln>
+        </p:spPr>
+        <p:txBody>
+          <a:bodyPr lIns="35717" tIns="35717" rIns="35717" bIns="35717" anchor="ctr"/>
+          <a:lstStyle/>
+          <a:p>
+            <a:pPr>
+              <a:defRPr sz="2400">
+                <a:solidFill>
+                  <a:srgbClr val="FFFFFF"/>
+                </a:solidFill>
+              </a:defRPr>
+            </a:pPr>
+            <a:endParaRPr/>
+          </a:p>
+        </p:txBody>
+      </p:sp>
+      <p:sp>
+        <p:nvSpPr>
+          <p:cNvPr id="221" name="Shape 221"/>
+          <p:cNvSpPr/>
+          <p:nvPr/>
+        </p:nvSpPr>
+        <p:spPr>
+          <a:xfrm>
+            <a:off x="887722" y="146315"/>
+            <a:ext cx="72196" cy="318353"/>
+          </a:xfrm>
+          <a:prstGeom prst="rect">
+            <a:avLst/>
+          </a:prstGeom>
+          <a:ln w="12700">
+            <a:miter lim="400000"/>
+          </a:ln>
+          <a:extLst>
+            <a:ext uri="{C572A759-6A51-4108-AA02-DFA0A04FC94B}">
+              <ma14:wrappingTextBoxFlag xmlns:ma14="http://schemas.microsoft.com/office/mac/drawingml/2011/main" xmlns="" val="1"/>
+            </a:ext>
+          </a:extLst>
+        </p:spPr>
+        <p:txBody>
+          <a:bodyPr wrap="none" lIns="35717" tIns="35717" rIns="35717" bIns="35717" anchor="ctr">
+            <a:spAutoFit/>
+          </a:bodyPr>
+          <a:lstStyle>
+            <a:lvl1pPr>
+              <a:defRPr sz="2000" b="1">
+                <a:latin typeface="Helvetica"/>
+                <a:ea typeface="Helvetica"/>
+                <a:cs typeface="Helvetica"/>
+                <a:sym typeface="Helvetica"/>
+              </a:defRPr>
+            </a:lvl1pPr>
+          </a:lstStyle>
+          <a:p>
+            <a:endParaRPr sz="1600" dirty="0">
+              <a:latin typeface="+mj-lt"/>
+            </a:endParaRPr>
+          </a:p>
+        </p:txBody>
+      </p:sp>
+      <p:sp>
+        <p:nvSpPr>
+          <p:cNvPr id="222" name="Shape 222"/>
+          <p:cNvSpPr/>
+          <p:nvPr/>
+        </p:nvSpPr>
+        <p:spPr>
+          <a:xfrm flipV="1">
+            <a:off x="2514600" y="1671791"/>
+            <a:ext cx="1419815" cy="4097"/>
+          </a:xfrm>
+          <a:prstGeom prst="line">
+            <a:avLst/>
+          </a:prstGeom>
+          <a:ln w="50800">
+            <a:solidFill>
+              <a:srgbClr val="000000"/>
+            </a:solidFill>
+            <a:miter lim="400000"/>
+            <a:tailEnd type="stealth"/>
+          </a:ln>
+        </p:spPr>
+        <p:txBody>
+          <a:bodyPr lIns="35717" tIns="35717" rIns="35717" bIns="35717" anchor="ctr"/>
+          <a:lstStyle/>
+          <a:p>
+            <a:pPr>
+              <a:defRPr sz="2400"/>
+            </a:pPr>
+            <a:endParaRPr/>
+          </a:p>
+        </p:txBody>
+      </p:sp>
+      <p:graphicFrame>
+        <p:nvGraphicFramePr>
+          <p:cNvPr id="224" name="Table 224"/>
+          <p:cNvGraphicFramePr/>
+          <p:nvPr>
+            <p:extLst>
+              <p:ext uri="{D42A27DB-BD31-4B8C-83A1-F6EECF244321}">
+                <p14:modId xmlns:p14="http://schemas.microsoft.com/office/powerpoint/2010/main" val="489674044"/>
+              </p:ext>
+            </p:extLst>
+          </p:nvPr>
+        </p:nvGraphicFramePr>
+        <p:xfrm>
+          <a:off x="4191000" y="609600"/>
+          <a:ext cx="1724577" cy="2420306"/>
+        </p:xfrm>
+        <a:graphic>
+          <a:graphicData uri="http://schemas.openxmlformats.org/drawingml/2006/table">
+            <a:tbl>
+              <a:tblPr/>
+              <a:tblGrid>
+                <a:gridCol w="706438"/>
+                <a:gridCol w="1018139"/>
+              </a:tblGrid>
+              <a:tr h="273843">
+                <a:tc>
+                  <a:txBody>
+                    <a:bodyPr/>
+                    <a:lstStyle/>
+                    <a:p>
+                      <a:pPr defTabSz="914400"/>
+                      <a:r>
+                        <a:rPr sz="1800" b="1" dirty="0">
+                          <a:latin typeface="+mj-lt"/>
+                          <a:ea typeface="Helvetica"/>
+                          <a:cs typeface="Helvetica"/>
+                          <a:sym typeface="Helvetica"/>
+                        </a:rPr>
+                        <a:t>Node</a:t>
+                      </a:r>
+                    </a:p>
+                  </a:txBody>
+                  <a:tcPr marL="35719" marR="35719" marT="35719" marB="35719" anchor="ctr" horzOverflow="overflow">
+                    <a:noFill/>
+                  </a:tcPr>
+                </a:tc>
+                <a:tc>
+                  <a:txBody>
+                    <a:bodyPr/>
+                    <a:lstStyle/>
+                    <a:p>
+                      <a:pPr defTabSz="914400"/>
+                      <a:r>
+                        <a:rPr lang="en-US" sz="1800" b="1" dirty="0" smtClean="0">
+                          <a:latin typeface="+mj-lt"/>
+                          <a:ea typeface="Helvetica"/>
+                          <a:cs typeface="Helvetica"/>
+                          <a:sym typeface="Helvetica"/>
+                        </a:rPr>
+                        <a:t>Window</a:t>
+                      </a:r>
+                      <a:endParaRPr sz="1800" b="1" dirty="0">
+                        <a:latin typeface="+mj-lt"/>
+                        <a:ea typeface="Helvetica"/>
+                        <a:cs typeface="Helvetica"/>
+                        <a:sym typeface="Helvetica"/>
+                      </a:endParaRPr>
+                    </a:p>
+                  </a:txBody>
+                  <a:tcPr marL="35719" marR="35719" marT="35719" marB="35719" anchor="ctr" horzOverflow="overflow">
+                    <a:noFill/>
+                  </a:tcPr>
+                </a:tc>
+              </a:tr>
+              <a:tr h="250031">
+                <a:tc>
+                  <a:txBody>
+                    <a:bodyPr/>
+                    <a:lstStyle/>
+                    <a:p>
+                      <a:pPr defTabSz="914400"/>
+                      <a:r>
+                        <a:rPr sz="1800"/>
+                        <a:t>A</a:t>
+                      </a:r>
+                    </a:p>
+                  </a:txBody>
+                  <a:tcPr marL="35719" marR="35719" marT="35719" marB="35719" anchor="ctr" horzOverflow="overflow">
+                    <a:noFill/>
+                  </a:tcPr>
+                </a:tc>
+                <a:tc>
+                  <a:txBody>
+                    <a:bodyPr/>
+                    <a:lstStyle/>
+                    <a:p>
+                      <a:pPr defTabSz="914400"/>
+                      <a:r>
+                        <a:rPr sz="1800" dirty="0"/>
+                        <a:t>A,B,C</a:t>
+                      </a:r>
+                    </a:p>
+                  </a:txBody>
+                  <a:tcPr marL="35719" marR="35719" marT="35719" marB="35719" anchor="ctr" horzOverflow="overflow">
+                    <a:noFill/>
+                  </a:tcPr>
+                </a:tc>
+              </a:tr>
+              <a:tr h="250031">
+                <a:tc>
+                  <a:txBody>
+                    <a:bodyPr/>
+                    <a:lstStyle/>
+                    <a:p>
+                      <a:pPr defTabSz="914400"/>
+                      <a:r>
+                        <a:rPr sz="1800"/>
+                        <a:t>B</a:t>
+                      </a:r>
+                    </a:p>
+                  </a:txBody>
+                  <a:tcPr marL="35719" marR="35719" marT="35719" marB="35719" anchor="ctr" horzOverflow="overflow">
+                    <a:noFill/>
+                  </a:tcPr>
+                </a:tc>
+                <a:tc>
+                  <a:txBody>
+                    <a:bodyPr/>
+                    <a:lstStyle/>
+                    <a:p>
+                      <a:pPr defTabSz="914400"/>
+                      <a:r>
+                        <a:rPr sz="1800"/>
+                        <a:t>A,B</a:t>
+                      </a:r>
+                    </a:p>
+                  </a:txBody>
+                  <a:tcPr marL="35719" marR="35719" marT="35719" marB="35719" anchor="ctr" horzOverflow="overflow">
+                    <a:noFill/>
+                  </a:tcPr>
+                </a:tc>
+              </a:tr>
+              <a:tr h="250031">
+                <a:tc>
+                  <a:txBody>
+                    <a:bodyPr/>
+                    <a:lstStyle/>
+                    <a:p>
+                      <a:pPr defTabSz="914400"/>
+                      <a:r>
+                        <a:rPr sz="1800"/>
+                        <a:t>C</a:t>
+                      </a:r>
+                    </a:p>
+                  </a:txBody>
+                  <a:tcPr marL="35719" marR="35719" marT="35719" marB="35719" anchor="ctr" horzOverflow="overflow">
+                    <a:noFill/>
+                  </a:tcPr>
+                </a:tc>
+                <a:tc>
+                  <a:txBody>
+                    <a:bodyPr/>
+                    <a:lstStyle/>
+                    <a:p>
+                      <a:pPr defTabSz="914400"/>
+                      <a:r>
+                        <a:rPr sz="1800" dirty="0"/>
+                        <a:t>A,C</a:t>
+                      </a:r>
+                    </a:p>
+                  </a:txBody>
+                  <a:tcPr marL="35719" marR="35719" marT="35719" marB="35719" anchor="ctr" horzOverflow="overflow">
+                    <a:noFill/>
+                  </a:tcPr>
+                </a:tc>
+              </a:tr>
+              <a:tr h="250031">
+                <a:tc>
+                  <a:txBody>
+                    <a:bodyPr/>
+                    <a:lstStyle/>
+                    <a:p>
+                      <a:pPr defTabSz="914400"/>
+                      <a:r>
+                        <a:rPr sz="1800"/>
+                        <a:t>D</a:t>
+                      </a:r>
+                    </a:p>
+                  </a:txBody>
+                  <a:tcPr marL="35719" marR="35719" marT="35719" marB="35719" anchor="ctr" horzOverflow="overflow">
+                    <a:noFill/>
+                  </a:tcPr>
+                </a:tc>
+                <a:tc>
+                  <a:txBody>
+                    <a:bodyPr/>
+                    <a:lstStyle/>
+                    <a:p>
+                      <a:pPr defTabSz="914400"/>
+                      <a:r>
+                        <a:rPr sz="1800"/>
+                        <a:t>A,B,C</a:t>
+                      </a:r>
+                    </a:p>
+                  </a:txBody>
+                  <a:tcPr marL="35719" marR="35719" marT="35719" marB="35719" anchor="ctr" horzOverflow="overflow">
+                    <a:noFill/>
+                  </a:tcPr>
+                </a:tc>
+              </a:tr>
+              <a:tr h="250031">
+                <a:tc>
+                  <a:txBody>
+                    <a:bodyPr/>
+                    <a:lstStyle/>
+                    <a:p>
+                      <a:pPr defTabSz="914400"/>
+                      <a:r>
+                        <a:rPr sz="1800"/>
+                        <a:t>E</a:t>
+                      </a:r>
+                    </a:p>
+                  </a:txBody>
+                  <a:tcPr marL="35719" marR="35719" marT="35719" marB="35719" anchor="ctr" horzOverflow="overflow">
+                    <a:noFill/>
+                  </a:tcPr>
+                </a:tc>
+                <a:tc>
+                  <a:txBody>
+                    <a:bodyPr/>
+                    <a:lstStyle/>
+                    <a:p>
+                      <a:pPr defTabSz="914400"/>
+                      <a:r>
+                        <a:rPr sz="1800"/>
+                        <a:t>A,C</a:t>
+                      </a:r>
+                    </a:p>
+                  </a:txBody>
+                  <a:tcPr marL="35719" marR="35719" marT="35719" marB="35719" anchor="ctr" horzOverflow="overflow">
+                    <a:noFill/>
+                  </a:tcPr>
+                </a:tc>
+              </a:tr>
+              <a:tr h="250031">
+                <a:tc>
+                  <a:txBody>
+                    <a:bodyPr/>
+                    <a:lstStyle/>
+                    <a:p>
+                      <a:pPr defTabSz="914400"/>
+                      <a:r>
+                        <a:rPr sz="1800"/>
+                        <a:t>F</a:t>
+                      </a:r>
+                    </a:p>
+                  </a:txBody>
+                  <a:tcPr marL="35719" marR="35719" marT="35719" marB="35719" anchor="ctr" horzOverflow="overflow">
+                    <a:noFill/>
+                  </a:tcPr>
+                </a:tc>
+                <a:tc>
+                  <a:txBody>
+                    <a:bodyPr/>
+                    <a:lstStyle/>
+                    <a:p>
+                      <a:pPr defTabSz="914400"/>
+                      <a:r>
+                        <a:rPr sz="1800" dirty="0"/>
+                        <a:t>A,B,C</a:t>
+                      </a:r>
+                    </a:p>
+                  </a:txBody>
+                  <a:tcPr marL="35719" marR="35719" marT="35719" marB="35719" anchor="ctr" horzOverflow="overflow">
+                    <a:noFill/>
+                  </a:tcPr>
+                </a:tc>
+              </a:tr>
+            </a:tbl>
+          </a:graphicData>
+        </a:graphic>
+      </p:graphicFrame>
+      <p:sp>
+        <p:nvSpPr>
+          <p:cNvPr id="226" name="Shape 226"/>
+          <p:cNvSpPr/>
+          <p:nvPr/>
+        </p:nvSpPr>
+        <p:spPr>
+          <a:xfrm>
+            <a:off x="6054319" y="3590011"/>
+            <a:ext cx="2329" cy="706339"/>
+          </a:xfrm>
+          <a:prstGeom prst="line">
+            <a:avLst/>
+          </a:prstGeom>
+          <a:ln w="50800">
+            <a:solidFill>
+              <a:srgbClr val="000000"/>
+            </a:solidFill>
+            <a:miter lim="400000"/>
+            <a:tailEnd type="stealth"/>
+          </a:ln>
+        </p:spPr>
+        <p:txBody>
+          <a:bodyPr lIns="35717" tIns="35717" rIns="35717" bIns="35717" anchor="ctr"/>
+          <a:lstStyle/>
+          <a:p>
+            <a:pPr>
+              <a:defRPr sz="2400"/>
+            </a:pPr>
+            <a:endParaRPr/>
+          </a:p>
+        </p:txBody>
+      </p:sp>
+      <p:sp>
+        <p:nvSpPr>
+          <p:cNvPr id="227" name="Shape 227"/>
+          <p:cNvSpPr/>
+          <p:nvPr/>
+        </p:nvSpPr>
+        <p:spPr>
+          <a:xfrm>
+            <a:off x="4038600" y="3581400"/>
+            <a:ext cx="1921805" cy="287575"/>
+          </a:xfrm>
+          <a:prstGeom prst="rect">
+            <a:avLst/>
+          </a:prstGeom>
+          <a:ln w="12700">
+            <a:miter lim="400000"/>
+          </a:ln>
+          <a:extLst>
+            <a:ext uri="{C572A759-6A51-4108-AA02-DFA0A04FC94B}">
+              <ma14:wrappingTextBoxFlag xmlns:ma14="http://schemas.microsoft.com/office/mac/drawingml/2011/main" xmlns="" val="1"/>
+            </a:ext>
+          </a:extLst>
+        </p:spPr>
+        <p:txBody>
+          <a:bodyPr wrap="none" lIns="35717" tIns="35717" rIns="35717" bIns="35717" anchor="ctr">
+            <a:spAutoFit/>
+          </a:bodyPr>
+          <a:lstStyle>
+            <a:lvl1pPr>
+              <a:defRPr sz="2000" i="1"/>
+            </a:lvl1pPr>
+          </a:lstStyle>
+          <a:p>
+            <a:r>
+              <a:rPr lang="en-US" sz="1400" i="0" dirty="0" smtClean="0"/>
+              <a:t>Equivalent Node Merging</a:t>
+            </a:r>
+            <a:endParaRPr sz="1400" i="0" dirty="0"/>
+          </a:p>
+        </p:txBody>
+      </p:sp>
+      <p:graphicFrame>
+        <p:nvGraphicFramePr>
+          <p:cNvPr id="228" name="Table 228"/>
+          <p:cNvGraphicFramePr/>
+          <p:nvPr>
+            <p:extLst>
+              <p:ext uri="{D42A27DB-BD31-4B8C-83A1-F6EECF244321}">
+                <p14:modId xmlns:p14="http://schemas.microsoft.com/office/powerpoint/2010/main" val="1056813762"/>
+              </p:ext>
+            </p:extLst>
+          </p:nvPr>
+        </p:nvGraphicFramePr>
+        <p:xfrm>
+          <a:off x="406372" y="4224337"/>
+          <a:ext cx="2640298" cy="348258"/>
+        </p:xfrm>
+        <a:graphic>
+          <a:graphicData uri="http://schemas.openxmlformats.org/drawingml/2006/table">
+            <a:tbl>
+              <a:tblPr firstCol="1"/>
+              <a:tblGrid>
+                <a:gridCol w="437608"/>
+                <a:gridCol w="425701"/>
+                <a:gridCol w="398823"/>
+                <a:gridCol w="458355"/>
+                <a:gridCol w="404794"/>
+                <a:gridCol w="515017"/>
+              </a:tblGrid>
+              <a:tr h="348258">
+                <a:tc>
+                  <a:txBody>
+                    <a:bodyPr/>
+                    <a:lstStyle/>
+                    <a:p>
+                      <a:pPr algn="ctr" defTabSz="914400">
+                        <a:defRPr b="0">
+                          <a:solidFill>
+                            <a:srgbClr val="000000"/>
+                          </a:solidFill>
+                        </a:defRPr>
+                      </a:pPr>
+                      <a:r>
+                        <a:rPr sz="1800" dirty="0">
+                          <a:latin typeface="+mn-lt"/>
+                          <a:ea typeface="+mn-ea"/>
+                          <a:cs typeface="+mn-cs"/>
+                        </a:rPr>
+                        <a:t>A</a:t>
+                      </a:r>
+                    </a:p>
+                  </a:txBody>
+                  <a:tcPr marL="35719" marR="35719" marT="35719" marB="35719" anchor="ctr" horzOverflow="overflow">
+                    <a:noFill/>
+                  </a:tcPr>
+                </a:tc>
+                <a:tc>
+                  <a:txBody>
+                    <a:bodyPr/>
+                    <a:lstStyle/>
+                    <a:p>
+                      <a:pPr algn="ctr" defTabSz="914400"/>
+                      <a:r>
+                        <a:rPr sz="1800"/>
+                        <a:t>B</a:t>
+                      </a:r>
+                    </a:p>
+                  </a:txBody>
+                  <a:tcPr marL="35719" marR="35719" marT="35719" marB="35719" anchor="ctr" horzOverflow="overflow">
+                    <a:noFill/>
+                  </a:tcPr>
+                </a:tc>
+                <a:tc>
+                  <a:txBody>
+                    <a:bodyPr/>
+                    <a:lstStyle/>
+                    <a:p>
+                      <a:pPr algn="ctr" defTabSz="914400"/>
+                      <a:r>
+                        <a:rPr sz="1800"/>
+                        <a:t>C</a:t>
+                      </a:r>
+                    </a:p>
+                  </a:txBody>
+                  <a:tcPr marL="35719" marR="35719" marT="35719" marB="35719" anchor="ctr" horzOverflow="overflow">
+                    <a:noFill/>
+                  </a:tcPr>
+                </a:tc>
+                <a:tc>
+                  <a:txBody>
+                    <a:bodyPr/>
+                    <a:lstStyle/>
+                    <a:p>
+                      <a:pPr algn="ctr" defTabSz="914400"/>
+                      <a:r>
+                        <a:rPr sz="1800"/>
+                        <a:t>D</a:t>
+                      </a:r>
+                    </a:p>
+                  </a:txBody>
+                  <a:tcPr marL="35719" marR="35719" marT="35719" marB="35719" anchor="ctr" horzOverflow="overflow">
+                    <a:noFill/>
+                  </a:tcPr>
+                </a:tc>
+                <a:tc>
+                  <a:txBody>
+                    <a:bodyPr/>
+                    <a:lstStyle/>
+                    <a:p>
+                      <a:pPr algn="ctr" defTabSz="914400"/>
+                      <a:r>
+                        <a:rPr sz="1800" dirty="0"/>
+                        <a:t>E</a:t>
+                      </a:r>
+                    </a:p>
+                  </a:txBody>
+                  <a:tcPr marL="35719" marR="35719" marT="35719" marB="35719" anchor="ctr" horzOverflow="overflow">
+                    <a:noFill/>
+                  </a:tcPr>
+                </a:tc>
+                <a:tc>
+                  <a:txBody>
+                    <a:bodyPr/>
+                    <a:lstStyle/>
+                    <a:p>
+                      <a:pPr algn="ctr" defTabSz="914400"/>
+                      <a:r>
+                        <a:rPr sz="1800" dirty="0"/>
+                        <a:t>F</a:t>
+                      </a:r>
+                    </a:p>
+                  </a:txBody>
+                  <a:tcPr marL="35719" marR="35719" marT="35719" marB="35719" anchor="ctr" horzOverflow="overflow">
+                    <a:noFill/>
+                  </a:tcPr>
+                </a:tc>
+              </a:tr>
+            </a:tbl>
+          </a:graphicData>
+        </a:graphic>
+      </p:graphicFrame>
+      <p:graphicFrame>
+        <p:nvGraphicFramePr>
+          <p:cNvPr id="229" name="Table 229"/>
+          <p:cNvGraphicFramePr/>
+          <p:nvPr>
+            <p:extLst>
+              <p:ext uri="{D42A27DB-BD31-4B8C-83A1-F6EECF244321}">
+                <p14:modId xmlns:p14="http://schemas.microsoft.com/office/powerpoint/2010/main" val="3322275782"/>
+              </p:ext>
+            </p:extLst>
+          </p:nvPr>
+        </p:nvGraphicFramePr>
+        <p:xfrm>
+          <a:off x="255758" y="5519142"/>
+          <a:ext cx="641907" cy="348258"/>
+        </p:xfrm>
+        <a:graphic>
+          <a:graphicData uri="http://schemas.openxmlformats.org/drawingml/2006/table">
+            <a:tbl>
+              <a:tblPr/>
+              <a:tblGrid>
+                <a:gridCol w="641907"/>
+              </a:tblGrid>
+              <a:tr h="348258">
+                <a:tc>
+                  <a:txBody>
+                    <a:bodyPr/>
+                    <a:lstStyle/>
+                    <a:p>
+                      <a:pPr algn="ctr" defTabSz="914400"/>
+                      <a:r>
+                        <a:rPr sz="1800" dirty="0"/>
+                        <a:t>A,F,D</a:t>
+                      </a:r>
+                    </a:p>
+                  </a:txBody>
+                  <a:tcPr marL="35719" marR="35719" marT="35719" marB="35719" anchor="ctr" horzOverflow="overflow">
+                    <a:noFill/>
+                  </a:tcPr>
+                </a:tc>
+              </a:tr>
+            </a:tbl>
+          </a:graphicData>
+        </a:graphic>
+      </p:graphicFrame>
+      <p:graphicFrame>
+        <p:nvGraphicFramePr>
+          <p:cNvPr id="230" name="Table 230"/>
+          <p:cNvGraphicFramePr/>
+          <p:nvPr>
+            <p:extLst>
+              <p:ext uri="{D42A27DB-BD31-4B8C-83A1-F6EECF244321}">
+                <p14:modId xmlns:p14="http://schemas.microsoft.com/office/powerpoint/2010/main" val="1558646412"/>
+              </p:ext>
+            </p:extLst>
+          </p:nvPr>
+        </p:nvGraphicFramePr>
+        <p:xfrm>
+          <a:off x="986802" y="5519142"/>
+          <a:ext cx="285750" cy="348258"/>
+        </p:xfrm>
+        <a:graphic>
+          <a:graphicData uri="http://schemas.openxmlformats.org/drawingml/2006/table">
+            <a:tbl>
+              <a:tblPr/>
+              <a:tblGrid>
+                <a:gridCol w="285750"/>
+              </a:tblGrid>
+              <a:tr h="348258">
+                <a:tc>
+                  <a:txBody>
+                    <a:bodyPr/>
+                    <a:lstStyle/>
+                    <a:p>
+                      <a:pPr algn="ctr" defTabSz="914400"/>
+                      <a:r>
+                        <a:rPr sz="1800" dirty="0"/>
+                        <a:t>B</a:t>
+                      </a:r>
+                    </a:p>
+                  </a:txBody>
+                  <a:tcPr marL="35719" marR="35719" marT="35719" marB="35719" anchor="ctr" horzOverflow="overflow">
+                    <a:noFill/>
+                  </a:tcPr>
+                </a:tc>
+              </a:tr>
+            </a:tbl>
+          </a:graphicData>
+        </a:graphic>
+      </p:graphicFrame>
+      <p:graphicFrame>
+        <p:nvGraphicFramePr>
+          <p:cNvPr id="231" name="Table 231"/>
+          <p:cNvGraphicFramePr/>
+          <p:nvPr>
+            <p:extLst>
+              <p:ext uri="{D42A27DB-BD31-4B8C-83A1-F6EECF244321}">
+                <p14:modId xmlns:p14="http://schemas.microsoft.com/office/powerpoint/2010/main" val="4002059338"/>
+              </p:ext>
+            </p:extLst>
+          </p:nvPr>
+        </p:nvGraphicFramePr>
+        <p:xfrm>
+          <a:off x="2576286" y="5519142"/>
+          <a:ext cx="345281" cy="348258"/>
+        </p:xfrm>
+        <a:graphic>
+          <a:graphicData uri="http://schemas.openxmlformats.org/drawingml/2006/table">
+            <a:tbl>
+              <a:tblPr/>
+              <a:tblGrid>
+                <a:gridCol w="345281"/>
+              </a:tblGrid>
+              <a:tr h="348258">
+                <a:tc>
+                  <a:txBody>
+                    <a:bodyPr/>
+                    <a:lstStyle/>
+                    <a:p>
+                      <a:pPr algn="ctr" defTabSz="914400"/>
+                      <a:r>
+                        <a:rPr sz="1800" dirty="0"/>
+                        <a:t>F</a:t>
+                      </a:r>
+                    </a:p>
+                  </a:txBody>
+                  <a:tcPr marL="35719" marR="35719" marT="35719" marB="35719" anchor="ctr" horzOverflow="overflow">
+                    <a:noFill/>
+                  </a:tcPr>
+                </a:tc>
+              </a:tr>
+            </a:tbl>
+          </a:graphicData>
+        </a:graphic>
+      </p:graphicFrame>
+      <p:graphicFrame>
+        <p:nvGraphicFramePr>
+          <p:cNvPr id="232" name="Table 232"/>
+          <p:cNvGraphicFramePr/>
+          <p:nvPr>
+            <p:extLst>
+              <p:ext uri="{D42A27DB-BD31-4B8C-83A1-F6EECF244321}">
+                <p14:modId xmlns:p14="http://schemas.microsoft.com/office/powerpoint/2010/main" val="201102771"/>
+              </p:ext>
+            </p:extLst>
+          </p:nvPr>
+        </p:nvGraphicFramePr>
+        <p:xfrm>
+          <a:off x="2058364" y="5519142"/>
+          <a:ext cx="392906" cy="348258"/>
+        </p:xfrm>
+        <a:graphic>
+          <a:graphicData uri="http://schemas.openxmlformats.org/drawingml/2006/table">
+            <a:tbl>
+              <a:tblPr/>
+              <a:tblGrid>
+                <a:gridCol w="392906"/>
+              </a:tblGrid>
+              <a:tr h="348258">
+                <a:tc>
+                  <a:txBody>
+                    <a:bodyPr/>
+                    <a:lstStyle/>
+                    <a:p>
+                      <a:pPr defTabSz="914400"/>
+                      <a:r>
+                        <a:rPr sz="1800" dirty="0"/>
+                        <a:t>C,E</a:t>
+                      </a:r>
+                    </a:p>
+                  </a:txBody>
+                  <a:tcPr marL="35719" marR="35719" marT="35719" marB="35719" anchor="ctr" horzOverflow="overflow">
+                    <a:noFill/>
+                  </a:tcPr>
+                </a:tc>
+              </a:tr>
+            </a:tbl>
+          </a:graphicData>
+        </a:graphic>
+      </p:graphicFrame>
+      <p:graphicFrame>
+        <p:nvGraphicFramePr>
+          <p:cNvPr id="233" name="Table 233"/>
+          <p:cNvGraphicFramePr/>
+          <p:nvPr>
+            <p:extLst>
+              <p:ext uri="{D42A27DB-BD31-4B8C-83A1-F6EECF244321}">
+                <p14:modId xmlns:p14="http://schemas.microsoft.com/office/powerpoint/2010/main" val="607044014"/>
+              </p:ext>
+            </p:extLst>
+          </p:nvPr>
+        </p:nvGraphicFramePr>
+        <p:xfrm>
+          <a:off x="1335060" y="5519142"/>
+          <a:ext cx="285750" cy="348258"/>
+        </p:xfrm>
+        <a:graphic>
+          <a:graphicData uri="http://schemas.openxmlformats.org/drawingml/2006/table">
+            <a:tbl>
+              <a:tblPr/>
+              <a:tblGrid>
+                <a:gridCol w="285750"/>
+              </a:tblGrid>
+              <a:tr h="348258">
+                <a:tc>
+                  <a:txBody>
+                    <a:bodyPr/>
+                    <a:lstStyle/>
+                    <a:p>
+                      <a:pPr defTabSz="914400"/>
+                      <a:r>
+                        <a:rPr sz="1800" dirty="0"/>
+                        <a:t>D</a:t>
+                      </a:r>
+                    </a:p>
+                  </a:txBody>
+                  <a:tcPr marL="35719" marR="35719" marT="35719" marB="35719" anchor="ctr" horzOverflow="overflow">
+                    <a:noFill/>
+                  </a:tcPr>
+                </a:tc>
+              </a:tr>
+            </a:tbl>
+          </a:graphicData>
+        </a:graphic>
+      </p:graphicFrame>
+      <p:graphicFrame>
+        <p:nvGraphicFramePr>
+          <p:cNvPr id="234" name="Table 234"/>
+          <p:cNvGraphicFramePr/>
+          <p:nvPr>
+            <p:extLst>
+              <p:ext uri="{D42A27DB-BD31-4B8C-83A1-F6EECF244321}">
+                <p14:modId xmlns:p14="http://schemas.microsoft.com/office/powerpoint/2010/main" val="3511712509"/>
+              </p:ext>
+            </p:extLst>
+          </p:nvPr>
+        </p:nvGraphicFramePr>
+        <p:xfrm>
+          <a:off x="3013841" y="5519142"/>
+          <a:ext cx="491359" cy="348258"/>
+        </p:xfrm>
+        <a:graphic>
+          <a:graphicData uri="http://schemas.openxmlformats.org/drawingml/2006/table">
+            <a:tbl>
+              <a:tblPr/>
+              <a:tblGrid>
+                <a:gridCol w="491359"/>
+              </a:tblGrid>
+              <a:tr h="348258">
+                <a:tc>
+                  <a:txBody>
+                    <a:bodyPr/>
+                    <a:lstStyle/>
+                    <a:p>
+                      <a:pPr defTabSz="914400"/>
+                      <a:r>
+                        <a:rPr sz="1800" dirty="0"/>
+                        <a:t>A,C</a:t>
+                      </a:r>
+                    </a:p>
+                  </a:txBody>
+                  <a:tcPr marL="35719" marR="35719" marT="35719" marB="35719" anchor="ctr" horzOverflow="overflow">
+                    <a:noFill/>
+                  </a:tcPr>
+                </a:tc>
+              </a:tr>
+            </a:tbl>
+          </a:graphicData>
+        </a:graphic>
+      </p:graphicFrame>
+      <p:sp>
+        <p:nvSpPr>
+          <p:cNvPr id="235" name="Shape 235"/>
+          <p:cNvSpPr/>
+          <p:nvPr/>
+        </p:nvSpPr>
+        <p:spPr>
+          <a:xfrm flipH="1" flipV="1">
+            <a:off x="512894" y="4558311"/>
+            <a:ext cx="172680" cy="950328"/>
+          </a:xfrm>
+          <a:prstGeom prst="line">
+            <a:avLst/>
+          </a:prstGeom>
+          <a:ln w="12700">
+            <a:solidFill>
+              <a:srgbClr val="000000"/>
+            </a:solidFill>
+            <a:miter lim="400000"/>
+            <a:tailEnd type="stealth"/>
+          </a:ln>
+        </p:spPr>
+        <p:txBody>
+          <a:bodyPr lIns="35717" tIns="35717" rIns="35717" bIns="35717" anchor="ctr"/>
+          <a:lstStyle/>
+          <a:p>
+            <a:pPr>
+              <a:defRPr sz="2400"/>
+            </a:pPr>
+            <a:endParaRPr/>
+          </a:p>
+        </p:txBody>
+      </p:sp>
+      <p:graphicFrame>
+        <p:nvGraphicFramePr>
+          <p:cNvPr id="236" name="Table 236"/>
+          <p:cNvGraphicFramePr/>
+          <p:nvPr>
+            <p:extLst>
+              <p:ext uri="{D42A27DB-BD31-4B8C-83A1-F6EECF244321}">
+                <p14:modId xmlns:p14="http://schemas.microsoft.com/office/powerpoint/2010/main" val="3034436938"/>
+              </p:ext>
+            </p:extLst>
+          </p:nvPr>
+        </p:nvGraphicFramePr>
+        <p:xfrm>
+          <a:off x="1683317" y="5519142"/>
+          <a:ext cx="285750" cy="348258"/>
+        </p:xfrm>
+        <a:graphic>
+          <a:graphicData uri="http://schemas.openxmlformats.org/drawingml/2006/table">
+            <a:tbl>
+              <a:tblPr/>
+              <a:tblGrid>
+                <a:gridCol w="285750"/>
+              </a:tblGrid>
+              <a:tr h="348258">
+                <a:tc>
+                  <a:txBody>
+                    <a:bodyPr/>
+                    <a:lstStyle/>
+                    <a:p>
+                      <a:pPr defTabSz="914400"/>
+                      <a:r>
+                        <a:rPr sz="1800" dirty="0"/>
+                        <a:t>E</a:t>
+                      </a:r>
+                    </a:p>
+                  </a:txBody>
+                  <a:tcPr marL="35719" marR="35719" marT="35719" marB="35719" anchor="ctr" horzOverflow="overflow">
+                    <a:noFill/>
+                  </a:tcPr>
+                </a:tc>
+              </a:tr>
+            </a:tbl>
+          </a:graphicData>
+        </a:graphic>
+      </p:graphicFrame>
+      <p:sp>
+        <p:nvSpPr>
+          <p:cNvPr id="237" name="Shape 237"/>
+          <p:cNvSpPr/>
+          <p:nvPr/>
+        </p:nvSpPr>
+        <p:spPr>
+          <a:xfrm flipV="1">
+            <a:off x="686011" y="4574315"/>
+            <a:ext cx="376699" cy="926472"/>
+          </a:xfrm>
+          <a:prstGeom prst="line">
+            <a:avLst/>
+          </a:prstGeom>
+          <a:ln w="12700">
+            <a:solidFill>
+              <a:srgbClr val="000000"/>
+            </a:solidFill>
+            <a:miter lim="400000"/>
+            <a:tailEnd type="stealth"/>
+          </a:ln>
+        </p:spPr>
+        <p:txBody>
+          <a:bodyPr lIns="35717" tIns="35717" rIns="35717" bIns="35717" anchor="ctr"/>
+          <a:lstStyle/>
+          <a:p>
+            <a:pPr>
+              <a:defRPr sz="2400"/>
+            </a:pPr>
+            <a:endParaRPr/>
+          </a:p>
+        </p:txBody>
+      </p:sp>
+      <p:sp>
+        <p:nvSpPr>
+          <p:cNvPr id="238" name="Shape 238"/>
+          <p:cNvSpPr/>
+          <p:nvPr/>
+        </p:nvSpPr>
+        <p:spPr>
+          <a:xfrm flipV="1">
+            <a:off x="679045" y="4588663"/>
+            <a:ext cx="780894" cy="919310"/>
+          </a:xfrm>
+          <a:prstGeom prst="line">
+            <a:avLst/>
+          </a:prstGeom>
+          <a:ln w="12700">
+            <a:solidFill>
+              <a:srgbClr val="000000"/>
+            </a:solidFill>
+            <a:miter lim="400000"/>
+            <a:tailEnd type="stealth"/>
+          </a:ln>
+        </p:spPr>
+        <p:txBody>
+          <a:bodyPr lIns="35717" tIns="35717" rIns="35717" bIns="35717" anchor="ctr"/>
+          <a:lstStyle/>
+          <a:p>
+            <a:pPr>
+              <a:defRPr sz="2400"/>
+            </a:pPr>
+            <a:endParaRPr/>
+          </a:p>
+        </p:txBody>
+      </p:sp>
+      <p:sp>
+        <p:nvSpPr>
+          <p:cNvPr id="239" name="Shape 239"/>
+          <p:cNvSpPr/>
+          <p:nvPr/>
+        </p:nvSpPr>
+        <p:spPr>
+          <a:xfrm flipV="1">
+            <a:off x="1161671" y="4586868"/>
+            <a:ext cx="704556" cy="923972"/>
+          </a:xfrm>
+          <a:prstGeom prst="line">
+            <a:avLst/>
+          </a:prstGeom>
+          <a:ln w="12700">
+            <a:solidFill>
+              <a:srgbClr val="000000"/>
+            </a:solidFill>
+            <a:miter lim="400000"/>
+            <a:tailEnd type="stealth"/>
+          </a:ln>
+        </p:spPr>
+        <p:txBody>
+          <a:bodyPr lIns="35717" tIns="35717" rIns="35717" bIns="35717" anchor="ctr"/>
+          <a:lstStyle/>
+          <a:p>
+            <a:pPr>
+              <a:defRPr sz="2400"/>
+            </a:pPr>
+            <a:endParaRPr/>
+          </a:p>
+        </p:txBody>
+      </p:sp>
+      <p:sp>
+        <p:nvSpPr>
+          <p:cNvPr id="240" name="Shape 240"/>
+          <p:cNvSpPr/>
+          <p:nvPr/>
+        </p:nvSpPr>
+        <p:spPr>
+          <a:xfrm flipH="1" flipV="1">
+            <a:off x="1535288" y="4577949"/>
+            <a:ext cx="743967" cy="948601"/>
+          </a:xfrm>
+          <a:prstGeom prst="line">
+            <a:avLst/>
+          </a:prstGeom>
+          <a:ln w="12700">
+            <a:solidFill>
+              <a:srgbClr val="000000"/>
+            </a:solidFill>
+            <a:miter lim="400000"/>
+            <a:tailEnd type="stealth"/>
+          </a:ln>
+        </p:spPr>
+        <p:txBody>
+          <a:bodyPr lIns="35717" tIns="35717" rIns="35717" bIns="35717" anchor="ctr"/>
+          <a:lstStyle/>
+          <a:p>
+            <a:pPr>
+              <a:defRPr sz="2400"/>
+            </a:pPr>
+            <a:endParaRPr/>
+          </a:p>
+        </p:txBody>
+      </p:sp>
+      <p:sp>
+        <p:nvSpPr>
+          <p:cNvPr id="241" name="Shape 241"/>
+          <p:cNvSpPr/>
+          <p:nvPr/>
+        </p:nvSpPr>
+        <p:spPr>
+          <a:xfrm flipH="1" flipV="1">
+            <a:off x="695716" y="4561810"/>
+            <a:ext cx="1545127" cy="964893"/>
+          </a:xfrm>
+          <a:prstGeom prst="line">
+            <a:avLst/>
+          </a:prstGeom>
+          <a:ln w="12700">
+            <a:solidFill>
+              <a:srgbClr val="000000"/>
+            </a:solidFill>
+            <a:miter lim="400000"/>
+            <a:tailEnd type="stealth"/>
+          </a:ln>
+        </p:spPr>
+        <p:txBody>
+          <a:bodyPr lIns="35717" tIns="35717" rIns="35717" bIns="35717" anchor="ctr"/>
+          <a:lstStyle/>
+          <a:p>
+            <a:pPr>
+              <a:defRPr sz="2400"/>
+            </a:pPr>
+            <a:endParaRPr/>
+          </a:p>
+        </p:txBody>
+      </p:sp>
+      <p:sp>
+        <p:nvSpPr>
+          <p:cNvPr id="242" name="Shape 242"/>
+          <p:cNvSpPr/>
+          <p:nvPr/>
+        </p:nvSpPr>
+        <p:spPr>
+          <a:xfrm flipH="1" flipV="1">
+            <a:off x="621006" y="4566583"/>
+            <a:ext cx="448485" cy="934204"/>
+          </a:xfrm>
+          <a:prstGeom prst="line">
+            <a:avLst/>
+          </a:prstGeom>
+          <a:ln w="12700">
+            <a:solidFill>
+              <a:srgbClr val="000000"/>
+            </a:solidFill>
+            <a:miter lim="400000"/>
+            <a:tailEnd type="stealth"/>
+          </a:ln>
+        </p:spPr>
+        <p:txBody>
+          <a:bodyPr lIns="35717" tIns="35717" rIns="35717" bIns="35717" anchor="ctr"/>
+          <a:lstStyle/>
+          <a:p>
+            <a:pPr>
+              <a:defRPr sz="2400"/>
+            </a:pPr>
+            <a:endParaRPr/>
+          </a:p>
+        </p:txBody>
+      </p:sp>
+      <p:sp>
+        <p:nvSpPr>
+          <p:cNvPr id="243" name="Shape 243"/>
+          <p:cNvSpPr/>
+          <p:nvPr/>
+        </p:nvSpPr>
+        <p:spPr>
+          <a:xfrm flipH="1" flipV="1">
+            <a:off x="1102732" y="4553615"/>
+            <a:ext cx="0" cy="947172"/>
+          </a:xfrm>
+          <a:prstGeom prst="line">
+            <a:avLst/>
+          </a:prstGeom>
+          <a:ln w="12700">
+            <a:solidFill>
+              <a:srgbClr val="000000"/>
+            </a:solidFill>
+            <a:miter lim="400000"/>
+            <a:tailEnd type="stealth"/>
+          </a:ln>
+        </p:spPr>
+        <p:txBody>
+          <a:bodyPr lIns="35717" tIns="35717" rIns="35717" bIns="35717" anchor="ctr"/>
+          <a:lstStyle/>
+          <a:p>
+            <a:pPr>
+              <a:defRPr sz="2400"/>
+            </a:pPr>
+            <a:endParaRPr/>
+          </a:p>
+        </p:txBody>
+      </p:sp>
+      <p:sp>
+        <p:nvSpPr>
+          <p:cNvPr id="244" name="Shape 244"/>
+          <p:cNvSpPr/>
+          <p:nvPr/>
+        </p:nvSpPr>
+        <p:spPr>
+          <a:xfrm flipV="1">
+            <a:off x="1144456" y="4577097"/>
+            <a:ext cx="1608555" cy="959569"/>
+          </a:xfrm>
+          <a:prstGeom prst="line">
+            <a:avLst/>
+          </a:prstGeom>
+          <a:ln w="12700">
+            <a:solidFill>
+              <a:srgbClr val="000000"/>
+            </a:solidFill>
+            <a:miter lim="400000"/>
+            <a:tailEnd type="stealth"/>
+          </a:ln>
+        </p:spPr>
+        <p:txBody>
+          <a:bodyPr lIns="35717" tIns="35717" rIns="35717" bIns="35717" anchor="ctr"/>
+          <a:lstStyle/>
+          <a:p>
+            <a:pPr>
+              <a:defRPr sz="2400"/>
+            </a:pPr>
+            <a:endParaRPr/>
+          </a:p>
+        </p:txBody>
+      </p:sp>
+      <p:sp>
+        <p:nvSpPr>
+          <p:cNvPr id="245" name="Shape 245"/>
+          <p:cNvSpPr/>
+          <p:nvPr/>
+        </p:nvSpPr>
+        <p:spPr>
+          <a:xfrm flipV="1">
+            <a:off x="1485479" y="4580006"/>
+            <a:ext cx="414825" cy="939444"/>
+          </a:xfrm>
+          <a:prstGeom prst="line">
+            <a:avLst/>
+          </a:prstGeom>
+          <a:ln w="12700">
+            <a:solidFill>
+              <a:srgbClr val="000000"/>
+            </a:solidFill>
+            <a:miter lim="400000"/>
+            <a:tailEnd type="stealth"/>
+          </a:ln>
+        </p:spPr>
+        <p:txBody>
+          <a:bodyPr lIns="35717" tIns="35717" rIns="35717" bIns="35717" anchor="ctr"/>
+          <a:lstStyle/>
+          <a:p>
+            <a:pPr>
+              <a:defRPr sz="2400"/>
+            </a:pPr>
+            <a:endParaRPr/>
+          </a:p>
+        </p:txBody>
+      </p:sp>
+      <p:sp>
+        <p:nvSpPr>
+          <p:cNvPr id="246" name="Shape 246"/>
+          <p:cNvSpPr/>
+          <p:nvPr/>
+        </p:nvSpPr>
+        <p:spPr>
+          <a:xfrm flipV="1">
+            <a:off x="1827273" y="4561954"/>
+            <a:ext cx="483602" cy="956739"/>
+          </a:xfrm>
+          <a:prstGeom prst="line">
+            <a:avLst/>
+          </a:prstGeom>
+          <a:ln w="12700">
+            <a:solidFill>
+              <a:srgbClr val="000000"/>
+            </a:solidFill>
+            <a:miter lim="400000"/>
+            <a:tailEnd type="stealth"/>
+          </a:ln>
+        </p:spPr>
+        <p:txBody>
+          <a:bodyPr lIns="35717" tIns="35717" rIns="35717" bIns="35717" anchor="ctr"/>
+          <a:lstStyle/>
+          <a:p>
+            <a:pPr>
+              <a:defRPr sz="2400"/>
+            </a:pPr>
+            <a:endParaRPr/>
+          </a:p>
+        </p:txBody>
+      </p:sp>
+      <p:sp>
+        <p:nvSpPr>
+          <p:cNvPr id="247" name="Shape 247"/>
+          <p:cNvSpPr/>
+          <p:nvPr/>
+        </p:nvSpPr>
+        <p:spPr>
+          <a:xfrm flipV="1">
+            <a:off x="2774397" y="4555693"/>
+            <a:ext cx="24896" cy="963477"/>
+          </a:xfrm>
+          <a:prstGeom prst="line">
+            <a:avLst/>
+          </a:prstGeom>
+          <a:ln w="12700">
+            <a:solidFill>
+              <a:srgbClr val="000000"/>
+            </a:solidFill>
+            <a:miter lim="400000"/>
+            <a:tailEnd type="stealth"/>
+          </a:ln>
+        </p:spPr>
+        <p:txBody>
+          <a:bodyPr lIns="35717" tIns="35717" rIns="35717" bIns="35717" anchor="ctr"/>
+          <a:lstStyle/>
+          <a:p>
+            <a:pPr>
+              <a:defRPr sz="2400"/>
+            </a:pPr>
+            <a:endParaRPr/>
+          </a:p>
+        </p:txBody>
+      </p:sp>
+      <p:sp>
+        <p:nvSpPr>
+          <p:cNvPr id="248" name="Shape 248"/>
+          <p:cNvSpPr/>
+          <p:nvPr/>
+        </p:nvSpPr>
+        <p:spPr>
+          <a:xfrm flipH="1" flipV="1">
+            <a:off x="1953520" y="4589327"/>
+            <a:ext cx="1254414" cy="946854"/>
+          </a:xfrm>
+          <a:prstGeom prst="line">
+            <a:avLst/>
+          </a:prstGeom>
+          <a:ln w="12700">
+            <a:solidFill>
+              <a:srgbClr val="000000"/>
+            </a:solidFill>
+            <a:miter lim="400000"/>
+            <a:tailEnd type="stealth"/>
+          </a:ln>
+        </p:spPr>
+        <p:txBody>
+          <a:bodyPr lIns="35717" tIns="35717" rIns="35717" bIns="35717" anchor="ctr"/>
+          <a:lstStyle/>
+          <a:p>
+            <a:pPr>
+              <a:defRPr sz="2400"/>
+            </a:pPr>
+            <a:endParaRPr/>
+          </a:p>
+        </p:txBody>
+      </p:sp>
+      <p:sp>
+        <p:nvSpPr>
+          <p:cNvPr id="249" name="Shape 249"/>
+          <p:cNvSpPr/>
+          <p:nvPr/>
+        </p:nvSpPr>
+        <p:spPr>
+          <a:xfrm flipH="1" flipV="1">
+            <a:off x="2344327" y="4557509"/>
+            <a:ext cx="859873" cy="972565"/>
+          </a:xfrm>
+          <a:prstGeom prst="line">
+            <a:avLst/>
+          </a:prstGeom>
+          <a:ln w="12700">
+            <a:solidFill>
+              <a:srgbClr val="000000"/>
+            </a:solidFill>
+            <a:miter lim="400000"/>
+            <a:tailEnd type="stealth"/>
+          </a:ln>
+        </p:spPr>
+        <p:txBody>
+          <a:bodyPr lIns="35717" tIns="35717" rIns="35717" bIns="35717" anchor="ctr"/>
+          <a:lstStyle/>
+          <a:p>
+            <a:pPr>
+              <a:defRPr sz="2400"/>
+            </a:pPr>
+            <a:endParaRPr/>
+          </a:p>
+        </p:txBody>
+      </p:sp>
+      <p:sp>
+        <p:nvSpPr>
+          <p:cNvPr id="250" name="Shape 250"/>
+          <p:cNvSpPr/>
+          <p:nvPr/>
+        </p:nvSpPr>
+        <p:spPr>
+          <a:xfrm flipH="1" flipV="1">
+            <a:off x="2828986" y="4564691"/>
+            <a:ext cx="368033" cy="956720"/>
+          </a:xfrm>
+          <a:prstGeom prst="line">
+            <a:avLst/>
+          </a:prstGeom>
+          <a:ln w="12700">
+            <a:solidFill>
+              <a:srgbClr val="000000"/>
+            </a:solidFill>
+            <a:miter lim="400000"/>
+            <a:tailEnd type="stealth"/>
+          </a:ln>
+        </p:spPr>
+        <p:txBody>
+          <a:bodyPr lIns="35717" tIns="35717" rIns="35717" bIns="35717" anchor="ctr"/>
+          <a:lstStyle/>
+          <a:p>
+            <a:pPr>
+              <a:defRPr sz="2400"/>
+            </a:pPr>
+            <a:endParaRPr/>
+          </a:p>
+        </p:txBody>
+      </p:sp>
+      <p:sp>
+        <p:nvSpPr>
+          <p:cNvPr id="251" name="Shape 251"/>
+          <p:cNvSpPr/>
+          <p:nvPr/>
+        </p:nvSpPr>
+        <p:spPr>
+          <a:xfrm flipH="1">
+            <a:off x="3197018" y="5029200"/>
+            <a:ext cx="1374981" cy="0"/>
+          </a:xfrm>
+          <a:prstGeom prst="line">
+            <a:avLst/>
+          </a:prstGeom>
+          <a:ln w="50800">
+            <a:solidFill>
+              <a:srgbClr val="000000"/>
+            </a:solidFill>
+            <a:miter lim="400000"/>
+            <a:tailEnd type="stealth"/>
+          </a:ln>
+        </p:spPr>
+        <p:txBody>
+          <a:bodyPr lIns="35717" tIns="35717" rIns="35717" bIns="35717" anchor="ctr"/>
+          <a:lstStyle/>
+          <a:p>
+            <a:pPr>
+              <a:defRPr sz="2400"/>
+            </a:pPr>
+            <a:endParaRPr/>
+          </a:p>
+        </p:txBody>
+      </p:sp>
+      <p:sp>
+        <p:nvSpPr>
+          <p:cNvPr id="253" name="Shape 253"/>
+          <p:cNvSpPr/>
+          <p:nvPr/>
+        </p:nvSpPr>
+        <p:spPr>
+          <a:xfrm>
+            <a:off x="700336" y="2546469"/>
+            <a:ext cx="1772084" cy="349131"/>
+          </a:xfrm>
+          <a:prstGeom prst="rect">
+            <a:avLst/>
+          </a:prstGeom>
+          <a:ln w="12700">
+            <a:miter lim="400000"/>
+          </a:ln>
+          <a:extLst>
+            <a:ext uri="{C572A759-6A51-4108-AA02-DFA0A04FC94B}">
+              <ma14:wrappingTextBoxFlag xmlns:ma14="http://schemas.microsoft.com/office/mac/drawingml/2011/main" xmlns="" val="1"/>
+            </a:ext>
+          </a:extLst>
+        </p:spPr>
+        <p:txBody>
+          <a:bodyPr wrap="none" lIns="35717" tIns="35717" rIns="35717" bIns="35717" anchor="ctr">
+            <a:spAutoFit/>
+          </a:bodyPr>
+          <a:lstStyle>
+            <a:lvl1pPr>
+              <a:defRPr sz="2600"/>
+            </a:lvl1pPr>
+          </a:lstStyle>
+          <a:p>
+            <a:r>
+              <a:rPr sz="1800" dirty="0"/>
+              <a:t>(a</a:t>
+            </a:r>
+            <a:r>
+              <a:rPr sz="1800" dirty="0" smtClean="0"/>
+              <a:t>)</a:t>
+            </a:r>
+            <a:r>
+              <a:rPr lang="en-US" sz="1800" dirty="0" smtClean="0"/>
+              <a:t> </a:t>
+            </a:r>
+            <a:r>
+              <a:rPr lang="en-US" sz="1800" dirty="0"/>
+              <a:t>Vertex </a:t>
+            </a:r>
+            <a:r>
+              <a:rPr lang="en-US" sz="1800" dirty="0" smtClean="0"/>
+              <a:t>Clusters</a:t>
+            </a:r>
+            <a:endParaRPr lang="en-US" sz="1800" dirty="0"/>
+          </a:p>
+        </p:txBody>
+      </p:sp>
+      <p:sp>
+        <p:nvSpPr>
+          <p:cNvPr id="254" name="Shape 254"/>
+          <p:cNvSpPr/>
+          <p:nvPr/>
+        </p:nvSpPr>
+        <p:spPr>
+          <a:xfrm>
+            <a:off x="4755356" y="3063388"/>
+            <a:ext cx="2381225" cy="349131"/>
+          </a:xfrm>
+          <a:prstGeom prst="rect">
+            <a:avLst/>
+          </a:prstGeom>
+          <a:ln w="12700">
+            <a:miter lim="400000"/>
+          </a:ln>
+          <a:extLst>
+            <a:ext uri="{C572A759-6A51-4108-AA02-DFA0A04FC94B}">
+              <ma14:wrappingTextBoxFlag xmlns:ma14="http://schemas.microsoft.com/office/mac/drawingml/2011/main" xmlns="" val="1"/>
+            </a:ext>
+          </a:extLst>
+        </p:spPr>
+        <p:txBody>
+          <a:bodyPr wrap="none" lIns="35717" tIns="35717" rIns="35717" bIns="35717" anchor="ctr">
+            <a:spAutoFit/>
+          </a:bodyPr>
+          <a:lstStyle>
+            <a:lvl1pPr>
+              <a:defRPr sz="2600"/>
+            </a:lvl1pPr>
+          </a:lstStyle>
+          <a:p>
+            <a:r>
+              <a:rPr sz="1800" dirty="0" smtClean="0"/>
+              <a:t>(b)</a:t>
+            </a:r>
+            <a:r>
+              <a:rPr lang="en-US" sz="1800" dirty="0"/>
+              <a:t> Inverted Window </a:t>
+            </a:r>
+            <a:r>
+              <a:rPr lang="en-US" sz="1800" dirty="0" smtClean="0"/>
+              <a:t>List</a:t>
+            </a:r>
+            <a:endParaRPr lang="en-US" sz="1800" dirty="0"/>
+          </a:p>
+        </p:txBody>
+      </p:sp>
+      <p:sp>
+        <p:nvSpPr>
+          <p:cNvPr id="255" name="Shape 255"/>
+          <p:cNvSpPr/>
+          <p:nvPr/>
+        </p:nvSpPr>
+        <p:spPr>
+          <a:xfrm>
+            <a:off x="4876800" y="6007275"/>
+            <a:ext cx="1996441" cy="349131"/>
+          </a:xfrm>
+          <a:prstGeom prst="rect">
+            <a:avLst/>
+          </a:prstGeom>
+          <a:ln w="12700">
+            <a:miter lim="400000"/>
+          </a:ln>
+          <a:extLst>
+            <a:ext uri="{C572A759-6A51-4108-AA02-DFA0A04FC94B}">
+              <ma14:wrappingTextBoxFlag xmlns:ma14="http://schemas.microsoft.com/office/mac/drawingml/2011/main" xmlns="" val="1"/>
+            </a:ext>
+          </a:extLst>
+        </p:spPr>
+        <p:txBody>
+          <a:bodyPr wrap="none" lIns="35717" tIns="35717" rIns="35717" bIns="35717" anchor="ctr">
+            <a:spAutoFit/>
+          </a:bodyPr>
+          <a:lstStyle>
+            <a:lvl1pPr>
+              <a:defRPr sz="2600"/>
+            </a:lvl1pPr>
+          </a:lstStyle>
+          <a:p>
+            <a:r>
+              <a:rPr sz="1800" dirty="0" smtClean="0"/>
+              <a:t>(c)</a:t>
+            </a:r>
+            <a:r>
+              <a:rPr lang="en-US" sz="1800" dirty="0"/>
+              <a:t> Equivalent </a:t>
+            </a:r>
+            <a:r>
+              <a:rPr lang="en-US" sz="1800" dirty="0" smtClean="0"/>
+              <a:t>Nodes</a:t>
+            </a:r>
+            <a:endParaRPr lang="en-US" sz="1800" dirty="0"/>
+          </a:p>
+        </p:txBody>
+      </p:sp>
+      <p:sp>
+        <p:nvSpPr>
+          <p:cNvPr id="256" name="Shape 256"/>
+          <p:cNvSpPr/>
+          <p:nvPr/>
+        </p:nvSpPr>
+        <p:spPr>
+          <a:xfrm>
+            <a:off x="733401" y="6007275"/>
+            <a:ext cx="1705954" cy="349131"/>
+          </a:xfrm>
+          <a:prstGeom prst="rect">
+            <a:avLst/>
+          </a:prstGeom>
+          <a:ln w="12700">
+            <a:miter lim="400000"/>
+          </a:ln>
+          <a:extLst>
+            <a:ext uri="{C572A759-6A51-4108-AA02-DFA0A04FC94B}">
+              <ma14:wrappingTextBoxFlag xmlns:ma14="http://schemas.microsoft.com/office/mac/drawingml/2011/main" xmlns="" val="1"/>
+            </a:ext>
+          </a:extLst>
+        </p:spPr>
+        <p:txBody>
+          <a:bodyPr wrap="square" lIns="35717" tIns="35717" rIns="35717" bIns="35717" anchor="ctr">
+            <a:spAutoFit/>
+          </a:bodyPr>
+          <a:lstStyle>
+            <a:lvl1pPr>
+              <a:defRPr sz="2600"/>
+            </a:lvl1pPr>
+          </a:lstStyle>
+          <a:p>
+            <a:pPr algn="ctr"/>
+            <a:r>
+              <a:rPr sz="1800" dirty="0" smtClean="0"/>
+              <a:t>(d)</a:t>
+            </a:r>
+            <a:r>
+              <a:rPr lang="en-US" sz="1800" dirty="0"/>
+              <a:t> </a:t>
+            </a:r>
+            <a:r>
+              <a:rPr lang="en-US" sz="1800" dirty="0" err="1" smtClean="0"/>
+              <a:t>DBIndex</a:t>
+            </a:r>
+            <a:endParaRPr lang="en-US" sz="1800" dirty="0"/>
+          </a:p>
+        </p:txBody>
+      </p:sp>
+      <p:graphicFrame>
+        <p:nvGraphicFramePr>
+          <p:cNvPr id="257" name="Table 257"/>
+          <p:cNvGraphicFramePr/>
+          <p:nvPr>
+            <p:extLst>
+              <p:ext uri="{D42A27DB-BD31-4B8C-83A1-F6EECF244321}">
+                <p14:modId xmlns:p14="http://schemas.microsoft.com/office/powerpoint/2010/main" val="1536824922"/>
+              </p:ext>
+            </p:extLst>
+          </p:nvPr>
+        </p:nvGraphicFramePr>
+        <p:xfrm>
+          <a:off x="6254992" y="609600"/>
+          <a:ext cx="1700764" cy="2420306"/>
+        </p:xfrm>
+        <a:graphic>
+          <a:graphicData uri="http://schemas.openxmlformats.org/drawingml/2006/table">
+            <a:tbl>
+              <a:tblPr/>
+              <a:tblGrid>
+                <a:gridCol w="706438"/>
+                <a:gridCol w="994326"/>
+              </a:tblGrid>
+              <a:tr h="250031">
+                <a:tc>
+                  <a:txBody>
+                    <a:bodyPr/>
+                    <a:lstStyle/>
+                    <a:p>
+                      <a:pPr defTabSz="914400"/>
+                      <a:r>
+                        <a:rPr sz="1800" b="1" dirty="0">
+                          <a:latin typeface="+mj-lt"/>
+                          <a:ea typeface="Helvetica"/>
+                          <a:cs typeface="Helvetica"/>
+                          <a:sym typeface="Helvetica"/>
+                        </a:rPr>
+                        <a:t>Node</a:t>
+                      </a:r>
+                    </a:p>
+                  </a:txBody>
+                  <a:tcPr marL="35719" marR="35719" marT="35719" marB="35719" anchor="ctr" horzOverflow="overflow">
+                    <a:noFill/>
+                  </a:tcPr>
+                </a:tc>
+                <a:tc>
+                  <a:txBody>
+                    <a:bodyPr/>
+                    <a:lstStyle/>
+                    <a:p>
+                      <a:pPr defTabSz="914400"/>
+                      <a:r>
+                        <a:rPr lang="en-US" sz="1800" b="1" dirty="0" smtClean="0">
+                          <a:latin typeface="+mj-lt"/>
+                          <a:ea typeface="Helvetica"/>
+                          <a:cs typeface="Helvetica"/>
+                          <a:sym typeface="Helvetica"/>
+                        </a:rPr>
+                        <a:t>Window</a:t>
+                      </a:r>
+                      <a:endParaRPr sz="1800" b="1" dirty="0">
+                        <a:latin typeface="+mj-lt"/>
+                        <a:ea typeface="Helvetica"/>
+                        <a:cs typeface="Helvetica"/>
+                        <a:sym typeface="Helvetica"/>
+                      </a:endParaRPr>
+                    </a:p>
+                  </a:txBody>
+                  <a:tcPr marL="35719" marR="35719" marT="35719" marB="35719" anchor="ctr" horzOverflow="overflow">
+                    <a:noFill/>
+                  </a:tcPr>
+                </a:tc>
+              </a:tr>
+              <a:tr h="250031">
+                <a:tc>
+                  <a:txBody>
+                    <a:bodyPr/>
+                    <a:lstStyle/>
+                    <a:p>
+                      <a:pPr defTabSz="914400"/>
+                      <a:r>
+                        <a:rPr sz="1800"/>
+                        <a:t>A</a:t>
+                      </a:r>
+                    </a:p>
+                  </a:txBody>
+                  <a:tcPr marL="35719" marR="35719" marT="35719" marB="35719" anchor="ctr" horzOverflow="overflow">
+                    <a:noFill/>
+                  </a:tcPr>
+                </a:tc>
+                <a:tc>
+                  <a:txBody>
+                    <a:bodyPr/>
+                    <a:lstStyle/>
+                    <a:p>
+                      <a:pPr defTabSz="914400"/>
+                      <a:r>
+                        <a:rPr sz="1800"/>
+                        <a:t>D,E,F</a:t>
+                      </a:r>
+                    </a:p>
+                  </a:txBody>
+                  <a:tcPr marL="35719" marR="35719" marT="35719" marB="35719" anchor="ctr" horzOverflow="overflow">
+                    <a:noFill/>
+                  </a:tcPr>
+                </a:tc>
+              </a:tr>
+              <a:tr h="250031">
+                <a:tc>
+                  <a:txBody>
+                    <a:bodyPr/>
+                    <a:lstStyle/>
+                    <a:p>
+                      <a:pPr defTabSz="914400"/>
+                      <a:r>
+                        <a:rPr sz="1800"/>
+                        <a:t>B</a:t>
+                      </a:r>
+                    </a:p>
+                  </a:txBody>
+                  <a:tcPr marL="35719" marR="35719" marT="35719" marB="35719" anchor="ctr" horzOverflow="overflow">
+                    <a:noFill/>
+                  </a:tcPr>
+                </a:tc>
+                <a:tc>
+                  <a:txBody>
+                    <a:bodyPr/>
+                    <a:lstStyle/>
+                    <a:p>
+                      <a:pPr defTabSz="914400"/>
+                      <a:r>
+                        <a:rPr sz="1800"/>
+                        <a:t>D,F</a:t>
+                      </a:r>
+                    </a:p>
+                  </a:txBody>
+                  <a:tcPr marL="35719" marR="35719" marT="35719" marB="35719" anchor="ctr" horzOverflow="overflow">
+                    <a:noFill/>
+                  </a:tcPr>
+                </a:tc>
+              </a:tr>
+              <a:tr h="250031">
+                <a:tc>
+                  <a:txBody>
+                    <a:bodyPr/>
+                    <a:lstStyle/>
+                    <a:p>
+                      <a:pPr defTabSz="914400"/>
+                      <a:r>
+                        <a:rPr sz="1800"/>
+                        <a:t>C</a:t>
+                      </a:r>
+                    </a:p>
+                  </a:txBody>
+                  <a:tcPr marL="35719" marR="35719" marT="35719" marB="35719" anchor="ctr" horzOverflow="overflow">
+                    <a:noFill/>
+                  </a:tcPr>
+                </a:tc>
+                <a:tc>
+                  <a:txBody>
+                    <a:bodyPr/>
+                    <a:lstStyle/>
+                    <a:p>
+                      <a:pPr defTabSz="914400"/>
+                      <a:r>
+                        <a:rPr sz="1800"/>
+                        <a:t>D,E,F</a:t>
+                      </a:r>
+                    </a:p>
+                  </a:txBody>
+                  <a:tcPr marL="35719" marR="35719" marT="35719" marB="35719" anchor="ctr" horzOverflow="overflow">
+                    <a:noFill/>
+                  </a:tcPr>
+                </a:tc>
+              </a:tr>
+              <a:tr h="250031">
+                <a:tc>
+                  <a:txBody>
+                    <a:bodyPr/>
+                    <a:lstStyle/>
+                    <a:p>
+                      <a:pPr defTabSz="914400"/>
+                      <a:r>
+                        <a:rPr sz="1800"/>
+                        <a:t>D</a:t>
+                      </a:r>
+                    </a:p>
+                  </a:txBody>
+                  <a:tcPr marL="35719" marR="35719" marT="35719" marB="35719" anchor="ctr" horzOverflow="overflow">
+                    <a:noFill/>
+                  </a:tcPr>
+                </a:tc>
+                <a:tc>
+                  <a:txBody>
+                    <a:bodyPr/>
+                    <a:lstStyle/>
+                    <a:p>
+                      <a:pPr defTabSz="914400"/>
+                      <a:r>
+                        <a:rPr sz="1800"/>
+                        <a:t>D</a:t>
+                      </a:r>
+                    </a:p>
+                  </a:txBody>
+                  <a:tcPr marL="35719" marR="35719" marT="35719" marB="35719" anchor="ctr" horzOverflow="overflow">
+                    <a:noFill/>
+                  </a:tcPr>
+                </a:tc>
+              </a:tr>
+              <a:tr h="250031">
+                <a:tc>
+                  <a:txBody>
+                    <a:bodyPr/>
+                    <a:lstStyle/>
+                    <a:p>
+                      <a:pPr defTabSz="914400"/>
+                      <a:r>
+                        <a:rPr sz="1800"/>
+                        <a:t>E</a:t>
+                      </a:r>
+                    </a:p>
+                  </a:txBody>
+                  <a:tcPr marL="35719" marR="35719" marT="35719" marB="35719" anchor="ctr" horzOverflow="overflow">
+                    <a:noFill/>
+                  </a:tcPr>
+                </a:tc>
+                <a:tc>
+                  <a:txBody>
+                    <a:bodyPr/>
+                    <a:lstStyle/>
+                    <a:p>
+                      <a:pPr defTabSz="914400"/>
+                      <a:r>
+                        <a:rPr sz="1800" dirty="0"/>
+                        <a:t>E</a:t>
+                      </a:r>
+                    </a:p>
+                  </a:txBody>
+                  <a:tcPr marL="35719" marR="35719" marT="35719" marB="35719" anchor="ctr" horzOverflow="overflow">
+                    <a:noFill/>
+                  </a:tcPr>
+                </a:tc>
+              </a:tr>
+              <a:tr h="250031">
+                <a:tc>
+                  <a:txBody>
+                    <a:bodyPr/>
+                    <a:lstStyle/>
+                    <a:p>
+                      <a:pPr defTabSz="914400"/>
+                      <a:r>
+                        <a:rPr sz="1800" dirty="0"/>
+                        <a:t>F</a:t>
+                      </a:r>
+                    </a:p>
+                  </a:txBody>
+                  <a:tcPr marL="35719" marR="35719" marT="35719" marB="35719" anchor="ctr" horzOverflow="overflow">
+                    <a:noFill/>
+                  </a:tcPr>
+                </a:tc>
+                <a:tc>
+                  <a:txBody>
+                    <a:bodyPr/>
+                    <a:lstStyle/>
+                    <a:p>
+                      <a:pPr defTabSz="914400"/>
+                      <a:r>
+                        <a:rPr sz="1800" dirty="0"/>
+                        <a:t>F</a:t>
+                      </a:r>
+                    </a:p>
+                  </a:txBody>
+                  <a:tcPr marL="35719" marR="35719" marT="35719" marB="35719" anchor="ctr" horzOverflow="overflow">
+                    <a:noFill/>
+                  </a:tcPr>
+                </a:tc>
+              </a:tr>
+            </a:tbl>
+          </a:graphicData>
+        </a:graphic>
+      </p:graphicFrame>
+      <p:graphicFrame>
+        <p:nvGraphicFramePr>
+          <p:cNvPr id="258" name="Table 258"/>
+          <p:cNvGraphicFramePr/>
+          <p:nvPr>
+            <p:extLst>
+              <p:ext uri="{D42A27DB-BD31-4B8C-83A1-F6EECF244321}">
+                <p14:modId xmlns:p14="http://schemas.microsoft.com/office/powerpoint/2010/main" val="525831321"/>
+              </p:ext>
+            </p:extLst>
+          </p:nvPr>
+        </p:nvGraphicFramePr>
+        <p:xfrm>
+          <a:off x="4790705" y="4570202"/>
+          <a:ext cx="1265943" cy="1037274"/>
+        </p:xfrm>
+        <a:graphic>
+          <a:graphicData uri="http://schemas.openxmlformats.org/drawingml/2006/table">
+            <a:tbl>
+              <a:tblPr/>
+              <a:tblGrid>
+                <a:gridCol w="632126"/>
+                <a:gridCol w="633817"/>
+              </a:tblGrid>
+              <a:tr h="294323">
+                <a:tc>
+                  <a:txBody>
+                    <a:bodyPr/>
+                    <a:lstStyle/>
+                    <a:p>
+                      <a:pPr defTabSz="914400"/>
+                      <a:r>
+                        <a:rPr sz="1800" dirty="0"/>
+                        <a:t>A,D,F</a:t>
+                      </a:r>
+                    </a:p>
+                  </a:txBody>
+                  <a:tcPr marL="35719" marR="35719" marT="35719" marB="35719" anchor="ctr" horzOverflow="overflow">
+                    <a:noFill/>
+                  </a:tcPr>
+                </a:tc>
+                <a:tc>
+                  <a:txBody>
+                    <a:bodyPr/>
+                    <a:lstStyle/>
+                    <a:p>
+                      <a:pPr defTabSz="914400"/>
+                      <a:r>
+                        <a:rPr sz="1800" dirty="0"/>
+                        <a:t>A,B,C</a:t>
+                      </a:r>
+                    </a:p>
+                  </a:txBody>
+                  <a:tcPr marL="35719" marR="35719" marT="35719" marB="35719" anchor="ctr" horzOverflow="overflow">
+                    <a:noFill/>
+                  </a:tcPr>
+                </a:tc>
+              </a:tr>
+              <a:tr h="294323">
+                <a:tc>
+                  <a:txBody>
+                    <a:bodyPr/>
+                    <a:lstStyle/>
+                    <a:p>
+                      <a:pPr defTabSz="914400"/>
+                      <a:r>
+                        <a:rPr sz="1800"/>
+                        <a:t>B</a:t>
+                      </a:r>
+                    </a:p>
+                  </a:txBody>
+                  <a:tcPr marL="35719" marR="35719" marT="35719" marB="35719" anchor="ctr" horzOverflow="overflow">
+                    <a:noFill/>
+                  </a:tcPr>
+                </a:tc>
+                <a:tc>
+                  <a:txBody>
+                    <a:bodyPr/>
+                    <a:lstStyle/>
+                    <a:p>
+                      <a:pPr defTabSz="914400"/>
+                      <a:r>
+                        <a:rPr sz="1800"/>
+                        <a:t>A,B</a:t>
+                      </a:r>
+                    </a:p>
+                  </a:txBody>
+                  <a:tcPr marL="35719" marR="35719" marT="35719" marB="35719" anchor="ctr" horzOverflow="overflow">
+                    <a:noFill/>
+                  </a:tcPr>
+                </a:tc>
+              </a:tr>
+              <a:tr h="294323">
+                <a:tc>
+                  <a:txBody>
+                    <a:bodyPr/>
+                    <a:lstStyle/>
+                    <a:p>
+                      <a:pPr defTabSz="914400"/>
+                      <a:r>
+                        <a:rPr sz="1800"/>
+                        <a:t>C,E</a:t>
+                      </a:r>
+                    </a:p>
+                  </a:txBody>
+                  <a:tcPr marL="35719" marR="35719" marT="35719" marB="35719" anchor="ctr" horzOverflow="overflow">
+                    <a:noFill/>
+                  </a:tcPr>
+                </a:tc>
+                <a:tc>
+                  <a:txBody>
+                    <a:bodyPr/>
+                    <a:lstStyle/>
+                    <a:p>
+                      <a:pPr defTabSz="914400"/>
+                      <a:r>
+                        <a:rPr sz="1800" dirty="0"/>
+                        <a:t>A,C</a:t>
+                      </a:r>
+                    </a:p>
+                  </a:txBody>
+                  <a:tcPr marL="35719" marR="35719" marT="35719" marB="35719" anchor="ctr" horzOverflow="overflow">
+                    <a:noFill/>
+                  </a:tcPr>
+                </a:tc>
+              </a:tr>
+            </a:tbl>
+          </a:graphicData>
+        </a:graphic>
+      </p:graphicFrame>
+      <p:graphicFrame>
+        <p:nvGraphicFramePr>
+          <p:cNvPr id="259" name="Table 259"/>
+          <p:cNvGraphicFramePr/>
+          <p:nvPr>
+            <p:extLst>
+              <p:ext uri="{D42A27DB-BD31-4B8C-83A1-F6EECF244321}">
+                <p14:modId xmlns:p14="http://schemas.microsoft.com/office/powerpoint/2010/main" val="2188165451"/>
+              </p:ext>
+            </p:extLst>
+          </p:nvPr>
+        </p:nvGraphicFramePr>
+        <p:xfrm>
+          <a:off x="6214467" y="4143571"/>
+          <a:ext cx="1121223" cy="1728790"/>
+        </p:xfrm>
+        <a:graphic>
+          <a:graphicData uri="http://schemas.openxmlformats.org/drawingml/2006/table">
+            <a:tbl>
+              <a:tblPr/>
+              <a:tblGrid>
+                <a:gridCol w="495990"/>
+                <a:gridCol w="625233"/>
+              </a:tblGrid>
+              <a:tr h="294323">
+                <a:tc>
+                  <a:txBody>
+                    <a:bodyPr/>
+                    <a:lstStyle/>
+                    <a:p>
+                      <a:pPr defTabSz="914400"/>
+                      <a:r>
+                        <a:rPr sz="1800" dirty="0"/>
+                        <a:t>A,C</a:t>
+                      </a:r>
+                    </a:p>
+                  </a:txBody>
+                  <a:tcPr marL="35719" marR="35719" marT="35719" marB="35719" anchor="ctr" horzOverflow="overflow">
+                    <a:noFill/>
+                  </a:tcPr>
+                </a:tc>
+                <a:tc>
+                  <a:txBody>
+                    <a:bodyPr/>
+                    <a:lstStyle/>
+                    <a:p>
+                      <a:pPr defTabSz="914400"/>
+                      <a:r>
+                        <a:rPr sz="1800" dirty="0"/>
+                        <a:t>D,E,F</a:t>
+                      </a:r>
+                    </a:p>
+                  </a:txBody>
+                  <a:tcPr marL="35719" marR="35719" marT="35719" marB="35719" anchor="ctr" horzOverflow="overflow">
+                    <a:noFill/>
+                  </a:tcPr>
+                </a:tc>
+              </a:tr>
+              <a:tr h="294323">
+                <a:tc>
+                  <a:txBody>
+                    <a:bodyPr/>
+                    <a:lstStyle/>
+                    <a:p>
+                      <a:pPr defTabSz="914400"/>
+                      <a:r>
+                        <a:rPr sz="1800"/>
+                        <a:t>B</a:t>
+                      </a:r>
+                    </a:p>
+                  </a:txBody>
+                  <a:tcPr marL="35719" marR="35719" marT="35719" marB="35719" anchor="ctr" horzOverflow="overflow">
+                    <a:noFill/>
+                  </a:tcPr>
+                </a:tc>
+                <a:tc>
+                  <a:txBody>
+                    <a:bodyPr/>
+                    <a:lstStyle/>
+                    <a:p>
+                      <a:pPr defTabSz="914400"/>
+                      <a:r>
+                        <a:rPr sz="1800" dirty="0"/>
+                        <a:t>D,F</a:t>
+                      </a:r>
+                    </a:p>
+                  </a:txBody>
+                  <a:tcPr marL="35719" marR="35719" marT="35719" marB="35719" anchor="ctr" horzOverflow="overflow">
+                    <a:noFill/>
+                  </a:tcPr>
+                </a:tc>
+              </a:tr>
+              <a:tr h="294323">
+                <a:tc>
+                  <a:txBody>
+                    <a:bodyPr/>
+                    <a:lstStyle/>
+                    <a:p>
+                      <a:pPr defTabSz="914400"/>
+                      <a:r>
+                        <a:rPr sz="1800"/>
+                        <a:t>D</a:t>
+                      </a:r>
+                    </a:p>
+                  </a:txBody>
+                  <a:tcPr marL="35719" marR="35719" marT="35719" marB="35719" anchor="ctr" horzOverflow="overflow">
+                    <a:noFill/>
+                  </a:tcPr>
+                </a:tc>
+                <a:tc>
+                  <a:txBody>
+                    <a:bodyPr/>
+                    <a:lstStyle/>
+                    <a:p>
+                      <a:pPr defTabSz="914400"/>
+                      <a:r>
+                        <a:rPr sz="1800" dirty="0"/>
+                        <a:t>D</a:t>
+                      </a:r>
+                    </a:p>
+                  </a:txBody>
+                  <a:tcPr marL="35719" marR="35719" marT="35719" marB="35719" anchor="ctr" horzOverflow="overflow">
+                    <a:noFill/>
+                  </a:tcPr>
+                </a:tc>
+              </a:tr>
+              <a:tr h="294323">
+                <a:tc>
+                  <a:txBody>
+                    <a:bodyPr/>
+                    <a:lstStyle/>
+                    <a:p>
+                      <a:pPr defTabSz="914400"/>
+                      <a:r>
+                        <a:rPr sz="1800"/>
+                        <a:t>E</a:t>
+                      </a:r>
+                    </a:p>
+                  </a:txBody>
+                  <a:tcPr marL="35719" marR="35719" marT="35719" marB="35719" anchor="ctr" horzOverflow="overflow">
+                    <a:noFill/>
+                  </a:tcPr>
+                </a:tc>
+                <a:tc>
+                  <a:txBody>
+                    <a:bodyPr/>
+                    <a:lstStyle/>
+                    <a:p>
+                      <a:pPr defTabSz="914400"/>
+                      <a:r>
+                        <a:rPr sz="1800"/>
+                        <a:t>E</a:t>
+                      </a:r>
+                    </a:p>
+                  </a:txBody>
+                  <a:tcPr marL="35719" marR="35719" marT="35719" marB="35719" anchor="ctr" horzOverflow="overflow">
+                    <a:noFill/>
+                  </a:tcPr>
+                </a:tc>
+              </a:tr>
+              <a:tr h="294323">
+                <a:tc>
+                  <a:txBody>
+                    <a:bodyPr/>
+                    <a:lstStyle/>
+                    <a:p>
+                      <a:pPr defTabSz="914400"/>
+                      <a:r>
+                        <a:rPr sz="1800" dirty="0"/>
+                        <a:t>F</a:t>
+                      </a:r>
+                    </a:p>
+                  </a:txBody>
+                  <a:tcPr marL="35719" marR="35719" marT="35719" marB="35719" anchor="ctr" horzOverflow="overflow">
+                    <a:noFill/>
+                  </a:tcPr>
+                </a:tc>
+                <a:tc>
+                  <a:txBody>
+                    <a:bodyPr/>
+                    <a:lstStyle/>
+                    <a:p>
+                      <a:pPr defTabSz="914400"/>
+                      <a:r>
+                        <a:rPr sz="1800" dirty="0"/>
+                        <a:t>F</a:t>
+                      </a:r>
+                    </a:p>
+                  </a:txBody>
+                  <a:tcPr marL="35719" marR="35719" marT="35719" marB="35719" anchor="ctr" horzOverflow="overflow">
+                    <a:noFill/>
+                  </a:tcPr>
+                </a:tc>
+              </a:tr>
+            </a:tbl>
+          </a:graphicData>
+        </a:graphic>
+      </p:graphicFrame>
+      <p:sp>
+        <p:nvSpPr>
+          <p:cNvPr id="260" name="Shape 260"/>
+          <p:cNvSpPr/>
+          <p:nvPr/>
+        </p:nvSpPr>
+        <p:spPr>
+          <a:xfrm>
+            <a:off x="1218424" y="3795664"/>
+            <a:ext cx="72196" cy="379908"/>
+          </a:xfrm>
+          <a:prstGeom prst="rect">
+            <a:avLst/>
+          </a:prstGeom>
+          <a:ln w="12700">
+            <a:miter lim="400000"/>
+          </a:ln>
+          <a:extLst>
+            <a:ext uri="{C572A759-6A51-4108-AA02-DFA0A04FC94B}">
+              <ma14:wrappingTextBoxFlag xmlns:ma14="http://schemas.microsoft.com/office/mac/drawingml/2011/main" xmlns="" val="1"/>
+            </a:ext>
+          </a:extLst>
+        </p:spPr>
+        <p:txBody>
+          <a:bodyPr wrap="none" lIns="35717" tIns="35717" rIns="35717" bIns="35717" anchor="ctr">
+            <a:spAutoFit/>
+          </a:bodyPr>
+          <a:lstStyle>
+            <a:lvl1pPr>
+              <a:defRPr sz="2000" b="1">
+                <a:latin typeface="Helvetica"/>
+                <a:ea typeface="Helvetica"/>
+                <a:cs typeface="Helvetica"/>
+                <a:sym typeface="Helvetica"/>
+              </a:defRPr>
+            </a:lvl1pPr>
+          </a:lstStyle>
+          <a:p>
+            <a:endParaRPr dirty="0">
+              <a:latin typeface="+mj-lt"/>
+            </a:endParaRPr>
+          </a:p>
+        </p:txBody>
+      </p:sp>
+      <p:sp>
+        <p:nvSpPr>
+          <p:cNvPr id="261" name="Shape 261"/>
+          <p:cNvSpPr/>
+          <p:nvPr/>
+        </p:nvSpPr>
+        <p:spPr>
+          <a:xfrm>
+            <a:off x="5709568" y="3977998"/>
+            <a:ext cx="72196" cy="318353"/>
+          </a:xfrm>
+          <a:prstGeom prst="rect">
+            <a:avLst/>
+          </a:prstGeom>
+          <a:ln w="12700">
+            <a:miter lim="400000"/>
+          </a:ln>
+          <a:extLst>
+            <a:ext uri="{C572A759-6A51-4108-AA02-DFA0A04FC94B}">
+              <ma14:wrappingTextBoxFlag xmlns:ma14="http://schemas.microsoft.com/office/mac/drawingml/2011/main" xmlns="" val="1"/>
+            </a:ext>
+          </a:extLst>
+        </p:spPr>
+        <p:txBody>
+          <a:bodyPr wrap="none" lIns="35717" tIns="35717" rIns="35717" bIns="35717" anchor="ctr">
+            <a:spAutoFit/>
+          </a:bodyPr>
+          <a:lstStyle>
+            <a:lvl1pPr>
+              <a:defRPr sz="2000" b="1">
+                <a:latin typeface="Helvetica"/>
+                <a:ea typeface="Helvetica"/>
+                <a:cs typeface="Helvetica"/>
+                <a:sym typeface="Helvetica"/>
+              </a:defRPr>
+            </a:lvl1pPr>
+          </a:lstStyle>
+          <a:p>
+            <a:endParaRPr sz="1600" dirty="0">
+              <a:latin typeface="+mj-lt"/>
+            </a:endParaRPr>
+          </a:p>
+        </p:txBody>
+      </p:sp>
+      <mc:AlternateContent xmlns:mc="http://schemas.openxmlformats.org/markup-compatibility/2006" xmlns:a14="http://schemas.microsoft.com/office/drawing/2010/main">
+        <mc:Choice Requires="a14">
+          <p:sp>
+            <p:nvSpPr>
+              <p:cNvPr id="262" name="Shape 262"/>
+              <p:cNvSpPr/>
+              <p:nvPr/>
+            </p:nvSpPr>
+            <p:spPr>
+              <a:xfrm>
+                <a:off x="4665331" y="306636"/>
+                <a:ext cx="852025" cy="302964"/>
+              </a:xfrm>
+              <a:prstGeom prst="rect">
+                <a:avLst/>
+              </a:prstGeom>
+              <a:ln w="12700">
+                <a:miter lim="400000"/>
+              </a:ln>
+              <a:extLst>
+                <a:ext uri="{C572A759-6A51-4108-AA02-DFA0A04FC94B}">
+                  <ma14:wrappingTextBoxFlag xmlns:ma14="http://schemas.microsoft.com/office/mac/drawingml/2011/main" xmlns="" val="1"/>
+                </a:ext>
+              </a:extLst>
+            </p:spPr>
+            <p:txBody>
+              <a:bodyPr wrap="none" lIns="35717" tIns="35717" rIns="35717" bIns="35717" anchor="ctr">
+                <a:spAutoFit/>
+              </a:bodyPr>
+              <a:lstStyle>
+                <a:lvl1pPr algn="l">
+                  <a:spcBef>
+                    <a:spcPts val="4200"/>
+                  </a:spcBef>
+                  <a:defRPr sz="1500"/>
+                </a:lvl1pPr>
+              </a:lstStyle>
+              <a:p>
+                <a:r>
+                  <a:rPr lang="en-US" dirty="0" smtClean="0"/>
+                  <a:t>Cluster </a:t>
+                </a:r>
+                <a14:m>
+                  <m:oMath xmlns:m="http://schemas.openxmlformats.org/officeDocument/2006/math">
+                    <m:sSub>
+                      <m:sSubPr>
+                        <m:ctrlPr>
+                          <a:rPr lang="en-US" b="0" i="1" dirty="0" smtClean="0">
+                            <a:latin typeface="Cambria Math"/>
+                          </a:rPr>
+                        </m:ctrlPr>
+                      </m:sSubPr>
+                      <m:e>
+                        <m:r>
+                          <a:rPr lang="en-US" b="0" i="1" dirty="0" smtClean="0">
+                            <a:latin typeface="Cambria Math"/>
+                          </a:rPr>
+                          <m:t>𝐶</m:t>
+                        </m:r>
+                      </m:e>
+                      <m:sub>
+                        <m:r>
+                          <a:rPr lang="en-US" b="0" i="1" dirty="0" smtClean="0">
+                            <a:latin typeface="Cambria Math"/>
+                          </a:rPr>
+                          <m:t>1</m:t>
+                        </m:r>
+                      </m:sub>
+                    </m:sSub>
+                  </m:oMath>
+                </a14:m>
+                <a:endParaRPr dirty="0"/>
+              </a:p>
+            </p:txBody>
+          </p:sp>
+        </mc:Choice>
+        <mc:Fallback xmlns="">
+          <p:sp>
+            <p:nvSpPr>
+              <p:cNvPr id="262" name="Shape 262"/>
+              <p:cNvSpPr>
+                <a:spLocks noRot="1" noChangeAspect="1" noMove="1" noResize="1" noEditPoints="1" noAdjustHandles="1" noChangeArrowheads="1" noChangeShapeType="1" noTextEdit="1"/>
+              </p:cNvSpPr>
+              <p:nvPr/>
+            </p:nvSpPr>
+            <p:spPr>
+              <a:xfrm>
+                <a:off x="4665331" y="306636"/>
+                <a:ext cx="852025" cy="302964"/>
+              </a:xfrm>
+              <a:prstGeom prst="rect">
+                <a:avLst/>
+              </a:prstGeom>
+              <a:blipFill rotWithShape="1">
+                <a:blip r:embed="rId2"/>
+                <a:stretch>
+                  <a:fillRect l="-8571" t="-6000" b="-24000"/>
+                </a:stretch>
+              </a:blipFill>
+              <a:ln w="12700">
+                <a:miter lim="400000"/>
+              </a:ln>
+              <a:extLst>
+                <a:ext uri="{C572A759-6A51-4108-AA02-DFA0A04FC94B}">
+                  <ma14:wrappingTextBoxFlag xmlns:ma14="http://schemas.microsoft.com/office/mac/drawingml/2011/main" xmlns="" val="1"/>
+                </a:ext>
+              </a:extLst>
+            </p:spPr>
+            <p:txBody>
+              <a:bodyPr/>
+              <a:lstStyle/>
+              <a:p>
+                <a:r>
+                  <a:rPr lang="en-US">
+                    <a:noFill/>
+                  </a:rPr>
+                  <a:t> </a:t>
+                </a:r>
+              </a:p>
+            </p:txBody>
+          </p:sp>
+        </mc:Fallback>
+      </mc:AlternateContent>
+      <mc:AlternateContent xmlns:mc="http://schemas.openxmlformats.org/markup-compatibility/2006" xmlns:a14="http://schemas.microsoft.com/office/drawing/2010/main">
+        <mc:Choice Requires="a14">
+          <p:sp>
+            <p:nvSpPr>
+              <p:cNvPr id="263" name="Shape 263"/>
+              <p:cNvSpPr/>
+              <p:nvPr/>
+            </p:nvSpPr>
+            <p:spPr>
+              <a:xfrm>
+                <a:off x="6477000" y="304800"/>
+                <a:ext cx="856513" cy="302964"/>
+              </a:xfrm>
+              <a:prstGeom prst="rect">
+                <a:avLst/>
+              </a:prstGeom>
+              <a:ln w="12700">
+                <a:miter lim="400000"/>
+              </a:ln>
+              <a:extLst>
+                <a:ext uri="{C572A759-6A51-4108-AA02-DFA0A04FC94B}">
+                  <ma14:wrappingTextBoxFlag xmlns:ma14="http://schemas.microsoft.com/office/mac/drawingml/2011/main" xmlns="" val="1"/>
+                </a:ext>
+              </a:extLst>
+            </p:spPr>
+            <p:txBody>
+              <a:bodyPr wrap="none" lIns="35717" tIns="35717" rIns="35717" bIns="35717" anchor="ctr">
+                <a:spAutoFit/>
+              </a:bodyPr>
+              <a:lstStyle>
+                <a:lvl1pPr algn="l">
+                  <a:spcBef>
+                    <a:spcPts val="4200"/>
+                  </a:spcBef>
+                  <a:defRPr sz="1500"/>
+                </a:lvl1pPr>
+              </a:lstStyle>
+              <a:p>
+                <a:r>
+                  <a:rPr lang="en-US" dirty="0" smtClean="0"/>
+                  <a:t>Cluster </a:t>
+                </a:r>
+                <a14:m>
+                  <m:oMath xmlns:m="http://schemas.openxmlformats.org/officeDocument/2006/math">
+                    <m:sSub>
+                      <m:sSubPr>
+                        <m:ctrlPr>
+                          <a:rPr lang="en-US" b="0" i="1" dirty="0" smtClean="0">
+                            <a:latin typeface="Cambria Math"/>
+                          </a:rPr>
+                        </m:ctrlPr>
+                      </m:sSubPr>
+                      <m:e>
+                        <m:r>
+                          <a:rPr lang="en-US" b="0" i="1" dirty="0" smtClean="0">
+                            <a:latin typeface="Cambria Math"/>
+                          </a:rPr>
+                          <m:t>𝐶</m:t>
+                        </m:r>
+                      </m:e>
+                      <m:sub>
+                        <m:r>
+                          <a:rPr lang="en-US" b="0" i="1" dirty="0" smtClean="0">
+                            <a:latin typeface="Cambria Math"/>
+                          </a:rPr>
+                          <m:t>2</m:t>
+                        </m:r>
+                      </m:sub>
+                    </m:sSub>
+                  </m:oMath>
+                </a14:m>
+                <a:endParaRPr dirty="0"/>
+              </a:p>
+            </p:txBody>
+          </p:sp>
+        </mc:Choice>
+        <mc:Fallback xmlns="">
+          <p:sp>
+            <p:nvSpPr>
+              <p:cNvPr id="263" name="Shape 263"/>
+              <p:cNvSpPr>
+                <a:spLocks noRot="1" noChangeAspect="1" noMove="1" noResize="1" noEditPoints="1" noAdjustHandles="1" noChangeArrowheads="1" noChangeShapeType="1" noTextEdit="1"/>
+              </p:cNvSpPr>
+              <p:nvPr/>
+            </p:nvSpPr>
+            <p:spPr>
+              <a:xfrm>
+                <a:off x="6477000" y="304800"/>
+                <a:ext cx="856513" cy="302964"/>
+              </a:xfrm>
+              <a:prstGeom prst="rect">
+                <a:avLst/>
+              </a:prstGeom>
+              <a:blipFill rotWithShape="1">
+                <a:blip r:embed="rId3"/>
+                <a:stretch>
+                  <a:fillRect l="-9286" t="-6000" b="-24000"/>
+                </a:stretch>
+              </a:blipFill>
+              <a:ln w="12700">
+                <a:miter lim="400000"/>
+              </a:ln>
+              <a:extLst>
+                <a:ext uri="{C572A759-6A51-4108-AA02-DFA0A04FC94B}">
+                  <ma14:wrappingTextBoxFlag xmlns:ma14="http://schemas.microsoft.com/office/mac/drawingml/2011/main" xmlns="" val="1"/>
+                </a:ext>
+              </a:extLst>
+            </p:spPr>
+            <p:txBody>
+              <a:bodyPr/>
+              <a:lstStyle/>
+              <a:p>
+                <a:r>
+                  <a:rPr lang="en-US">
+                    <a:noFill/>
+                  </a:rPr>
+                  <a:t> </a:t>
+                </a:r>
+              </a:p>
+            </p:txBody>
+          </p:sp>
+        </mc:Fallback>
+      </mc:AlternateContent>
+      <p:sp>
+        <p:nvSpPr>
+          <p:cNvPr id="2" name="TextBox 1"/>
+          <p:cNvSpPr txBox="1"/>
+          <p:nvPr/>
+        </p:nvSpPr>
+        <p:spPr>
+          <a:xfrm>
+            <a:off x="3124200" y="4645223"/>
+            <a:ext cx="1668865" cy="307777"/>
+          </a:xfrm>
+          <a:prstGeom prst="rect">
+            <a:avLst/>
+          </a:prstGeom>
+          <a:noFill/>
+        </p:spPr>
+        <p:txBody>
+          <a:bodyPr wrap="square" rtlCol="0">
+            <a:spAutoFit/>
+          </a:bodyPr>
+          <a:lstStyle/>
+          <a:p>
+            <a:r>
+              <a:rPr lang="en-US" sz="1400" dirty="0" smtClean="0"/>
+              <a:t>Index Construction</a:t>
+            </a:r>
+            <a:endParaRPr lang="en-US" sz="1400" dirty="0"/>
+          </a:p>
+        </p:txBody>
+      </p:sp>
+      <p:sp>
+        <p:nvSpPr>
+          <p:cNvPr id="54" name="Shape 227"/>
+          <p:cNvSpPr/>
+          <p:nvPr/>
+        </p:nvSpPr>
+        <p:spPr>
+          <a:xfrm>
+            <a:off x="2438400" y="1312625"/>
+            <a:ext cx="1588957" cy="287575"/>
+          </a:xfrm>
+          <a:prstGeom prst="rect">
+            <a:avLst/>
+          </a:prstGeom>
+          <a:ln w="12700">
+            <a:miter lim="400000"/>
+          </a:ln>
+          <a:extLst>
+            <a:ext uri="{C572A759-6A51-4108-AA02-DFA0A04FC94B}">
+              <ma14:wrappingTextBoxFlag xmlns:ma14="http://schemas.microsoft.com/office/mac/drawingml/2011/main" xmlns="" val="1"/>
+            </a:ext>
+          </a:extLst>
+        </p:spPr>
+        <p:txBody>
+          <a:bodyPr wrap="none" lIns="35717" tIns="35717" rIns="35717" bIns="35717" anchor="ctr">
+            <a:spAutoFit/>
+          </a:bodyPr>
+          <a:lstStyle>
+            <a:lvl1pPr>
+              <a:defRPr sz="2000" i="1"/>
+            </a:lvl1pPr>
+          </a:lstStyle>
+          <a:p>
+            <a:r>
+              <a:rPr lang="en-US" sz="1400" i="0" dirty="0" smtClean="0"/>
+              <a:t>Window  Generation</a:t>
+            </a:r>
+            <a:endParaRPr sz="1400" i="0" dirty="0"/>
+          </a:p>
+        </p:txBody>
+      </p:sp>
+    </p:spTree>
+    <p:extLst>
+      <p:ext uri="{BB962C8B-B14F-4D97-AF65-F5344CB8AC3E}">
+        <p14:creationId xmlns:p14="http://schemas.microsoft.com/office/powerpoint/2010/main" val="1070955170"/>
+      </p:ext>
+    </p:extLst>
+  </p:cSld>
+  <p:clrMapOvr>
+    <a:masterClrMapping/>
+  </p:clrMapOvr>
+  <p:transition spd="med"/>
+  <p:timing>
+    <p:tnLst>
+      <p:par>
+        <p:cTn id="1" dur="indefinite" restart="never" nodeType="tmRoot"/>
+      </p:par>
+    </p:tnLst>
+  </p:timing>
+</p:sld>
+</file>
+
+<file path=ppt/slides/slide8.xml><?xml version="1.0" encoding="utf-8"?>
+<p:sld xmlns:a="http://schemas.openxmlformats.org/drawingml/2006/main" xmlns:r="http://schemas.openxmlformats.org/officeDocument/2006/relationships" xmlns:p="http://schemas.openxmlformats.org/presentationml/2006/main">
+  <p:cSld>
+    <p:spTree>
+      <p:nvGrpSpPr>
+        <p:cNvPr id="1" name=""/>
+        <p:cNvGrpSpPr/>
+        <p:nvPr/>
+      </p:nvGrpSpPr>
+      <p:grpSpPr>
+        <a:xfrm>
+          <a:off x="0" y="0"/>
+          <a:ext cx="0" cy="0"/>
+          <a:chOff x="0" y="0"/>
+          <a:chExt cx="0" cy="0"/>
+        </a:xfrm>
+      </p:grpSpPr>
+      <p:graphicFrame>
+        <p:nvGraphicFramePr>
+          <p:cNvPr id="265" name="Table 265"/>
+          <p:cNvGraphicFramePr/>
+          <p:nvPr/>
+        </p:nvGraphicFramePr>
+        <p:xfrm>
+          <a:off x="6286500" y="294680"/>
+          <a:ext cx="2247614" cy="3150396"/>
+        </p:xfrm>
+        <a:graphic>
+          <a:graphicData uri="http://schemas.openxmlformats.org/drawingml/2006/table">
+            <a:tbl>
+              <a:tblPr firstRow="1" firstCol="1"/>
+              <a:tblGrid>
+                <a:gridCol w="530456"/>
+                <a:gridCol w="1007407"/>
+                <a:gridCol w="709751"/>
+              </a:tblGrid>
+              <a:tr h="350044">
+                <a:tc>
+                  <a:txBody>
+                    <a:bodyPr/>
+                    <a:lstStyle/>
+                    <a:p>
+                      <a:pPr defTabSz="914400">
+                        <a:defRPr b="0">
+                          <a:solidFill>
+                            <a:srgbClr val="000000"/>
+                          </a:solidFill>
+                        </a:defRPr>
+                      </a:pPr>
+                      <a:r>
+                        <a:rPr sz="1800" b="1">
+                          <a:sym typeface="Helvetica"/>
+                        </a:rPr>
+                        <a:t>ID</a:t>
+                      </a:r>
+                    </a:p>
+                  </a:txBody>
+                  <a:tcPr marL="35719" marR="35719" marT="35719" marB="35719" anchor="ctr" horzOverflow="overflow">
+                    <a:noFill/>
+                  </a:tcPr>
+                </a:tc>
+                <a:tc>
+                  <a:txBody>
+                    <a:bodyPr/>
+                    <a:lstStyle/>
+                    <a:p>
+                      <a:pPr defTabSz="914400">
+                        <a:defRPr b="0">
+                          <a:solidFill>
+                            <a:srgbClr val="000000"/>
+                          </a:solidFill>
+                        </a:defRPr>
+                      </a:pPr>
+                      <a:r>
+                        <a:rPr sz="1800" b="1">
+                          <a:sym typeface="Helvetica"/>
+                        </a:rPr>
+                        <a:t>PID</a:t>
+                      </a:r>
+                    </a:p>
+                  </a:txBody>
+                  <a:tcPr marL="35719" marR="35719" marT="35719" marB="35719" anchor="ctr" horzOverflow="overflow">
+                    <a:noFill/>
+                  </a:tcPr>
+                </a:tc>
+                <a:tc>
+                  <a:txBody>
+                    <a:bodyPr/>
+                    <a:lstStyle/>
+                    <a:p>
+                      <a:pPr defTabSz="914400">
+                        <a:defRPr b="0">
+                          <a:solidFill>
+                            <a:srgbClr val="000000"/>
+                          </a:solidFill>
+                        </a:defRPr>
+                      </a:pPr>
+                      <a:r>
+                        <a:rPr sz="1800" b="1">
+                          <a:sym typeface="Helvetica"/>
+                        </a:rPr>
+                        <a:t>WD</a:t>
+                      </a:r>
+                    </a:p>
+                  </a:txBody>
+                  <a:tcPr marL="35719" marR="35719" marT="35719" marB="35719" anchor="ctr" horzOverflow="overflow">
+                    <a:noFill/>
+                  </a:tcPr>
+                </a:tc>
+              </a:tr>
+              <a:tr h="350044">
+                <a:tc>
+                  <a:txBody>
+                    <a:bodyPr/>
+                    <a:lstStyle/>
+                    <a:p>
+                      <a:pPr defTabSz="914400">
+                        <a:defRPr b="0">
+                          <a:solidFill>
+                            <a:srgbClr val="000000"/>
+                          </a:solidFill>
+                        </a:defRPr>
+                      </a:pPr>
+                      <a:r>
+                        <a:rPr sz="1800">
+                          <a:latin typeface="+mn-lt"/>
+                          <a:ea typeface="+mn-ea"/>
+                          <a:cs typeface="+mn-cs"/>
+                        </a:rPr>
+                        <a:t>A</a:t>
+                      </a:r>
+                    </a:p>
+                  </a:txBody>
+                  <a:tcPr marL="35719" marR="35719" marT="35719" marB="35719" anchor="ctr" horzOverflow="overflow">
+                    <a:noFill/>
+                  </a:tcPr>
+                </a:tc>
+                <a:tc>
+                  <a:txBody>
+                    <a:bodyPr/>
+                    <a:lstStyle/>
+                    <a:p>
+                      <a:pPr defTabSz="914400"/>
+                      <a:r>
+                        <a:rPr sz="1800"/>
+                        <a:t>nil</a:t>
+                      </a:r>
+                    </a:p>
+                  </a:txBody>
+                  <a:tcPr marL="35719" marR="35719" marT="35719" marB="35719" anchor="ctr" horzOverflow="overflow">
+                    <a:noFill/>
+                  </a:tcPr>
+                </a:tc>
+                <a:tc>
+                  <a:txBody>
+                    <a:bodyPr/>
+                    <a:lstStyle/>
+                    <a:p>
+                      <a:pPr defTabSz="914400"/>
+                      <a:r>
+                        <a:rPr sz="1800"/>
+                        <a:t>nil</a:t>
+                      </a:r>
+                    </a:p>
+                  </a:txBody>
+                  <a:tcPr marL="35719" marR="35719" marT="35719" marB="35719" anchor="ctr" horzOverflow="overflow">
+                    <a:noFill/>
+                  </a:tcPr>
+                </a:tc>
+              </a:tr>
+              <a:tr h="350044">
+                <a:tc>
+                  <a:txBody>
+                    <a:bodyPr/>
+                    <a:lstStyle/>
+                    <a:p>
+                      <a:pPr defTabSz="914400">
+                        <a:defRPr b="0">
+                          <a:solidFill>
+                            <a:srgbClr val="000000"/>
+                          </a:solidFill>
+                        </a:defRPr>
+                      </a:pPr>
+                      <a:r>
+                        <a:rPr sz="1800">
+                          <a:latin typeface="+mn-lt"/>
+                          <a:ea typeface="+mn-ea"/>
+                          <a:cs typeface="+mn-cs"/>
+                        </a:rPr>
+                        <a:t>B</a:t>
+                      </a:r>
+                    </a:p>
+                  </a:txBody>
+                  <a:tcPr marL="35719" marR="35719" marT="35719" marB="35719" anchor="ctr" horzOverflow="overflow">
+                    <a:noFill/>
+                  </a:tcPr>
+                </a:tc>
+                <a:tc>
+                  <a:txBody>
+                    <a:bodyPr/>
+                    <a:lstStyle/>
+                    <a:p>
+                      <a:pPr defTabSz="914400"/>
+                      <a:r>
+                        <a:rPr sz="1800"/>
+                        <a:t>A</a:t>
+                      </a:r>
+                    </a:p>
+                  </a:txBody>
+                  <a:tcPr marL="35719" marR="35719" marT="35719" marB="35719" anchor="ctr" horzOverflow="overflow">
+                    <a:noFill/>
+                  </a:tcPr>
+                </a:tc>
+                <a:tc>
+                  <a:txBody>
+                    <a:bodyPr/>
+                    <a:lstStyle/>
+                    <a:p>
+                      <a:pPr defTabSz="914400"/>
+                      <a:r>
+                        <a:rPr sz="1800"/>
+                        <a:t>nil</a:t>
+                      </a:r>
+                    </a:p>
+                  </a:txBody>
+                  <a:tcPr marL="35719" marR="35719" marT="35719" marB="35719" anchor="ctr" horzOverflow="overflow">
+                    <a:noFill/>
+                  </a:tcPr>
+                </a:tc>
+              </a:tr>
+              <a:tr h="350044">
+                <a:tc>
+                  <a:txBody>
+                    <a:bodyPr/>
+                    <a:lstStyle/>
+                    <a:p>
+                      <a:pPr defTabSz="914400">
+                        <a:defRPr b="0">
+                          <a:solidFill>
+                            <a:srgbClr val="000000"/>
+                          </a:solidFill>
+                        </a:defRPr>
+                      </a:pPr>
+                      <a:r>
+                        <a:rPr sz="1800">
+                          <a:latin typeface="+mn-lt"/>
+                          <a:ea typeface="+mn-ea"/>
+                          <a:cs typeface="+mn-cs"/>
+                        </a:rPr>
+                        <a:t>C</a:t>
+                      </a:r>
+                    </a:p>
+                  </a:txBody>
+                  <a:tcPr marL="35719" marR="35719" marT="35719" marB="35719" anchor="ctr" horzOverflow="overflow">
+                    <a:noFill/>
+                  </a:tcPr>
+                </a:tc>
+                <a:tc>
+                  <a:txBody>
+                    <a:bodyPr/>
+                    <a:lstStyle/>
+                    <a:p>
+                      <a:pPr defTabSz="914400"/>
+                      <a:r>
+                        <a:rPr sz="1800"/>
+                        <a:t>A</a:t>
+                      </a:r>
+                    </a:p>
+                  </a:txBody>
+                  <a:tcPr marL="35719" marR="35719" marT="35719" marB="35719" anchor="ctr" horzOverflow="overflow">
+                    <a:noFill/>
+                  </a:tcPr>
+                </a:tc>
+                <a:tc>
+                  <a:txBody>
+                    <a:bodyPr/>
+                    <a:lstStyle/>
+                    <a:p>
+                      <a:pPr defTabSz="914400"/>
+                      <a:r>
+                        <a:rPr sz="1800"/>
+                        <a:t>nil</a:t>
+                      </a:r>
+                    </a:p>
+                  </a:txBody>
+                  <a:tcPr marL="35719" marR="35719" marT="35719" marB="35719" anchor="ctr" horzOverflow="overflow">
+                    <a:noFill/>
+                  </a:tcPr>
+                </a:tc>
+              </a:tr>
+              <a:tr h="350044">
+                <a:tc>
+                  <a:txBody>
+                    <a:bodyPr/>
+                    <a:lstStyle/>
+                    <a:p>
+                      <a:pPr defTabSz="914400">
+                        <a:defRPr b="0">
+                          <a:solidFill>
+                            <a:srgbClr val="000000"/>
+                          </a:solidFill>
+                        </a:defRPr>
+                      </a:pPr>
+                      <a:r>
+                        <a:rPr sz="1800">
+                          <a:latin typeface="+mn-lt"/>
+                          <a:ea typeface="+mn-ea"/>
+                          <a:cs typeface="+mn-cs"/>
+                        </a:rPr>
+                        <a:t>D</a:t>
+                      </a:r>
+                    </a:p>
+                  </a:txBody>
+                  <a:tcPr marL="35719" marR="35719" marT="35719" marB="35719" anchor="ctr" horzOverflow="overflow">
+                    <a:noFill/>
+                  </a:tcPr>
+                </a:tc>
+                <a:tc>
+                  <a:txBody>
+                    <a:bodyPr/>
+                    <a:lstStyle/>
+                    <a:p>
+                      <a:pPr defTabSz="914400"/>
+                      <a:r>
+                        <a:rPr sz="1800"/>
+                        <a:t>B</a:t>
+                      </a:r>
+                    </a:p>
+                  </a:txBody>
+                  <a:tcPr marL="35719" marR="35719" marT="35719" marB="35719" anchor="ctr" horzOverflow="overflow">
+                    <a:noFill/>
+                  </a:tcPr>
+                </a:tc>
+                <a:tc>
+                  <a:txBody>
+                    <a:bodyPr/>
+                    <a:lstStyle/>
+                    <a:p>
+                      <a:pPr defTabSz="914400"/>
+                      <a:r>
+                        <a:rPr sz="1800"/>
+                        <a:t>nil</a:t>
+                      </a:r>
+                    </a:p>
+                  </a:txBody>
+                  <a:tcPr marL="35719" marR="35719" marT="35719" marB="35719" anchor="ctr" horzOverflow="overflow">
+                    <a:noFill/>
+                  </a:tcPr>
+                </a:tc>
+              </a:tr>
+              <a:tr h="350044">
+                <a:tc>
+                  <a:txBody>
+                    <a:bodyPr/>
+                    <a:lstStyle/>
+                    <a:p>
+                      <a:pPr defTabSz="914400">
+                        <a:defRPr b="0">
+                          <a:solidFill>
+                            <a:srgbClr val="000000"/>
+                          </a:solidFill>
+                        </a:defRPr>
+                      </a:pPr>
+                      <a:r>
+                        <a:rPr sz="1800">
+                          <a:latin typeface="+mn-lt"/>
+                          <a:ea typeface="+mn-ea"/>
+                          <a:cs typeface="+mn-cs"/>
+                        </a:rPr>
+                        <a:t>E</a:t>
+                      </a:r>
+                    </a:p>
+                  </a:txBody>
+                  <a:tcPr marL="35719" marR="35719" marT="35719" marB="35719" anchor="ctr" horzOverflow="overflow">
+                    <a:noFill/>
+                  </a:tcPr>
+                </a:tc>
+                <a:tc>
+                  <a:txBody>
+                    <a:bodyPr/>
+                    <a:lstStyle/>
+                    <a:p>
+                      <a:pPr defTabSz="914400"/>
+                      <a:r>
+                        <a:rPr sz="1800"/>
+                        <a:t>D</a:t>
+                      </a:r>
+                    </a:p>
+                  </a:txBody>
+                  <a:tcPr marL="35719" marR="35719" marT="35719" marB="35719" anchor="ctr" horzOverflow="overflow">
+                    <a:noFill/>
+                  </a:tcPr>
+                </a:tc>
+                <a:tc>
+                  <a:txBody>
+                    <a:bodyPr/>
+                    <a:lstStyle/>
+                    <a:p>
+                      <a:pPr defTabSz="914400"/>
+                      <a:r>
+                        <a:rPr sz="1800"/>
+                        <a:t>C</a:t>
+                      </a:r>
+                    </a:p>
+                  </a:txBody>
+                  <a:tcPr marL="35719" marR="35719" marT="35719" marB="35719" anchor="ctr" horzOverflow="overflow">
+                    <a:noFill/>
+                  </a:tcPr>
+                </a:tc>
+              </a:tr>
+              <a:tr h="350044">
+                <a:tc>
+                  <a:txBody>
+                    <a:bodyPr/>
+                    <a:lstStyle/>
+                    <a:p>
+                      <a:pPr defTabSz="914400">
+                        <a:defRPr b="0">
+                          <a:solidFill>
+                            <a:srgbClr val="000000"/>
+                          </a:solidFill>
+                        </a:defRPr>
+                      </a:pPr>
+                      <a:r>
+                        <a:rPr sz="1800">
+                          <a:latin typeface="+mn-lt"/>
+                          <a:ea typeface="+mn-ea"/>
+                          <a:cs typeface="+mn-cs"/>
+                        </a:rPr>
+                        <a:t>F</a:t>
+                      </a:r>
+                    </a:p>
+                  </a:txBody>
+                  <a:tcPr marL="35719" marR="35719" marT="35719" marB="35719" anchor="ctr" horzOverflow="overflow">
+                    <a:noFill/>
+                  </a:tcPr>
+                </a:tc>
+                <a:tc>
+                  <a:txBody>
+                    <a:bodyPr/>
+                    <a:lstStyle/>
+                    <a:p>
+                      <a:pPr defTabSz="914400"/>
+                      <a:r>
+                        <a:rPr sz="1800"/>
+                        <a:t>E</a:t>
+                      </a:r>
+                    </a:p>
+                  </a:txBody>
+                  <a:tcPr marL="35719" marR="35719" marT="35719" marB="35719" anchor="ctr" horzOverflow="overflow">
+                    <a:noFill/>
+                  </a:tcPr>
+                </a:tc>
+                <a:tc>
+                  <a:txBody>
+                    <a:bodyPr/>
+                    <a:lstStyle/>
+                    <a:p>
+                      <a:pPr defTabSz="914400"/>
+                      <a:r>
+                        <a:rPr sz="1800"/>
+                        <a:t>nil</a:t>
+                      </a:r>
+                    </a:p>
+                  </a:txBody>
+                  <a:tcPr marL="35719" marR="35719" marT="35719" marB="35719" anchor="ctr" horzOverflow="overflow">
+                    <a:noFill/>
+                  </a:tcPr>
+                </a:tc>
+              </a:tr>
+              <a:tr h="350044">
+                <a:tc>
+                  <a:txBody>
+                    <a:bodyPr/>
+                    <a:lstStyle/>
+                    <a:p>
+                      <a:pPr defTabSz="914400">
+                        <a:defRPr b="0">
+                          <a:solidFill>
+                            <a:srgbClr val="000000"/>
+                          </a:solidFill>
+                        </a:defRPr>
+                      </a:pPr>
+                      <a:r>
+                        <a:rPr sz="1800">
+                          <a:latin typeface="+mn-lt"/>
+                          <a:ea typeface="+mn-ea"/>
+                          <a:cs typeface="+mn-cs"/>
+                        </a:rPr>
+                        <a:t>G</a:t>
+                      </a:r>
+                    </a:p>
+                  </a:txBody>
+                  <a:tcPr marL="35719" marR="35719" marT="35719" marB="35719" anchor="ctr" horzOverflow="overflow">
+                    <a:noFill/>
+                  </a:tcPr>
+                </a:tc>
+                <a:tc>
+                  <a:txBody>
+                    <a:bodyPr/>
+                    <a:lstStyle/>
+                    <a:p>
+                      <a:pPr defTabSz="914400"/>
+                      <a:r>
+                        <a:rPr sz="1800"/>
+                        <a:t>F</a:t>
+                      </a:r>
+                    </a:p>
+                  </a:txBody>
+                  <a:tcPr marL="35719" marR="35719" marT="35719" marB="35719" anchor="ctr" horzOverflow="overflow">
+                    <a:noFill/>
+                  </a:tcPr>
+                </a:tc>
+                <a:tc>
+                  <a:txBody>
+                    <a:bodyPr/>
+                    <a:lstStyle/>
+                    <a:p>
+                      <a:pPr defTabSz="914400"/>
+                      <a:r>
+                        <a:rPr sz="1800"/>
+                        <a:t>H</a:t>
+                      </a:r>
+                    </a:p>
+                  </a:txBody>
+                  <a:tcPr marL="35719" marR="35719" marT="35719" marB="35719" anchor="ctr" horzOverflow="overflow">
+                    <a:noFill/>
+                  </a:tcPr>
+                </a:tc>
+              </a:tr>
+              <a:tr h="350044">
+                <a:tc>
+                  <a:txBody>
+                    <a:bodyPr/>
+                    <a:lstStyle/>
+                    <a:p>
+                      <a:pPr defTabSz="914400">
+                        <a:defRPr b="0">
+                          <a:solidFill>
+                            <a:srgbClr val="000000"/>
+                          </a:solidFill>
+                        </a:defRPr>
+                      </a:pPr>
+                      <a:r>
+                        <a:rPr sz="1800">
+                          <a:latin typeface="+mn-lt"/>
+                          <a:ea typeface="+mn-ea"/>
+                          <a:cs typeface="+mn-cs"/>
+                        </a:rPr>
+                        <a:t>H</a:t>
+                      </a:r>
+                    </a:p>
+                  </a:txBody>
+                  <a:tcPr marL="35719" marR="35719" marT="35719" marB="35719" anchor="ctr" horzOverflow="overflow">
+                    <a:noFill/>
+                  </a:tcPr>
+                </a:tc>
+                <a:tc>
+                  <a:txBody>
+                    <a:bodyPr/>
+                    <a:lstStyle/>
+                    <a:p>
+                      <a:pPr defTabSz="914400"/>
+                      <a:r>
+                        <a:rPr sz="1800"/>
+                        <a:t>D</a:t>
+                      </a:r>
+                    </a:p>
+                  </a:txBody>
+                  <a:tcPr marL="35719" marR="35719" marT="35719" marB="35719" anchor="ctr" horzOverflow="overflow">
+                    <a:noFill/>
+                  </a:tcPr>
+                </a:tc>
+                <a:tc>
+                  <a:txBody>
+                    <a:bodyPr/>
+                    <a:lstStyle/>
+                    <a:p>
+                      <a:pPr defTabSz="914400"/>
+                      <a:r>
+                        <a:rPr sz="1800"/>
+                        <a:t>nil</a:t>
+                      </a:r>
+                    </a:p>
+                  </a:txBody>
+                  <a:tcPr marL="35719" marR="35719" marT="35719" marB="35719" anchor="ctr" horzOverflow="overflow">
+                    <a:noFill/>
+                  </a:tcPr>
+                </a:tc>
+              </a:tr>
+            </a:tbl>
+          </a:graphicData>
+        </a:graphic>
+      </p:graphicFrame>
+      <p:sp>
+        <p:nvSpPr>
+          <p:cNvPr id="266" name="Shape 266"/>
+          <p:cNvSpPr/>
+          <p:nvPr/>
+        </p:nvSpPr>
+        <p:spPr>
+          <a:xfrm>
+            <a:off x="7175039" y="3656271"/>
+            <a:ext cx="310980" cy="349131"/>
+          </a:xfrm>
+          <a:prstGeom prst="rect">
+            <a:avLst/>
+          </a:prstGeom>
+          <a:ln w="12700">
+            <a:miter lim="400000"/>
+          </a:ln>
+          <a:extLst>
+            <a:ext uri="{C572A759-6A51-4108-AA02-DFA0A04FC94B}">
+              <ma14:wrappingTextBoxFlag xmlns:ma14="http://schemas.microsoft.com/office/mac/drawingml/2011/main" xmlns="" val="1"/>
+            </a:ext>
+          </a:extLst>
+        </p:spPr>
+        <p:txBody>
+          <a:bodyPr wrap="none" lIns="35717" tIns="35717" rIns="35717" bIns="35717" anchor="ctr">
+            <a:spAutoFit/>
+          </a:bodyPr>
+          <a:lstStyle/>
+          <a:p>
+            <a:r>
+              <a:t>(c)</a:t>
+            </a:r>
+          </a:p>
+        </p:txBody>
+      </p:sp>
+      <p:sp>
+        <p:nvSpPr>
+          <p:cNvPr id="267" name="Shape 267"/>
+          <p:cNvSpPr/>
+          <p:nvPr/>
+        </p:nvSpPr>
+        <p:spPr>
+          <a:xfrm>
+            <a:off x="4321969" y="3205758"/>
+            <a:ext cx="419695" cy="428625"/>
+          </a:xfrm>
+          <a:prstGeom prst="ellipse">
+            <a:avLst/>
+          </a:prstGeom>
+          <a:ln w="25400">
+            <a:solidFill>
+              <a:srgbClr val="000000"/>
+            </a:solidFill>
+            <a:miter lim="400000"/>
+          </a:ln>
+          <a:extLst>
+            <a:ext uri="{C572A759-6A51-4108-AA02-DFA0A04FC94B}">
+              <ma14:wrappingTextBoxFlag xmlns:ma14="http://schemas.microsoft.com/office/mac/drawingml/2011/main" xmlns="" val="1"/>
+            </a:ext>
+          </a:extLst>
+        </p:spPr>
+        <p:txBody>
+          <a:bodyPr lIns="35717" tIns="35717" rIns="35717" bIns="35717" anchor="ctr"/>
+          <a:lstStyle>
+            <a:lvl1pPr>
+              <a:defRPr sz="2400"/>
+            </a:lvl1pPr>
+          </a:lstStyle>
+          <a:p>
+            <a:r>
+              <a:t>G</a:t>
+            </a:r>
+          </a:p>
+        </p:txBody>
+      </p:sp>
+      <p:sp>
+        <p:nvSpPr>
+          <p:cNvPr id="268" name="Shape 268"/>
+          <p:cNvSpPr/>
+          <p:nvPr/>
+        </p:nvSpPr>
+        <p:spPr>
+          <a:xfrm>
+            <a:off x="4321969" y="2446734"/>
+            <a:ext cx="419695" cy="428625"/>
+          </a:xfrm>
+          <a:prstGeom prst="ellipse">
+            <a:avLst/>
+          </a:prstGeom>
+          <a:ln w="25400">
+            <a:solidFill>
+              <a:srgbClr val="000000"/>
+            </a:solidFill>
+            <a:miter lim="400000"/>
+          </a:ln>
+          <a:extLst>
+            <a:ext uri="{C572A759-6A51-4108-AA02-DFA0A04FC94B}">
+              <ma14:wrappingTextBoxFlag xmlns:ma14="http://schemas.microsoft.com/office/mac/drawingml/2011/main" xmlns="" val="1"/>
+            </a:ext>
+          </a:extLst>
+        </p:spPr>
+        <p:txBody>
+          <a:bodyPr lIns="35717" tIns="35717" rIns="35717" bIns="35717" anchor="ctr"/>
+          <a:lstStyle>
+            <a:lvl1pPr>
+              <a:defRPr sz="2400"/>
+            </a:lvl1pPr>
+          </a:lstStyle>
+          <a:p>
+            <a:r>
+              <a:t>F</a:t>
+            </a:r>
+          </a:p>
+        </p:txBody>
+      </p:sp>
+      <p:sp>
+        <p:nvSpPr>
+          <p:cNvPr id="269" name="Shape 269"/>
+          <p:cNvSpPr/>
+          <p:nvPr/>
+        </p:nvSpPr>
+        <p:spPr>
+          <a:xfrm>
+            <a:off x="4321969" y="1696641"/>
+            <a:ext cx="419695" cy="428625"/>
+          </a:xfrm>
+          <a:prstGeom prst="ellipse">
+            <a:avLst/>
+          </a:prstGeom>
+          <a:ln w="25400">
+            <a:solidFill>
+              <a:srgbClr val="000000"/>
+            </a:solidFill>
+            <a:miter lim="400000"/>
+          </a:ln>
+          <a:extLst>
+            <a:ext uri="{C572A759-6A51-4108-AA02-DFA0A04FC94B}">
+              <ma14:wrappingTextBoxFlag xmlns:ma14="http://schemas.microsoft.com/office/mac/drawingml/2011/main" xmlns="" val="1"/>
+            </a:ext>
+          </a:extLst>
+        </p:spPr>
+        <p:txBody>
+          <a:bodyPr lIns="35717" tIns="35717" rIns="35717" bIns="35717" anchor="ctr"/>
+          <a:lstStyle>
+            <a:lvl1pPr>
+              <a:defRPr sz="2400"/>
+            </a:lvl1pPr>
+          </a:lstStyle>
+          <a:p>
+            <a:r>
+              <a:t>E</a:t>
+            </a:r>
+          </a:p>
+        </p:txBody>
+      </p:sp>
+      <p:sp>
+        <p:nvSpPr>
+          <p:cNvPr id="270" name="Shape 270"/>
+          <p:cNvSpPr/>
+          <p:nvPr/>
+        </p:nvSpPr>
+        <p:spPr>
+          <a:xfrm>
+            <a:off x="3384352" y="1705570"/>
+            <a:ext cx="419695" cy="428625"/>
+          </a:xfrm>
+          <a:prstGeom prst="ellipse">
+            <a:avLst/>
+          </a:prstGeom>
+          <a:ln w="25400">
+            <a:solidFill>
+              <a:srgbClr val="000000"/>
+            </a:solidFill>
+            <a:miter lim="400000"/>
+          </a:ln>
+          <a:extLst>
+            <a:ext uri="{C572A759-6A51-4108-AA02-DFA0A04FC94B}">
+              <ma14:wrappingTextBoxFlag xmlns:ma14="http://schemas.microsoft.com/office/mac/drawingml/2011/main" xmlns="" val="1"/>
+            </a:ext>
+          </a:extLst>
+        </p:spPr>
+        <p:txBody>
+          <a:bodyPr lIns="35717" tIns="35717" rIns="35717" bIns="35717" anchor="ctr"/>
+          <a:lstStyle>
+            <a:lvl1pPr>
+              <a:defRPr sz="2400"/>
+            </a:lvl1pPr>
+          </a:lstStyle>
+          <a:p>
+            <a:r>
+              <a:t>D</a:t>
+            </a:r>
+          </a:p>
+        </p:txBody>
+      </p:sp>
+      <p:sp>
+        <p:nvSpPr>
+          <p:cNvPr id="271" name="Shape 271"/>
+          <p:cNvSpPr/>
+          <p:nvPr/>
+        </p:nvSpPr>
+        <p:spPr>
+          <a:xfrm>
+            <a:off x="4268391" y="937617"/>
+            <a:ext cx="419695" cy="428625"/>
+          </a:xfrm>
+          <a:prstGeom prst="ellipse">
+            <a:avLst/>
+          </a:prstGeom>
+          <a:ln w="25400">
+            <a:solidFill>
+              <a:srgbClr val="000000"/>
+            </a:solidFill>
+            <a:miter lim="400000"/>
+          </a:ln>
+          <a:extLst>
+            <a:ext uri="{C572A759-6A51-4108-AA02-DFA0A04FC94B}">
+              <ma14:wrappingTextBoxFlag xmlns:ma14="http://schemas.microsoft.com/office/mac/drawingml/2011/main" xmlns="" val="1"/>
+            </a:ext>
+          </a:extLst>
+        </p:spPr>
+        <p:txBody>
+          <a:bodyPr lIns="35717" tIns="35717" rIns="35717" bIns="35717" anchor="ctr"/>
+          <a:lstStyle>
+            <a:lvl1pPr>
+              <a:defRPr sz="2400"/>
+            </a:lvl1pPr>
+          </a:lstStyle>
+          <a:p>
+            <a:r>
+              <a:t>C</a:t>
+            </a:r>
+          </a:p>
+        </p:txBody>
+      </p:sp>
+      <p:sp>
+        <p:nvSpPr>
+          <p:cNvPr id="272" name="Shape 272"/>
+          <p:cNvSpPr/>
+          <p:nvPr/>
+        </p:nvSpPr>
+        <p:spPr>
+          <a:xfrm>
+            <a:off x="3366492" y="955477"/>
+            <a:ext cx="419695" cy="428625"/>
+          </a:xfrm>
+          <a:prstGeom prst="ellipse">
+            <a:avLst/>
+          </a:prstGeom>
+          <a:ln w="25400">
+            <a:solidFill>
+              <a:srgbClr val="000000"/>
+            </a:solidFill>
+            <a:miter lim="400000"/>
+          </a:ln>
+          <a:extLst>
+            <a:ext uri="{C572A759-6A51-4108-AA02-DFA0A04FC94B}">
+              <ma14:wrappingTextBoxFlag xmlns:ma14="http://schemas.microsoft.com/office/mac/drawingml/2011/main" xmlns="" val="1"/>
+            </a:ext>
+          </a:extLst>
+        </p:spPr>
+        <p:txBody>
+          <a:bodyPr lIns="35717" tIns="35717" rIns="35717" bIns="35717" anchor="ctr"/>
+          <a:lstStyle>
+            <a:lvl1pPr>
+              <a:defRPr sz="2400"/>
+            </a:lvl1pPr>
+          </a:lstStyle>
+          <a:p>
+            <a:r>
+              <a:t>B</a:t>
+            </a:r>
+          </a:p>
+        </p:txBody>
+      </p:sp>
+      <p:sp>
+        <p:nvSpPr>
+          <p:cNvPr id="273" name="Shape 273"/>
+          <p:cNvSpPr/>
+          <p:nvPr/>
+        </p:nvSpPr>
+        <p:spPr>
+          <a:xfrm>
+            <a:off x="3366492" y="276820"/>
+            <a:ext cx="419695" cy="428625"/>
+          </a:xfrm>
+          <a:prstGeom prst="ellipse">
+            <a:avLst/>
+          </a:prstGeom>
+          <a:ln w="25400">
+            <a:solidFill>
+              <a:srgbClr val="000000"/>
+            </a:solidFill>
+            <a:miter lim="400000"/>
+          </a:ln>
+          <a:extLst>
+            <a:ext uri="{C572A759-6A51-4108-AA02-DFA0A04FC94B}">
+              <ma14:wrappingTextBoxFlag xmlns:ma14="http://schemas.microsoft.com/office/mac/drawingml/2011/main" xmlns="" val="1"/>
+            </a:ext>
+          </a:extLst>
+        </p:spPr>
+        <p:txBody>
+          <a:bodyPr lIns="35717" tIns="35717" rIns="35717" bIns="35717" anchor="ctr"/>
+          <a:lstStyle>
+            <a:lvl1pPr>
+              <a:defRPr sz="2400"/>
+            </a:lvl1pPr>
+          </a:lstStyle>
+          <a:p>
+            <a:r>
+              <a:t>A</a:t>
+            </a:r>
+          </a:p>
+        </p:txBody>
+      </p:sp>
+      <p:sp>
+        <p:nvSpPr>
+          <p:cNvPr id="274" name="Shape 274"/>
+          <p:cNvSpPr/>
+          <p:nvPr/>
+        </p:nvSpPr>
+        <p:spPr>
+          <a:xfrm>
+            <a:off x="3384352" y="2446734"/>
+            <a:ext cx="419695" cy="428625"/>
+          </a:xfrm>
+          <a:prstGeom prst="ellipse">
+            <a:avLst/>
+          </a:prstGeom>
+          <a:ln w="25400">
+            <a:solidFill>
+              <a:srgbClr val="000000"/>
+            </a:solidFill>
+            <a:miter lim="400000"/>
+          </a:ln>
+          <a:extLst>
+            <a:ext uri="{C572A759-6A51-4108-AA02-DFA0A04FC94B}">
+              <ma14:wrappingTextBoxFlag xmlns:ma14="http://schemas.microsoft.com/office/mac/drawingml/2011/main" xmlns="" val="1"/>
+            </a:ext>
+          </a:extLst>
+        </p:spPr>
+        <p:txBody>
+          <a:bodyPr lIns="35717" tIns="35717" rIns="35717" bIns="35717" anchor="ctr"/>
+          <a:lstStyle>
+            <a:lvl1pPr>
+              <a:defRPr sz="2400"/>
+            </a:lvl1pPr>
+          </a:lstStyle>
+          <a:p>
+            <a:r>
+              <a:t>H</a:t>
+            </a:r>
+          </a:p>
+        </p:txBody>
+      </p:sp>
+      <p:sp>
+        <p:nvSpPr>
+          <p:cNvPr id="275" name="Shape 275"/>
+          <p:cNvSpPr/>
+          <p:nvPr/>
+        </p:nvSpPr>
+        <p:spPr>
+          <a:xfrm>
+            <a:off x="3578773" y="700022"/>
+            <a:ext cx="3610" cy="268016"/>
+          </a:xfrm>
+          <a:prstGeom prst="line">
+            <a:avLst/>
+          </a:prstGeom>
+          <a:ln w="38100">
+            <a:solidFill>
+              <a:srgbClr val="000000"/>
+            </a:solidFill>
+            <a:miter lim="400000"/>
+            <a:tailEnd type="stealth"/>
+          </a:ln>
+        </p:spPr>
+        <p:txBody>
+          <a:bodyPr lIns="35717" tIns="35717" rIns="35717" bIns="35717" anchor="ctr"/>
+          <a:lstStyle/>
+          <a:p>
+            <a:pPr>
+              <a:defRPr sz="2400"/>
+            </a:pPr>
+            <a:endParaRPr/>
+          </a:p>
+        </p:txBody>
+      </p:sp>
+      <p:sp>
+        <p:nvSpPr>
+          <p:cNvPr id="276" name="Shape 276"/>
+          <p:cNvSpPr/>
+          <p:nvPr/>
+        </p:nvSpPr>
+        <p:spPr>
+          <a:xfrm>
+            <a:off x="3757612" y="625363"/>
+            <a:ext cx="566060" cy="374794"/>
+          </a:xfrm>
+          <a:prstGeom prst="line">
+            <a:avLst/>
+          </a:prstGeom>
+          <a:ln w="38100">
+            <a:solidFill>
+              <a:srgbClr val="000000"/>
+            </a:solidFill>
+            <a:miter lim="400000"/>
+            <a:tailEnd type="stealth"/>
+          </a:ln>
+        </p:spPr>
+        <p:txBody>
+          <a:bodyPr lIns="35717" tIns="35717" rIns="35717" bIns="35717" anchor="ctr"/>
+          <a:lstStyle/>
+          <a:p>
+            <a:pPr>
+              <a:defRPr sz="2400"/>
+            </a:pPr>
+            <a:endParaRPr/>
+          </a:p>
+        </p:txBody>
+      </p:sp>
+      <p:sp>
+        <p:nvSpPr>
+          <p:cNvPr id="277" name="Shape 277"/>
+          <p:cNvSpPr/>
+          <p:nvPr/>
+        </p:nvSpPr>
+        <p:spPr>
+          <a:xfrm>
+            <a:off x="3583407" y="1397507"/>
+            <a:ext cx="3725" cy="294657"/>
+          </a:xfrm>
+          <a:prstGeom prst="line">
+            <a:avLst/>
+          </a:prstGeom>
+          <a:ln w="38100">
+            <a:solidFill>
+              <a:srgbClr val="000000"/>
+            </a:solidFill>
+            <a:miter lim="400000"/>
+            <a:tailEnd type="stealth"/>
+          </a:ln>
+        </p:spPr>
+        <p:txBody>
+          <a:bodyPr lIns="35717" tIns="35717" rIns="35717" bIns="35717" anchor="ctr"/>
+          <a:lstStyle/>
+          <a:p>
+            <a:pPr>
+              <a:defRPr sz="2400"/>
+            </a:pPr>
+            <a:endParaRPr/>
+          </a:p>
+        </p:txBody>
+      </p:sp>
+      <p:sp>
+        <p:nvSpPr>
+          <p:cNvPr id="278" name="Shape 278"/>
+          <p:cNvSpPr/>
+          <p:nvPr/>
+        </p:nvSpPr>
+        <p:spPr>
+          <a:xfrm flipV="1">
+            <a:off x="3804574" y="1904773"/>
+            <a:ext cx="527766" cy="493"/>
+          </a:xfrm>
+          <a:prstGeom prst="line">
+            <a:avLst/>
+          </a:prstGeom>
+          <a:ln w="38100">
+            <a:solidFill>
+              <a:srgbClr val="000000"/>
+            </a:solidFill>
+            <a:miter lim="400000"/>
+            <a:tailEnd type="stealth"/>
+          </a:ln>
+        </p:spPr>
+        <p:txBody>
+          <a:bodyPr lIns="35717" tIns="35717" rIns="35717" bIns="35717" anchor="ctr"/>
+          <a:lstStyle/>
+          <a:p>
+            <a:pPr>
+              <a:defRPr sz="2400"/>
+            </a:pPr>
+            <a:endParaRPr/>
+          </a:p>
+        </p:txBody>
+      </p:sp>
+      <p:sp>
+        <p:nvSpPr>
+          <p:cNvPr id="279" name="Shape 279"/>
+          <p:cNvSpPr/>
+          <p:nvPr/>
+        </p:nvSpPr>
+        <p:spPr>
+          <a:xfrm>
+            <a:off x="3781847" y="3629482"/>
+            <a:ext cx="335024" cy="349131"/>
+          </a:xfrm>
+          <a:prstGeom prst="rect">
+            <a:avLst/>
+          </a:prstGeom>
+          <a:ln w="12700">
+            <a:miter lim="400000"/>
+          </a:ln>
+          <a:extLst>
+            <a:ext uri="{C572A759-6A51-4108-AA02-DFA0A04FC94B}">
+              <ma14:wrappingTextBoxFlag xmlns:ma14="http://schemas.microsoft.com/office/mac/drawingml/2011/main" xmlns="" val="1"/>
+            </a:ext>
+          </a:extLst>
+        </p:spPr>
+        <p:txBody>
+          <a:bodyPr wrap="none" lIns="35717" tIns="35717" rIns="35717" bIns="35717" anchor="ctr">
+            <a:spAutoFit/>
+          </a:bodyPr>
+          <a:lstStyle/>
+          <a:p>
+            <a:r>
+              <a:t>(b)</a:t>
+            </a:r>
+          </a:p>
+        </p:txBody>
+      </p:sp>
+      <p:sp>
+        <p:nvSpPr>
+          <p:cNvPr id="280" name="Shape 280"/>
+          <p:cNvSpPr/>
+          <p:nvPr/>
+        </p:nvSpPr>
+        <p:spPr>
+          <a:xfrm flipH="1">
+            <a:off x="3607580" y="2126363"/>
+            <a:ext cx="782" cy="335010"/>
+          </a:xfrm>
+          <a:prstGeom prst="line">
+            <a:avLst/>
+          </a:prstGeom>
+          <a:ln w="38100">
+            <a:solidFill>
+              <a:srgbClr val="000000"/>
+            </a:solidFill>
+            <a:miter lim="400000"/>
+            <a:tailEnd type="stealth"/>
+          </a:ln>
+        </p:spPr>
+        <p:txBody>
+          <a:bodyPr lIns="35717" tIns="35717" rIns="35717" bIns="35717" anchor="ctr"/>
+          <a:lstStyle/>
+          <a:p>
+            <a:pPr>
+              <a:defRPr sz="2400"/>
+            </a:pPr>
+            <a:endParaRPr/>
+          </a:p>
+        </p:txBody>
+      </p:sp>
+      <p:sp>
+        <p:nvSpPr>
+          <p:cNvPr id="281" name="Shape 281"/>
+          <p:cNvSpPr/>
+          <p:nvPr/>
+        </p:nvSpPr>
+        <p:spPr>
+          <a:xfrm flipH="1">
+            <a:off x="4532375" y="2115183"/>
+            <a:ext cx="14" cy="321593"/>
+          </a:xfrm>
+          <a:prstGeom prst="line">
+            <a:avLst/>
+          </a:prstGeom>
+          <a:ln w="38100">
+            <a:solidFill>
+              <a:srgbClr val="000000"/>
+            </a:solidFill>
+            <a:miter lim="400000"/>
+            <a:tailEnd type="stealth"/>
+          </a:ln>
+        </p:spPr>
+        <p:txBody>
+          <a:bodyPr lIns="35717" tIns="35717" rIns="35717" bIns="35717" anchor="ctr"/>
+          <a:lstStyle/>
+          <a:p>
+            <a:pPr>
+              <a:defRPr sz="2400"/>
+            </a:pPr>
+            <a:endParaRPr/>
+          </a:p>
+        </p:txBody>
+      </p:sp>
+      <p:sp>
+        <p:nvSpPr>
+          <p:cNvPr id="282" name="Shape 282"/>
+          <p:cNvSpPr/>
+          <p:nvPr/>
+        </p:nvSpPr>
+        <p:spPr>
+          <a:xfrm>
+            <a:off x="4531548" y="2884119"/>
+            <a:ext cx="1165" cy="330517"/>
+          </a:xfrm>
+          <a:prstGeom prst="line">
+            <a:avLst/>
+          </a:prstGeom>
+          <a:ln w="38100">
+            <a:solidFill>
+              <a:srgbClr val="000000"/>
+            </a:solidFill>
+            <a:miter lim="400000"/>
+            <a:tailEnd type="stealth"/>
+          </a:ln>
+        </p:spPr>
+        <p:txBody>
+          <a:bodyPr lIns="35717" tIns="35717" rIns="35717" bIns="35717" anchor="ctr"/>
+          <a:lstStyle/>
+          <a:p>
+            <a:pPr>
+              <a:defRPr sz="2400"/>
+            </a:pPr>
+            <a:endParaRPr/>
+          </a:p>
+        </p:txBody>
+      </p:sp>
+      <p:sp>
+        <p:nvSpPr>
+          <p:cNvPr id="283" name="Shape 283"/>
+          <p:cNvSpPr/>
+          <p:nvPr/>
+        </p:nvSpPr>
+        <p:spPr>
+          <a:xfrm>
+            <a:off x="1598414" y="3143250"/>
+            <a:ext cx="419695" cy="428625"/>
+          </a:xfrm>
+          <a:prstGeom prst="ellipse">
+            <a:avLst/>
+          </a:prstGeom>
+          <a:ln w="25400">
+            <a:solidFill>
+              <a:srgbClr val="000000"/>
+            </a:solidFill>
+            <a:miter lim="400000"/>
+          </a:ln>
+          <a:extLst>
+            <a:ext uri="{C572A759-6A51-4108-AA02-DFA0A04FC94B}">
+              <ma14:wrappingTextBoxFlag xmlns:ma14="http://schemas.microsoft.com/office/mac/drawingml/2011/main" xmlns="" val="1"/>
+            </a:ext>
+          </a:extLst>
+        </p:spPr>
+        <p:txBody>
+          <a:bodyPr lIns="35717" tIns="35717" rIns="35717" bIns="35717" anchor="ctr"/>
+          <a:lstStyle>
+            <a:lvl1pPr>
+              <a:defRPr sz="2400"/>
+            </a:lvl1pPr>
+          </a:lstStyle>
+          <a:p>
+            <a:r>
+              <a:t>G</a:t>
+            </a:r>
+          </a:p>
+        </p:txBody>
+      </p:sp>
+      <p:sp>
+        <p:nvSpPr>
+          <p:cNvPr id="284" name="Shape 284"/>
+          <p:cNvSpPr/>
+          <p:nvPr/>
+        </p:nvSpPr>
+        <p:spPr>
+          <a:xfrm>
+            <a:off x="1107281" y="2500313"/>
+            <a:ext cx="419695" cy="446484"/>
+          </a:xfrm>
+          <a:prstGeom prst="ellipse">
+            <a:avLst/>
+          </a:prstGeom>
+          <a:ln w="25400">
+            <a:solidFill>
+              <a:srgbClr val="000000"/>
+            </a:solidFill>
+            <a:miter lim="400000"/>
+          </a:ln>
+          <a:extLst>
+            <a:ext uri="{C572A759-6A51-4108-AA02-DFA0A04FC94B}">
+              <ma14:wrappingTextBoxFlag xmlns:ma14="http://schemas.microsoft.com/office/mac/drawingml/2011/main" xmlns="" val="1"/>
+            </a:ext>
+          </a:extLst>
+        </p:spPr>
+        <p:txBody>
+          <a:bodyPr lIns="35717" tIns="35717" rIns="35717" bIns="35717" anchor="ctr"/>
+          <a:lstStyle>
+            <a:lvl1pPr>
+              <a:defRPr sz="2400"/>
+            </a:lvl1pPr>
+          </a:lstStyle>
+          <a:p>
+            <a:r>
+              <a:t>F</a:t>
+            </a:r>
+          </a:p>
+        </p:txBody>
+      </p:sp>
+      <p:sp>
+        <p:nvSpPr>
+          <p:cNvPr id="285" name="Shape 285"/>
+          <p:cNvSpPr/>
+          <p:nvPr/>
+        </p:nvSpPr>
+        <p:spPr>
+          <a:xfrm>
+            <a:off x="1598414" y="1839516"/>
+            <a:ext cx="419695" cy="428625"/>
+          </a:xfrm>
+          <a:prstGeom prst="ellipse">
+            <a:avLst/>
+          </a:prstGeom>
+          <a:ln w="25400">
+            <a:solidFill>
+              <a:srgbClr val="000000"/>
+            </a:solidFill>
+            <a:miter lim="400000"/>
+          </a:ln>
+          <a:extLst>
+            <a:ext uri="{C572A759-6A51-4108-AA02-DFA0A04FC94B}">
+              <ma14:wrappingTextBoxFlag xmlns:ma14="http://schemas.microsoft.com/office/mac/drawingml/2011/main" xmlns="" val="1"/>
+            </a:ext>
+          </a:extLst>
+        </p:spPr>
+        <p:txBody>
+          <a:bodyPr lIns="35717" tIns="35717" rIns="35717" bIns="35717" anchor="ctr"/>
+          <a:lstStyle>
+            <a:lvl1pPr>
+              <a:defRPr sz="2400"/>
+            </a:lvl1pPr>
+          </a:lstStyle>
+          <a:p>
+            <a:r>
+              <a:t>E</a:t>
+            </a:r>
+          </a:p>
+        </p:txBody>
+      </p:sp>
+      <p:sp>
+        <p:nvSpPr>
+          <p:cNvPr id="286" name="Shape 286"/>
+          <p:cNvSpPr/>
+          <p:nvPr/>
+        </p:nvSpPr>
+        <p:spPr>
+          <a:xfrm>
+            <a:off x="544711" y="1875234"/>
+            <a:ext cx="419695" cy="428625"/>
+          </a:xfrm>
+          <a:prstGeom prst="ellipse">
+            <a:avLst/>
+          </a:prstGeom>
+          <a:ln w="25400">
+            <a:solidFill>
+              <a:srgbClr val="000000"/>
+            </a:solidFill>
+            <a:miter lim="400000"/>
+          </a:ln>
+          <a:extLst>
+            <a:ext uri="{C572A759-6A51-4108-AA02-DFA0A04FC94B}">
+              <ma14:wrappingTextBoxFlag xmlns:ma14="http://schemas.microsoft.com/office/mac/drawingml/2011/main" xmlns="" val="1"/>
+            </a:ext>
+          </a:extLst>
+        </p:spPr>
+        <p:txBody>
+          <a:bodyPr lIns="35717" tIns="35717" rIns="35717" bIns="35717" anchor="ctr"/>
+          <a:lstStyle>
+            <a:lvl1pPr>
+              <a:defRPr sz="2400"/>
+            </a:lvl1pPr>
+          </a:lstStyle>
+          <a:p>
+            <a:r>
+              <a:t>D</a:t>
+            </a:r>
+          </a:p>
+        </p:txBody>
+      </p:sp>
+      <p:sp>
+        <p:nvSpPr>
+          <p:cNvPr id="287" name="Shape 287"/>
+          <p:cNvSpPr/>
+          <p:nvPr/>
+        </p:nvSpPr>
+        <p:spPr>
+          <a:xfrm>
+            <a:off x="1571625" y="1017984"/>
+            <a:ext cx="419695" cy="428625"/>
+          </a:xfrm>
+          <a:prstGeom prst="ellipse">
+            <a:avLst/>
+          </a:prstGeom>
+          <a:ln w="25400">
+            <a:solidFill>
+              <a:srgbClr val="000000"/>
+            </a:solidFill>
+            <a:miter lim="400000"/>
+          </a:ln>
+          <a:extLst>
+            <a:ext uri="{C572A759-6A51-4108-AA02-DFA0A04FC94B}">
+              <ma14:wrappingTextBoxFlag xmlns:ma14="http://schemas.microsoft.com/office/mac/drawingml/2011/main" xmlns="" val="1"/>
+            </a:ext>
+          </a:extLst>
+        </p:spPr>
+        <p:txBody>
+          <a:bodyPr lIns="35717" tIns="35717" rIns="35717" bIns="35717" anchor="ctr"/>
+          <a:lstStyle>
+            <a:lvl1pPr>
+              <a:defRPr sz="2400"/>
+            </a:lvl1pPr>
+          </a:lstStyle>
+          <a:p>
+            <a:r>
+              <a:t>C</a:t>
+            </a:r>
+          </a:p>
+        </p:txBody>
+      </p:sp>
+      <p:sp>
+        <p:nvSpPr>
+          <p:cNvPr id="288" name="Shape 288"/>
+          <p:cNvSpPr/>
+          <p:nvPr/>
+        </p:nvSpPr>
+        <p:spPr>
+          <a:xfrm>
+            <a:off x="544711" y="1062633"/>
+            <a:ext cx="419695" cy="428625"/>
+          </a:xfrm>
+          <a:prstGeom prst="ellipse">
+            <a:avLst/>
+          </a:prstGeom>
+          <a:ln w="25400">
+            <a:solidFill>
+              <a:srgbClr val="000000"/>
+            </a:solidFill>
+            <a:miter lim="400000"/>
+          </a:ln>
+          <a:extLst>
+            <a:ext uri="{C572A759-6A51-4108-AA02-DFA0A04FC94B}">
+              <ma14:wrappingTextBoxFlag xmlns:ma14="http://schemas.microsoft.com/office/mac/drawingml/2011/main" xmlns="" val="1"/>
+            </a:ext>
+          </a:extLst>
+        </p:spPr>
+        <p:txBody>
+          <a:bodyPr lIns="35717" tIns="35717" rIns="35717" bIns="35717" anchor="ctr"/>
+          <a:lstStyle>
+            <a:lvl1pPr>
+              <a:defRPr sz="2400"/>
+            </a:lvl1pPr>
+          </a:lstStyle>
+          <a:p>
+            <a:r>
+              <a:t>B</a:t>
+            </a:r>
+          </a:p>
+        </p:txBody>
+      </p:sp>
+      <p:sp>
+        <p:nvSpPr>
+          <p:cNvPr id="289" name="Shape 289"/>
+          <p:cNvSpPr/>
+          <p:nvPr/>
+        </p:nvSpPr>
+        <p:spPr>
+          <a:xfrm>
+            <a:off x="1035844" y="303609"/>
+            <a:ext cx="419695" cy="428625"/>
+          </a:xfrm>
+          <a:prstGeom prst="ellipse">
+            <a:avLst/>
+          </a:prstGeom>
+          <a:ln w="25400">
+            <a:solidFill>
+              <a:srgbClr val="000000"/>
+            </a:solidFill>
+            <a:miter lim="400000"/>
+          </a:ln>
+          <a:extLst>
+            <a:ext uri="{C572A759-6A51-4108-AA02-DFA0A04FC94B}">
+              <ma14:wrappingTextBoxFlag xmlns:ma14="http://schemas.microsoft.com/office/mac/drawingml/2011/main" xmlns="" val="1"/>
+            </a:ext>
+          </a:extLst>
+        </p:spPr>
+        <p:txBody>
+          <a:bodyPr lIns="35717" tIns="35717" rIns="35717" bIns="35717" anchor="ctr"/>
+          <a:lstStyle>
+            <a:lvl1pPr>
+              <a:defRPr sz="2400"/>
+            </a:lvl1pPr>
+          </a:lstStyle>
+          <a:p>
+            <a:r>
+              <a:t>A</a:t>
+            </a:r>
+          </a:p>
+        </p:txBody>
+      </p:sp>
+      <p:sp>
+        <p:nvSpPr>
+          <p:cNvPr id="290" name="Shape 290"/>
+          <p:cNvSpPr/>
+          <p:nvPr/>
+        </p:nvSpPr>
+        <p:spPr>
+          <a:xfrm>
+            <a:off x="589360" y="3170039"/>
+            <a:ext cx="419695" cy="428625"/>
+          </a:xfrm>
+          <a:prstGeom prst="ellipse">
+            <a:avLst/>
+          </a:prstGeom>
+          <a:ln w="25400">
+            <a:solidFill>
+              <a:srgbClr val="000000"/>
+            </a:solidFill>
+            <a:miter lim="400000"/>
+          </a:ln>
+          <a:extLst>
+            <a:ext uri="{C572A759-6A51-4108-AA02-DFA0A04FC94B}">
+              <ma14:wrappingTextBoxFlag xmlns:ma14="http://schemas.microsoft.com/office/mac/drawingml/2011/main" xmlns="" val="1"/>
+            </a:ext>
+          </a:extLst>
+        </p:spPr>
+        <p:txBody>
+          <a:bodyPr lIns="35717" tIns="35717" rIns="35717" bIns="35717" anchor="ctr"/>
+          <a:lstStyle>
+            <a:lvl1pPr>
+              <a:defRPr sz="2400"/>
+            </a:lvl1pPr>
+          </a:lstStyle>
+          <a:p>
+            <a:r>
+              <a:t>H</a:t>
+            </a:r>
+          </a:p>
+        </p:txBody>
+      </p:sp>
+      <p:sp>
+        <p:nvSpPr>
+          <p:cNvPr id="291" name="Shape 291"/>
+          <p:cNvSpPr/>
+          <p:nvPr/>
+        </p:nvSpPr>
+        <p:spPr>
+          <a:xfrm flipH="1">
+            <a:off x="781862" y="641898"/>
+            <a:ext cx="287459" cy="425537"/>
+          </a:xfrm>
+          <a:prstGeom prst="line">
+            <a:avLst/>
+          </a:prstGeom>
+          <a:ln w="38100">
+            <a:solidFill>
+              <a:srgbClr val="000000"/>
+            </a:solidFill>
+            <a:miter lim="400000"/>
+            <a:tailEnd type="stealth"/>
+          </a:ln>
+        </p:spPr>
+        <p:txBody>
+          <a:bodyPr lIns="35717" tIns="35717" rIns="35717" bIns="35717" anchor="ctr"/>
+          <a:lstStyle/>
+          <a:p>
+            <a:pPr>
+              <a:defRPr sz="2400"/>
+            </a:pPr>
+            <a:endParaRPr/>
+          </a:p>
+        </p:txBody>
+      </p:sp>
+      <p:sp>
+        <p:nvSpPr>
+          <p:cNvPr id="292" name="Shape 292"/>
+          <p:cNvSpPr/>
+          <p:nvPr/>
+        </p:nvSpPr>
+        <p:spPr>
+          <a:xfrm>
+            <a:off x="1425126" y="650633"/>
+            <a:ext cx="264588" cy="370777"/>
+          </a:xfrm>
+          <a:prstGeom prst="line">
+            <a:avLst/>
+          </a:prstGeom>
+          <a:ln w="38100">
+            <a:solidFill>
+              <a:srgbClr val="000000"/>
+            </a:solidFill>
+            <a:miter lim="400000"/>
+            <a:tailEnd type="stealth"/>
+          </a:ln>
+        </p:spPr>
+        <p:txBody>
+          <a:bodyPr lIns="35717" tIns="35717" rIns="35717" bIns="35717" anchor="ctr"/>
+          <a:lstStyle/>
+          <a:p>
+            <a:pPr>
+              <a:defRPr sz="2400"/>
+            </a:pPr>
+            <a:endParaRPr/>
+          </a:p>
+        </p:txBody>
+      </p:sp>
+      <p:sp>
+        <p:nvSpPr>
+          <p:cNvPr id="293" name="Shape 293"/>
+          <p:cNvSpPr/>
+          <p:nvPr/>
+        </p:nvSpPr>
+        <p:spPr>
+          <a:xfrm flipH="1">
+            <a:off x="757006" y="1493714"/>
+            <a:ext cx="4421" cy="401912"/>
+          </a:xfrm>
+          <a:prstGeom prst="line">
+            <a:avLst/>
+          </a:prstGeom>
+          <a:ln w="38100">
+            <a:solidFill>
+              <a:srgbClr val="000000"/>
+            </a:solidFill>
+            <a:miter lim="400000"/>
+            <a:tailEnd type="stealth"/>
+          </a:ln>
+        </p:spPr>
+        <p:txBody>
+          <a:bodyPr lIns="35717" tIns="35717" rIns="35717" bIns="35717" anchor="ctr"/>
+          <a:lstStyle/>
+          <a:p>
+            <a:pPr>
+              <a:defRPr sz="2400"/>
+            </a:pPr>
+            <a:endParaRPr/>
+          </a:p>
+        </p:txBody>
+      </p:sp>
+      <p:sp>
+        <p:nvSpPr>
+          <p:cNvPr id="294" name="Shape 294"/>
+          <p:cNvSpPr/>
+          <p:nvPr/>
+        </p:nvSpPr>
+        <p:spPr>
+          <a:xfrm>
+            <a:off x="1779210" y="1452653"/>
+            <a:ext cx="7803" cy="394201"/>
+          </a:xfrm>
+          <a:prstGeom prst="line">
+            <a:avLst/>
+          </a:prstGeom>
+          <a:ln w="38100">
+            <a:solidFill>
+              <a:srgbClr val="000000"/>
+            </a:solidFill>
+            <a:miter lim="400000"/>
+            <a:tailEnd type="stealth"/>
+          </a:ln>
+        </p:spPr>
+        <p:txBody>
+          <a:bodyPr lIns="35717" tIns="35717" rIns="35717" bIns="35717" anchor="ctr"/>
+          <a:lstStyle/>
+          <a:p>
+            <a:pPr>
+              <a:defRPr sz="2400"/>
+            </a:pPr>
+            <a:endParaRPr/>
+          </a:p>
+        </p:txBody>
+      </p:sp>
+      <p:sp>
+        <p:nvSpPr>
+          <p:cNvPr id="295" name="Shape 295"/>
+          <p:cNvSpPr/>
+          <p:nvPr/>
+        </p:nvSpPr>
+        <p:spPr>
+          <a:xfrm>
+            <a:off x="933258" y="1397006"/>
+            <a:ext cx="712102" cy="553546"/>
+          </a:xfrm>
+          <a:prstGeom prst="line">
+            <a:avLst/>
+          </a:prstGeom>
+          <a:ln w="38100">
+            <a:solidFill>
+              <a:srgbClr val="000000"/>
+            </a:solidFill>
+            <a:miter lim="400000"/>
+            <a:tailEnd type="stealth"/>
+          </a:ln>
+        </p:spPr>
+        <p:txBody>
+          <a:bodyPr lIns="35717" tIns="35717" rIns="35717" bIns="35717" anchor="ctr"/>
+          <a:lstStyle/>
+          <a:p>
+            <a:pPr>
+              <a:defRPr sz="2400"/>
+            </a:pPr>
+            <a:endParaRPr/>
+          </a:p>
+        </p:txBody>
+      </p:sp>
+      <p:sp>
+        <p:nvSpPr>
+          <p:cNvPr id="296" name="Shape 296"/>
+          <p:cNvSpPr/>
+          <p:nvPr/>
+        </p:nvSpPr>
+        <p:spPr>
+          <a:xfrm>
+            <a:off x="971263" y="2086949"/>
+            <a:ext cx="643124" cy="8954"/>
+          </a:xfrm>
+          <a:prstGeom prst="line">
+            <a:avLst/>
+          </a:prstGeom>
+          <a:ln w="38100">
+            <a:solidFill>
+              <a:srgbClr val="000000"/>
+            </a:solidFill>
+            <a:miter lim="400000"/>
+            <a:tailEnd type="stealth"/>
+          </a:ln>
+        </p:spPr>
+        <p:txBody>
+          <a:bodyPr lIns="35717" tIns="35717" rIns="35717" bIns="35717" anchor="ctr"/>
+          <a:lstStyle/>
+          <a:p>
+            <a:pPr>
+              <a:defRPr sz="2400"/>
+            </a:pPr>
+            <a:endParaRPr/>
+          </a:p>
+        </p:txBody>
+      </p:sp>
+      <p:sp>
+        <p:nvSpPr>
+          <p:cNvPr id="297" name="Shape 297"/>
+          <p:cNvSpPr/>
+          <p:nvPr/>
+        </p:nvSpPr>
+        <p:spPr>
+          <a:xfrm>
+            <a:off x="781874" y="2315903"/>
+            <a:ext cx="12544" cy="849278"/>
+          </a:xfrm>
+          <a:prstGeom prst="line">
+            <a:avLst/>
+          </a:prstGeom>
+          <a:ln w="38100">
+            <a:solidFill>
+              <a:srgbClr val="000000"/>
+            </a:solidFill>
+            <a:miter lim="400000"/>
+            <a:tailEnd type="stealth"/>
+          </a:ln>
+        </p:spPr>
+        <p:txBody>
+          <a:bodyPr lIns="35717" tIns="35717" rIns="35717" bIns="35717" anchor="ctr"/>
+          <a:lstStyle/>
+          <a:p>
+            <a:pPr>
+              <a:defRPr sz="2400"/>
+            </a:pPr>
+            <a:endParaRPr/>
+          </a:p>
+        </p:txBody>
+      </p:sp>
+      <p:sp>
+        <p:nvSpPr>
+          <p:cNvPr id="298" name="Shape 298"/>
+          <p:cNvSpPr/>
+          <p:nvPr/>
+        </p:nvSpPr>
+        <p:spPr>
+          <a:xfrm>
+            <a:off x="882403" y="2263914"/>
+            <a:ext cx="291916" cy="289126"/>
+          </a:xfrm>
+          <a:prstGeom prst="line">
+            <a:avLst/>
+          </a:prstGeom>
+          <a:ln w="38100">
+            <a:solidFill>
+              <a:srgbClr val="000000"/>
+            </a:solidFill>
+            <a:miter lim="400000"/>
+            <a:tailEnd type="stealth"/>
+          </a:ln>
+        </p:spPr>
+        <p:txBody>
+          <a:bodyPr lIns="35717" tIns="35717" rIns="35717" bIns="35717" anchor="ctr"/>
+          <a:lstStyle/>
+          <a:p>
+            <a:pPr>
+              <a:defRPr sz="2400"/>
+            </a:pPr>
+            <a:endParaRPr/>
+          </a:p>
+        </p:txBody>
+      </p:sp>
+      <p:sp>
+        <p:nvSpPr>
+          <p:cNvPr id="299" name="Shape 299"/>
+          <p:cNvSpPr/>
+          <p:nvPr/>
+        </p:nvSpPr>
+        <p:spPr>
+          <a:xfrm flipH="1">
+            <a:off x="1467124" y="2251594"/>
+            <a:ext cx="242615" cy="274336"/>
+          </a:xfrm>
+          <a:prstGeom prst="line">
+            <a:avLst/>
+          </a:prstGeom>
+          <a:ln w="38100">
+            <a:solidFill>
+              <a:srgbClr val="000000"/>
+            </a:solidFill>
+            <a:miter lim="400000"/>
+            <a:tailEnd type="stealth"/>
+          </a:ln>
+        </p:spPr>
+        <p:txBody>
+          <a:bodyPr lIns="35717" tIns="35717" rIns="35717" bIns="35717" anchor="ctr"/>
+          <a:lstStyle/>
+          <a:p>
+            <a:pPr>
+              <a:defRPr sz="2400"/>
+            </a:pPr>
+            <a:endParaRPr/>
+          </a:p>
+        </p:txBody>
+      </p:sp>
+      <p:sp>
+        <p:nvSpPr>
+          <p:cNvPr id="300" name="Shape 300"/>
+          <p:cNvSpPr/>
+          <p:nvPr/>
+        </p:nvSpPr>
+        <p:spPr>
+          <a:xfrm>
+            <a:off x="1477559" y="2882344"/>
+            <a:ext cx="236484" cy="291232"/>
+          </a:xfrm>
+          <a:prstGeom prst="line">
+            <a:avLst/>
+          </a:prstGeom>
+          <a:ln w="38100">
+            <a:solidFill>
+              <a:srgbClr val="000000"/>
+            </a:solidFill>
+            <a:miter lim="400000"/>
+            <a:tailEnd type="stealth"/>
+          </a:ln>
+        </p:spPr>
+        <p:txBody>
+          <a:bodyPr lIns="35717" tIns="35717" rIns="35717" bIns="35717" anchor="ctr"/>
+          <a:lstStyle/>
+          <a:p>
+            <a:pPr>
+              <a:defRPr sz="2400"/>
+            </a:pPr>
+            <a:endParaRPr/>
+          </a:p>
+        </p:txBody>
+      </p:sp>
+      <p:sp>
+        <p:nvSpPr>
+          <p:cNvPr id="301" name="Shape 301"/>
+          <p:cNvSpPr/>
+          <p:nvPr/>
+        </p:nvSpPr>
+        <p:spPr>
+          <a:xfrm flipV="1">
+            <a:off x="1018036" y="3357751"/>
+            <a:ext cx="598289" cy="1013"/>
+          </a:xfrm>
+          <a:prstGeom prst="line">
+            <a:avLst/>
+          </a:prstGeom>
+          <a:ln w="38100">
+            <a:solidFill>
+              <a:srgbClr val="000000"/>
+            </a:solidFill>
+            <a:miter lim="400000"/>
+            <a:tailEnd type="stealth"/>
+          </a:ln>
+        </p:spPr>
+        <p:txBody>
+          <a:bodyPr lIns="35717" tIns="35717" rIns="35717" bIns="35717" anchor="ctr"/>
+          <a:lstStyle/>
+          <a:p>
+            <a:pPr>
+              <a:defRPr sz="2400"/>
+            </a:pPr>
+            <a:endParaRPr/>
+          </a:p>
+        </p:txBody>
+      </p:sp>
+      <p:sp>
+        <p:nvSpPr>
+          <p:cNvPr id="302" name="Shape 302"/>
+          <p:cNvSpPr/>
+          <p:nvPr/>
+        </p:nvSpPr>
+        <p:spPr>
+          <a:xfrm>
+            <a:off x="942117" y="3629482"/>
+            <a:ext cx="323804" cy="349131"/>
+          </a:xfrm>
+          <a:prstGeom prst="rect">
+            <a:avLst/>
+          </a:prstGeom>
+          <a:ln w="12700">
+            <a:miter lim="400000"/>
+          </a:ln>
+          <a:extLst>
+            <a:ext uri="{C572A759-6A51-4108-AA02-DFA0A04FC94B}">
+              <ma14:wrappingTextBoxFlag xmlns:ma14="http://schemas.microsoft.com/office/mac/drawingml/2011/main" xmlns="" val="1"/>
+            </a:ext>
+          </a:extLst>
+        </p:spPr>
+        <p:txBody>
+          <a:bodyPr wrap="none" lIns="35717" tIns="35717" rIns="35717" bIns="35717" anchor="ctr">
+            <a:spAutoFit/>
+          </a:bodyPr>
+          <a:lstStyle/>
+          <a:p>
+            <a:r>
+              <a:t>(a)</a:t>
+            </a:r>
+          </a:p>
+        </p:txBody>
+      </p:sp>
+    </p:spTree>
+    <p:extLst>
+      <p:ext uri="{BB962C8B-B14F-4D97-AF65-F5344CB8AC3E}">
+        <p14:creationId xmlns:p14="http://schemas.microsoft.com/office/powerpoint/2010/main" val="1392680533"/>
+      </p:ext>
+    </p:extLst>
+  </p:cSld>
+  <p:clrMapOvr>
+    <a:masterClrMapping/>
+  </p:clrMapOvr>
+  <p:transition spd="med"/>
+</p:sld>
+</file>
+
 <file path=ppt/theme/theme1.xml><?xml version="1.0" encoding="utf-8"?>
 <a:theme xmlns:a="http://schemas.openxmlformats.org/drawingml/2006/main" name="Office Theme">
   <a:themeElements>
